--- a/Documentations/Supervisor Meeting PowerPoints/13._Supervisor_Meeting_12Feb21.pptx
+++ b/Documentations/Supervisor Meeting PowerPoints/13._Supervisor_Meeting_12Feb21.pptx
@@ -12,7 +12,7 @@
     <p:sldId id="257" r:id="rId3"/>
     <p:sldId id="343" r:id="rId4"/>
     <p:sldId id="394" r:id="rId5"/>
-    <p:sldId id="396" r:id="rId6"/>
+    <p:sldId id="395" r:id="rId6"/>
     <p:sldId id="331" r:id="rId7"/>
   </p:sldIdLst>
   <p:sldSz cx="18288000" cy="10287000"/>
@@ -3492,20 +3492,28 @@
     </pc:docChg>
   </pc:docChgLst>
   <pc:docChgLst>
-    <pc:chgData name="Andrew Ming Ho Wu" userId="620d876fccae6a25" providerId="LiveId" clId="{301D553B-ED1B-4DD0-8B60-0326FA0FE40D}"/>
-    <pc:docChg chg="undo custSel modSld sldOrd">
-      <pc:chgData name="Andrew Ming Ho Wu" userId="620d876fccae6a25" providerId="LiveId" clId="{301D553B-ED1B-4DD0-8B60-0326FA0FE40D}" dt="2020-12-04T09:57:29.774" v="2192" actId="20577"/>
+    <pc:chgData name="Andrew Ming Ho Wu" userId="620d876fccae6a25" providerId="LiveId" clId="{B8CC6B97-FBEB-4E84-A973-1D8D00A51797}"/>
+    <pc:docChg chg="undo redo custSel addSld delSld modSld">
+      <pc:chgData name="Andrew Ming Ho Wu" userId="620d876fccae6a25" providerId="LiveId" clId="{B8CC6B97-FBEB-4E84-A973-1D8D00A51797}" dt="2020-12-09T20:21:14.831" v="3322" actId="1076"/>
       <pc:docMkLst>
         <pc:docMk/>
       </pc:docMkLst>
       <pc:sldChg chg="modSp mod">
-        <pc:chgData name="Andrew Ming Ho Wu" userId="620d876fccae6a25" providerId="LiveId" clId="{301D553B-ED1B-4DD0-8B60-0326FA0FE40D}" dt="2020-12-04T09:23:30.694" v="1648" actId="20577"/>
+        <pc:chgData name="Andrew Ming Ho Wu" userId="620d876fccae6a25" providerId="LiveId" clId="{B8CC6B97-FBEB-4E84-A973-1D8D00A51797}" dt="2020-12-07T23:20:20.434" v="2391" actId="20577"/>
         <pc:sldMkLst>
           <pc:docMk/>
           <pc:sldMk cId="0" sldId="256"/>
         </pc:sldMkLst>
         <pc:spChg chg="mod">
-          <ac:chgData name="Andrew Ming Ho Wu" userId="620d876fccae6a25" providerId="LiveId" clId="{301D553B-ED1B-4DD0-8B60-0326FA0FE40D}" dt="2020-12-04T09:23:30.694" v="1648" actId="20577"/>
+          <ac:chgData name="Andrew Ming Ho Wu" userId="620d876fccae6a25" providerId="LiveId" clId="{B8CC6B97-FBEB-4E84-A973-1D8D00A51797}" dt="2020-12-07T23:20:20.434" v="2391" actId="20577"/>
+          <ac:spMkLst>
+            <pc:docMk/>
+            <pc:sldMk cId="0" sldId="256"/>
+            <ac:spMk id="7" creationId="{00000000-0000-0000-0000-000000000000}"/>
+          </ac:spMkLst>
+        </pc:spChg>
+        <pc:spChg chg="mod">
+          <ac:chgData name="Andrew Ming Ho Wu" userId="620d876fccae6a25" providerId="LiveId" clId="{B8CC6B97-FBEB-4E84-A973-1D8D00A51797}" dt="2020-12-07T11:47:32.514" v="4" actId="20577"/>
           <ac:spMkLst>
             <pc:docMk/>
             <pc:sldMk cId="0" sldId="256"/>
@@ -3513,14 +3521,14 @@
           </ac:spMkLst>
         </pc:spChg>
       </pc:sldChg>
-      <pc:sldChg chg="modSp mod ord">
-        <pc:chgData name="Andrew Ming Ho Wu" userId="620d876fccae6a25" providerId="LiveId" clId="{301D553B-ED1B-4DD0-8B60-0326FA0FE40D}" dt="2020-12-04T09:37:15.202" v="1818" actId="1076"/>
+      <pc:sldChg chg="modSp del mod">
+        <pc:chgData name="Andrew Ming Ho Wu" userId="620d876fccae6a25" providerId="LiveId" clId="{B8CC6B97-FBEB-4E84-A973-1D8D00A51797}" dt="2020-12-07T14:43:22.840" v="2386" actId="47"/>
         <pc:sldMkLst>
           <pc:docMk/>
           <pc:sldMk cId="3627176467" sldId="330"/>
         </pc:sldMkLst>
         <pc:spChg chg="mod">
-          <ac:chgData name="Andrew Ming Ho Wu" userId="620d876fccae6a25" providerId="LiveId" clId="{301D553B-ED1B-4DD0-8B60-0326FA0FE40D}" dt="2020-12-04T09:37:15.202" v="1818" actId="1076"/>
+          <ac:chgData name="Andrew Ming Ho Wu" userId="620d876fccae6a25" providerId="LiveId" clId="{B8CC6B97-FBEB-4E84-A973-1D8D00A51797}" dt="2020-12-07T11:49:36.385" v="427" actId="115"/>
           <ac:spMkLst>
             <pc:docMk/>
             <pc:sldMk cId="3627176467" sldId="330"/>
@@ -3529,63 +3537,1210 @@
         </pc:spChg>
       </pc:sldChg>
       <pc:sldChg chg="addSp delSp modSp mod">
-        <pc:chgData name="Andrew Ming Ho Wu" userId="620d876fccae6a25" providerId="LiveId" clId="{301D553B-ED1B-4DD0-8B60-0326FA0FE40D}" dt="2020-12-04T09:57:29.774" v="2192" actId="20577"/>
+        <pc:chgData name="Andrew Ming Ho Wu" userId="620d876fccae6a25" providerId="LiveId" clId="{B8CC6B97-FBEB-4E84-A973-1D8D00A51797}" dt="2020-12-09T20:19:32.434" v="3257" actId="20577"/>
         <pc:sldMkLst>
           <pc:docMk/>
           <pc:sldMk cId="2206058006" sldId="333"/>
         </pc:sldMkLst>
         <pc:spChg chg="mod">
-          <ac:chgData name="Andrew Ming Ho Wu" userId="620d876fccae6a25" providerId="LiveId" clId="{301D553B-ED1B-4DD0-8B60-0326FA0FE40D}" dt="2020-12-04T09:54:08.146" v="2088" actId="1076"/>
+          <ac:chgData name="Andrew Ming Ho Wu" userId="620d876fccae6a25" providerId="LiveId" clId="{B8CC6B97-FBEB-4E84-A973-1D8D00A51797}" dt="2020-12-08T20:51:48.995" v="2411" actId="20577"/>
           <ac:spMkLst>
             <pc:docMk/>
             <pc:sldMk cId="2206058006" sldId="333"/>
             <ac:spMk id="5" creationId="{00000000-0000-0000-0000-000000000000}"/>
           </ac:spMkLst>
         </pc:spChg>
-        <pc:spChg chg="add del mod">
-          <ac:chgData name="Andrew Ming Ho Wu" userId="620d876fccae6a25" providerId="LiveId" clId="{301D553B-ED1B-4DD0-8B60-0326FA0FE40D}" dt="2020-12-04T09:57:29.774" v="2192" actId="20577"/>
+        <pc:spChg chg="del">
+          <ac:chgData name="Andrew Ming Ho Wu" userId="620d876fccae6a25" providerId="LiveId" clId="{B8CC6B97-FBEB-4E84-A973-1D8D00A51797}" dt="2020-12-07T11:49:40.438" v="428" actId="478"/>
           <ac:spMkLst>
             <pc:docMk/>
             <pc:sldMk cId="2206058006" sldId="333"/>
             <ac:spMk id="11" creationId="{3E2506E2-B67A-4B0D-BA61-6B13AC56BACF}"/>
           </ac:spMkLst>
         </pc:spChg>
-      </pc:sldChg>
-      <pc:sldChg chg="modSp mod">
-        <pc:chgData name="Andrew Ming Ho Wu" userId="620d876fccae6a25" providerId="LiveId" clId="{301D553B-ED1B-4DD0-8B60-0326FA0FE40D}" dt="2020-12-03T19:29:39.167" v="656" actId="20577"/>
+        <pc:spChg chg="add del mod">
+          <ac:chgData name="Andrew Ming Ho Wu" userId="620d876fccae6a25" providerId="LiveId" clId="{B8CC6B97-FBEB-4E84-A973-1D8D00A51797}" dt="2020-12-09T20:19:32.434" v="3257" actId="20577"/>
+          <ac:spMkLst>
+            <pc:docMk/>
+            <pc:sldMk cId="2206058006" sldId="333"/>
+            <ac:spMk id="12" creationId="{11F2B6B6-0466-4FF3-9677-694F0F61AE7C}"/>
+          </ac:spMkLst>
+        </pc:spChg>
+        <pc:grpChg chg="mod">
+          <ac:chgData name="Andrew Ming Ho Wu" userId="620d876fccae6a25" providerId="LiveId" clId="{B8CC6B97-FBEB-4E84-A973-1D8D00A51797}" dt="2020-12-07T11:50:20.258" v="465" actId="1076"/>
+          <ac:grpSpMkLst>
+            <pc:docMk/>
+            <pc:sldMk cId="2206058006" sldId="333"/>
+            <ac:grpSpMk id="2" creationId="{00000000-0000-0000-0000-000000000000}"/>
+          </ac:grpSpMkLst>
+        </pc:grpChg>
+        <pc:grpChg chg="mod">
+          <ac:chgData name="Andrew Ming Ho Wu" userId="620d876fccae6a25" providerId="LiveId" clId="{B8CC6B97-FBEB-4E84-A973-1D8D00A51797}" dt="2020-12-07T11:50:22.733" v="466" actId="1076"/>
+          <ac:grpSpMkLst>
+            <pc:docMk/>
+            <pc:sldMk cId="2206058006" sldId="333"/>
+            <ac:grpSpMk id="8" creationId="{00000000-0000-0000-0000-000000000000}"/>
+          </ac:grpSpMkLst>
+        </pc:grpChg>
+      </pc:sldChg>
+      <pc:sldChg chg="addSp delSp modSp mod">
+        <pc:chgData name="Andrew Ming Ho Wu" userId="620d876fccae6a25" providerId="LiveId" clId="{B8CC6B97-FBEB-4E84-A973-1D8D00A51797}" dt="2020-12-07T12:17:11.563" v="2385" actId="20577"/>
         <pc:sldMkLst>
           <pc:docMk/>
           <pc:sldMk cId="2818220858" sldId="343"/>
         </pc:sldMkLst>
         <pc:spChg chg="mod">
-          <ac:chgData name="Andrew Ming Ho Wu" userId="620d876fccae6a25" providerId="LiveId" clId="{301D553B-ED1B-4DD0-8B60-0326FA0FE40D}" dt="2020-12-03T19:29:34.248" v="655" actId="20577"/>
+          <ac:chgData name="Andrew Ming Ho Wu" userId="620d876fccae6a25" providerId="LiveId" clId="{B8CC6B97-FBEB-4E84-A973-1D8D00A51797}" dt="2020-12-07T12:16:53.205" v="2364" actId="1076"/>
+          <ac:spMkLst>
+            <pc:docMk/>
+            <pc:sldMk cId="2818220858" sldId="343"/>
+            <ac:spMk id="5" creationId="{81D7F47C-B22C-46A9-BD87-E2FA064EC20F}"/>
+          </ac:spMkLst>
+        </pc:spChg>
+        <pc:spChg chg="mod">
+          <ac:chgData name="Andrew Ming Ho Wu" userId="620d876fccae6a25" providerId="LiveId" clId="{B8CC6B97-FBEB-4E84-A973-1D8D00A51797}" dt="2020-12-07T12:16:25.853" v="2338" actId="20577"/>
           <ac:spMkLst>
             <pc:docMk/>
             <pc:sldMk cId="2818220858" sldId="343"/>
             <ac:spMk id="8" creationId="{9D42ABF8-029E-4F29-B608-8C118D28ABA1}"/>
           </ac:spMkLst>
         </pc:spChg>
-        <pc:spChg chg="mod">
-          <ac:chgData name="Andrew Ming Ho Wu" userId="620d876fccae6a25" providerId="LiveId" clId="{301D553B-ED1B-4DD0-8B60-0326FA0FE40D}" dt="2020-12-03T19:29:39.167" v="656" actId="20577"/>
+        <pc:spChg chg="add del mod">
+          <ac:chgData name="Andrew Ming Ho Wu" userId="620d876fccae6a25" providerId="LiveId" clId="{B8CC6B97-FBEB-4E84-A973-1D8D00A51797}" dt="2020-12-07T12:17:00.094" v="2366"/>
+          <ac:spMkLst>
+            <pc:docMk/>
+            <pc:sldMk cId="2818220858" sldId="343"/>
+            <ac:spMk id="14" creationId="{4008C9F8-7034-4640-926C-69C20356432C}"/>
+          </ac:spMkLst>
+        </pc:spChg>
+        <pc:spChg chg="mod">
+          <ac:chgData name="Andrew Ming Ho Wu" userId="620d876fccae6a25" providerId="LiveId" clId="{B8CC6B97-FBEB-4E84-A973-1D8D00A51797}" dt="2020-12-07T11:47:46.566" v="35" actId="20577"/>
           <ac:spMkLst>
             <pc:docMk/>
             <pc:sldMk cId="2818220858" sldId="343"/>
             <ac:spMk id="15" creationId="{5FC8DCBF-4CCE-4C22-8B9F-CC50B4D8446D}"/>
           </ac:spMkLst>
         </pc:spChg>
+        <pc:spChg chg="add mod">
+          <ac:chgData name="Andrew Ming Ho Wu" userId="620d876fccae6a25" providerId="LiveId" clId="{B8CC6B97-FBEB-4E84-A973-1D8D00A51797}" dt="2020-12-07T12:17:11.563" v="2385" actId="20577"/>
+          <ac:spMkLst>
+            <pc:docMk/>
+            <pc:sldMk cId="2818220858" sldId="343"/>
+            <ac:spMk id="16" creationId="{9776CE46-BCD9-4FBA-A83A-BE5C5D29A965}"/>
+          </ac:spMkLst>
+        </pc:spChg>
+        <pc:grpChg chg="mod">
+          <ac:chgData name="Andrew Ming Ho Wu" userId="620d876fccae6a25" providerId="LiveId" clId="{B8CC6B97-FBEB-4E84-A973-1D8D00A51797}" dt="2020-12-07T12:16:48.563" v="2363" actId="1076"/>
+          <ac:grpSpMkLst>
+            <pc:docMk/>
+            <pc:sldMk cId="2818220858" sldId="343"/>
+            <ac:grpSpMk id="2" creationId="{00000000-0000-0000-0000-000000000000}"/>
+          </ac:grpSpMkLst>
+        </pc:grpChg>
+      </pc:sldChg>
+      <pc:sldChg chg="modSp mod">
+        <pc:chgData name="Andrew Ming Ho Wu" userId="620d876fccae6a25" providerId="LiveId" clId="{B8CC6B97-FBEB-4E84-A973-1D8D00A51797}" dt="2020-12-07T12:12:01.475" v="2130" actId="20577"/>
+        <pc:sldMkLst>
+          <pc:docMk/>
+          <pc:sldMk cId="1002563172" sldId="387"/>
+        </pc:sldMkLst>
+        <pc:spChg chg="mod">
+          <ac:chgData name="Andrew Ming Ho Wu" userId="620d876fccae6a25" providerId="LiveId" clId="{B8CC6B97-FBEB-4E84-A973-1D8D00A51797}" dt="2020-12-07T12:12:01.475" v="2130" actId="20577"/>
+          <ac:spMkLst>
+            <pc:docMk/>
+            <pc:sldMk cId="1002563172" sldId="387"/>
+            <ac:spMk id="5" creationId="{00000000-0000-0000-0000-000000000000}"/>
+          </ac:spMkLst>
+        </pc:spChg>
+      </pc:sldChg>
+      <pc:sldChg chg="modSp add mod">
+        <pc:chgData name="Andrew Ming Ho Wu" userId="620d876fccae6a25" providerId="LiveId" clId="{B8CC6B97-FBEB-4E84-A973-1D8D00A51797}" dt="2020-12-09T20:21:14.831" v="3322" actId="1076"/>
+        <pc:sldMkLst>
+          <pc:docMk/>
+          <pc:sldMk cId="2049264590" sldId="388"/>
+        </pc:sldMkLst>
+        <pc:spChg chg="mod">
+          <ac:chgData name="Andrew Ming Ho Wu" userId="620d876fccae6a25" providerId="LiveId" clId="{B8CC6B97-FBEB-4E84-A973-1D8D00A51797}" dt="2020-12-09T20:21:14.831" v="3322" actId="1076"/>
+          <ac:spMkLst>
+            <pc:docMk/>
+            <pc:sldMk cId="2049264590" sldId="388"/>
+            <ac:spMk id="12" creationId="{11F2B6B6-0466-4FF3-9677-694F0F61AE7C}"/>
+          </ac:spMkLst>
+        </pc:spChg>
+      </pc:sldChg>
+      <pc:sldChg chg="add">
+        <pc:chgData name="Andrew Ming Ho Wu" userId="620d876fccae6a25" providerId="LiveId" clId="{B8CC6B97-FBEB-4E84-A973-1D8D00A51797}" dt="2020-12-07T12:11:57.600" v="2129" actId="2890"/>
+        <pc:sldMkLst>
+          <pc:docMk/>
+          <pc:sldMk cId="1012779811" sldId="389"/>
+        </pc:sldMkLst>
+      </pc:sldChg>
+      <pc:sldChg chg="modSp add mod">
+        <pc:chgData name="Andrew Ming Ho Wu" userId="620d876fccae6a25" providerId="LiveId" clId="{B8CC6B97-FBEB-4E84-A973-1D8D00A51797}" dt="2020-12-07T12:13:16.646" v="2234" actId="255"/>
+        <pc:sldMkLst>
+          <pc:docMk/>
+          <pc:sldMk cId="2782934202" sldId="390"/>
+        </pc:sldMkLst>
+        <pc:spChg chg="mod">
+          <ac:chgData name="Andrew Ming Ho Wu" userId="620d876fccae6a25" providerId="LiveId" clId="{B8CC6B97-FBEB-4E84-A973-1D8D00A51797}" dt="2020-12-07T12:12:22.476" v="2139" actId="20577"/>
+          <ac:spMkLst>
+            <pc:docMk/>
+            <pc:sldMk cId="2782934202" sldId="390"/>
+            <ac:spMk id="5" creationId="{00000000-0000-0000-0000-000000000000}"/>
+          </ac:spMkLst>
+        </pc:spChg>
+        <pc:spChg chg="mod">
+          <ac:chgData name="Andrew Ming Ho Wu" userId="620d876fccae6a25" providerId="LiveId" clId="{B8CC6B97-FBEB-4E84-A973-1D8D00A51797}" dt="2020-12-07T12:13:16.646" v="2234" actId="255"/>
+          <ac:spMkLst>
+            <pc:docMk/>
+            <pc:sldMk cId="2782934202" sldId="390"/>
+            <ac:spMk id="12" creationId="{11F2B6B6-0466-4FF3-9677-694F0F61AE7C}"/>
+          </ac:spMkLst>
+        </pc:spChg>
+      </pc:sldChg>
+      <pc:sldChg chg="modSp add mod">
+        <pc:chgData name="Andrew Ming Ho Wu" userId="620d876fccae6a25" providerId="LiveId" clId="{B8CC6B97-FBEB-4E84-A973-1D8D00A51797}" dt="2020-12-07T12:14:09.189" v="2268" actId="20577"/>
+        <pc:sldMkLst>
+          <pc:docMk/>
+          <pc:sldMk cId="2582986712" sldId="391"/>
+        </pc:sldMkLst>
+        <pc:spChg chg="mod">
+          <ac:chgData name="Andrew Ming Ho Wu" userId="620d876fccae6a25" providerId="LiveId" clId="{B8CC6B97-FBEB-4E84-A973-1D8D00A51797}" dt="2020-12-07T12:14:09.189" v="2268" actId="20577"/>
+          <ac:spMkLst>
+            <pc:docMk/>
+            <pc:sldMk cId="2582986712" sldId="391"/>
+            <ac:spMk id="12" creationId="{11F2B6B6-0466-4FF3-9677-694F0F61AE7C}"/>
+          </ac:spMkLst>
+        </pc:spChg>
+      </pc:sldChg>
+      <pc:sldChg chg="modSp add mod">
+        <pc:chgData name="Andrew Ming Ho Wu" userId="620d876fccae6a25" providerId="LiveId" clId="{B8CC6B97-FBEB-4E84-A973-1D8D00A51797}" dt="2020-12-07T12:15:51.208" v="2307" actId="255"/>
+        <pc:sldMkLst>
+          <pc:docMk/>
+          <pc:sldMk cId="161672857" sldId="392"/>
+        </pc:sldMkLst>
+        <pc:spChg chg="mod">
+          <ac:chgData name="Andrew Ming Ho Wu" userId="620d876fccae6a25" providerId="LiveId" clId="{B8CC6B97-FBEB-4E84-A973-1D8D00A51797}" dt="2020-12-07T12:15:14.773" v="2298" actId="20577"/>
+          <ac:spMkLst>
+            <pc:docMk/>
+            <pc:sldMk cId="161672857" sldId="392"/>
+            <ac:spMk id="5" creationId="{00000000-0000-0000-0000-000000000000}"/>
+          </ac:spMkLst>
+        </pc:spChg>
+        <pc:spChg chg="mod">
+          <ac:chgData name="Andrew Ming Ho Wu" userId="620d876fccae6a25" providerId="LiveId" clId="{B8CC6B97-FBEB-4E84-A973-1D8D00A51797}" dt="2020-12-07T12:15:51.208" v="2307" actId="255"/>
+          <ac:spMkLst>
+            <pc:docMk/>
+            <pc:sldMk cId="161672857" sldId="392"/>
+            <ac:spMk id="12" creationId="{11F2B6B6-0466-4FF3-9677-694F0F61AE7C}"/>
+          </ac:spMkLst>
+        </pc:spChg>
+      </pc:sldChg>
+      <pc:sldChg chg="modSp add mod">
+        <pc:chgData name="Andrew Ming Ho Wu" userId="620d876fccae6a25" providerId="LiveId" clId="{B8CC6B97-FBEB-4E84-A973-1D8D00A51797}" dt="2020-12-09T20:20:31.079" v="3296" actId="20577"/>
+        <pc:sldMkLst>
+          <pc:docMk/>
+          <pc:sldMk cId="226674003" sldId="393"/>
+        </pc:sldMkLst>
+        <pc:spChg chg="mod">
+          <ac:chgData name="Andrew Ming Ho Wu" userId="620d876fccae6a25" providerId="LiveId" clId="{B8CC6B97-FBEB-4E84-A973-1D8D00A51797}" dt="2020-12-09T20:20:31.079" v="3296" actId="20577"/>
+          <ac:spMkLst>
+            <pc:docMk/>
+            <pc:sldMk cId="226674003" sldId="393"/>
+            <ac:spMk id="12" creationId="{11F2B6B6-0466-4FF3-9677-694F0F61AE7C}"/>
+          </ac:spMkLst>
+        </pc:spChg>
+      </pc:sldChg>
+      <pc:sldChg chg="add del">
+        <pc:chgData name="Andrew Ming Ho Wu" userId="620d876fccae6a25" providerId="LiveId" clId="{B8CC6B97-FBEB-4E84-A973-1D8D00A51797}" dt="2020-12-08T20:51:41.486" v="2393"/>
+        <pc:sldMkLst>
+          <pc:docMk/>
+          <pc:sldMk cId="1879883029" sldId="393"/>
+        </pc:sldMkLst>
+      </pc:sldChg>
+    </pc:docChg>
+  </pc:docChgLst>
+  <pc:docChgLst>
+    <pc:chgData name="Andrew Ming Ho Wu" userId="620d876fccae6a25" providerId="LiveId" clId="{EF3BC0AB-AB59-4C81-97A5-1FDA4EE47D87}"/>
+    <pc:docChg chg="undo redo custSel addSld delSld modSld">
+      <pc:chgData name="Andrew Ming Ho Wu" userId="620d876fccae6a25" providerId="LiveId" clId="{EF3BC0AB-AB59-4C81-97A5-1FDA4EE47D87}" dt="2020-09-27T18:57:17.757" v="14458" actId="20577"/>
+      <pc:docMkLst>
+        <pc:docMk/>
+      </pc:docMkLst>
+      <pc:sldChg chg="delSp modSp mod modNotesTx">
+        <pc:chgData name="Andrew Ming Ho Wu" userId="620d876fccae6a25" providerId="LiveId" clId="{EF3BC0AB-AB59-4C81-97A5-1FDA4EE47D87}" dt="2020-09-27T09:55:20.712" v="4391" actId="255"/>
+        <pc:sldMkLst>
+          <pc:docMk/>
+          <pc:sldMk cId="0" sldId="256"/>
+        </pc:sldMkLst>
+        <pc:spChg chg="mod">
+          <ac:chgData name="Andrew Ming Ho Wu" userId="620d876fccae6a25" providerId="LiveId" clId="{EF3BC0AB-AB59-4C81-97A5-1FDA4EE47D87}" dt="2020-09-27T09:55:20.712" v="4391" actId="255"/>
+          <ac:spMkLst>
+            <pc:docMk/>
+            <pc:sldMk cId="0" sldId="256"/>
+            <ac:spMk id="7" creationId="{00000000-0000-0000-0000-000000000000}"/>
+          </ac:spMkLst>
+        </pc:spChg>
+        <pc:spChg chg="del mod">
+          <ac:chgData name="Andrew Ming Ho Wu" userId="620d876fccae6a25" providerId="LiveId" clId="{EF3BC0AB-AB59-4C81-97A5-1FDA4EE47D87}" dt="2020-09-23T13:10:09.932" v="29"/>
+          <ac:spMkLst>
+            <pc:docMk/>
+            <pc:sldMk cId="0" sldId="256"/>
+            <ac:spMk id="8" creationId="{00000000-0000-0000-0000-000000000000}"/>
+          </ac:spMkLst>
+        </pc:spChg>
+        <pc:spChg chg="mod">
+          <ac:chgData name="Andrew Ming Ho Wu" userId="620d876fccae6a25" providerId="LiveId" clId="{EF3BC0AB-AB59-4C81-97A5-1FDA4EE47D87}" dt="2020-09-26T17:04:55.185" v="4379" actId="20577"/>
+          <ac:spMkLst>
+            <pc:docMk/>
+            <pc:sldMk cId="0" sldId="256"/>
+            <ac:spMk id="13" creationId="{0477D28A-3F44-4405-BD2B-4F00158DB1B3}"/>
+          </ac:spMkLst>
+        </pc:spChg>
       </pc:sldChg>
       <pc:sldChg chg="addSp delSp modSp mod">
-        <pc:chgData name="Andrew Ming Ho Wu" userId="620d876fccae6a25" providerId="LiveId" clId="{301D553B-ED1B-4DD0-8B60-0326FA0FE40D}" dt="2020-12-03T19:23:50.731" v="4"/>
-        <pc:sldMkLst>
-          <pc:docMk/>
-          <pc:sldMk cId="1002563172" sldId="387"/>
+        <pc:chgData name="Andrew Ming Ho Wu" userId="620d876fccae6a25" providerId="LiveId" clId="{EF3BC0AB-AB59-4C81-97A5-1FDA4EE47D87}" dt="2020-09-26T16:12:34.168" v="949" actId="1076"/>
+        <pc:sldMkLst>
+          <pc:docMk/>
+          <pc:sldMk cId="0" sldId="257"/>
+        </pc:sldMkLst>
+        <pc:spChg chg="add mod">
+          <ac:chgData name="Andrew Ming Ho Wu" userId="620d876fccae6a25" providerId="LiveId" clId="{EF3BC0AB-AB59-4C81-97A5-1FDA4EE47D87}" dt="2020-09-26T16:12:00.026" v="902" actId="1076"/>
+          <ac:spMkLst>
+            <pc:docMk/>
+            <pc:sldMk cId="0" sldId="257"/>
+            <ac:spMk id="5" creationId="{81D7F47C-B22C-46A9-BD87-E2FA064EC20F}"/>
+          </ac:spMkLst>
+        </pc:spChg>
+        <pc:spChg chg="mod">
+          <ac:chgData name="Andrew Ming Ho Wu" userId="620d876fccae6a25" providerId="LiveId" clId="{EF3BC0AB-AB59-4C81-97A5-1FDA4EE47D87}" dt="2020-09-26T16:11:40.182" v="900" actId="1076"/>
+          <ac:spMkLst>
+            <pc:docMk/>
+            <pc:sldMk cId="0" sldId="257"/>
+            <ac:spMk id="6" creationId="{00000000-0000-0000-0000-000000000000}"/>
+          </ac:spMkLst>
+        </pc:spChg>
+        <pc:spChg chg="add mod">
+          <ac:chgData name="Andrew Ming Ho Wu" userId="620d876fccae6a25" providerId="LiveId" clId="{EF3BC0AB-AB59-4C81-97A5-1FDA4EE47D87}" dt="2020-09-26T16:12:34.168" v="949" actId="1076"/>
+          <ac:spMkLst>
+            <pc:docMk/>
+            <pc:sldMk cId="0" sldId="257"/>
+            <ac:spMk id="7" creationId="{8F1A7018-DAB3-4DD6-9851-CCE349574926}"/>
+          </ac:spMkLst>
+        </pc:spChg>
+        <pc:spChg chg="add del">
+          <ac:chgData name="Andrew Ming Ho Wu" userId="620d876fccae6a25" providerId="LiveId" clId="{EF3BC0AB-AB59-4C81-97A5-1FDA4EE47D87}" dt="2020-09-26T16:11:21.009" v="894" actId="22"/>
+          <ac:spMkLst>
+            <pc:docMk/>
+            <pc:sldMk cId="0" sldId="257"/>
+            <ac:spMk id="8" creationId="{C924EF3F-006C-4216-A9A0-B8029D39A876}"/>
+          </ac:spMkLst>
+        </pc:spChg>
+        <pc:spChg chg="mod">
+          <ac:chgData name="Andrew Ming Ho Wu" userId="620d876fccae6a25" providerId="LiveId" clId="{EF3BC0AB-AB59-4C81-97A5-1FDA4EE47D87}" dt="2020-09-23T13:19:33.930" v="281" actId="20577"/>
+          <ac:spMkLst>
+            <pc:docMk/>
+            <pc:sldMk cId="0" sldId="257"/>
+            <ac:spMk id="13" creationId="{CFB9566F-DF02-46E3-A7DE-30A3DA2B0123}"/>
+          </ac:spMkLst>
+        </pc:spChg>
+        <pc:spChg chg="mod">
+          <ac:chgData name="Andrew Ming Ho Wu" userId="620d876fccae6a25" providerId="LiveId" clId="{EF3BC0AB-AB59-4C81-97A5-1FDA4EE47D87}" dt="2020-09-26T16:11:44.480" v="901" actId="1076"/>
+          <ac:spMkLst>
+            <pc:docMk/>
+            <pc:sldMk cId="0" sldId="257"/>
+            <ac:spMk id="15" creationId="{5FC8DCBF-4CCE-4C22-8B9F-CC50B4D8446D}"/>
+          </ac:spMkLst>
+        </pc:spChg>
+        <pc:spChg chg="del mod">
+          <ac:chgData name="Andrew Ming Ho Wu" userId="620d876fccae6a25" providerId="LiveId" clId="{EF3BC0AB-AB59-4C81-97A5-1FDA4EE47D87}" dt="2020-09-23T13:11:18.490" v="148" actId="478"/>
+          <ac:spMkLst>
+            <pc:docMk/>
+            <pc:sldMk cId="0" sldId="257"/>
+            <ac:spMk id="17" creationId="{F1986DA0-A256-4DC4-89BA-D9AF3A5992F1}"/>
+          </ac:spMkLst>
+        </pc:spChg>
+        <pc:spChg chg="add mod">
+          <ac:chgData name="Andrew Ming Ho Wu" userId="620d876fccae6a25" providerId="LiveId" clId="{EF3BC0AB-AB59-4C81-97A5-1FDA4EE47D87}" dt="2020-09-26T16:12:07.600" v="903" actId="1076"/>
+          <ac:spMkLst>
+            <pc:docMk/>
+            <pc:sldMk cId="0" sldId="257"/>
+            <ac:spMk id="20" creationId="{A6F76399-04DE-46A8-BF2C-99ED8D141BD3}"/>
+          </ac:spMkLst>
+        </pc:spChg>
+        <pc:grpChg chg="mod">
+          <ac:chgData name="Andrew Ming Ho Wu" userId="620d876fccae6a25" providerId="LiveId" clId="{EF3BC0AB-AB59-4C81-97A5-1FDA4EE47D87}" dt="2020-09-26T16:12:28.721" v="948" actId="1076"/>
+          <ac:grpSpMkLst>
+            <pc:docMk/>
+            <pc:sldMk cId="0" sldId="257"/>
+            <ac:grpSpMk id="2" creationId="{00000000-0000-0000-0000-000000000000}"/>
+          </ac:grpSpMkLst>
+        </pc:grpChg>
+        <pc:grpChg chg="add mod">
+          <ac:chgData name="Andrew Ming Ho Wu" userId="620d876fccae6a25" providerId="LiveId" clId="{EF3BC0AB-AB59-4C81-97A5-1FDA4EE47D87}" dt="2020-09-26T16:11:22.051" v="895" actId="571"/>
+          <ac:grpSpMkLst>
+            <pc:docMk/>
+            <pc:sldMk cId="0" sldId="257"/>
+            <ac:grpSpMk id="14" creationId="{830FE23F-E1B8-42CA-8569-E15547258E1C}"/>
+          </ac:grpSpMkLst>
+        </pc:grpChg>
+        <pc:picChg chg="mod">
+          <ac:chgData name="Andrew Ming Ho Wu" userId="620d876fccae6a25" providerId="LiveId" clId="{EF3BC0AB-AB59-4C81-97A5-1FDA4EE47D87}" dt="2020-09-26T16:11:22.051" v="895" actId="571"/>
+          <ac:picMkLst>
+            <pc:docMk/>
+            <pc:sldMk cId="0" sldId="257"/>
+            <ac:picMk id="16" creationId="{91452E8C-A457-4B32-ADCC-8B062C7B7AA2}"/>
+          </ac:picMkLst>
+        </pc:picChg>
+        <pc:picChg chg="mod">
+          <ac:chgData name="Andrew Ming Ho Wu" userId="620d876fccae6a25" providerId="LiveId" clId="{EF3BC0AB-AB59-4C81-97A5-1FDA4EE47D87}" dt="2020-09-26T16:11:22.051" v="895" actId="571"/>
+          <ac:picMkLst>
+            <pc:docMk/>
+            <pc:sldMk cId="0" sldId="257"/>
+            <ac:picMk id="17" creationId="{9914AFBE-82F5-4DA6-8856-1BD8C5F4D972}"/>
+          </ac:picMkLst>
+        </pc:picChg>
+      </pc:sldChg>
+      <pc:sldChg chg="addSp delSp modSp mod modNotesTx">
+        <pc:chgData name="Andrew Ming Ho Wu" userId="620d876fccae6a25" providerId="LiveId" clId="{EF3BC0AB-AB59-4C81-97A5-1FDA4EE47D87}" dt="2020-09-27T18:42:29.401" v="12601" actId="20577"/>
+        <pc:sldMkLst>
+          <pc:docMk/>
+          <pc:sldMk cId="0" sldId="259"/>
+        </pc:sldMkLst>
+        <pc:spChg chg="mod">
+          <ac:chgData name="Andrew Ming Ho Wu" userId="620d876fccae6a25" providerId="LiveId" clId="{EF3BC0AB-AB59-4C81-97A5-1FDA4EE47D87}" dt="2020-09-26T16:15:18.922" v="1252" actId="20577"/>
+          <ac:spMkLst>
+            <pc:docMk/>
+            <pc:sldMk cId="0" sldId="259"/>
+            <ac:spMk id="5" creationId="{00000000-0000-0000-0000-000000000000}"/>
+          </ac:spMkLst>
+        </pc:spChg>
+        <pc:spChg chg="add del">
+          <ac:chgData name="Andrew Ming Ho Wu" userId="620d876fccae6a25" providerId="LiveId" clId="{EF3BC0AB-AB59-4C81-97A5-1FDA4EE47D87}" dt="2020-09-26T16:15:24.567" v="1254" actId="22"/>
+          <ac:spMkLst>
+            <pc:docMk/>
+            <pc:sldMk cId="0" sldId="259"/>
+            <ac:spMk id="6" creationId="{9BFBCD21-514B-426A-B032-477E3A9B1B83}"/>
+          </ac:spMkLst>
+        </pc:spChg>
+        <pc:spChg chg="mod">
+          <ac:chgData name="Andrew Ming Ho Wu" userId="620d876fccae6a25" providerId="LiveId" clId="{EF3BC0AB-AB59-4C81-97A5-1FDA4EE47D87}" dt="2020-09-27T18:42:29.401" v="12601" actId="20577"/>
+          <ac:spMkLst>
+            <pc:docMk/>
+            <pc:sldMk cId="0" sldId="259"/>
+            <ac:spMk id="12" creationId="{7E70BACB-1CF0-4DEE-923B-205A7D88BC2B}"/>
+          </ac:spMkLst>
+        </pc:spChg>
+      </pc:sldChg>
+      <pc:sldChg chg="modSp mod">
+        <pc:chgData name="Andrew Ming Ho Wu" userId="620d876fccae6a25" providerId="LiveId" clId="{EF3BC0AB-AB59-4C81-97A5-1FDA4EE47D87}" dt="2020-09-27T10:13:15.975" v="5911" actId="1076"/>
+        <pc:sldMkLst>
+          <pc:docMk/>
+          <pc:sldMk cId="0" sldId="260"/>
+        </pc:sldMkLst>
+        <pc:spChg chg="mod">
+          <ac:chgData name="Andrew Ming Ho Wu" userId="620d876fccae6a25" providerId="LiveId" clId="{EF3BC0AB-AB59-4C81-97A5-1FDA4EE47D87}" dt="2020-09-26T16:18:11.737" v="1595" actId="14100"/>
+          <ac:spMkLst>
+            <pc:docMk/>
+            <pc:sldMk cId="0" sldId="260"/>
+            <ac:spMk id="6" creationId="{00000000-0000-0000-0000-000000000000}"/>
+          </ac:spMkLst>
+        </pc:spChg>
+        <pc:spChg chg="mod">
+          <ac:chgData name="Andrew Ming Ho Wu" userId="620d876fccae6a25" providerId="LiveId" clId="{EF3BC0AB-AB59-4C81-97A5-1FDA4EE47D87}" dt="2020-09-27T10:13:15.975" v="5911" actId="1076"/>
+          <ac:spMkLst>
+            <pc:docMk/>
+            <pc:sldMk cId="0" sldId="260"/>
+            <ac:spMk id="7" creationId="{00000000-0000-0000-0000-000000000000}"/>
+          </ac:spMkLst>
+        </pc:spChg>
+      </pc:sldChg>
+      <pc:sldChg chg="del">
+        <pc:chgData name="Andrew Ming Ho Wu" userId="620d876fccae6a25" providerId="LiveId" clId="{EF3BC0AB-AB59-4C81-97A5-1FDA4EE47D87}" dt="2020-09-27T10:35:01.134" v="8520" actId="2696"/>
+        <pc:sldMkLst>
+          <pc:docMk/>
+          <pc:sldMk cId="3477520416" sldId="281"/>
+        </pc:sldMkLst>
+      </pc:sldChg>
+      <pc:sldChg chg="addSp delSp modSp mod modNotesTx">
+        <pc:chgData name="Andrew Ming Ho Wu" userId="620d876fccae6a25" providerId="LiveId" clId="{EF3BC0AB-AB59-4C81-97A5-1FDA4EE47D87}" dt="2020-09-27T10:15:26.466" v="6060" actId="20577"/>
+        <pc:sldMkLst>
+          <pc:docMk/>
+          <pc:sldMk cId="2614168572" sldId="282"/>
         </pc:sldMkLst>
         <pc:spChg chg="add del mod">
-          <ac:chgData name="Andrew Ming Ho Wu" userId="620d876fccae6a25" providerId="LiveId" clId="{301D553B-ED1B-4DD0-8B60-0326FA0FE40D}" dt="2020-12-03T19:23:50.731" v="4"/>
-          <ac:spMkLst>
-            <pc:docMk/>
-            <pc:sldMk cId="1002563172" sldId="387"/>
-            <ac:spMk id="11" creationId="{BA618F6F-1997-4079-B11E-BC24229FBCC5}"/>
+          <ac:chgData name="Andrew Ming Ho Wu" userId="620d876fccae6a25" providerId="LiveId" clId="{EF3BC0AB-AB59-4C81-97A5-1FDA4EE47D87}" dt="2020-09-27T10:10:20.883" v="5667" actId="1076"/>
+          <ac:spMkLst>
+            <pc:docMk/>
+            <pc:sldMk cId="2614168572" sldId="282"/>
+            <ac:spMk id="13" creationId="{69CF4EEB-ADC9-4068-B7B7-D36841F39D3C}"/>
+          </ac:spMkLst>
+        </pc:spChg>
+        <pc:spChg chg="mod">
+          <ac:chgData name="Andrew Ming Ho Wu" userId="620d876fccae6a25" providerId="LiveId" clId="{EF3BC0AB-AB59-4C81-97A5-1FDA4EE47D87}" dt="2020-09-27T10:15:26.466" v="6060" actId="20577"/>
+          <ac:spMkLst>
+            <pc:docMk/>
+            <pc:sldMk cId="2614168572" sldId="282"/>
+            <ac:spMk id="17" creationId="{48FA683B-0C92-4884-BB36-9239C11A9F11}"/>
+          </ac:spMkLst>
+        </pc:spChg>
+        <pc:picChg chg="mod">
+          <ac:chgData name="Andrew Ming Ho Wu" userId="620d876fccae6a25" providerId="LiveId" clId="{EF3BC0AB-AB59-4C81-97A5-1FDA4EE47D87}" dt="2020-09-26T16:19:38.497" v="1795" actId="1076"/>
+          <ac:picMkLst>
+            <pc:docMk/>
+            <pc:sldMk cId="2614168572" sldId="282"/>
+            <ac:picMk id="2" creationId="{00000000-0000-0000-0000-000000000000}"/>
+          </ac:picMkLst>
+        </pc:picChg>
+      </pc:sldChg>
+      <pc:sldChg chg="del">
+        <pc:chgData name="Andrew Ming Ho Wu" userId="620d876fccae6a25" providerId="LiveId" clId="{EF3BC0AB-AB59-4C81-97A5-1FDA4EE47D87}" dt="2020-09-27T10:35:01.134" v="8520" actId="2696"/>
+        <pc:sldMkLst>
+          <pc:docMk/>
+          <pc:sldMk cId="2263646774" sldId="283"/>
+        </pc:sldMkLst>
+      </pc:sldChg>
+      <pc:sldChg chg="del">
+        <pc:chgData name="Andrew Ming Ho Wu" userId="620d876fccae6a25" providerId="LiveId" clId="{EF3BC0AB-AB59-4C81-97A5-1FDA4EE47D87}" dt="2020-09-27T10:35:01.134" v="8520" actId="2696"/>
+        <pc:sldMkLst>
+          <pc:docMk/>
+          <pc:sldMk cId="1442798169" sldId="284"/>
+        </pc:sldMkLst>
+      </pc:sldChg>
+      <pc:sldChg chg="del">
+        <pc:chgData name="Andrew Ming Ho Wu" userId="620d876fccae6a25" providerId="LiveId" clId="{EF3BC0AB-AB59-4C81-97A5-1FDA4EE47D87}" dt="2020-09-27T10:35:01.134" v="8520" actId="2696"/>
+        <pc:sldMkLst>
+          <pc:docMk/>
+          <pc:sldMk cId="2354016084" sldId="285"/>
+        </pc:sldMkLst>
+      </pc:sldChg>
+      <pc:sldChg chg="del">
+        <pc:chgData name="Andrew Ming Ho Wu" userId="620d876fccae6a25" providerId="LiveId" clId="{EF3BC0AB-AB59-4C81-97A5-1FDA4EE47D87}" dt="2020-09-27T10:35:01.134" v="8520" actId="2696"/>
+        <pc:sldMkLst>
+          <pc:docMk/>
+          <pc:sldMk cId="399849162" sldId="286"/>
+        </pc:sldMkLst>
+      </pc:sldChg>
+      <pc:sldChg chg="del">
+        <pc:chgData name="Andrew Ming Ho Wu" userId="620d876fccae6a25" providerId="LiveId" clId="{EF3BC0AB-AB59-4C81-97A5-1FDA4EE47D87}" dt="2020-09-27T10:35:01.134" v="8520" actId="2696"/>
+        <pc:sldMkLst>
+          <pc:docMk/>
+          <pc:sldMk cId="2878566895" sldId="287"/>
+        </pc:sldMkLst>
+      </pc:sldChg>
+      <pc:sldChg chg="del">
+        <pc:chgData name="Andrew Ming Ho Wu" userId="620d876fccae6a25" providerId="LiveId" clId="{EF3BC0AB-AB59-4C81-97A5-1FDA4EE47D87}" dt="2020-09-27T10:35:01.134" v="8520" actId="2696"/>
+        <pc:sldMkLst>
+          <pc:docMk/>
+          <pc:sldMk cId="2066083013" sldId="288"/>
+        </pc:sldMkLst>
+      </pc:sldChg>
+      <pc:sldChg chg="del">
+        <pc:chgData name="Andrew Ming Ho Wu" userId="620d876fccae6a25" providerId="LiveId" clId="{EF3BC0AB-AB59-4C81-97A5-1FDA4EE47D87}" dt="2020-09-27T10:35:01.134" v="8520" actId="2696"/>
+        <pc:sldMkLst>
+          <pc:docMk/>
+          <pc:sldMk cId="229956835" sldId="289"/>
+        </pc:sldMkLst>
+      </pc:sldChg>
+      <pc:sldChg chg="del">
+        <pc:chgData name="Andrew Ming Ho Wu" userId="620d876fccae6a25" providerId="LiveId" clId="{EF3BC0AB-AB59-4C81-97A5-1FDA4EE47D87}" dt="2020-09-27T10:35:01.134" v="8520" actId="2696"/>
+        <pc:sldMkLst>
+          <pc:docMk/>
+          <pc:sldMk cId="3410851458" sldId="290"/>
+        </pc:sldMkLst>
+      </pc:sldChg>
+      <pc:sldChg chg="del">
+        <pc:chgData name="Andrew Ming Ho Wu" userId="620d876fccae6a25" providerId="LiveId" clId="{EF3BC0AB-AB59-4C81-97A5-1FDA4EE47D87}" dt="2020-09-27T10:35:01.134" v="8520" actId="2696"/>
+        <pc:sldMkLst>
+          <pc:docMk/>
+          <pc:sldMk cId="413486627" sldId="291"/>
+        </pc:sldMkLst>
+      </pc:sldChg>
+      <pc:sldChg chg="del">
+        <pc:chgData name="Andrew Ming Ho Wu" userId="620d876fccae6a25" providerId="LiveId" clId="{EF3BC0AB-AB59-4C81-97A5-1FDA4EE47D87}" dt="2020-09-27T10:35:01.134" v="8520" actId="2696"/>
+        <pc:sldMkLst>
+          <pc:docMk/>
+          <pc:sldMk cId="2556687725" sldId="292"/>
+        </pc:sldMkLst>
+      </pc:sldChg>
+      <pc:sldChg chg="del">
+        <pc:chgData name="Andrew Ming Ho Wu" userId="620d876fccae6a25" providerId="LiveId" clId="{EF3BC0AB-AB59-4C81-97A5-1FDA4EE47D87}" dt="2020-09-27T10:35:01.134" v="8520" actId="2696"/>
+        <pc:sldMkLst>
+          <pc:docMk/>
+          <pc:sldMk cId="3512316335" sldId="293"/>
+        </pc:sldMkLst>
+      </pc:sldChg>
+      <pc:sldChg chg="del">
+        <pc:chgData name="Andrew Ming Ho Wu" userId="620d876fccae6a25" providerId="LiveId" clId="{EF3BC0AB-AB59-4C81-97A5-1FDA4EE47D87}" dt="2020-09-27T10:35:01.134" v="8520" actId="2696"/>
+        <pc:sldMkLst>
+          <pc:docMk/>
+          <pc:sldMk cId="1612569936" sldId="294"/>
+        </pc:sldMkLst>
+      </pc:sldChg>
+      <pc:sldChg chg="del">
+        <pc:chgData name="Andrew Ming Ho Wu" userId="620d876fccae6a25" providerId="LiveId" clId="{EF3BC0AB-AB59-4C81-97A5-1FDA4EE47D87}" dt="2020-09-27T10:35:01.134" v="8520" actId="2696"/>
+        <pc:sldMkLst>
+          <pc:docMk/>
+          <pc:sldMk cId="1824351165" sldId="296"/>
+        </pc:sldMkLst>
+      </pc:sldChg>
+      <pc:sldChg chg="del">
+        <pc:chgData name="Andrew Ming Ho Wu" userId="620d876fccae6a25" providerId="LiveId" clId="{EF3BC0AB-AB59-4C81-97A5-1FDA4EE47D87}" dt="2020-09-27T10:35:01.134" v="8520" actId="2696"/>
+        <pc:sldMkLst>
+          <pc:docMk/>
+          <pc:sldMk cId="4058345036" sldId="297"/>
+        </pc:sldMkLst>
+      </pc:sldChg>
+      <pc:sldChg chg="del">
+        <pc:chgData name="Andrew Ming Ho Wu" userId="620d876fccae6a25" providerId="LiveId" clId="{EF3BC0AB-AB59-4C81-97A5-1FDA4EE47D87}" dt="2020-09-27T10:35:01.134" v="8520" actId="2696"/>
+        <pc:sldMkLst>
+          <pc:docMk/>
+          <pc:sldMk cId="1764176242" sldId="299"/>
+        </pc:sldMkLst>
+      </pc:sldChg>
+      <pc:sldChg chg="del">
+        <pc:chgData name="Andrew Ming Ho Wu" userId="620d876fccae6a25" providerId="LiveId" clId="{EF3BC0AB-AB59-4C81-97A5-1FDA4EE47D87}" dt="2020-09-27T10:35:01.134" v="8520" actId="2696"/>
+        <pc:sldMkLst>
+          <pc:docMk/>
+          <pc:sldMk cId="4186544287" sldId="300"/>
+        </pc:sldMkLst>
+      </pc:sldChg>
+      <pc:sldChg chg="modSp add mod">
+        <pc:chgData name="Andrew Ming Ho Wu" userId="620d876fccae6a25" providerId="LiveId" clId="{EF3BC0AB-AB59-4C81-97A5-1FDA4EE47D87}" dt="2020-09-27T18:42:43.537" v="12616" actId="20577"/>
+        <pc:sldMkLst>
+          <pc:docMk/>
+          <pc:sldMk cId="4141595128" sldId="301"/>
+        </pc:sldMkLst>
+        <pc:spChg chg="mod">
+          <ac:chgData name="Andrew Ming Ho Wu" userId="620d876fccae6a25" providerId="LiveId" clId="{EF3BC0AB-AB59-4C81-97A5-1FDA4EE47D87}" dt="2020-09-26T16:15:33.446" v="1272" actId="20577"/>
+          <ac:spMkLst>
+            <pc:docMk/>
+            <pc:sldMk cId="4141595128" sldId="301"/>
+            <ac:spMk id="5" creationId="{00000000-0000-0000-0000-000000000000}"/>
+          </ac:spMkLst>
+        </pc:spChg>
+        <pc:spChg chg="mod">
+          <ac:chgData name="Andrew Ming Ho Wu" userId="620d876fccae6a25" providerId="LiveId" clId="{EF3BC0AB-AB59-4C81-97A5-1FDA4EE47D87}" dt="2020-09-27T18:42:43.537" v="12616" actId="20577"/>
+          <ac:spMkLst>
+            <pc:docMk/>
+            <pc:sldMk cId="4141595128" sldId="301"/>
+            <ac:spMk id="12" creationId="{7E70BACB-1CF0-4DEE-923B-205A7D88BC2B}"/>
+          </ac:spMkLst>
+        </pc:spChg>
+      </pc:sldChg>
+      <pc:sldChg chg="modSp add mod modNotesTx">
+        <pc:chgData name="Andrew Ming Ho Wu" userId="620d876fccae6a25" providerId="LiveId" clId="{EF3BC0AB-AB59-4C81-97A5-1FDA4EE47D87}" dt="2020-09-27T10:13:25.181" v="5912" actId="255"/>
+        <pc:sldMkLst>
+          <pc:docMk/>
+          <pc:sldMk cId="1181641107" sldId="302"/>
+        </pc:sldMkLst>
+        <pc:spChg chg="mod">
+          <ac:chgData name="Andrew Ming Ho Wu" userId="620d876fccae6a25" providerId="LiveId" clId="{EF3BC0AB-AB59-4C81-97A5-1FDA4EE47D87}" dt="2020-09-27T10:13:25.181" v="5912" actId="255"/>
+          <ac:spMkLst>
+            <pc:docMk/>
+            <pc:sldMk cId="1181641107" sldId="302"/>
+            <ac:spMk id="17" creationId="{48FA683B-0C92-4884-BB36-9239C11A9F11}"/>
+          </ac:spMkLst>
+        </pc:spChg>
+      </pc:sldChg>
+      <pc:sldChg chg="modSp add mod modNotesTx">
+        <pc:chgData name="Andrew Ming Ho Wu" userId="620d876fccae6a25" providerId="LiveId" clId="{EF3BC0AB-AB59-4C81-97A5-1FDA4EE47D87}" dt="2020-09-27T10:17:42.840" v="6267" actId="14100"/>
+        <pc:sldMkLst>
+          <pc:docMk/>
+          <pc:sldMk cId="695323835" sldId="303"/>
+        </pc:sldMkLst>
+        <pc:spChg chg="mod">
+          <ac:chgData name="Andrew Ming Ho Wu" userId="620d876fccae6a25" providerId="LiveId" clId="{EF3BC0AB-AB59-4C81-97A5-1FDA4EE47D87}" dt="2020-09-27T10:17:39.090" v="6265" actId="1076"/>
+          <ac:spMkLst>
+            <pc:docMk/>
+            <pc:sldMk cId="695323835" sldId="303"/>
+            <ac:spMk id="13" creationId="{69CF4EEB-ADC9-4068-B7B7-D36841F39D3C}"/>
+          </ac:spMkLst>
+        </pc:spChg>
+        <pc:spChg chg="mod">
+          <ac:chgData name="Andrew Ming Ho Wu" userId="620d876fccae6a25" providerId="LiveId" clId="{EF3BC0AB-AB59-4C81-97A5-1FDA4EE47D87}" dt="2020-09-27T10:17:42.840" v="6267" actId="14100"/>
+          <ac:spMkLst>
+            <pc:docMk/>
+            <pc:sldMk cId="695323835" sldId="303"/>
+            <ac:spMk id="17" creationId="{48FA683B-0C92-4884-BB36-9239C11A9F11}"/>
+          </ac:spMkLst>
+        </pc:spChg>
+      </pc:sldChg>
+      <pc:sldChg chg="modSp add mod modNotesTx">
+        <pc:chgData name="Andrew Ming Ho Wu" userId="620d876fccae6a25" providerId="LiveId" clId="{EF3BC0AB-AB59-4C81-97A5-1FDA4EE47D87}" dt="2020-09-27T10:19:05.687" v="6412" actId="20577"/>
+        <pc:sldMkLst>
+          <pc:docMk/>
+          <pc:sldMk cId="1731435901" sldId="304"/>
+        </pc:sldMkLst>
+        <pc:spChg chg="mod">
+          <ac:chgData name="Andrew Ming Ho Wu" userId="620d876fccae6a25" providerId="LiveId" clId="{EF3BC0AB-AB59-4C81-97A5-1FDA4EE47D87}" dt="2020-09-27T10:18:55.844" v="6411" actId="313"/>
+          <ac:spMkLst>
+            <pc:docMk/>
+            <pc:sldMk cId="1731435901" sldId="304"/>
+            <ac:spMk id="17" creationId="{48FA683B-0C92-4884-BB36-9239C11A9F11}"/>
+          </ac:spMkLst>
+        </pc:spChg>
+      </pc:sldChg>
+      <pc:sldChg chg="modSp add mod modNotesTx">
+        <pc:chgData name="Andrew Ming Ho Wu" userId="620d876fccae6a25" providerId="LiveId" clId="{EF3BC0AB-AB59-4C81-97A5-1FDA4EE47D87}" dt="2020-09-27T10:20:50.306" v="6644" actId="20577"/>
+        <pc:sldMkLst>
+          <pc:docMk/>
+          <pc:sldMk cId="3921722384" sldId="305"/>
+        </pc:sldMkLst>
+        <pc:spChg chg="mod">
+          <ac:chgData name="Andrew Ming Ho Wu" userId="620d876fccae6a25" providerId="LiveId" clId="{EF3BC0AB-AB59-4C81-97A5-1FDA4EE47D87}" dt="2020-09-27T10:20:34.775" v="6643" actId="20577"/>
+          <ac:spMkLst>
+            <pc:docMk/>
+            <pc:sldMk cId="3921722384" sldId="305"/>
+            <ac:spMk id="17" creationId="{48FA683B-0C92-4884-BB36-9239C11A9F11}"/>
+          </ac:spMkLst>
+        </pc:spChg>
+      </pc:sldChg>
+      <pc:sldChg chg="modSp add mod modNotesTx">
+        <pc:chgData name="Andrew Ming Ho Wu" userId="620d876fccae6a25" providerId="LiveId" clId="{EF3BC0AB-AB59-4C81-97A5-1FDA4EE47D87}" dt="2020-09-27T10:21:37.258" v="6762" actId="20577"/>
+        <pc:sldMkLst>
+          <pc:docMk/>
+          <pc:sldMk cId="393541412" sldId="306"/>
+        </pc:sldMkLst>
+        <pc:spChg chg="mod">
+          <ac:chgData name="Andrew Ming Ho Wu" userId="620d876fccae6a25" providerId="LiveId" clId="{EF3BC0AB-AB59-4C81-97A5-1FDA4EE47D87}" dt="2020-09-27T10:21:32.006" v="6761" actId="20577"/>
+          <ac:spMkLst>
+            <pc:docMk/>
+            <pc:sldMk cId="393541412" sldId="306"/>
+            <ac:spMk id="17" creationId="{48FA683B-0C92-4884-BB36-9239C11A9F11}"/>
+          </ac:spMkLst>
+        </pc:spChg>
+      </pc:sldChg>
+      <pc:sldChg chg="modSp add mod modNotesTx">
+        <pc:chgData name="Andrew Ming Ho Wu" userId="620d876fccae6a25" providerId="LiveId" clId="{EF3BC0AB-AB59-4C81-97A5-1FDA4EE47D87}" dt="2020-09-27T10:21:47.784" v="6763" actId="255"/>
+        <pc:sldMkLst>
+          <pc:docMk/>
+          <pc:sldMk cId="696112063" sldId="307"/>
+        </pc:sldMkLst>
+        <pc:spChg chg="mod">
+          <ac:chgData name="Andrew Ming Ho Wu" userId="620d876fccae6a25" providerId="LiveId" clId="{EF3BC0AB-AB59-4C81-97A5-1FDA4EE47D87}" dt="2020-09-27T10:21:47.784" v="6763" actId="255"/>
+          <ac:spMkLst>
+            <pc:docMk/>
+            <pc:sldMk cId="696112063" sldId="307"/>
+            <ac:spMk id="17" creationId="{48FA683B-0C92-4884-BB36-9239C11A9F11}"/>
+          </ac:spMkLst>
+        </pc:spChg>
+      </pc:sldChg>
+      <pc:sldChg chg="modSp add mod modNotesTx">
+        <pc:chgData name="Andrew Ming Ho Wu" userId="620d876fccae6a25" providerId="LiveId" clId="{EF3BC0AB-AB59-4C81-97A5-1FDA4EE47D87}" dt="2020-09-27T10:22:20.056" v="6856" actId="20577"/>
+        <pc:sldMkLst>
+          <pc:docMk/>
+          <pc:sldMk cId="2138515264" sldId="308"/>
+        </pc:sldMkLst>
+        <pc:spChg chg="mod">
+          <ac:chgData name="Andrew Ming Ho Wu" userId="620d876fccae6a25" providerId="LiveId" clId="{EF3BC0AB-AB59-4C81-97A5-1FDA4EE47D87}" dt="2020-09-27T10:22:20.056" v="6856" actId="20577"/>
+          <ac:spMkLst>
+            <pc:docMk/>
+            <pc:sldMk cId="2138515264" sldId="308"/>
+            <ac:spMk id="17" creationId="{48FA683B-0C92-4884-BB36-9239C11A9F11}"/>
+          </ac:spMkLst>
+        </pc:spChg>
+      </pc:sldChg>
+      <pc:sldChg chg="modSp add mod modNotesTx">
+        <pc:chgData name="Andrew Ming Ho Wu" userId="620d876fccae6a25" providerId="LiveId" clId="{EF3BC0AB-AB59-4C81-97A5-1FDA4EE47D87}" dt="2020-09-27T10:23:00.536" v="6930" actId="20577"/>
+        <pc:sldMkLst>
+          <pc:docMk/>
+          <pc:sldMk cId="2113135599" sldId="309"/>
+        </pc:sldMkLst>
+        <pc:spChg chg="mod">
+          <ac:chgData name="Andrew Ming Ho Wu" userId="620d876fccae6a25" providerId="LiveId" clId="{EF3BC0AB-AB59-4C81-97A5-1FDA4EE47D87}" dt="2020-09-27T10:23:00.536" v="6930" actId="20577"/>
+          <ac:spMkLst>
+            <pc:docMk/>
+            <pc:sldMk cId="2113135599" sldId="309"/>
+            <ac:spMk id="17" creationId="{48FA683B-0C92-4884-BB36-9239C11A9F11}"/>
+          </ac:spMkLst>
+        </pc:spChg>
+      </pc:sldChg>
+      <pc:sldChg chg="modSp add mod modNotesTx">
+        <pc:chgData name="Andrew Ming Ho Wu" userId="620d876fccae6a25" providerId="LiveId" clId="{EF3BC0AB-AB59-4C81-97A5-1FDA4EE47D87}" dt="2020-09-27T10:23:44.427" v="6931" actId="255"/>
+        <pc:sldMkLst>
+          <pc:docMk/>
+          <pc:sldMk cId="3619567919" sldId="310"/>
+        </pc:sldMkLst>
+        <pc:spChg chg="mod">
+          <ac:chgData name="Andrew Ming Ho Wu" userId="620d876fccae6a25" providerId="LiveId" clId="{EF3BC0AB-AB59-4C81-97A5-1FDA4EE47D87}" dt="2020-09-27T10:01:03.972" v="4768" actId="1076"/>
+          <ac:spMkLst>
+            <pc:docMk/>
+            <pc:sldMk cId="3619567919" sldId="310"/>
+            <ac:spMk id="13" creationId="{69CF4EEB-ADC9-4068-B7B7-D36841F39D3C}"/>
+          </ac:spMkLst>
+        </pc:spChg>
+        <pc:spChg chg="mod">
+          <ac:chgData name="Andrew Ming Ho Wu" userId="620d876fccae6a25" providerId="LiveId" clId="{EF3BC0AB-AB59-4C81-97A5-1FDA4EE47D87}" dt="2020-09-27T10:23:44.427" v="6931" actId="255"/>
+          <ac:spMkLst>
+            <pc:docMk/>
+            <pc:sldMk cId="3619567919" sldId="310"/>
+            <ac:spMk id="17" creationId="{48FA683B-0C92-4884-BB36-9239C11A9F11}"/>
+          </ac:spMkLst>
+        </pc:spChg>
+      </pc:sldChg>
+      <pc:sldChg chg="modSp add mod modNotesTx">
+        <pc:chgData name="Andrew Ming Ho Wu" userId="620d876fccae6a25" providerId="LiveId" clId="{EF3BC0AB-AB59-4C81-97A5-1FDA4EE47D87}" dt="2020-09-27T10:24:04.623" v="6933" actId="20577"/>
+        <pc:sldMkLst>
+          <pc:docMk/>
+          <pc:sldMk cId="4241162783" sldId="311"/>
+        </pc:sldMkLst>
+        <pc:spChg chg="mod">
+          <ac:chgData name="Andrew Ming Ho Wu" userId="620d876fccae6a25" providerId="LiveId" clId="{EF3BC0AB-AB59-4C81-97A5-1FDA4EE47D87}" dt="2020-09-27T10:23:51.587" v="6932" actId="255"/>
+          <ac:spMkLst>
+            <pc:docMk/>
+            <pc:sldMk cId="4241162783" sldId="311"/>
+            <ac:spMk id="17" creationId="{48FA683B-0C92-4884-BB36-9239C11A9F11}"/>
+          </ac:spMkLst>
+        </pc:spChg>
+      </pc:sldChg>
+      <pc:sldChg chg="modSp add mod modNotesTx">
+        <pc:chgData name="Andrew Ming Ho Wu" userId="620d876fccae6a25" providerId="LiveId" clId="{EF3BC0AB-AB59-4C81-97A5-1FDA4EE47D87}" dt="2020-09-27T10:24:22.320" v="6935" actId="20577"/>
+        <pc:sldMkLst>
+          <pc:docMk/>
+          <pc:sldMk cId="1035541448" sldId="312"/>
+        </pc:sldMkLst>
+        <pc:spChg chg="mod">
+          <ac:chgData name="Andrew Ming Ho Wu" userId="620d876fccae6a25" providerId="LiveId" clId="{EF3BC0AB-AB59-4C81-97A5-1FDA4EE47D87}" dt="2020-09-27T10:24:10.906" v="6934" actId="255"/>
+          <ac:spMkLst>
+            <pc:docMk/>
+            <pc:sldMk cId="1035541448" sldId="312"/>
+            <ac:spMk id="17" creationId="{48FA683B-0C92-4884-BB36-9239C11A9F11}"/>
+          </ac:spMkLst>
+        </pc:spChg>
+      </pc:sldChg>
+      <pc:sldChg chg="modSp add mod">
+        <pc:chgData name="Andrew Ming Ho Wu" userId="620d876fccae6a25" providerId="LiveId" clId="{EF3BC0AB-AB59-4C81-97A5-1FDA4EE47D87}" dt="2020-09-27T10:25:36.179" v="7152" actId="20577"/>
+        <pc:sldMkLst>
+          <pc:docMk/>
+          <pc:sldMk cId="1627687639" sldId="313"/>
+        </pc:sldMkLst>
+        <pc:spChg chg="mod">
+          <ac:chgData name="Andrew Ming Ho Wu" userId="620d876fccae6a25" providerId="LiveId" clId="{EF3BC0AB-AB59-4C81-97A5-1FDA4EE47D87}" dt="2020-09-27T10:25:36.179" v="7152" actId="20577"/>
+          <ac:spMkLst>
+            <pc:docMk/>
+            <pc:sldMk cId="1627687639" sldId="313"/>
+            <ac:spMk id="17" creationId="{48FA683B-0C92-4884-BB36-9239C11A9F11}"/>
+          </ac:spMkLst>
+        </pc:spChg>
+      </pc:sldChg>
+      <pc:sldChg chg="modSp add mod">
+        <pc:chgData name="Andrew Ming Ho Wu" userId="620d876fccae6a25" providerId="LiveId" clId="{EF3BC0AB-AB59-4C81-97A5-1FDA4EE47D87}" dt="2020-09-27T10:32:13.605" v="8194" actId="20577"/>
+        <pc:sldMkLst>
+          <pc:docMk/>
+          <pc:sldMk cId="1950776556" sldId="314"/>
+        </pc:sldMkLst>
+        <pc:spChg chg="mod">
+          <ac:chgData name="Andrew Ming Ho Wu" userId="620d876fccae6a25" providerId="LiveId" clId="{EF3BC0AB-AB59-4C81-97A5-1FDA4EE47D87}" dt="2020-09-27T10:32:13.605" v="8194" actId="20577"/>
+          <ac:spMkLst>
+            <pc:docMk/>
+            <pc:sldMk cId="1950776556" sldId="314"/>
+            <ac:spMk id="17" creationId="{48FA683B-0C92-4884-BB36-9239C11A9F11}"/>
+          </ac:spMkLst>
+        </pc:spChg>
+      </pc:sldChg>
+      <pc:sldChg chg="modSp add mod">
+        <pc:chgData name="Andrew Ming Ho Wu" userId="620d876fccae6a25" providerId="LiveId" clId="{EF3BC0AB-AB59-4C81-97A5-1FDA4EE47D87}" dt="2020-09-27T10:32:16.641" v="8196" actId="20577"/>
+        <pc:sldMkLst>
+          <pc:docMk/>
+          <pc:sldMk cId="3899163142" sldId="315"/>
+        </pc:sldMkLst>
+        <pc:spChg chg="mod">
+          <ac:chgData name="Andrew Ming Ho Wu" userId="620d876fccae6a25" providerId="LiveId" clId="{EF3BC0AB-AB59-4C81-97A5-1FDA4EE47D87}" dt="2020-09-27T10:32:16.641" v="8196" actId="20577"/>
+          <ac:spMkLst>
+            <pc:docMk/>
+            <pc:sldMk cId="3899163142" sldId="315"/>
+            <ac:spMk id="17" creationId="{48FA683B-0C92-4884-BB36-9239C11A9F11}"/>
+          </ac:spMkLst>
+        </pc:spChg>
+      </pc:sldChg>
+      <pc:sldChg chg="modSp add mod">
+        <pc:chgData name="Andrew Ming Ho Wu" userId="620d876fccae6a25" providerId="LiveId" clId="{EF3BC0AB-AB59-4C81-97A5-1FDA4EE47D87}" dt="2020-09-27T10:32:19.922" v="8198" actId="20577"/>
+        <pc:sldMkLst>
+          <pc:docMk/>
+          <pc:sldMk cId="2313566969" sldId="316"/>
+        </pc:sldMkLst>
+        <pc:spChg chg="mod">
+          <ac:chgData name="Andrew Ming Ho Wu" userId="620d876fccae6a25" providerId="LiveId" clId="{EF3BC0AB-AB59-4C81-97A5-1FDA4EE47D87}" dt="2020-09-27T10:32:19.922" v="8198" actId="20577"/>
+          <ac:spMkLst>
+            <pc:docMk/>
+            <pc:sldMk cId="2313566969" sldId="316"/>
+            <ac:spMk id="17" creationId="{48FA683B-0C92-4884-BB36-9239C11A9F11}"/>
+          </ac:spMkLst>
+        </pc:spChg>
+      </pc:sldChg>
+      <pc:sldChg chg="modSp add mod">
+        <pc:chgData name="Andrew Ming Ho Wu" userId="620d876fccae6a25" providerId="LiveId" clId="{EF3BC0AB-AB59-4C81-97A5-1FDA4EE47D87}" dt="2020-09-27T10:32:55.790" v="8288" actId="1076"/>
+        <pc:sldMkLst>
+          <pc:docMk/>
+          <pc:sldMk cId="525558553" sldId="317"/>
+        </pc:sldMkLst>
+        <pc:spChg chg="mod">
+          <ac:chgData name="Andrew Ming Ho Wu" userId="620d876fccae6a25" providerId="LiveId" clId="{EF3BC0AB-AB59-4C81-97A5-1FDA4EE47D87}" dt="2020-09-27T10:32:55.790" v="8288" actId="1076"/>
+          <ac:spMkLst>
+            <pc:docMk/>
+            <pc:sldMk cId="525558553" sldId="317"/>
+            <ac:spMk id="17" creationId="{48FA683B-0C92-4884-BB36-9239C11A9F11}"/>
+          </ac:spMkLst>
+        </pc:spChg>
+      </pc:sldChg>
+      <pc:sldChg chg="modSp add mod">
+        <pc:chgData name="Andrew Ming Ho Wu" userId="620d876fccae6a25" providerId="LiveId" clId="{EF3BC0AB-AB59-4C81-97A5-1FDA4EE47D87}" dt="2020-09-27T10:33:59.156" v="8519" actId="20577"/>
+        <pc:sldMkLst>
+          <pc:docMk/>
+          <pc:sldMk cId="2450840084" sldId="318"/>
+        </pc:sldMkLst>
+        <pc:spChg chg="mod">
+          <ac:chgData name="Andrew Ming Ho Wu" userId="620d876fccae6a25" providerId="LiveId" clId="{EF3BC0AB-AB59-4C81-97A5-1FDA4EE47D87}" dt="2020-09-27T10:33:59.156" v="8519" actId="20577"/>
+          <ac:spMkLst>
+            <pc:docMk/>
+            <pc:sldMk cId="2450840084" sldId="318"/>
+            <ac:spMk id="17" creationId="{48FA683B-0C92-4884-BB36-9239C11A9F11}"/>
+          </ac:spMkLst>
+        </pc:spChg>
+      </pc:sldChg>
+      <pc:sldChg chg="addSp delSp modSp add mod">
+        <pc:chgData name="Andrew Ming Ho Wu" userId="620d876fccae6a25" providerId="LiveId" clId="{EF3BC0AB-AB59-4C81-97A5-1FDA4EE47D87}" dt="2020-09-27T10:39:14.873" v="9058" actId="20577"/>
+        <pc:sldMkLst>
+          <pc:docMk/>
+          <pc:sldMk cId="3241138585" sldId="319"/>
+        </pc:sldMkLst>
+        <pc:spChg chg="mod">
+          <ac:chgData name="Andrew Ming Ho Wu" userId="620d876fccae6a25" providerId="LiveId" clId="{EF3BC0AB-AB59-4C81-97A5-1FDA4EE47D87}" dt="2020-09-27T10:35:24.156" v="8547" actId="1076"/>
+          <ac:spMkLst>
+            <pc:docMk/>
+            <pc:sldMk cId="3241138585" sldId="319"/>
+            <ac:spMk id="13" creationId="{69CF4EEB-ADC9-4068-B7B7-D36841F39D3C}"/>
+          </ac:spMkLst>
+        </pc:spChg>
+        <pc:spChg chg="add del mod">
+          <ac:chgData name="Andrew Ming Ho Wu" userId="620d876fccae6a25" providerId="LiveId" clId="{EF3BC0AB-AB59-4C81-97A5-1FDA4EE47D87}" dt="2020-09-27T10:39:14.873" v="9058" actId="20577"/>
+          <ac:spMkLst>
+            <pc:docMk/>
+            <pc:sldMk cId="3241138585" sldId="319"/>
+            <ac:spMk id="17" creationId="{48FA683B-0C92-4884-BB36-9239C11A9F11}"/>
+          </ac:spMkLst>
+        </pc:spChg>
+      </pc:sldChg>
+      <pc:sldChg chg="modSp add mod">
+        <pc:chgData name="Andrew Ming Ho Wu" userId="620d876fccae6a25" providerId="LiveId" clId="{EF3BC0AB-AB59-4C81-97A5-1FDA4EE47D87}" dt="2020-09-27T10:43:27.516" v="9560" actId="20577"/>
+        <pc:sldMkLst>
+          <pc:docMk/>
+          <pc:sldMk cId="597090878" sldId="320"/>
+        </pc:sldMkLst>
+        <pc:spChg chg="mod">
+          <ac:chgData name="Andrew Ming Ho Wu" userId="620d876fccae6a25" providerId="LiveId" clId="{EF3BC0AB-AB59-4C81-97A5-1FDA4EE47D87}" dt="2020-09-27T10:43:27.516" v="9560" actId="20577"/>
+          <ac:spMkLst>
+            <pc:docMk/>
+            <pc:sldMk cId="597090878" sldId="320"/>
+            <ac:spMk id="17" creationId="{48FA683B-0C92-4884-BB36-9239C11A9F11}"/>
+          </ac:spMkLst>
+        </pc:spChg>
+      </pc:sldChg>
+      <pc:sldChg chg="addSp delSp modSp add mod">
+        <pc:chgData name="Andrew Ming Ho Wu" userId="620d876fccae6a25" providerId="LiveId" clId="{EF3BC0AB-AB59-4C81-97A5-1FDA4EE47D87}" dt="2020-09-27T10:58:39.244" v="9567"/>
+        <pc:sldMkLst>
+          <pc:docMk/>
+          <pc:sldMk cId="3935872265" sldId="321"/>
+        </pc:sldMkLst>
+        <pc:spChg chg="del mod">
+          <ac:chgData name="Andrew Ming Ho Wu" userId="620d876fccae6a25" providerId="LiveId" clId="{EF3BC0AB-AB59-4C81-97A5-1FDA4EE47D87}" dt="2020-09-27T10:58:39.244" v="9567"/>
+          <ac:spMkLst>
+            <pc:docMk/>
+            <pc:sldMk cId="3935872265" sldId="321"/>
+            <ac:spMk id="17" creationId="{48FA683B-0C92-4884-BB36-9239C11A9F11}"/>
+          </ac:spMkLst>
+        </pc:spChg>
+        <pc:picChg chg="add mod">
+          <ac:chgData name="Andrew Ming Ho Wu" userId="620d876fccae6a25" providerId="LiveId" clId="{EF3BC0AB-AB59-4C81-97A5-1FDA4EE47D87}" dt="2020-09-27T10:58:38.641" v="9565" actId="14100"/>
+          <ac:picMkLst>
+            <pc:docMk/>
+            <pc:sldMk cId="3935872265" sldId="321"/>
+            <ac:picMk id="6" creationId="{9A9BF99D-7F84-4233-BC72-E8CC5BE0B067}"/>
+          </ac:picMkLst>
+        </pc:picChg>
+      </pc:sldChg>
+      <pc:sldChg chg="addSp delSp modSp add mod">
+        <pc:chgData name="Andrew Ming Ho Wu" userId="620d876fccae6a25" providerId="LiveId" clId="{EF3BC0AB-AB59-4C81-97A5-1FDA4EE47D87}" dt="2020-09-27T11:03:15.071" v="9639" actId="313"/>
+        <pc:sldMkLst>
+          <pc:docMk/>
+          <pc:sldMk cId="2428145897" sldId="322"/>
+        </pc:sldMkLst>
+        <pc:spChg chg="add del">
+          <ac:chgData name="Andrew Ming Ho Wu" userId="620d876fccae6a25" providerId="LiveId" clId="{EF3BC0AB-AB59-4C81-97A5-1FDA4EE47D87}" dt="2020-09-27T11:02:08.216" v="9585" actId="478"/>
+          <ac:spMkLst>
+            <pc:docMk/>
+            <pc:sldMk cId="2428145897" sldId="322"/>
+            <ac:spMk id="14" creationId="{82204D47-3F7F-4F81-9F0B-B8D05A4A12AB}"/>
+          </ac:spMkLst>
+        </pc:spChg>
+        <pc:spChg chg="add del mod">
+          <ac:chgData name="Andrew Ming Ho Wu" userId="620d876fccae6a25" providerId="LiveId" clId="{EF3BC0AB-AB59-4C81-97A5-1FDA4EE47D87}" dt="2020-09-27T11:03:15.071" v="9639" actId="313"/>
+          <ac:spMkLst>
+            <pc:docMk/>
+            <pc:sldMk cId="2428145897" sldId="322"/>
+            <ac:spMk id="16" creationId="{F047BA3C-54FB-4687-843D-9C20754A8819}"/>
+          </ac:spMkLst>
+        </pc:spChg>
+        <pc:spChg chg="add del">
+          <ac:chgData name="Andrew Ming Ho Wu" userId="620d876fccae6a25" providerId="LiveId" clId="{EF3BC0AB-AB59-4C81-97A5-1FDA4EE47D87}" dt="2020-09-27T11:00:26.377" v="9575" actId="22"/>
+          <ac:spMkLst>
+            <pc:docMk/>
+            <pc:sldMk cId="2428145897" sldId="322"/>
+            <ac:spMk id="18" creationId="{BF7EA6D2-8A4A-4CBD-BC10-20FE1AFEFC61}"/>
+          </ac:spMkLst>
+        </pc:spChg>
+        <pc:picChg chg="add del">
+          <ac:chgData name="Andrew Ming Ho Wu" userId="620d876fccae6a25" providerId="LiveId" clId="{EF3BC0AB-AB59-4C81-97A5-1FDA4EE47D87}" dt="2020-09-27T11:02:07.818" v="9583" actId="478"/>
+          <ac:picMkLst>
+            <pc:docMk/>
+            <pc:sldMk cId="2428145897" sldId="322"/>
+            <ac:picMk id="6" creationId="{9A9BF99D-7F84-4233-BC72-E8CC5BE0B067}"/>
+          </ac:picMkLst>
+        </pc:picChg>
+      </pc:sldChg>
+      <pc:sldChg chg="addSp delSp modSp add mod">
+        <pc:chgData name="Andrew Ming Ho Wu" userId="620d876fccae6a25" providerId="LiveId" clId="{EF3BC0AB-AB59-4C81-97A5-1FDA4EE47D87}" dt="2020-09-27T18:22:25.987" v="10124" actId="20577"/>
+        <pc:sldMkLst>
+          <pc:docMk/>
+          <pc:sldMk cId="3584881285" sldId="323"/>
+        </pc:sldMkLst>
+        <pc:spChg chg="add mod">
+          <ac:chgData name="Andrew Ming Ho Wu" userId="620d876fccae6a25" providerId="LiveId" clId="{EF3BC0AB-AB59-4C81-97A5-1FDA4EE47D87}" dt="2020-09-27T18:22:25.987" v="10124" actId="20577"/>
+          <ac:spMkLst>
+            <pc:docMk/>
+            <pc:sldMk cId="3584881285" sldId="323"/>
+            <ac:spMk id="7" creationId="{E4AD51E1-FCF3-4A0C-8B1A-3C58F573459E}"/>
+          </ac:spMkLst>
+        </pc:spChg>
+        <pc:spChg chg="mod">
+          <ac:chgData name="Andrew Ming Ho Wu" userId="620d876fccae6a25" providerId="LiveId" clId="{EF3BC0AB-AB59-4C81-97A5-1FDA4EE47D87}" dt="2020-09-27T11:03:33.284" v="9673" actId="1076"/>
+          <ac:spMkLst>
+            <pc:docMk/>
+            <pc:sldMk cId="3584881285" sldId="323"/>
+            <ac:spMk id="13" creationId="{69CF4EEB-ADC9-4068-B7B7-D36841F39D3C}"/>
+          </ac:spMkLst>
+        </pc:spChg>
+        <pc:spChg chg="del mod">
+          <ac:chgData name="Andrew Ming Ho Wu" userId="620d876fccae6a25" providerId="LiveId" clId="{EF3BC0AB-AB59-4C81-97A5-1FDA4EE47D87}" dt="2020-09-27T11:03:36.351" v="9676"/>
+          <ac:spMkLst>
+            <pc:docMk/>
+            <pc:sldMk cId="3584881285" sldId="323"/>
+            <ac:spMk id="16" creationId="{F047BA3C-54FB-4687-843D-9C20754A8819}"/>
+          </ac:spMkLst>
+        </pc:spChg>
+        <pc:graphicFrameChg chg="add del mod">
+          <ac:chgData name="Andrew Ming Ho Wu" userId="620d876fccae6a25" providerId="LiveId" clId="{EF3BC0AB-AB59-4C81-97A5-1FDA4EE47D87}" dt="2020-09-27T18:18:59.929" v="9678"/>
+          <ac:graphicFrameMkLst>
+            <pc:docMk/>
+            <pc:sldMk cId="3584881285" sldId="323"/>
+            <ac:graphicFrameMk id="6" creationId="{60167984-0F6D-44F1-A20D-E8267DCC0337}"/>
+          </ac:graphicFrameMkLst>
+        </pc:graphicFrameChg>
+      </pc:sldChg>
+      <pc:sldChg chg="modSp add mod">
+        <pc:chgData name="Andrew Ming Ho Wu" userId="620d876fccae6a25" providerId="LiveId" clId="{EF3BC0AB-AB59-4C81-97A5-1FDA4EE47D87}" dt="2020-09-27T18:24:49.019" v="10398" actId="20577"/>
+        <pc:sldMkLst>
+          <pc:docMk/>
+          <pc:sldMk cId="1769369266" sldId="324"/>
+        </pc:sldMkLst>
+        <pc:spChg chg="mod">
+          <ac:chgData name="Andrew Ming Ho Wu" userId="620d876fccae6a25" providerId="LiveId" clId="{EF3BC0AB-AB59-4C81-97A5-1FDA4EE47D87}" dt="2020-09-27T18:24:49.019" v="10398" actId="20577"/>
+          <ac:spMkLst>
+            <pc:docMk/>
+            <pc:sldMk cId="1769369266" sldId="324"/>
+            <ac:spMk id="7" creationId="{E4AD51E1-FCF3-4A0C-8B1A-3C58F573459E}"/>
+          </ac:spMkLst>
+        </pc:spChg>
+      </pc:sldChg>
+      <pc:sldChg chg="modSp add mod">
+        <pc:chgData name="Andrew Ming Ho Wu" userId="620d876fccae6a25" providerId="LiveId" clId="{EF3BC0AB-AB59-4C81-97A5-1FDA4EE47D87}" dt="2020-09-27T18:29:32.927" v="10814" actId="20577"/>
+        <pc:sldMkLst>
+          <pc:docMk/>
+          <pc:sldMk cId="3774335670" sldId="325"/>
+        </pc:sldMkLst>
+        <pc:spChg chg="mod">
+          <ac:chgData name="Andrew Ming Ho Wu" userId="620d876fccae6a25" providerId="LiveId" clId="{EF3BC0AB-AB59-4C81-97A5-1FDA4EE47D87}" dt="2020-09-27T18:29:32.927" v="10814" actId="20577"/>
+          <ac:spMkLst>
+            <pc:docMk/>
+            <pc:sldMk cId="3774335670" sldId="325"/>
+            <ac:spMk id="7" creationId="{E4AD51E1-FCF3-4A0C-8B1A-3C58F573459E}"/>
+          </ac:spMkLst>
+        </pc:spChg>
+        <pc:spChg chg="mod">
+          <ac:chgData name="Andrew Ming Ho Wu" userId="620d876fccae6a25" providerId="LiveId" clId="{EF3BC0AB-AB59-4C81-97A5-1FDA4EE47D87}" dt="2020-09-27T18:26:27.870" v="10420" actId="20577"/>
+          <ac:spMkLst>
+            <pc:docMk/>
+            <pc:sldMk cId="3774335670" sldId="325"/>
+            <ac:spMk id="13" creationId="{69CF4EEB-ADC9-4068-B7B7-D36841F39D3C}"/>
+          </ac:spMkLst>
+        </pc:spChg>
+      </pc:sldChg>
+      <pc:sldChg chg="add del">
+        <pc:chgData name="Andrew Ming Ho Wu" userId="620d876fccae6a25" providerId="LiveId" clId="{EF3BC0AB-AB59-4C81-97A5-1FDA4EE47D87}" dt="2020-09-27T18:26:21.489" v="10401" actId="2696"/>
+        <pc:sldMkLst>
+          <pc:docMk/>
+          <pc:sldMk cId="828494221" sldId="326"/>
+        </pc:sldMkLst>
+      </pc:sldChg>
+      <pc:sldChg chg="modSp add mod">
+        <pc:chgData name="Andrew Ming Ho Wu" userId="620d876fccae6a25" providerId="LiveId" clId="{EF3BC0AB-AB59-4C81-97A5-1FDA4EE47D87}" dt="2020-09-27T18:34:03.877" v="11494" actId="1076"/>
+        <pc:sldMkLst>
+          <pc:docMk/>
+          <pc:sldMk cId="1449775771" sldId="326"/>
+        </pc:sldMkLst>
+        <pc:spChg chg="mod">
+          <ac:chgData name="Andrew Ming Ho Wu" userId="620d876fccae6a25" providerId="LiveId" clId="{EF3BC0AB-AB59-4C81-97A5-1FDA4EE47D87}" dt="2020-09-27T18:33:51.120" v="11492" actId="1076"/>
+          <ac:spMkLst>
+            <pc:docMk/>
+            <pc:sldMk cId="1449775771" sldId="326"/>
+            <ac:spMk id="7" creationId="{E4AD51E1-FCF3-4A0C-8B1A-3C58F573459E}"/>
+          </ac:spMkLst>
+        </pc:spChg>
+        <pc:spChg chg="mod">
+          <ac:chgData name="Andrew Ming Ho Wu" userId="620d876fccae6a25" providerId="LiveId" clId="{EF3BC0AB-AB59-4C81-97A5-1FDA4EE47D87}" dt="2020-09-27T18:34:03.877" v="11494" actId="1076"/>
+          <ac:spMkLst>
+            <pc:docMk/>
+            <pc:sldMk cId="1449775771" sldId="326"/>
+            <ac:spMk id="13" creationId="{69CF4EEB-ADC9-4068-B7B7-D36841F39D3C}"/>
+          </ac:spMkLst>
+        </pc:spChg>
+      </pc:sldChg>
+      <pc:sldChg chg="addSp delSp modSp add mod">
+        <pc:chgData name="Andrew Ming Ho Wu" userId="620d876fccae6a25" providerId="LiveId" clId="{EF3BC0AB-AB59-4C81-97A5-1FDA4EE47D87}" dt="2020-09-27T18:38:02.661" v="11934" actId="1076"/>
+        <pc:sldMkLst>
+          <pc:docMk/>
+          <pc:sldMk cId="4259034908" sldId="327"/>
+        </pc:sldMkLst>
+        <pc:spChg chg="add">
+          <ac:chgData name="Andrew Ming Ho Wu" userId="620d876fccae6a25" providerId="LiveId" clId="{EF3BC0AB-AB59-4C81-97A5-1FDA4EE47D87}" dt="2020-09-27T18:36:26.362" v="11607" actId="22"/>
+          <ac:spMkLst>
+            <pc:docMk/>
+            <pc:sldMk cId="4259034908" sldId="327"/>
+            <ac:spMk id="6" creationId="{BEC9B985-01E2-4E66-9346-091B101327B3}"/>
+          </ac:spMkLst>
+        </pc:spChg>
+        <pc:spChg chg="mod">
+          <ac:chgData name="Andrew Ming Ho Wu" userId="620d876fccae6a25" providerId="LiveId" clId="{EF3BC0AB-AB59-4C81-97A5-1FDA4EE47D87}" dt="2020-09-27T18:38:02.661" v="11934" actId="1076"/>
+          <ac:spMkLst>
+            <pc:docMk/>
+            <pc:sldMk cId="4259034908" sldId="327"/>
+            <ac:spMk id="7" creationId="{E4AD51E1-FCF3-4A0C-8B1A-3C58F573459E}"/>
+          </ac:spMkLst>
+        </pc:spChg>
+        <pc:spChg chg="del mod">
+          <ac:chgData name="Andrew Ming Ho Wu" userId="620d876fccae6a25" providerId="LiveId" clId="{EF3BC0AB-AB59-4C81-97A5-1FDA4EE47D87}" dt="2020-09-27T18:36:26.036" v="11606" actId="478"/>
+          <ac:spMkLst>
+            <pc:docMk/>
+            <pc:sldMk cId="4259034908" sldId="327"/>
+            <ac:spMk id="13" creationId="{69CF4EEB-ADC9-4068-B7B7-D36841F39D3C}"/>
+          </ac:spMkLst>
+        </pc:spChg>
+      </pc:sldChg>
+      <pc:sldChg chg="modSp add mod">
+        <pc:chgData name="Andrew Ming Ho Wu" userId="620d876fccae6a25" providerId="LiveId" clId="{EF3BC0AB-AB59-4C81-97A5-1FDA4EE47D87}" dt="2020-09-27T18:41:40.924" v="12570" actId="20577"/>
+        <pc:sldMkLst>
+          <pc:docMk/>
+          <pc:sldMk cId="2174425840" sldId="328"/>
+        </pc:sldMkLst>
+        <pc:spChg chg="mod">
+          <ac:chgData name="Andrew Ming Ho Wu" userId="620d876fccae6a25" providerId="LiveId" clId="{EF3BC0AB-AB59-4C81-97A5-1FDA4EE47D87}" dt="2020-09-27T18:41:40.924" v="12570" actId="20577"/>
+          <ac:spMkLst>
+            <pc:docMk/>
+            <pc:sldMk cId="2174425840" sldId="328"/>
+            <ac:spMk id="7" creationId="{E4AD51E1-FCF3-4A0C-8B1A-3C58F573459E}"/>
+          </ac:spMkLst>
+        </pc:spChg>
+      </pc:sldChg>
+      <pc:sldChg chg="modSp add mod">
+        <pc:chgData name="Andrew Ming Ho Wu" userId="620d876fccae6a25" providerId="LiveId" clId="{EF3BC0AB-AB59-4C81-97A5-1FDA4EE47D87}" dt="2020-09-27T18:48:04.723" v="13177" actId="20577"/>
+        <pc:sldMkLst>
+          <pc:docMk/>
+          <pc:sldMk cId="428898620" sldId="329"/>
+        </pc:sldMkLst>
+        <pc:spChg chg="mod">
+          <ac:chgData name="Andrew Ming Ho Wu" userId="620d876fccae6a25" providerId="LiveId" clId="{EF3BC0AB-AB59-4C81-97A5-1FDA4EE47D87}" dt="2020-09-27T18:43:02.482" v="12622" actId="20577"/>
+          <ac:spMkLst>
+            <pc:docMk/>
+            <pc:sldMk cId="428898620" sldId="329"/>
+            <ac:spMk id="5" creationId="{00000000-0000-0000-0000-000000000000}"/>
+          </ac:spMkLst>
+        </pc:spChg>
+        <pc:spChg chg="mod">
+          <ac:chgData name="Andrew Ming Ho Wu" userId="620d876fccae6a25" providerId="LiveId" clId="{EF3BC0AB-AB59-4C81-97A5-1FDA4EE47D87}" dt="2020-09-27T18:48:04.723" v="13177" actId="20577"/>
+          <ac:spMkLst>
+            <pc:docMk/>
+            <pc:sldMk cId="428898620" sldId="329"/>
+            <ac:spMk id="12" creationId="{7E70BACB-1CF0-4DEE-923B-205A7D88BC2B}"/>
+          </ac:spMkLst>
+        </pc:spChg>
+      </pc:sldChg>
+      <pc:sldChg chg="modSp add mod">
+        <pc:chgData name="Andrew Ming Ho Wu" userId="620d876fccae6a25" providerId="LiveId" clId="{EF3BC0AB-AB59-4C81-97A5-1FDA4EE47D87}" dt="2020-09-27T18:53:06.406" v="14074" actId="1076"/>
+        <pc:sldMkLst>
+          <pc:docMk/>
+          <pc:sldMk cId="3627176467" sldId="330"/>
+        </pc:sldMkLst>
+        <pc:spChg chg="mod">
+          <ac:chgData name="Andrew Ming Ho Wu" userId="620d876fccae6a25" providerId="LiveId" clId="{EF3BC0AB-AB59-4C81-97A5-1FDA4EE47D87}" dt="2020-09-27T18:48:38.569" v="13202" actId="20577"/>
+          <ac:spMkLst>
+            <pc:docMk/>
+            <pc:sldMk cId="3627176467" sldId="330"/>
+            <ac:spMk id="5" creationId="{00000000-0000-0000-0000-000000000000}"/>
+          </ac:spMkLst>
+        </pc:spChg>
+        <pc:spChg chg="mod">
+          <ac:chgData name="Andrew Ming Ho Wu" userId="620d876fccae6a25" providerId="LiveId" clId="{EF3BC0AB-AB59-4C81-97A5-1FDA4EE47D87}" dt="2020-09-27T18:53:06.406" v="14074" actId="1076"/>
+          <ac:spMkLst>
+            <pc:docMk/>
+            <pc:sldMk cId="3627176467" sldId="330"/>
+            <ac:spMk id="12" creationId="{7E70BACB-1CF0-4DEE-923B-205A7D88BC2B}"/>
+          </ac:spMkLst>
+        </pc:spChg>
+      </pc:sldChg>
+      <pc:sldChg chg="modSp add mod">
+        <pc:chgData name="Andrew Ming Ho Wu" userId="620d876fccae6a25" providerId="LiveId" clId="{EF3BC0AB-AB59-4C81-97A5-1FDA4EE47D87}" dt="2020-09-27T18:54:28.038" v="14319" actId="20577"/>
+        <pc:sldMkLst>
+          <pc:docMk/>
+          <pc:sldMk cId="311588258" sldId="331"/>
+        </pc:sldMkLst>
+        <pc:spChg chg="mod">
+          <ac:chgData name="Andrew Ming Ho Wu" userId="620d876fccae6a25" providerId="LiveId" clId="{EF3BC0AB-AB59-4C81-97A5-1FDA4EE47D87}" dt="2020-09-27T18:53:26.285" v="14108" actId="14100"/>
+          <ac:spMkLst>
+            <pc:docMk/>
+            <pc:sldMk cId="311588258" sldId="331"/>
+            <ac:spMk id="5" creationId="{00000000-0000-0000-0000-000000000000}"/>
+          </ac:spMkLst>
+        </pc:spChg>
+        <pc:spChg chg="mod">
+          <ac:chgData name="Andrew Ming Ho Wu" userId="620d876fccae6a25" providerId="LiveId" clId="{EF3BC0AB-AB59-4C81-97A5-1FDA4EE47D87}" dt="2020-09-27T18:54:28.038" v="14319" actId="20577"/>
+          <ac:spMkLst>
+            <pc:docMk/>
+            <pc:sldMk cId="311588258" sldId="331"/>
+            <ac:spMk id="12" creationId="{7E70BACB-1CF0-4DEE-923B-205A7D88BC2B}"/>
+          </ac:spMkLst>
+        </pc:spChg>
+      </pc:sldChg>
+      <pc:sldChg chg="modSp add mod">
+        <pc:chgData name="Andrew Ming Ho Wu" userId="620d876fccae6a25" providerId="LiveId" clId="{EF3BC0AB-AB59-4C81-97A5-1FDA4EE47D87}" dt="2020-09-27T18:57:17.757" v="14458" actId="20577"/>
+        <pc:sldMkLst>
+          <pc:docMk/>
+          <pc:sldMk cId="1678336179" sldId="332"/>
+        </pc:sldMkLst>
+        <pc:spChg chg="mod">
+          <ac:chgData name="Andrew Ming Ho Wu" userId="620d876fccae6a25" providerId="LiveId" clId="{EF3BC0AB-AB59-4C81-97A5-1FDA4EE47D87}" dt="2020-09-27T18:54:54.107" v="14359" actId="20577"/>
+          <ac:spMkLst>
+            <pc:docMk/>
+            <pc:sldMk cId="1678336179" sldId="332"/>
+            <ac:spMk id="5" creationId="{00000000-0000-0000-0000-000000000000}"/>
+          </ac:spMkLst>
+        </pc:spChg>
+        <pc:spChg chg="mod">
+          <ac:chgData name="Andrew Ming Ho Wu" userId="620d876fccae6a25" providerId="LiveId" clId="{EF3BC0AB-AB59-4C81-97A5-1FDA4EE47D87}" dt="2020-09-27T18:57:17.757" v="14458" actId="20577"/>
+          <ac:spMkLst>
+            <pc:docMk/>
+            <pc:sldMk cId="1678336179" sldId="332"/>
+            <ac:spMk id="12" creationId="{7E70BACB-1CF0-4DEE-923B-205A7D88BC2B}"/>
           </ac:spMkLst>
         </pc:spChg>
       </pc:sldChg>
@@ -3902,1014 +5057,20 @@
     </pc:docChg>
   </pc:docChgLst>
   <pc:docChgLst>
-    <pc:chgData name="Andrew Ming Ho Wu" userId="620d876fccae6a25" providerId="LiveId" clId="{EF3BC0AB-AB59-4C81-97A5-1FDA4EE47D87}"/>
-    <pc:docChg chg="undo redo custSel addSld delSld modSld">
-      <pc:chgData name="Andrew Ming Ho Wu" userId="620d876fccae6a25" providerId="LiveId" clId="{EF3BC0AB-AB59-4C81-97A5-1FDA4EE47D87}" dt="2020-09-27T18:57:17.757" v="14458" actId="20577"/>
-      <pc:docMkLst>
-        <pc:docMk/>
-      </pc:docMkLst>
-      <pc:sldChg chg="delSp modSp mod modNotesTx">
-        <pc:chgData name="Andrew Ming Ho Wu" userId="620d876fccae6a25" providerId="LiveId" clId="{EF3BC0AB-AB59-4C81-97A5-1FDA4EE47D87}" dt="2020-09-27T09:55:20.712" v="4391" actId="255"/>
-        <pc:sldMkLst>
-          <pc:docMk/>
-          <pc:sldMk cId="0" sldId="256"/>
-        </pc:sldMkLst>
-        <pc:spChg chg="mod">
-          <ac:chgData name="Andrew Ming Ho Wu" userId="620d876fccae6a25" providerId="LiveId" clId="{EF3BC0AB-AB59-4C81-97A5-1FDA4EE47D87}" dt="2020-09-27T09:55:20.712" v="4391" actId="255"/>
-          <ac:spMkLst>
-            <pc:docMk/>
-            <pc:sldMk cId="0" sldId="256"/>
-            <ac:spMk id="7" creationId="{00000000-0000-0000-0000-000000000000}"/>
-          </ac:spMkLst>
-        </pc:spChg>
-        <pc:spChg chg="del mod">
-          <ac:chgData name="Andrew Ming Ho Wu" userId="620d876fccae6a25" providerId="LiveId" clId="{EF3BC0AB-AB59-4C81-97A5-1FDA4EE47D87}" dt="2020-09-23T13:10:09.932" v="29"/>
-          <ac:spMkLst>
-            <pc:docMk/>
-            <pc:sldMk cId="0" sldId="256"/>
-            <ac:spMk id="8" creationId="{00000000-0000-0000-0000-000000000000}"/>
-          </ac:spMkLst>
-        </pc:spChg>
-        <pc:spChg chg="mod">
-          <ac:chgData name="Andrew Ming Ho Wu" userId="620d876fccae6a25" providerId="LiveId" clId="{EF3BC0AB-AB59-4C81-97A5-1FDA4EE47D87}" dt="2020-09-26T17:04:55.185" v="4379" actId="20577"/>
-          <ac:spMkLst>
-            <pc:docMk/>
-            <pc:sldMk cId="0" sldId="256"/>
-            <ac:spMk id="13" creationId="{0477D28A-3F44-4405-BD2B-4F00158DB1B3}"/>
-          </ac:spMkLst>
-        </pc:spChg>
-      </pc:sldChg>
-      <pc:sldChg chg="addSp delSp modSp mod">
-        <pc:chgData name="Andrew Ming Ho Wu" userId="620d876fccae6a25" providerId="LiveId" clId="{EF3BC0AB-AB59-4C81-97A5-1FDA4EE47D87}" dt="2020-09-26T16:12:34.168" v="949" actId="1076"/>
-        <pc:sldMkLst>
-          <pc:docMk/>
-          <pc:sldMk cId="0" sldId="257"/>
-        </pc:sldMkLst>
-        <pc:spChg chg="add mod">
-          <ac:chgData name="Andrew Ming Ho Wu" userId="620d876fccae6a25" providerId="LiveId" clId="{EF3BC0AB-AB59-4C81-97A5-1FDA4EE47D87}" dt="2020-09-26T16:12:00.026" v="902" actId="1076"/>
-          <ac:spMkLst>
-            <pc:docMk/>
-            <pc:sldMk cId="0" sldId="257"/>
-            <ac:spMk id="5" creationId="{81D7F47C-B22C-46A9-BD87-E2FA064EC20F}"/>
-          </ac:spMkLst>
-        </pc:spChg>
-        <pc:spChg chg="mod">
-          <ac:chgData name="Andrew Ming Ho Wu" userId="620d876fccae6a25" providerId="LiveId" clId="{EF3BC0AB-AB59-4C81-97A5-1FDA4EE47D87}" dt="2020-09-26T16:11:40.182" v="900" actId="1076"/>
-          <ac:spMkLst>
-            <pc:docMk/>
-            <pc:sldMk cId="0" sldId="257"/>
-            <ac:spMk id="6" creationId="{00000000-0000-0000-0000-000000000000}"/>
-          </ac:spMkLst>
-        </pc:spChg>
-        <pc:spChg chg="add mod">
-          <ac:chgData name="Andrew Ming Ho Wu" userId="620d876fccae6a25" providerId="LiveId" clId="{EF3BC0AB-AB59-4C81-97A5-1FDA4EE47D87}" dt="2020-09-26T16:12:34.168" v="949" actId="1076"/>
-          <ac:spMkLst>
-            <pc:docMk/>
-            <pc:sldMk cId="0" sldId="257"/>
-            <ac:spMk id="7" creationId="{8F1A7018-DAB3-4DD6-9851-CCE349574926}"/>
-          </ac:spMkLst>
-        </pc:spChg>
-        <pc:spChg chg="add del">
-          <ac:chgData name="Andrew Ming Ho Wu" userId="620d876fccae6a25" providerId="LiveId" clId="{EF3BC0AB-AB59-4C81-97A5-1FDA4EE47D87}" dt="2020-09-26T16:11:21.009" v="894" actId="22"/>
-          <ac:spMkLst>
-            <pc:docMk/>
-            <pc:sldMk cId="0" sldId="257"/>
-            <ac:spMk id="8" creationId="{C924EF3F-006C-4216-A9A0-B8029D39A876}"/>
-          </ac:spMkLst>
-        </pc:spChg>
-        <pc:spChg chg="mod">
-          <ac:chgData name="Andrew Ming Ho Wu" userId="620d876fccae6a25" providerId="LiveId" clId="{EF3BC0AB-AB59-4C81-97A5-1FDA4EE47D87}" dt="2020-09-23T13:19:33.930" v="281" actId="20577"/>
-          <ac:spMkLst>
-            <pc:docMk/>
-            <pc:sldMk cId="0" sldId="257"/>
-            <ac:spMk id="13" creationId="{CFB9566F-DF02-46E3-A7DE-30A3DA2B0123}"/>
-          </ac:spMkLst>
-        </pc:spChg>
-        <pc:spChg chg="mod">
-          <ac:chgData name="Andrew Ming Ho Wu" userId="620d876fccae6a25" providerId="LiveId" clId="{EF3BC0AB-AB59-4C81-97A5-1FDA4EE47D87}" dt="2020-09-26T16:11:44.480" v="901" actId="1076"/>
-          <ac:spMkLst>
-            <pc:docMk/>
-            <pc:sldMk cId="0" sldId="257"/>
-            <ac:spMk id="15" creationId="{5FC8DCBF-4CCE-4C22-8B9F-CC50B4D8446D}"/>
-          </ac:spMkLst>
-        </pc:spChg>
-        <pc:spChg chg="del mod">
-          <ac:chgData name="Andrew Ming Ho Wu" userId="620d876fccae6a25" providerId="LiveId" clId="{EF3BC0AB-AB59-4C81-97A5-1FDA4EE47D87}" dt="2020-09-23T13:11:18.490" v="148" actId="478"/>
-          <ac:spMkLst>
-            <pc:docMk/>
-            <pc:sldMk cId="0" sldId="257"/>
-            <ac:spMk id="17" creationId="{F1986DA0-A256-4DC4-89BA-D9AF3A5992F1}"/>
-          </ac:spMkLst>
-        </pc:spChg>
-        <pc:spChg chg="add mod">
-          <ac:chgData name="Andrew Ming Ho Wu" userId="620d876fccae6a25" providerId="LiveId" clId="{EF3BC0AB-AB59-4C81-97A5-1FDA4EE47D87}" dt="2020-09-26T16:12:07.600" v="903" actId="1076"/>
-          <ac:spMkLst>
-            <pc:docMk/>
-            <pc:sldMk cId="0" sldId="257"/>
-            <ac:spMk id="20" creationId="{A6F76399-04DE-46A8-BF2C-99ED8D141BD3}"/>
-          </ac:spMkLst>
-        </pc:spChg>
-        <pc:grpChg chg="mod">
-          <ac:chgData name="Andrew Ming Ho Wu" userId="620d876fccae6a25" providerId="LiveId" clId="{EF3BC0AB-AB59-4C81-97A5-1FDA4EE47D87}" dt="2020-09-26T16:12:28.721" v="948" actId="1076"/>
-          <ac:grpSpMkLst>
-            <pc:docMk/>
-            <pc:sldMk cId="0" sldId="257"/>
-            <ac:grpSpMk id="2" creationId="{00000000-0000-0000-0000-000000000000}"/>
-          </ac:grpSpMkLst>
-        </pc:grpChg>
-        <pc:grpChg chg="add mod">
-          <ac:chgData name="Andrew Ming Ho Wu" userId="620d876fccae6a25" providerId="LiveId" clId="{EF3BC0AB-AB59-4C81-97A5-1FDA4EE47D87}" dt="2020-09-26T16:11:22.051" v="895" actId="571"/>
-          <ac:grpSpMkLst>
-            <pc:docMk/>
-            <pc:sldMk cId="0" sldId="257"/>
-            <ac:grpSpMk id="14" creationId="{830FE23F-E1B8-42CA-8569-E15547258E1C}"/>
-          </ac:grpSpMkLst>
-        </pc:grpChg>
-        <pc:picChg chg="mod">
-          <ac:chgData name="Andrew Ming Ho Wu" userId="620d876fccae6a25" providerId="LiveId" clId="{EF3BC0AB-AB59-4C81-97A5-1FDA4EE47D87}" dt="2020-09-26T16:11:22.051" v="895" actId="571"/>
-          <ac:picMkLst>
-            <pc:docMk/>
-            <pc:sldMk cId="0" sldId="257"/>
-            <ac:picMk id="16" creationId="{91452E8C-A457-4B32-ADCC-8B062C7B7AA2}"/>
-          </ac:picMkLst>
-        </pc:picChg>
-        <pc:picChg chg="mod">
-          <ac:chgData name="Andrew Ming Ho Wu" userId="620d876fccae6a25" providerId="LiveId" clId="{EF3BC0AB-AB59-4C81-97A5-1FDA4EE47D87}" dt="2020-09-26T16:11:22.051" v="895" actId="571"/>
-          <ac:picMkLst>
-            <pc:docMk/>
-            <pc:sldMk cId="0" sldId="257"/>
-            <ac:picMk id="17" creationId="{9914AFBE-82F5-4DA6-8856-1BD8C5F4D972}"/>
-          </ac:picMkLst>
-        </pc:picChg>
-      </pc:sldChg>
-      <pc:sldChg chg="addSp delSp modSp mod modNotesTx">
-        <pc:chgData name="Andrew Ming Ho Wu" userId="620d876fccae6a25" providerId="LiveId" clId="{EF3BC0AB-AB59-4C81-97A5-1FDA4EE47D87}" dt="2020-09-27T18:42:29.401" v="12601" actId="20577"/>
-        <pc:sldMkLst>
-          <pc:docMk/>
-          <pc:sldMk cId="0" sldId="259"/>
-        </pc:sldMkLst>
-        <pc:spChg chg="mod">
-          <ac:chgData name="Andrew Ming Ho Wu" userId="620d876fccae6a25" providerId="LiveId" clId="{EF3BC0AB-AB59-4C81-97A5-1FDA4EE47D87}" dt="2020-09-26T16:15:18.922" v="1252" actId="20577"/>
-          <ac:spMkLst>
-            <pc:docMk/>
-            <pc:sldMk cId="0" sldId="259"/>
-            <ac:spMk id="5" creationId="{00000000-0000-0000-0000-000000000000}"/>
-          </ac:spMkLst>
-        </pc:spChg>
-        <pc:spChg chg="add del">
-          <ac:chgData name="Andrew Ming Ho Wu" userId="620d876fccae6a25" providerId="LiveId" clId="{EF3BC0AB-AB59-4C81-97A5-1FDA4EE47D87}" dt="2020-09-26T16:15:24.567" v="1254" actId="22"/>
-          <ac:spMkLst>
-            <pc:docMk/>
-            <pc:sldMk cId="0" sldId="259"/>
-            <ac:spMk id="6" creationId="{9BFBCD21-514B-426A-B032-477E3A9B1B83}"/>
-          </ac:spMkLst>
-        </pc:spChg>
-        <pc:spChg chg="mod">
-          <ac:chgData name="Andrew Ming Ho Wu" userId="620d876fccae6a25" providerId="LiveId" clId="{EF3BC0AB-AB59-4C81-97A5-1FDA4EE47D87}" dt="2020-09-27T18:42:29.401" v="12601" actId="20577"/>
-          <ac:spMkLst>
-            <pc:docMk/>
-            <pc:sldMk cId="0" sldId="259"/>
-            <ac:spMk id="12" creationId="{7E70BACB-1CF0-4DEE-923B-205A7D88BC2B}"/>
-          </ac:spMkLst>
-        </pc:spChg>
-      </pc:sldChg>
-      <pc:sldChg chg="modSp mod">
-        <pc:chgData name="Andrew Ming Ho Wu" userId="620d876fccae6a25" providerId="LiveId" clId="{EF3BC0AB-AB59-4C81-97A5-1FDA4EE47D87}" dt="2020-09-27T10:13:15.975" v="5911" actId="1076"/>
-        <pc:sldMkLst>
-          <pc:docMk/>
-          <pc:sldMk cId="0" sldId="260"/>
-        </pc:sldMkLst>
-        <pc:spChg chg="mod">
-          <ac:chgData name="Andrew Ming Ho Wu" userId="620d876fccae6a25" providerId="LiveId" clId="{EF3BC0AB-AB59-4C81-97A5-1FDA4EE47D87}" dt="2020-09-26T16:18:11.737" v="1595" actId="14100"/>
-          <ac:spMkLst>
-            <pc:docMk/>
-            <pc:sldMk cId="0" sldId="260"/>
-            <ac:spMk id="6" creationId="{00000000-0000-0000-0000-000000000000}"/>
-          </ac:spMkLst>
-        </pc:spChg>
-        <pc:spChg chg="mod">
-          <ac:chgData name="Andrew Ming Ho Wu" userId="620d876fccae6a25" providerId="LiveId" clId="{EF3BC0AB-AB59-4C81-97A5-1FDA4EE47D87}" dt="2020-09-27T10:13:15.975" v="5911" actId="1076"/>
-          <ac:spMkLst>
-            <pc:docMk/>
-            <pc:sldMk cId="0" sldId="260"/>
-            <ac:spMk id="7" creationId="{00000000-0000-0000-0000-000000000000}"/>
-          </ac:spMkLst>
-        </pc:spChg>
-      </pc:sldChg>
-      <pc:sldChg chg="del">
-        <pc:chgData name="Andrew Ming Ho Wu" userId="620d876fccae6a25" providerId="LiveId" clId="{EF3BC0AB-AB59-4C81-97A5-1FDA4EE47D87}" dt="2020-09-27T10:35:01.134" v="8520" actId="2696"/>
-        <pc:sldMkLst>
-          <pc:docMk/>
-          <pc:sldMk cId="3477520416" sldId="281"/>
-        </pc:sldMkLst>
-      </pc:sldChg>
-      <pc:sldChg chg="addSp delSp modSp mod modNotesTx">
-        <pc:chgData name="Andrew Ming Ho Wu" userId="620d876fccae6a25" providerId="LiveId" clId="{EF3BC0AB-AB59-4C81-97A5-1FDA4EE47D87}" dt="2020-09-27T10:15:26.466" v="6060" actId="20577"/>
-        <pc:sldMkLst>
-          <pc:docMk/>
-          <pc:sldMk cId="2614168572" sldId="282"/>
-        </pc:sldMkLst>
-        <pc:spChg chg="add del mod">
-          <ac:chgData name="Andrew Ming Ho Wu" userId="620d876fccae6a25" providerId="LiveId" clId="{EF3BC0AB-AB59-4C81-97A5-1FDA4EE47D87}" dt="2020-09-27T10:10:20.883" v="5667" actId="1076"/>
-          <ac:spMkLst>
-            <pc:docMk/>
-            <pc:sldMk cId="2614168572" sldId="282"/>
-            <ac:spMk id="13" creationId="{69CF4EEB-ADC9-4068-B7B7-D36841F39D3C}"/>
-          </ac:spMkLst>
-        </pc:spChg>
-        <pc:spChg chg="mod">
-          <ac:chgData name="Andrew Ming Ho Wu" userId="620d876fccae6a25" providerId="LiveId" clId="{EF3BC0AB-AB59-4C81-97A5-1FDA4EE47D87}" dt="2020-09-27T10:15:26.466" v="6060" actId="20577"/>
-          <ac:spMkLst>
-            <pc:docMk/>
-            <pc:sldMk cId="2614168572" sldId="282"/>
-            <ac:spMk id="17" creationId="{48FA683B-0C92-4884-BB36-9239C11A9F11}"/>
-          </ac:spMkLst>
-        </pc:spChg>
-        <pc:picChg chg="mod">
-          <ac:chgData name="Andrew Ming Ho Wu" userId="620d876fccae6a25" providerId="LiveId" clId="{EF3BC0AB-AB59-4C81-97A5-1FDA4EE47D87}" dt="2020-09-26T16:19:38.497" v="1795" actId="1076"/>
-          <ac:picMkLst>
-            <pc:docMk/>
-            <pc:sldMk cId="2614168572" sldId="282"/>
-            <ac:picMk id="2" creationId="{00000000-0000-0000-0000-000000000000}"/>
-          </ac:picMkLst>
-        </pc:picChg>
-      </pc:sldChg>
-      <pc:sldChg chg="del">
-        <pc:chgData name="Andrew Ming Ho Wu" userId="620d876fccae6a25" providerId="LiveId" clId="{EF3BC0AB-AB59-4C81-97A5-1FDA4EE47D87}" dt="2020-09-27T10:35:01.134" v="8520" actId="2696"/>
-        <pc:sldMkLst>
-          <pc:docMk/>
-          <pc:sldMk cId="2263646774" sldId="283"/>
-        </pc:sldMkLst>
-      </pc:sldChg>
-      <pc:sldChg chg="del">
-        <pc:chgData name="Andrew Ming Ho Wu" userId="620d876fccae6a25" providerId="LiveId" clId="{EF3BC0AB-AB59-4C81-97A5-1FDA4EE47D87}" dt="2020-09-27T10:35:01.134" v="8520" actId="2696"/>
-        <pc:sldMkLst>
-          <pc:docMk/>
-          <pc:sldMk cId="1442798169" sldId="284"/>
-        </pc:sldMkLst>
-      </pc:sldChg>
-      <pc:sldChg chg="del">
-        <pc:chgData name="Andrew Ming Ho Wu" userId="620d876fccae6a25" providerId="LiveId" clId="{EF3BC0AB-AB59-4C81-97A5-1FDA4EE47D87}" dt="2020-09-27T10:35:01.134" v="8520" actId="2696"/>
-        <pc:sldMkLst>
-          <pc:docMk/>
-          <pc:sldMk cId="2354016084" sldId="285"/>
-        </pc:sldMkLst>
-      </pc:sldChg>
-      <pc:sldChg chg="del">
-        <pc:chgData name="Andrew Ming Ho Wu" userId="620d876fccae6a25" providerId="LiveId" clId="{EF3BC0AB-AB59-4C81-97A5-1FDA4EE47D87}" dt="2020-09-27T10:35:01.134" v="8520" actId="2696"/>
-        <pc:sldMkLst>
-          <pc:docMk/>
-          <pc:sldMk cId="399849162" sldId="286"/>
-        </pc:sldMkLst>
-      </pc:sldChg>
-      <pc:sldChg chg="del">
-        <pc:chgData name="Andrew Ming Ho Wu" userId="620d876fccae6a25" providerId="LiveId" clId="{EF3BC0AB-AB59-4C81-97A5-1FDA4EE47D87}" dt="2020-09-27T10:35:01.134" v="8520" actId="2696"/>
-        <pc:sldMkLst>
-          <pc:docMk/>
-          <pc:sldMk cId="2878566895" sldId="287"/>
-        </pc:sldMkLst>
-      </pc:sldChg>
-      <pc:sldChg chg="del">
-        <pc:chgData name="Andrew Ming Ho Wu" userId="620d876fccae6a25" providerId="LiveId" clId="{EF3BC0AB-AB59-4C81-97A5-1FDA4EE47D87}" dt="2020-09-27T10:35:01.134" v="8520" actId="2696"/>
-        <pc:sldMkLst>
-          <pc:docMk/>
-          <pc:sldMk cId="2066083013" sldId="288"/>
-        </pc:sldMkLst>
-      </pc:sldChg>
-      <pc:sldChg chg="del">
-        <pc:chgData name="Andrew Ming Ho Wu" userId="620d876fccae6a25" providerId="LiveId" clId="{EF3BC0AB-AB59-4C81-97A5-1FDA4EE47D87}" dt="2020-09-27T10:35:01.134" v="8520" actId="2696"/>
-        <pc:sldMkLst>
-          <pc:docMk/>
-          <pc:sldMk cId="229956835" sldId="289"/>
-        </pc:sldMkLst>
-      </pc:sldChg>
-      <pc:sldChg chg="del">
-        <pc:chgData name="Andrew Ming Ho Wu" userId="620d876fccae6a25" providerId="LiveId" clId="{EF3BC0AB-AB59-4C81-97A5-1FDA4EE47D87}" dt="2020-09-27T10:35:01.134" v="8520" actId="2696"/>
-        <pc:sldMkLst>
-          <pc:docMk/>
-          <pc:sldMk cId="3410851458" sldId="290"/>
-        </pc:sldMkLst>
-      </pc:sldChg>
-      <pc:sldChg chg="del">
-        <pc:chgData name="Andrew Ming Ho Wu" userId="620d876fccae6a25" providerId="LiveId" clId="{EF3BC0AB-AB59-4C81-97A5-1FDA4EE47D87}" dt="2020-09-27T10:35:01.134" v="8520" actId="2696"/>
-        <pc:sldMkLst>
-          <pc:docMk/>
-          <pc:sldMk cId="413486627" sldId="291"/>
-        </pc:sldMkLst>
-      </pc:sldChg>
-      <pc:sldChg chg="del">
-        <pc:chgData name="Andrew Ming Ho Wu" userId="620d876fccae6a25" providerId="LiveId" clId="{EF3BC0AB-AB59-4C81-97A5-1FDA4EE47D87}" dt="2020-09-27T10:35:01.134" v="8520" actId="2696"/>
-        <pc:sldMkLst>
-          <pc:docMk/>
-          <pc:sldMk cId="2556687725" sldId="292"/>
-        </pc:sldMkLst>
-      </pc:sldChg>
-      <pc:sldChg chg="del">
-        <pc:chgData name="Andrew Ming Ho Wu" userId="620d876fccae6a25" providerId="LiveId" clId="{EF3BC0AB-AB59-4C81-97A5-1FDA4EE47D87}" dt="2020-09-27T10:35:01.134" v="8520" actId="2696"/>
-        <pc:sldMkLst>
-          <pc:docMk/>
-          <pc:sldMk cId="3512316335" sldId="293"/>
-        </pc:sldMkLst>
-      </pc:sldChg>
-      <pc:sldChg chg="del">
-        <pc:chgData name="Andrew Ming Ho Wu" userId="620d876fccae6a25" providerId="LiveId" clId="{EF3BC0AB-AB59-4C81-97A5-1FDA4EE47D87}" dt="2020-09-27T10:35:01.134" v="8520" actId="2696"/>
-        <pc:sldMkLst>
-          <pc:docMk/>
-          <pc:sldMk cId="1612569936" sldId="294"/>
-        </pc:sldMkLst>
-      </pc:sldChg>
-      <pc:sldChg chg="del">
-        <pc:chgData name="Andrew Ming Ho Wu" userId="620d876fccae6a25" providerId="LiveId" clId="{EF3BC0AB-AB59-4C81-97A5-1FDA4EE47D87}" dt="2020-09-27T10:35:01.134" v="8520" actId="2696"/>
-        <pc:sldMkLst>
-          <pc:docMk/>
-          <pc:sldMk cId="1824351165" sldId="296"/>
-        </pc:sldMkLst>
-      </pc:sldChg>
-      <pc:sldChg chg="del">
-        <pc:chgData name="Andrew Ming Ho Wu" userId="620d876fccae6a25" providerId="LiveId" clId="{EF3BC0AB-AB59-4C81-97A5-1FDA4EE47D87}" dt="2020-09-27T10:35:01.134" v="8520" actId="2696"/>
-        <pc:sldMkLst>
-          <pc:docMk/>
-          <pc:sldMk cId="4058345036" sldId="297"/>
-        </pc:sldMkLst>
-      </pc:sldChg>
-      <pc:sldChg chg="del">
-        <pc:chgData name="Andrew Ming Ho Wu" userId="620d876fccae6a25" providerId="LiveId" clId="{EF3BC0AB-AB59-4C81-97A5-1FDA4EE47D87}" dt="2020-09-27T10:35:01.134" v="8520" actId="2696"/>
-        <pc:sldMkLst>
-          <pc:docMk/>
-          <pc:sldMk cId="1764176242" sldId="299"/>
-        </pc:sldMkLst>
-      </pc:sldChg>
-      <pc:sldChg chg="del">
-        <pc:chgData name="Andrew Ming Ho Wu" userId="620d876fccae6a25" providerId="LiveId" clId="{EF3BC0AB-AB59-4C81-97A5-1FDA4EE47D87}" dt="2020-09-27T10:35:01.134" v="8520" actId="2696"/>
-        <pc:sldMkLst>
-          <pc:docMk/>
-          <pc:sldMk cId="4186544287" sldId="300"/>
-        </pc:sldMkLst>
-      </pc:sldChg>
-      <pc:sldChg chg="modSp add mod">
-        <pc:chgData name="Andrew Ming Ho Wu" userId="620d876fccae6a25" providerId="LiveId" clId="{EF3BC0AB-AB59-4C81-97A5-1FDA4EE47D87}" dt="2020-09-27T18:42:43.537" v="12616" actId="20577"/>
-        <pc:sldMkLst>
-          <pc:docMk/>
-          <pc:sldMk cId="4141595128" sldId="301"/>
-        </pc:sldMkLst>
-        <pc:spChg chg="mod">
-          <ac:chgData name="Andrew Ming Ho Wu" userId="620d876fccae6a25" providerId="LiveId" clId="{EF3BC0AB-AB59-4C81-97A5-1FDA4EE47D87}" dt="2020-09-26T16:15:33.446" v="1272" actId="20577"/>
-          <ac:spMkLst>
-            <pc:docMk/>
-            <pc:sldMk cId="4141595128" sldId="301"/>
-            <ac:spMk id="5" creationId="{00000000-0000-0000-0000-000000000000}"/>
-          </ac:spMkLst>
-        </pc:spChg>
-        <pc:spChg chg="mod">
-          <ac:chgData name="Andrew Ming Ho Wu" userId="620d876fccae6a25" providerId="LiveId" clId="{EF3BC0AB-AB59-4C81-97A5-1FDA4EE47D87}" dt="2020-09-27T18:42:43.537" v="12616" actId="20577"/>
-          <ac:spMkLst>
-            <pc:docMk/>
-            <pc:sldMk cId="4141595128" sldId="301"/>
-            <ac:spMk id="12" creationId="{7E70BACB-1CF0-4DEE-923B-205A7D88BC2B}"/>
-          </ac:spMkLst>
-        </pc:spChg>
-      </pc:sldChg>
-      <pc:sldChg chg="modSp add mod modNotesTx">
-        <pc:chgData name="Andrew Ming Ho Wu" userId="620d876fccae6a25" providerId="LiveId" clId="{EF3BC0AB-AB59-4C81-97A5-1FDA4EE47D87}" dt="2020-09-27T10:13:25.181" v="5912" actId="255"/>
-        <pc:sldMkLst>
-          <pc:docMk/>
-          <pc:sldMk cId="1181641107" sldId="302"/>
-        </pc:sldMkLst>
-        <pc:spChg chg="mod">
-          <ac:chgData name="Andrew Ming Ho Wu" userId="620d876fccae6a25" providerId="LiveId" clId="{EF3BC0AB-AB59-4C81-97A5-1FDA4EE47D87}" dt="2020-09-27T10:13:25.181" v="5912" actId="255"/>
-          <ac:spMkLst>
-            <pc:docMk/>
-            <pc:sldMk cId="1181641107" sldId="302"/>
-            <ac:spMk id="17" creationId="{48FA683B-0C92-4884-BB36-9239C11A9F11}"/>
-          </ac:spMkLst>
-        </pc:spChg>
-      </pc:sldChg>
-      <pc:sldChg chg="modSp add mod modNotesTx">
-        <pc:chgData name="Andrew Ming Ho Wu" userId="620d876fccae6a25" providerId="LiveId" clId="{EF3BC0AB-AB59-4C81-97A5-1FDA4EE47D87}" dt="2020-09-27T10:17:42.840" v="6267" actId="14100"/>
-        <pc:sldMkLst>
-          <pc:docMk/>
-          <pc:sldMk cId="695323835" sldId="303"/>
-        </pc:sldMkLst>
-        <pc:spChg chg="mod">
-          <ac:chgData name="Andrew Ming Ho Wu" userId="620d876fccae6a25" providerId="LiveId" clId="{EF3BC0AB-AB59-4C81-97A5-1FDA4EE47D87}" dt="2020-09-27T10:17:39.090" v="6265" actId="1076"/>
-          <ac:spMkLst>
-            <pc:docMk/>
-            <pc:sldMk cId="695323835" sldId="303"/>
-            <ac:spMk id="13" creationId="{69CF4EEB-ADC9-4068-B7B7-D36841F39D3C}"/>
-          </ac:spMkLst>
-        </pc:spChg>
-        <pc:spChg chg="mod">
-          <ac:chgData name="Andrew Ming Ho Wu" userId="620d876fccae6a25" providerId="LiveId" clId="{EF3BC0AB-AB59-4C81-97A5-1FDA4EE47D87}" dt="2020-09-27T10:17:42.840" v="6267" actId="14100"/>
-          <ac:spMkLst>
-            <pc:docMk/>
-            <pc:sldMk cId="695323835" sldId="303"/>
-            <ac:spMk id="17" creationId="{48FA683B-0C92-4884-BB36-9239C11A9F11}"/>
-          </ac:spMkLst>
-        </pc:spChg>
-      </pc:sldChg>
-      <pc:sldChg chg="modSp add mod modNotesTx">
-        <pc:chgData name="Andrew Ming Ho Wu" userId="620d876fccae6a25" providerId="LiveId" clId="{EF3BC0AB-AB59-4C81-97A5-1FDA4EE47D87}" dt="2020-09-27T10:19:05.687" v="6412" actId="20577"/>
-        <pc:sldMkLst>
-          <pc:docMk/>
-          <pc:sldMk cId="1731435901" sldId="304"/>
-        </pc:sldMkLst>
-        <pc:spChg chg="mod">
-          <ac:chgData name="Andrew Ming Ho Wu" userId="620d876fccae6a25" providerId="LiveId" clId="{EF3BC0AB-AB59-4C81-97A5-1FDA4EE47D87}" dt="2020-09-27T10:18:55.844" v="6411" actId="313"/>
-          <ac:spMkLst>
-            <pc:docMk/>
-            <pc:sldMk cId="1731435901" sldId="304"/>
-            <ac:spMk id="17" creationId="{48FA683B-0C92-4884-BB36-9239C11A9F11}"/>
-          </ac:spMkLst>
-        </pc:spChg>
-      </pc:sldChg>
-      <pc:sldChg chg="modSp add mod modNotesTx">
-        <pc:chgData name="Andrew Ming Ho Wu" userId="620d876fccae6a25" providerId="LiveId" clId="{EF3BC0AB-AB59-4C81-97A5-1FDA4EE47D87}" dt="2020-09-27T10:20:50.306" v="6644" actId="20577"/>
-        <pc:sldMkLst>
-          <pc:docMk/>
-          <pc:sldMk cId="3921722384" sldId="305"/>
-        </pc:sldMkLst>
-        <pc:spChg chg="mod">
-          <ac:chgData name="Andrew Ming Ho Wu" userId="620d876fccae6a25" providerId="LiveId" clId="{EF3BC0AB-AB59-4C81-97A5-1FDA4EE47D87}" dt="2020-09-27T10:20:34.775" v="6643" actId="20577"/>
-          <ac:spMkLst>
-            <pc:docMk/>
-            <pc:sldMk cId="3921722384" sldId="305"/>
-            <ac:spMk id="17" creationId="{48FA683B-0C92-4884-BB36-9239C11A9F11}"/>
-          </ac:spMkLst>
-        </pc:spChg>
-      </pc:sldChg>
-      <pc:sldChg chg="modSp add mod modNotesTx">
-        <pc:chgData name="Andrew Ming Ho Wu" userId="620d876fccae6a25" providerId="LiveId" clId="{EF3BC0AB-AB59-4C81-97A5-1FDA4EE47D87}" dt="2020-09-27T10:21:37.258" v="6762" actId="20577"/>
-        <pc:sldMkLst>
-          <pc:docMk/>
-          <pc:sldMk cId="393541412" sldId="306"/>
-        </pc:sldMkLst>
-        <pc:spChg chg="mod">
-          <ac:chgData name="Andrew Ming Ho Wu" userId="620d876fccae6a25" providerId="LiveId" clId="{EF3BC0AB-AB59-4C81-97A5-1FDA4EE47D87}" dt="2020-09-27T10:21:32.006" v="6761" actId="20577"/>
-          <ac:spMkLst>
-            <pc:docMk/>
-            <pc:sldMk cId="393541412" sldId="306"/>
-            <ac:spMk id="17" creationId="{48FA683B-0C92-4884-BB36-9239C11A9F11}"/>
-          </ac:spMkLst>
-        </pc:spChg>
-      </pc:sldChg>
-      <pc:sldChg chg="modSp add mod modNotesTx">
-        <pc:chgData name="Andrew Ming Ho Wu" userId="620d876fccae6a25" providerId="LiveId" clId="{EF3BC0AB-AB59-4C81-97A5-1FDA4EE47D87}" dt="2020-09-27T10:21:47.784" v="6763" actId="255"/>
-        <pc:sldMkLst>
-          <pc:docMk/>
-          <pc:sldMk cId="696112063" sldId="307"/>
-        </pc:sldMkLst>
-        <pc:spChg chg="mod">
-          <ac:chgData name="Andrew Ming Ho Wu" userId="620d876fccae6a25" providerId="LiveId" clId="{EF3BC0AB-AB59-4C81-97A5-1FDA4EE47D87}" dt="2020-09-27T10:21:47.784" v="6763" actId="255"/>
-          <ac:spMkLst>
-            <pc:docMk/>
-            <pc:sldMk cId="696112063" sldId="307"/>
-            <ac:spMk id="17" creationId="{48FA683B-0C92-4884-BB36-9239C11A9F11}"/>
-          </ac:spMkLst>
-        </pc:spChg>
-      </pc:sldChg>
-      <pc:sldChg chg="modSp add mod modNotesTx">
-        <pc:chgData name="Andrew Ming Ho Wu" userId="620d876fccae6a25" providerId="LiveId" clId="{EF3BC0AB-AB59-4C81-97A5-1FDA4EE47D87}" dt="2020-09-27T10:22:20.056" v="6856" actId="20577"/>
-        <pc:sldMkLst>
-          <pc:docMk/>
-          <pc:sldMk cId="2138515264" sldId="308"/>
-        </pc:sldMkLst>
-        <pc:spChg chg="mod">
-          <ac:chgData name="Andrew Ming Ho Wu" userId="620d876fccae6a25" providerId="LiveId" clId="{EF3BC0AB-AB59-4C81-97A5-1FDA4EE47D87}" dt="2020-09-27T10:22:20.056" v="6856" actId="20577"/>
-          <ac:spMkLst>
-            <pc:docMk/>
-            <pc:sldMk cId="2138515264" sldId="308"/>
-            <ac:spMk id="17" creationId="{48FA683B-0C92-4884-BB36-9239C11A9F11}"/>
-          </ac:spMkLst>
-        </pc:spChg>
-      </pc:sldChg>
-      <pc:sldChg chg="modSp add mod modNotesTx">
-        <pc:chgData name="Andrew Ming Ho Wu" userId="620d876fccae6a25" providerId="LiveId" clId="{EF3BC0AB-AB59-4C81-97A5-1FDA4EE47D87}" dt="2020-09-27T10:23:00.536" v="6930" actId="20577"/>
-        <pc:sldMkLst>
-          <pc:docMk/>
-          <pc:sldMk cId="2113135599" sldId="309"/>
-        </pc:sldMkLst>
-        <pc:spChg chg="mod">
-          <ac:chgData name="Andrew Ming Ho Wu" userId="620d876fccae6a25" providerId="LiveId" clId="{EF3BC0AB-AB59-4C81-97A5-1FDA4EE47D87}" dt="2020-09-27T10:23:00.536" v="6930" actId="20577"/>
-          <ac:spMkLst>
-            <pc:docMk/>
-            <pc:sldMk cId="2113135599" sldId="309"/>
-            <ac:spMk id="17" creationId="{48FA683B-0C92-4884-BB36-9239C11A9F11}"/>
-          </ac:spMkLst>
-        </pc:spChg>
-      </pc:sldChg>
-      <pc:sldChg chg="modSp add mod modNotesTx">
-        <pc:chgData name="Andrew Ming Ho Wu" userId="620d876fccae6a25" providerId="LiveId" clId="{EF3BC0AB-AB59-4C81-97A5-1FDA4EE47D87}" dt="2020-09-27T10:23:44.427" v="6931" actId="255"/>
-        <pc:sldMkLst>
-          <pc:docMk/>
-          <pc:sldMk cId="3619567919" sldId="310"/>
-        </pc:sldMkLst>
-        <pc:spChg chg="mod">
-          <ac:chgData name="Andrew Ming Ho Wu" userId="620d876fccae6a25" providerId="LiveId" clId="{EF3BC0AB-AB59-4C81-97A5-1FDA4EE47D87}" dt="2020-09-27T10:01:03.972" v="4768" actId="1076"/>
-          <ac:spMkLst>
-            <pc:docMk/>
-            <pc:sldMk cId="3619567919" sldId="310"/>
-            <ac:spMk id="13" creationId="{69CF4EEB-ADC9-4068-B7B7-D36841F39D3C}"/>
-          </ac:spMkLst>
-        </pc:spChg>
-        <pc:spChg chg="mod">
-          <ac:chgData name="Andrew Ming Ho Wu" userId="620d876fccae6a25" providerId="LiveId" clId="{EF3BC0AB-AB59-4C81-97A5-1FDA4EE47D87}" dt="2020-09-27T10:23:44.427" v="6931" actId="255"/>
-          <ac:spMkLst>
-            <pc:docMk/>
-            <pc:sldMk cId="3619567919" sldId="310"/>
-            <ac:spMk id="17" creationId="{48FA683B-0C92-4884-BB36-9239C11A9F11}"/>
-          </ac:spMkLst>
-        </pc:spChg>
-      </pc:sldChg>
-      <pc:sldChg chg="modSp add mod modNotesTx">
-        <pc:chgData name="Andrew Ming Ho Wu" userId="620d876fccae6a25" providerId="LiveId" clId="{EF3BC0AB-AB59-4C81-97A5-1FDA4EE47D87}" dt="2020-09-27T10:24:04.623" v="6933" actId="20577"/>
-        <pc:sldMkLst>
-          <pc:docMk/>
-          <pc:sldMk cId="4241162783" sldId="311"/>
-        </pc:sldMkLst>
-        <pc:spChg chg="mod">
-          <ac:chgData name="Andrew Ming Ho Wu" userId="620d876fccae6a25" providerId="LiveId" clId="{EF3BC0AB-AB59-4C81-97A5-1FDA4EE47D87}" dt="2020-09-27T10:23:51.587" v="6932" actId="255"/>
-          <ac:spMkLst>
-            <pc:docMk/>
-            <pc:sldMk cId="4241162783" sldId="311"/>
-            <ac:spMk id="17" creationId="{48FA683B-0C92-4884-BB36-9239C11A9F11}"/>
-          </ac:spMkLst>
-        </pc:spChg>
-      </pc:sldChg>
-      <pc:sldChg chg="modSp add mod modNotesTx">
-        <pc:chgData name="Andrew Ming Ho Wu" userId="620d876fccae6a25" providerId="LiveId" clId="{EF3BC0AB-AB59-4C81-97A5-1FDA4EE47D87}" dt="2020-09-27T10:24:22.320" v="6935" actId="20577"/>
-        <pc:sldMkLst>
-          <pc:docMk/>
-          <pc:sldMk cId="1035541448" sldId="312"/>
-        </pc:sldMkLst>
-        <pc:spChg chg="mod">
-          <ac:chgData name="Andrew Ming Ho Wu" userId="620d876fccae6a25" providerId="LiveId" clId="{EF3BC0AB-AB59-4C81-97A5-1FDA4EE47D87}" dt="2020-09-27T10:24:10.906" v="6934" actId="255"/>
-          <ac:spMkLst>
-            <pc:docMk/>
-            <pc:sldMk cId="1035541448" sldId="312"/>
-            <ac:spMk id="17" creationId="{48FA683B-0C92-4884-BB36-9239C11A9F11}"/>
-          </ac:spMkLst>
-        </pc:spChg>
-      </pc:sldChg>
-      <pc:sldChg chg="modSp add mod">
-        <pc:chgData name="Andrew Ming Ho Wu" userId="620d876fccae6a25" providerId="LiveId" clId="{EF3BC0AB-AB59-4C81-97A5-1FDA4EE47D87}" dt="2020-09-27T10:25:36.179" v="7152" actId="20577"/>
-        <pc:sldMkLst>
-          <pc:docMk/>
-          <pc:sldMk cId="1627687639" sldId="313"/>
-        </pc:sldMkLst>
-        <pc:spChg chg="mod">
-          <ac:chgData name="Andrew Ming Ho Wu" userId="620d876fccae6a25" providerId="LiveId" clId="{EF3BC0AB-AB59-4C81-97A5-1FDA4EE47D87}" dt="2020-09-27T10:25:36.179" v="7152" actId="20577"/>
-          <ac:spMkLst>
-            <pc:docMk/>
-            <pc:sldMk cId="1627687639" sldId="313"/>
-            <ac:spMk id="17" creationId="{48FA683B-0C92-4884-BB36-9239C11A9F11}"/>
-          </ac:spMkLst>
-        </pc:spChg>
-      </pc:sldChg>
-      <pc:sldChg chg="modSp add mod">
-        <pc:chgData name="Andrew Ming Ho Wu" userId="620d876fccae6a25" providerId="LiveId" clId="{EF3BC0AB-AB59-4C81-97A5-1FDA4EE47D87}" dt="2020-09-27T10:32:13.605" v="8194" actId="20577"/>
-        <pc:sldMkLst>
-          <pc:docMk/>
-          <pc:sldMk cId="1950776556" sldId="314"/>
-        </pc:sldMkLst>
-        <pc:spChg chg="mod">
-          <ac:chgData name="Andrew Ming Ho Wu" userId="620d876fccae6a25" providerId="LiveId" clId="{EF3BC0AB-AB59-4C81-97A5-1FDA4EE47D87}" dt="2020-09-27T10:32:13.605" v="8194" actId="20577"/>
-          <ac:spMkLst>
-            <pc:docMk/>
-            <pc:sldMk cId="1950776556" sldId="314"/>
-            <ac:spMk id="17" creationId="{48FA683B-0C92-4884-BB36-9239C11A9F11}"/>
-          </ac:spMkLst>
-        </pc:spChg>
-      </pc:sldChg>
-      <pc:sldChg chg="modSp add mod">
-        <pc:chgData name="Andrew Ming Ho Wu" userId="620d876fccae6a25" providerId="LiveId" clId="{EF3BC0AB-AB59-4C81-97A5-1FDA4EE47D87}" dt="2020-09-27T10:32:16.641" v="8196" actId="20577"/>
-        <pc:sldMkLst>
-          <pc:docMk/>
-          <pc:sldMk cId="3899163142" sldId="315"/>
-        </pc:sldMkLst>
-        <pc:spChg chg="mod">
-          <ac:chgData name="Andrew Ming Ho Wu" userId="620d876fccae6a25" providerId="LiveId" clId="{EF3BC0AB-AB59-4C81-97A5-1FDA4EE47D87}" dt="2020-09-27T10:32:16.641" v="8196" actId="20577"/>
-          <ac:spMkLst>
-            <pc:docMk/>
-            <pc:sldMk cId="3899163142" sldId="315"/>
-            <ac:spMk id="17" creationId="{48FA683B-0C92-4884-BB36-9239C11A9F11}"/>
-          </ac:spMkLst>
-        </pc:spChg>
-      </pc:sldChg>
-      <pc:sldChg chg="modSp add mod">
-        <pc:chgData name="Andrew Ming Ho Wu" userId="620d876fccae6a25" providerId="LiveId" clId="{EF3BC0AB-AB59-4C81-97A5-1FDA4EE47D87}" dt="2020-09-27T10:32:19.922" v="8198" actId="20577"/>
-        <pc:sldMkLst>
-          <pc:docMk/>
-          <pc:sldMk cId="2313566969" sldId="316"/>
-        </pc:sldMkLst>
-        <pc:spChg chg="mod">
-          <ac:chgData name="Andrew Ming Ho Wu" userId="620d876fccae6a25" providerId="LiveId" clId="{EF3BC0AB-AB59-4C81-97A5-1FDA4EE47D87}" dt="2020-09-27T10:32:19.922" v="8198" actId="20577"/>
-          <ac:spMkLst>
-            <pc:docMk/>
-            <pc:sldMk cId="2313566969" sldId="316"/>
-            <ac:spMk id="17" creationId="{48FA683B-0C92-4884-BB36-9239C11A9F11}"/>
-          </ac:spMkLst>
-        </pc:spChg>
-      </pc:sldChg>
-      <pc:sldChg chg="modSp add mod">
-        <pc:chgData name="Andrew Ming Ho Wu" userId="620d876fccae6a25" providerId="LiveId" clId="{EF3BC0AB-AB59-4C81-97A5-1FDA4EE47D87}" dt="2020-09-27T10:32:55.790" v="8288" actId="1076"/>
-        <pc:sldMkLst>
-          <pc:docMk/>
-          <pc:sldMk cId="525558553" sldId="317"/>
-        </pc:sldMkLst>
-        <pc:spChg chg="mod">
-          <ac:chgData name="Andrew Ming Ho Wu" userId="620d876fccae6a25" providerId="LiveId" clId="{EF3BC0AB-AB59-4C81-97A5-1FDA4EE47D87}" dt="2020-09-27T10:32:55.790" v="8288" actId="1076"/>
-          <ac:spMkLst>
-            <pc:docMk/>
-            <pc:sldMk cId="525558553" sldId="317"/>
-            <ac:spMk id="17" creationId="{48FA683B-0C92-4884-BB36-9239C11A9F11}"/>
-          </ac:spMkLst>
-        </pc:spChg>
-      </pc:sldChg>
-      <pc:sldChg chg="modSp add mod">
-        <pc:chgData name="Andrew Ming Ho Wu" userId="620d876fccae6a25" providerId="LiveId" clId="{EF3BC0AB-AB59-4C81-97A5-1FDA4EE47D87}" dt="2020-09-27T10:33:59.156" v="8519" actId="20577"/>
-        <pc:sldMkLst>
-          <pc:docMk/>
-          <pc:sldMk cId="2450840084" sldId="318"/>
-        </pc:sldMkLst>
-        <pc:spChg chg="mod">
-          <ac:chgData name="Andrew Ming Ho Wu" userId="620d876fccae6a25" providerId="LiveId" clId="{EF3BC0AB-AB59-4C81-97A5-1FDA4EE47D87}" dt="2020-09-27T10:33:59.156" v="8519" actId="20577"/>
-          <ac:spMkLst>
-            <pc:docMk/>
-            <pc:sldMk cId="2450840084" sldId="318"/>
-            <ac:spMk id="17" creationId="{48FA683B-0C92-4884-BB36-9239C11A9F11}"/>
-          </ac:spMkLst>
-        </pc:spChg>
-      </pc:sldChg>
-      <pc:sldChg chg="addSp delSp modSp add mod">
-        <pc:chgData name="Andrew Ming Ho Wu" userId="620d876fccae6a25" providerId="LiveId" clId="{EF3BC0AB-AB59-4C81-97A5-1FDA4EE47D87}" dt="2020-09-27T10:39:14.873" v="9058" actId="20577"/>
-        <pc:sldMkLst>
-          <pc:docMk/>
-          <pc:sldMk cId="3241138585" sldId="319"/>
-        </pc:sldMkLst>
-        <pc:spChg chg="mod">
-          <ac:chgData name="Andrew Ming Ho Wu" userId="620d876fccae6a25" providerId="LiveId" clId="{EF3BC0AB-AB59-4C81-97A5-1FDA4EE47D87}" dt="2020-09-27T10:35:24.156" v="8547" actId="1076"/>
-          <ac:spMkLst>
-            <pc:docMk/>
-            <pc:sldMk cId="3241138585" sldId="319"/>
-            <ac:spMk id="13" creationId="{69CF4EEB-ADC9-4068-B7B7-D36841F39D3C}"/>
-          </ac:spMkLst>
-        </pc:spChg>
-        <pc:spChg chg="add del mod">
-          <ac:chgData name="Andrew Ming Ho Wu" userId="620d876fccae6a25" providerId="LiveId" clId="{EF3BC0AB-AB59-4C81-97A5-1FDA4EE47D87}" dt="2020-09-27T10:39:14.873" v="9058" actId="20577"/>
-          <ac:spMkLst>
-            <pc:docMk/>
-            <pc:sldMk cId="3241138585" sldId="319"/>
-            <ac:spMk id="17" creationId="{48FA683B-0C92-4884-BB36-9239C11A9F11}"/>
-          </ac:spMkLst>
-        </pc:spChg>
-      </pc:sldChg>
-      <pc:sldChg chg="modSp add mod">
-        <pc:chgData name="Andrew Ming Ho Wu" userId="620d876fccae6a25" providerId="LiveId" clId="{EF3BC0AB-AB59-4C81-97A5-1FDA4EE47D87}" dt="2020-09-27T10:43:27.516" v="9560" actId="20577"/>
-        <pc:sldMkLst>
-          <pc:docMk/>
-          <pc:sldMk cId="597090878" sldId="320"/>
-        </pc:sldMkLst>
-        <pc:spChg chg="mod">
-          <ac:chgData name="Andrew Ming Ho Wu" userId="620d876fccae6a25" providerId="LiveId" clId="{EF3BC0AB-AB59-4C81-97A5-1FDA4EE47D87}" dt="2020-09-27T10:43:27.516" v="9560" actId="20577"/>
-          <ac:spMkLst>
-            <pc:docMk/>
-            <pc:sldMk cId="597090878" sldId="320"/>
-            <ac:spMk id="17" creationId="{48FA683B-0C92-4884-BB36-9239C11A9F11}"/>
-          </ac:spMkLst>
-        </pc:spChg>
-      </pc:sldChg>
-      <pc:sldChg chg="addSp delSp modSp add mod">
-        <pc:chgData name="Andrew Ming Ho Wu" userId="620d876fccae6a25" providerId="LiveId" clId="{EF3BC0AB-AB59-4C81-97A5-1FDA4EE47D87}" dt="2020-09-27T10:58:39.244" v="9567"/>
-        <pc:sldMkLst>
-          <pc:docMk/>
-          <pc:sldMk cId="3935872265" sldId="321"/>
-        </pc:sldMkLst>
-        <pc:spChg chg="del mod">
-          <ac:chgData name="Andrew Ming Ho Wu" userId="620d876fccae6a25" providerId="LiveId" clId="{EF3BC0AB-AB59-4C81-97A5-1FDA4EE47D87}" dt="2020-09-27T10:58:39.244" v="9567"/>
-          <ac:spMkLst>
-            <pc:docMk/>
-            <pc:sldMk cId="3935872265" sldId="321"/>
-            <ac:spMk id="17" creationId="{48FA683B-0C92-4884-BB36-9239C11A9F11}"/>
-          </ac:spMkLst>
-        </pc:spChg>
-        <pc:picChg chg="add mod">
-          <ac:chgData name="Andrew Ming Ho Wu" userId="620d876fccae6a25" providerId="LiveId" clId="{EF3BC0AB-AB59-4C81-97A5-1FDA4EE47D87}" dt="2020-09-27T10:58:38.641" v="9565" actId="14100"/>
-          <ac:picMkLst>
-            <pc:docMk/>
-            <pc:sldMk cId="3935872265" sldId="321"/>
-            <ac:picMk id="6" creationId="{9A9BF99D-7F84-4233-BC72-E8CC5BE0B067}"/>
-          </ac:picMkLst>
-        </pc:picChg>
-      </pc:sldChg>
-      <pc:sldChg chg="addSp delSp modSp add mod">
-        <pc:chgData name="Andrew Ming Ho Wu" userId="620d876fccae6a25" providerId="LiveId" clId="{EF3BC0AB-AB59-4C81-97A5-1FDA4EE47D87}" dt="2020-09-27T11:03:15.071" v="9639" actId="313"/>
-        <pc:sldMkLst>
-          <pc:docMk/>
-          <pc:sldMk cId="2428145897" sldId="322"/>
-        </pc:sldMkLst>
-        <pc:spChg chg="add del">
-          <ac:chgData name="Andrew Ming Ho Wu" userId="620d876fccae6a25" providerId="LiveId" clId="{EF3BC0AB-AB59-4C81-97A5-1FDA4EE47D87}" dt="2020-09-27T11:02:08.216" v="9585" actId="478"/>
-          <ac:spMkLst>
-            <pc:docMk/>
-            <pc:sldMk cId="2428145897" sldId="322"/>
-            <ac:spMk id="14" creationId="{82204D47-3F7F-4F81-9F0B-B8D05A4A12AB}"/>
-          </ac:spMkLst>
-        </pc:spChg>
-        <pc:spChg chg="add del mod">
-          <ac:chgData name="Andrew Ming Ho Wu" userId="620d876fccae6a25" providerId="LiveId" clId="{EF3BC0AB-AB59-4C81-97A5-1FDA4EE47D87}" dt="2020-09-27T11:03:15.071" v="9639" actId="313"/>
-          <ac:spMkLst>
-            <pc:docMk/>
-            <pc:sldMk cId="2428145897" sldId="322"/>
-            <ac:spMk id="16" creationId="{F047BA3C-54FB-4687-843D-9C20754A8819}"/>
-          </ac:spMkLst>
-        </pc:spChg>
-        <pc:spChg chg="add del">
-          <ac:chgData name="Andrew Ming Ho Wu" userId="620d876fccae6a25" providerId="LiveId" clId="{EF3BC0AB-AB59-4C81-97A5-1FDA4EE47D87}" dt="2020-09-27T11:00:26.377" v="9575" actId="22"/>
-          <ac:spMkLst>
-            <pc:docMk/>
-            <pc:sldMk cId="2428145897" sldId="322"/>
-            <ac:spMk id="18" creationId="{BF7EA6D2-8A4A-4CBD-BC10-20FE1AFEFC61}"/>
-          </ac:spMkLst>
-        </pc:spChg>
-        <pc:picChg chg="add del">
-          <ac:chgData name="Andrew Ming Ho Wu" userId="620d876fccae6a25" providerId="LiveId" clId="{EF3BC0AB-AB59-4C81-97A5-1FDA4EE47D87}" dt="2020-09-27T11:02:07.818" v="9583" actId="478"/>
-          <ac:picMkLst>
-            <pc:docMk/>
-            <pc:sldMk cId="2428145897" sldId="322"/>
-            <ac:picMk id="6" creationId="{9A9BF99D-7F84-4233-BC72-E8CC5BE0B067}"/>
-          </ac:picMkLst>
-        </pc:picChg>
-      </pc:sldChg>
-      <pc:sldChg chg="addSp delSp modSp add mod">
-        <pc:chgData name="Andrew Ming Ho Wu" userId="620d876fccae6a25" providerId="LiveId" clId="{EF3BC0AB-AB59-4C81-97A5-1FDA4EE47D87}" dt="2020-09-27T18:22:25.987" v="10124" actId="20577"/>
-        <pc:sldMkLst>
-          <pc:docMk/>
-          <pc:sldMk cId="3584881285" sldId="323"/>
-        </pc:sldMkLst>
-        <pc:spChg chg="add mod">
-          <ac:chgData name="Andrew Ming Ho Wu" userId="620d876fccae6a25" providerId="LiveId" clId="{EF3BC0AB-AB59-4C81-97A5-1FDA4EE47D87}" dt="2020-09-27T18:22:25.987" v="10124" actId="20577"/>
-          <ac:spMkLst>
-            <pc:docMk/>
-            <pc:sldMk cId="3584881285" sldId="323"/>
-            <ac:spMk id="7" creationId="{E4AD51E1-FCF3-4A0C-8B1A-3C58F573459E}"/>
-          </ac:spMkLst>
-        </pc:spChg>
-        <pc:spChg chg="mod">
-          <ac:chgData name="Andrew Ming Ho Wu" userId="620d876fccae6a25" providerId="LiveId" clId="{EF3BC0AB-AB59-4C81-97A5-1FDA4EE47D87}" dt="2020-09-27T11:03:33.284" v="9673" actId="1076"/>
-          <ac:spMkLst>
-            <pc:docMk/>
-            <pc:sldMk cId="3584881285" sldId="323"/>
-            <ac:spMk id="13" creationId="{69CF4EEB-ADC9-4068-B7B7-D36841F39D3C}"/>
-          </ac:spMkLst>
-        </pc:spChg>
-        <pc:spChg chg="del mod">
-          <ac:chgData name="Andrew Ming Ho Wu" userId="620d876fccae6a25" providerId="LiveId" clId="{EF3BC0AB-AB59-4C81-97A5-1FDA4EE47D87}" dt="2020-09-27T11:03:36.351" v="9676"/>
-          <ac:spMkLst>
-            <pc:docMk/>
-            <pc:sldMk cId="3584881285" sldId="323"/>
-            <ac:spMk id="16" creationId="{F047BA3C-54FB-4687-843D-9C20754A8819}"/>
-          </ac:spMkLst>
-        </pc:spChg>
-        <pc:graphicFrameChg chg="add del mod">
-          <ac:chgData name="Andrew Ming Ho Wu" userId="620d876fccae6a25" providerId="LiveId" clId="{EF3BC0AB-AB59-4C81-97A5-1FDA4EE47D87}" dt="2020-09-27T18:18:59.929" v="9678"/>
-          <ac:graphicFrameMkLst>
-            <pc:docMk/>
-            <pc:sldMk cId="3584881285" sldId="323"/>
-            <ac:graphicFrameMk id="6" creationId="{60167984-0F6D-44F1-A20D-E8267DCC0337}"/>
-          </ac:graphicFrameMkLst>
-        </pc:graphicFrameChg>
-      </pc:sldChg>
-      <pc:sldChg chg="modSp add mod">
-        <pc:chgData name="Andrew Ming Ho Wu" userId="620d876fccae6a25" providerId="LiveId" clId="{EF3BC0AB-AB59-4C81-97A5-1FDA4EE47D87}" dt="2020-09-27T18:24:49.019" v="10398" actId="20577"/>
-        <pc:sldMkLst>
-          <pc:docMk/>
-          <pc:sldMk cId="1769369266" sldId="324"/>
-        </pc:sldMkLst>
-        <pc:spChg chg="mod">
-          <ac:chgData name="Andrew Ming Ho Wu" userId="620d876fccae6a25" providerId="LiveId" clId="{EF3BC0AB-AB59-4C81-97A5-1FDA4EE47D87}" dt="2020-09-27T18:24:49.019" v="10398" actId="20577"/>
-          <ac:spMkLst>
-            <pc:docMk/>
-            <pc:sldMk cId="1769369266" sldId="324"/>
-            <ac:spMk id="7" creationId="{E4AD51E1-FCF3-4A0C-8B1A-3C58F573459E}"/>
-          </ac:spMkLst>
-        </pc:spChg>
-      </pc:sldChg>
-      <pc:sldChg chg="modSp add mod">
-        <pc:chgData name="Andrew Ming Ho Wu" userId="620d876fccae6a25" providerId="LiveId" clId="{EF3BC0AB-AB59-4C81-97A5-1FDA4EE47D87}" dt="2020-09-27T18:29:32.927" v="10814" actId="20577"/>
-        <pc:sldMkLst>
-          <pc:docMk/>
-          <pc:sldMk cId="3774335670" sldId="325"/>
-        </pc:sldMkLst>
-        <pc:spChg chg="mod">
-          <ac:chgData name="Andrew Ming Ho Wu" userId="620d876fccae6a25" providerId="LiveId" clId="{EF3BC0AB-AB59-4C81-97A5-1FDA4EE47D87}" dt="2020-09-27T18:29:32.927" v="10814" actId="20577"/>
-          <ac:spMkLst>
-            <pc:docMk/>
-            <pc:sldMk cId="3774335670" sldId="325"/>
-            <ac:spMk id="7" creationId="{E4AD51E1-FCF3-4A0C-8B1A-3C58F573459E}"/>
-          </ac:spMkLst>
-        </pc:spChg>
-        <pc:spChg chg="mod">
-          <ac:chgData name="Andrew Ming Ho Wu" userId="620d876fccae6a25" providerId="LiveId" clId="{EF3BC0AB-AB59-4C81-97A5-1FDA4EE47D87}" dt="2020-09-27T18:26:27.870" v="10420" actId="20577"/>
-          <ac:spMkLst>
-            <pc:docMk/>
-            <pc:sldMk cId="3774335670" sldId="325"/>
-            <ac:spMk id="13" creationId="{69CF4EEB-ADC9-4068-B7B7-D36841F39D3C}"/>
-          </ac:spMkLst>
-        </pc:spChg>
-      </pc:sldChg>
-      <pc:sldChg chg="add del">
-        <pc:chgData name="Andrew Ming Ho Wu" userId="620d876fccae6a25" providerId="LiveId" clId="{EF3BC0AB-AB59-4C81-97A5-1FDA4EE47D87}" dt="2020-09-27T18:26:21.489" v="10401" actId="2696"/>
-        <pc:sldMkLst>
-          <pc:docMk/>
-          <pc:sldMk cId="828494221" sldId="326"/>
-        </pc:sldMkLst>
-      </pc:sldChg>
-      <pc:sldChg chg="modSp add mod">
-        <pc:chgData name="Andrew Ming Ho Wu" userId="620d876fccae6a25" providerId="LiveId" clId="{EF3BC0AB-AB59-4C81-97A5-1FDA4EE47D87}" dt="2020-09-27T18:34:03.877" v="11494" actId="1076"/>
-        <pc:sldMkLst>
-          <pc:docMk/>
-          <pc:sldMk cId="1449775771" sldId="326"/>
-        </pc:sldMkLst>
-        <pc:spChg chg="mod">
-          <ac:chgData name="Andrew Ming Ho Wu" userId="620d876fccae6a25" providerId="LiveId" clId="{EF3BC0AB-AB59-4C81-97A5-1FDA4EE47D87}" dt="2020-09-27T18:33:51.120" v="11492" actId="1076"/>
-          <ac:spMkLst>
-            <pc:docMk/>
-            <pc:sldMk cId="1449775771" sldId="326"/>
-            <ac:spMk id="7" creationId="{E4AD51E1-FCF3-4A0C-8B1A-3C58F573459E}"/>
-          </ac:spMkLst>
-        </pc:spChg>
-        <pc:spChg chg="mod">
-          <ac:chgData name="Andrew Ming Ho Wu" userId="620d876fccae6a25" providerId="LiveId" clId="{EF3BC0AB-AB59-4C81-97A5-1FDA4EE47D87}" dt="2020-09-27T18:34:03.877" v="11494" actId="1076"/>
-          <ac:spMkLst>
-            <pc:docMk/>
-            <pc:sldMk cId="1449775771" sldId="326"/>
-            <ac:spMk id="13" creationId="{69CF4EEB-ADC9-4068-B7B7-D36841F39D3C}"/>
-          </ac:spMkLst>
-        </pc:spChg>
-      </pc:sldChg>
-      <pc:sldChg chg="addSp delSp modSp add mod">
-        <pc:chgData name="Andrew Ming Ho Wu" userId="620d876fccae6a25" providerId="LiveId" clId="{EF3BC0AB-AB59-4C81-97A5-1FDA4EE47D87}" dt="2020-09-27T18:38:02.661" v="11934" actId="1076"/>
-        <pc:sldMkLst>
-          <pc:docMk/>
-          <pc:sldMk cId="4259034908" sldId="327"/>
-        </pc:sldMkLst>
-        <pc:spChg chg="add">
-          <ac:chgData name="Andrew Ming Ho Wu" userId="620d876fccae6a25" providerId="LiveId" clId="{EF3BC0AB-AB59-4C81-97A5-1FDA4EE47D87}" dt="2020-09-27T18:36:26.362" v="11607" actId="22"/>
-          <ac:spMkLst>
-            <pc:docMk/>
-            <pc:sldMk cId="4259034908" sldId="327"/>
-            <ac:spMk id="6" creationId="{BEC9B985-01E2-4E66-9346-091B101327B3}"/>
-          </ac:spMkLst>
-        </pc:spChg>
-        <pc:spChg chg="mod">
-          <ac:chgData name="Andrew Ming Ho Wu" userId="620d876fccae6a25" providerId="LiveId" clId="{EF3BC0AB-AB59-4C81-97A5-1FDA4EE47D87}" dt="2020-09-27T18:38:02.661" v="11934" actId="1076"/>
-          <ac:spMkLst>
-            <pc:docMk/>
-            <pc:sldMk cId="4259034908" sldId="327"/>
-            <ac:spMk id="7" creationId="{E4AD51E1-FCF3-4A0C-8B1A-3C58F573459E}"/>
-          </ac:spMkLst>
-        </pc:spChg>
-        <pc:spChg chg="del mod">
-          <ac:chgData name="Andrew Ming Ho Wu" userId="620d876fccae6a25" providerId="LiveId" clId="{EF3BC0AB-AB59-4C81-97A5-1FDA4EE47D87}" dt="2020-09-27T18:36:26.036" v="11606" actId="478"/>
-          <ac:spMkLst>
-            <pc:docMk/>
-            <pc:sldMk cId="4259034908" sldId="327"/>
-            <ac:spMk id="13" creationId="{69CF4EEB-ADC9-4068-B7B7-D36841F39D3C}"/>
-          </ac:spMkLst>
-        </pc:spChg>
-      </pc:sldChg>
-      <pc:sldChg chg="modSp add mod">
-        <pc:chgData name="Andrew Ming Ho Wu" userId="620d876fccae6a25" providerId="LiveId" clId="{EF3BC0AB-AB59-4C81-97A5-1FDA4EE47D87}" dt="2020-09-27T18:41:40.924" v="12570" actId="20577"/>
-        <pc:sldMkLst>
-          <pc:docMk/>
-          <pc:sldMk cId="2174425840" sldId="328"/>
-        </pc:sldMkLst>
-        <pc:spChg chg="mod">
-          <ac:chgData name="Andrew Ming Ho Wu" userId="620d876fccae6a25" providerId="LiveId" clId="{EF3BC0AB-AB59-4C81-97A5-1FDA4EE47D87}" dt="2020-09-27T18:41:40.924" v="12570" actId="20577"/>
-          <ac:spMkLst>
-            <pc:docMk/>
-            <pc:sldMk cId="2174425840" sldId="328"/>
-            <ac:spMk id="7" creationId="{E4AD51E1-FCF3-4A0C-8B1A-3C58F573459E}"/>
-          </ac:spMkLst>
-        </pc:spChg>
-      </pc:sldChg>
-      <pc:sldChg chg="modSp add mod">
-        <pc:chgData name="Andrew Ming Ho Wu" userId="620d876fccae6a25" providerId="LiveId" clId="{EF3BC0AB-AB59-4C81-97A5-1FDA4EE47D87}" dt="2020-09-27T18:48:04.723" v="13177" actId="20577"/>
-        <pc:sldMkLst>
-          <pc:docMk/>
-          <pc:sldMk cId="428898620" sldId="329"/>
-        </pc:sldMkLst>
-        <pc:spChg chg="mod">
-          <ac:chgData name="Andrew Ming Ho Wu" userId="620d876fccae6a25" providerId="LiveId" clId="{EF3BC0AB-AB59-4C81-97A5-1FDA4EE47D87}" dt="2020-09-27T18:43:02.482" v="12622" actId="20577"/>
-          <ac:spMkLst>
-            <pc:docMk/>
-            <pc:sldMk cId="428898620" sldId="329"/>
-            <ac:spMk id="5" creationId="{00000000-0000-0000-0000-000000000000}"/>
-          </ac:spMkLst>
-        </pc:spChg>
-        <pc:spChg chg="mod">
-          <ac:chgData name="Andrew Ming Ho Wu" userId="620d876fccae6a25" providerId="LiveId" clId="{EF3BC0AB-AB59-4C81-97A5-1FDA4EE47D87}" dt="2020-09-27T18:48:04.723" v="13177" actId="20577"/>
-          <ac:spMkLst>
-            <pc:docMk/>
-            <pc:sldMk cId="428898620" sldId="329"/>
-            <ac:spMk id="12" creationId="{7E70BACB-1CF0-4DEE-923B-205A7D88BC2B}"/>
-          </ac:spMkLst>
-        </pc:spChg>
-      </pc:sldChg>
-      <pc:sldChg chg="modSp add mod">
-        <pc:chgData name="Andrew Ming Ho Wu" userId="620d876fccae6a25" providerId="LiveId" clId="{EF3BC0AB-AB59-4C81-97A5-1FDA4EE47D87}" dt="2020-09-27T18:53:06.406" v="14074" actId="1076"/>
-        <pc:sldMkLst>
-          <pc:docMk/>
-          <pc:sldMk cId="3627176467" sldId="330"/>
-        </pc:sldMkLst>
-        <pc:spChg chg="mod">
-          <ac:chgData name="Andrew Ming Ho Wu" userId="620d876fccae6a25" providerId="LiveId" clId="{EF3BC0AB-AB59-4C81-97A5-1FDA4EE47D87}" dt="2020-09-27T18:48:38.569" v="13202" actId="20577"/>
-          <ac:spMkLst>
-            <pc:docMk/>
-            <pc:sldMk cId="3627176467" sldId="330"/>
-            <ac:spMk id="5" creationId="{00000000-0000-0000-0000-000000000000}"/>
-          </ac:spMkLst>
-        </pc:spChg>
-        <pc:spChg chg="mod">
-          <ac:chgData name="Andrew Ming Ho Wu" userId="620d876fccae6a25" providerId="LiveId" clId="{EF3BC0AB-AB59-4C81-97A5-1FDA4EE47D87}" dt="2020-09-27T18:53:06.406" v="14074" actId="1076"/>
-          <ac:spMkLst>
-            <pc:docMk/>
-            <pc:sldMk cId="3627176467" sldId="330"/>
-            <ac:spMk id="12" creationId="{7E70BACB-1CF0-4DEE-923B-205A7D88BC2B}"/>
-          </ac:spMkLst>
-        </pc:spChg>
-      </pc:sldChg>
-      <pc:sldChg chg="modSp add mod">
-        <pc:chgData name="Andrew Ming Ho Wu" userId="620d876fccae6a25" providerId="LiveId" clId="{EF3BC0AB-AB59-4C81-97A5-1FDA4EE47D87}" dt="2020-09-27T18:54:28.038" v="14319" actId="20577"/>
-        <pc:sldMkLst>
-          <pc:docMk/>
-          <pc:sldMk cId="311588258" sldId="331"/>
-        </pc:sldMkLst>
-        <pc:spChg chg="mod">
-          <ac:chgData name="Andrew Ming Ho Wu" userId="620d876fccae6a25" providerId="LiveId" clId="{EF3BC0AB-AB59-4C81-97A5-1FDA4EE47D87}" dt="2020-09-27T18:53:26.285" v="14108" actId="14100"/>
-          <ac:spMkLst>
-            <pc:docMk/>
-            <pc:sldMk cId="311588258" sldId="331"/>
-            <ac:spMk id="5" creationId="{00000000-0000-0000-0000-000000000000}"/>
-          </ac:spMkLst>
-        </pc:spChg>
-        <pc:spChg chg="mod">
-          <ac:chgData name="Andrew Ming Ho Wu" userId="620d876fccae6a25" providerId="LiveId" clId="{EF3BC0AB-AB59-4C81-97A5-1FDA4EE47D87}" dt="2020-09-27T18:54:28.038" v="14319" actId="20577"/>
-          <ac:spMkLst>
-            <pc:docMk/>
-            <pc:sldMk cId="311588258" sldId="331"/>
-            <ac:spMk id="12" creationId="{7E70BACB-1CF0-4DEE-923B-205A7D88BC2B}"/>
-          </ac:spMkLst>
-        </pc:spChg>
-      </pc:sldChg>
-      <pc:sldChg chg="modSp add mod">
-        <pc:chgData name="Andrew Ming Ho Wu" userId="620d876fccae6a25" providerId="LiveId" clId="{EF3BC0AB-AB59-4C81-97A5-1FDA4EE47D87}" dt="2020-09-27T18:57:17.757" v="14458" actId="20577"/>
-        <pc:sldMkLst>
-          <pc:docMk/>
-          <pc:sldMk cId="1678336179" sldId="332"/>
-        </pc:sldMkLst>
-        <pc:spChg chg="mod">
-          <ac:chgData name="Andrew Ming Ho Wu" userId="620d876fccae6a25" providerId="LiveId" clId="{EF3BC0AB-AB59-4C81-97A5-1FDA4EE47D87}" dt="2020-09-27T18:54:54.107" v="14359" actId="20577"/>
-          <ac:spMkLst>
-            <pc:docMk/>
-            <pc:sldMk cId="1678336179" sldId="332"/>
-            <ac:spMk id="5" creationId="{00000000-0000-0000-0000-000000000000}"/>
-          </ac:spMkLst>
-        </pc:spChg>
-        <pc:spChg chg="mod">
-          <ac:chgData name="Andrew Ming Ho Wu" userId="620d876fccae6a25" providerId="LiveId" clId="{EF3BC0AB-AB59-4C81-97A5-1FDA4EE47D87}" dt="2020-09-27T18:57:17.757" v="14458" actId="20577"/>
-          <ac:spMkLst>
-            <pc:docMk/>
-            <pc:sldMk cId="1678336179" sldId="332"/>
-            <ac:spMk id="12" creationId="{7E70BACB-1CF0-4DEE-923B-205A7D88BC2B}"/>
-          </ac:spMkLst>
-        </pc:spChg>
-      </pc:sldChg>
-    </pc:docChg>
-  </pc:docChgLst>
-  <pc:docChgLst>
-    <pc:chgData name="Andrew Ming Ho Wu" userId="620d876fccae6a25" providerId="LiveId" clId="{B8CC6B97-FBEB-4E84-A973-1D8D00A51797}"/>
-    <pc:docChg chg="undo redo custSel addSld delSld modSld">
-      <pc:chgData name="Andrew Ming Ho Wu" userId="620d876fccae6a25" providerId="LiveId" clId="{B8CC6B97-FBEB-4E84-A973-1D8D00A51797}" dt="2020-12-09T20:21:14.831" v="3322" actId="1076"/>
+    <pc:chgData name="Andrew Ming Ho Wu" userId="620d876fccae6a25" providerId="LiveId" clId="{301D553B-ED1B-4DD0-8B60-0326FA0FE40D}"/>
+    <pc:docChg chg="undo custSel modSld sldOrd">
+      <pc:chgData name="Andrew Ming Ho Wu" userId="620d876fccae6a25" providerId="LiveId" clId="{301D553B-ED1B-4DD0-8B60-0326FA0FE40D}" dt="2020-12-04T09:57:29.774" v="2192" actId="20577"/>
       <pc:docMkLst>
         <pc:docMk/>
       </pc:docMkLst>
       <pc:sldChg chg="modSp mod">
-        <pc:chgData name="Andrew Ming Ho Wu" userId="620d876fccae6a25" providerId="LiveId" clId="{B8CC6B97-FBEB-4E84-A973-1D8D00A51797}" dt="2020-12-07T23:20:20.434" v="2391" actId="20577"/>
+        <pc:chgData name="Andrew Ming Ho Wu" userId="620d876fccae6a25" providerId="LiveId" clId="{301D553B-ED1B-4DD0-8B60-0326FA0FE40D}" dt="2020-12-04T09:23:30.694" v="1648" actId="20577"/>
         <pc:sldMkLst>
           <pc:docMk/>
           <pc:sldMk cId="0" sldId="256"/>
         </pc:sldMkLst>
         <pc:spChg chg="mod">
-          <ac:chgData name="Andrew Ming Ho Wu" userId="620d876fccae6a25" providerId="LiveId" clId="{B8CC6B97-FBEB-4E84-A973-1D8D00A51797}" dt="2020-12-07T23:20:20.434" v="2391" actId="20577"/>
-          <ac:spMkLst>
-            <pc:docMk/>
-            <pc:sldMk cId="0" sldId="256"/>
-            <ac:spMk id="7" creationId="{00000000-0000-0000-0000-000000000000}"/>
-          </ac:spMkLst>
-        </pc:spChg>
-        <pc:spChg chg="mod">
-          <ac:chgData name="Andrew Ming Ho Wu" userId="620d876fccae6a25" providerId="LiveId" clId="{B8CC6B97-FBEB-4E84-A973-1D8D00A51797}" dt="2020-12-07T11:47:32.514" v="4" actId="20577"/>
+          <ac:chgData name="Andrew Ming Ho Wu" userId="620d876fccae6a25" providerId="LiveId" clId="{301D553B-ED1B-4DD0-8B60-0326FA0FE40D}" dt="2020-12-04T09:23:30.694" v="1648" actId="20577"/>
           <ac:spMkLst>
             <pc:docMk/>
             <pc:sldMk cId="0" sldId="256"/>
@@ -4917,14 +5078,14 @@
           </ac:spMkLst>
         </pc:spChg>
       </pc:sldChg>
-      <pc:sldChg chg="modSp del mod">
-        <pc:chgData name="Andrew Ming Ho Wu" userId="620d876fccae6a25" providerId="LiveId" clId="{B8CC6B97-FBEB-4E84-A973-1D8D00A51797}" dt="2020-12-07T14:43:22.840" v="2386" actId="47"/>
+      <pc:sldChg chg="modSp mod ord">
+        <pc:chgData name="Andrew Ming Ho Wu" userId="620d876fccae6a25" providerId="LiveId" clId="{301D553B-ED1B-4DD0-8B60-0326FA0FE40D}" dt="2020-12-04T09:37:15.202" v="1818" actId="1076"/>
         <pc:sldMkLst>
           <pc:docMk/>
           <pc:sldMk cId="3627176467" sldId="330"/>
         </pc:sldMkLst>
         <pc:spChg chg="mod">
-          <ac:chgData name="Andrew Ming Ho Wu" userId="620d876fccae6a25" providerId="LiveId" clId="{B8CC6B97-FBEB-4E84-A973-1D8D00A51797}" dt="2020-12-07T11:49:36.385" v="427" actId="115"/>
+          <ac:chgData name="Andrew Ming Ho Wu" userId="620d876fccae6a25" providerId="LiveId" clId="{301D553B-ED1B-4DD0-8B60-0326FA0FE40D}" dt="2020-12-04T09:37:15.202" v="1818" actId="1076"/>
           <ac:spMkLst>
             <pc:docMk/>
             <pc:sldMk cId="3627176467" sldId="330"/>
@@ -4933,226 +5094,65 @@
         </pc:spChg>
       </pc:sldChg>
       <pc:sldChg chg="addSp delSp modSp mod">
-        <pc:chgData name="Andrew Ming Ho Wu" userId="620d876fccae6a25" providerId="LiveId" clId="{B8CC6B97-FBEB-4E84-A973-1D8D00A51797}" dt="2020-12-09T20:19:32.434" v="3257" actId="20577"/>
+        <pc:chgData name="Andrew Ming Ho Wu" userId="620d876fccae6a25" providerId="LiveId" clId="{301D553B-ED1B-4DD0-8B60-0326FA0FE40D}" dt="2020-12-04T09:57:29.774" v="2192" actId="20577"/>
         <pc:sldMkLst>
           <pc:docMk/>
           <pc:sldMk cId="2206058006" sldId="333"/>
         </pc:sldMkLst>
         <pc:spChg chg="mod">
-          <ac:chgData name="Andrew Ming Ho Wu" userId="620d876fccae6a25" providerId="LiveId" clId="{B8CC6B97-FBEB-4E84-A973-1D8D00A51797}" dt="2020-12-08T20:51:48.995" v="2411" actId="20577"/>
+          <ac:chgData name="Andrew Ming Ho Wu" userId="620d876fccae6a25" providerId="LiveId" clId="{301D553B-ED1B-4DD0-8B60-0326FA0FE40D}" dt="2020-12-04T09:54:08.146" v="2088" actId="1076"/>
           <ac:spMkLst>
             <pc:docMk/>
             <pc:sldMk cId="2206058006" sldId="333"/>
             <ac:spMk id="5" creationId="{00000000-0000-0000-0000-000000000000}"/>
           </ac:spMkLst>
         </pc:spChg>
-        <pc:spChg chg="del">
-          <ac:chgData name="Andrew Ming Ho Wu" userId="620d876fccae6a25" providerId="LiveId" clId="{B8CC6B97-FBEB-4E84-A973-1D8D00A51797}" dt="2020-12-07T11:49:40.438" v="428" actId="478"/>
+        <pc:spChg chg="add del mod">
+          <ac:chgData name="Andrew Ming Ho Wu" userId="620d876fccae6a25" providerId="LiveId" clId="{301D553B-ED1B-4DD0-8B60-0326FA0FE40D}" dt="2020-12-04T09:57:29.774" v="2192" actId="20577"/>
           <ac:spMkLst>
             <pc:docMk/>
             <pc:sldMk cId="2206058006" sldId="333"/>
             <ac:spMk id="11" creationId="{3E2506E2-B67A-4B0D-BA61-6B13AC56BACF}"/>
           </ac:spMkLst>
         </pc:spChg>
-        <pc:spChg chg="add del mod">
-          <ac:chgData name="Andrew Ming Ho Wu" userId="620d876fccae6a25" providerId="LiveId" clId="{B8CC6B97-FBEB-4E84-A973-1D8D00A51797}" dt="2020-12-09T20:19:32.434" v="3257" actId="20577"/>
-          <ac:spMkLst>
-            <pc:docMk/>
-            <pc:sldMk cId="2206058006" sldId="333"/>
-            <ac:spMk id="12" creationId="{11F2B6B6-0466-4FF3-9677-694F0F61AE7C}"/>
-          </ac:spMkLst>
-        </pc:spChg>
-        <pc:grpChg chg="mod">
-          <ac:chgData name="Andrew Ming Ho Wu" userId="620d876fccae6a25" providerId="LiveId" clId="{B8CC6B97-FBEB-4E84-A973-1D8D00A51797}" dt="2020-12-07T11:50:20.258" v="465" actId="1076"/>
-          <ac:grpSpMkLst>
-            <pc:docMk/>
-            <pc:sldMk cId="2206058006" sldId="333"/>
-            <ac:grpSpMk id="2" creationId="{00000000-0000-0000-0000-000000000000}"/>
-          </ac:grpSpMkLst>
-        </pc:grpChg>
-        <pc:grpChg chg="mod">
-          <ac:chgData name="Andrew Ming Ho Wu" userId="620d876fccae6a25" providerId="LiveId" clId="{B8CC6B97-FBEB-4E84-A973-1D8D00A51797}" dt="2020-12-07T11:50:22.733" v="466" actId="1076"/>
-          <ac:grpSpMkLst>
-            <pc:docMk/>
-            <pc:sldMk cId="2206058006" sldId="333"/>
-            <ac:grpSpMk id="8" creationId="{00000000-0000-0000-0000-000000000000}"/>
-          </ac:grpSpMkLst>
-        </pc:grpChg>
-      </pc:sldChg>
-      <pc:sldChg chg="addSp delSp modSp mod">
-        <pc:chgData name="Andrew Ming Ho Wu" userId="620d876fccae6a25" providerId="LiveId" clId="{B8CC6B97-FBEB-4E84-A973-1D8D00A51797}" dt="2020-12-07T12:17:11.563" v="2385" actId="20577"/>
+      </pc:sldChg>
+      <pc:sldChg chg="modSp mod">
+        <pc:chgData name="Andrew Ming Ho Wu" userId="620d876fccae6a25" providerId="LiveId" clId="{301D553B-ED1B-4DD0-8B60-0326FA0FE40D}" dt="2020-12-03T19:29:39.167" v="656" actId="20577"/>
         <pc:sldMkLst>
           <pc:docMk/>
           <pc:sldMk cId="2818220858" sldId="343"/>
         </pc:sldMkLst>
         <pc:spChg chg="mod">
-          <ac:chgData name="Andrew Ming Ho Wu" userId="620d876fccae6a25" providerId="LiveId" clId="{B8CC6B97-FBEB-4E84-A973-1D8D00A51797}" dt="2020-12-07T12:16:53.205" v="2364" actId="1076"/>
-          <ac:spMkLst>
-            <pc:docMk/>
-            <pc:sldMk cId="2818220858" sldId="343"/>
-            <ac:spMk id="5" creationId="{81D7F47C-B22C-46A9-BD87-E2FA064EC20F}"/>
-          </ac:spMkLst>
-        </pc:spChg>
-        <pc:spChg chg="mod">
-          <ac:chgData name="Andrew Ming Ho Wu" userId="620d876fccae6a25" providerId="LiveId" clId="{B8CC6B97-FBEB-4E84-A973-1D8D00A51797}" dt="2020-12-07T12:16:25.853" v="2338" actId="20577"/>
+          <ac:chgData name="Andrew Ming Ho Wu" userId="620d876fccae6a25" providerId="LiveId" clId="{301D553B-ED1B-4DD0-8B60-0326FA0FE40D}" dt="2020-12-03T19:29:34.248" v="655" actId="20577"/>
           <ac:spMkLst>
             <pc:docMk/>
             <pc:sldMk cId="2818220858" sldId="343"/>
             <ac:spMk id="8" creationId="{9D42ABF8-029E-4F29-B608-8C118D28ABA1}"/>
           </ac:spMkLst>
         </pc:spChg>
-        <pc:spChg chg="add del mod">
-          <ac:chgData name="Andrew Ming Ho Wu" userId="620d876fccae6a25" providerId="LiveId" clId="{B8CC6B97-FBEB-4E84-A973-1D8D00A51797}" dt="2020-12-07T12:17:00.094" v="2366"/>
-          <ac:spMkLst>
-            <pc:docMk/>
-            <pc:sldMk cId="2818220858" sldId="343"/>
-            <ac:spMk id="14" creationId="{4008C9F8-7034-4640-926C-69C20356432C}"/>
-          </ac:spMkLst>
-        </pc:spChg>
-        <pc:spChg chg="mod">
-          <ac:chgData name="Andrew Ming Ho Wu" userId="620d876fccae6a25" providerId="LiveId" clId="{B8CC6B97-FBEB-4E84-A973-1D8D00A51797}" dt="2020-12-07T11:47:46.566" v="35" actId="20577"/>
+        <pc:spChg chg="mod">
+          <ac:chgData name="Andrew Ming Ho Wu" userId="620d876fccae6a25" providerId="LiveId" clId="{301D553B-ED1B-4DD0-8B60-0326FA0FE40D}" dt="2020-12-03T19:29:39.167" v="656" actId="20577"/>
           <ac:spMkLst>
             <pc:docMk/>
             <pc:sldMk cId="2818220858" sldId="343"/>
             <ac:spMk id="15" creationId="{5FC8DCBF-4CCE-4C22-8B9F-CC50B4D8446D}"/>
           </ac:spMkLst>
         </pc:spChg>
-        <pc:spChg chg="add mod">
-          <ac:chgData name="Andrew Ming Ho Wu" userId="620d876fccae6a25" providerId="LiveId" clId="{B8CC6B97-FBEB-4E84-A973-1D8D00A51797}" dt="2020-12-07T12:17:11.563" v="2385" actId="20577"/>
-          <ac:spMkLst>
-            <pc:docMk/>
-            <pc:sldMk cId="2818220858" sldId="343"/>
-            <ac:spMk id="16" creationId="{9776CE46-BCD9-4FBA-A83A-BE5C5D29A965}"/>
-          </ac:spMkLst>
-        </pc:spChg>
-        <pc:grpChg chg="mod">
-          <ac:chgData name="Andrew Ming Ho Wu" userId="620d876fccae6a25" providerId="LiveId" clId="{B8CC6B97-FBEB-4E84-A973-1D8D00A51797}" dt="2020-12-07T12:16:48.563" v="2363" actId="1076"/>
-          <ac:grpSpMkLst>
-            <pc:docMk/>
-            <pc:sldMk cId="2818220858" sldId="343"/>
-            <ac:grpSpMk id="2" creationId="{00000000-0000-0000-0000-000000000000}"/>
-          </ac:grpSpMkLst>
-        </pc:grpChg>
-      </pc:sldChg>
-      <pc:sldChg chg="modSp mod">
-        <pc:chgData name="Andrew Ming Ho Wu" userId="620d876fccae6a25" providerId="LiveId" clId="{B8CC6B97-FBEB-4E84-A973-1D8D00A51797}" dt="2020-12-07T12:12:01.475" v="2130" actId="20577"/>
+      </pc:sldChg>
+      <pc:sldChg chg="addSp delSp modSp mod">
+        <pc:chgData name="Andrew Ming Ho Wu" userId="620d876fccae6a25" providerId="LiveId" clId="{301D553B-ED1B-4DD0-8B60-0326FA0FE40D}" dt="2020-12-03T19:23:50.731" v="4"/>
         <pc:sldMkLst>
           <pc:docMk/>
           <pc:sldMk cId="1002563172" sldId="387"/>
         </pc:sldMkLst>
-        <pc:spChg chg="mod">
-          <ac:chgData name="Andrew Ming Ho Wu" userId="620d876fccae6a25" providerId="LiveId" clId="{B8CC6B97-FBEB-4E84-A973-1D8D00A51797}" dt="2020-12-07T12:12:01.475" v="2130" actId="20577"/>
+        <pc:spChg chg="add del mod">
+          <ac:chgData name="Andrew Ming Ho Wu" userId="620d876fccae6a25" providerId="LiveId" clId="{301D553B-ED1B-4DD0-8B60-0326FA0FE40D}" dt="2020-12-03T19:23:50.731" v="4"/>
           <ac:spMkLst>
             <pc:docMk/>
             <pc:sldMk cId="1002563172" sldId="387"/>
-            <ac:spMk id="5" creationId="{00000000-0000-0000-0000-000000000000}"/>
-          </ac:spMkLst>
-        </pc:spChg>
-      </pc:sldChg>
-      <pc:sldChg chg="modSp add mod">
-        <pc:chgData name="Andrew Ming Ho Wu" userId="620d876fccae6a25" providerId="LiveId" clId="{B8CC6B97-FBEB-4E84-A973-1D8D00A51797}" dt="2020-12-09T20:21:14.831" v="3322" actId="1076"/>
-        <pc:sldMkLst>
-          <pc:docMk/>
-          <pc:sldMk cId="2049264590" sldId="388"/>
-        </pc:sldMkLst>
-        <pc:spChg chg="mod">
-          <ac:chgData name="Andrew Ming Ho Wu" userId="620d876fccae6a25" providerId="LiveId" clId="{B8CC6B97-FBEB-4E84-A973-1D8D00A51797}" dt="2020-12-09T20:21:14.831" v="3322" actId="1076"/>
-          <ac:spMkLst>
-            <pc:docMk/>
-            <pc:sldMk cId="2049264590" sldId="388"/>
-            <ac:spMk id="12" creationId="{11F2B6B6-0466-4FF3-9677-694F0F61AE7C}"/>
-          </ac:spMkLst>
-        </pc:spChg>
-      </pc:sldChg>
-      <pc:sldChg chg="add">
-        <pc:chgData name="Andrew Ming Ho Wu" userId="620d876fccae6a25" providerId="LiveId" clId="{B8CC6B97-FBEB-4E84-A973-1D8D00A51797}" dt="2020-12-07T12:11:57.600" v="2129" actId="2890"/>
-        <pc:sldMkLst>
-          <pc:docMk/>
-          <pc:sldMk cId="1012779811" sldId="389"/>
-        </pc:sldMkLst>
-      </pc:sldChg>
-      <pc:sldChg chg="modSp add mod">
-        <pc:chgData name="Andrew Ming Ho Wu" userId="620d876fccae6a25" providerId="LiveId" clId="{B8CC6B97-FBEB-4E84-A973-1D8D00A51797}" dt="2020-12-07T12:13:16.646" v="2234" actId="255"/>
-        <pc:sldMkLst>
-          <pc:docMk/>
-          <pc:sldMk cId="2782934202" sldId="390"/>
-        </pc:sldMkLst>
-        <pc:spChg chg="mod">
-          <ac:chgData name="Andrew Ming Ho Wu" userId="620d876fccae6a25" providerId="LiveId" clId="{B8CC6B97-FBEB-4E84-A973-1D8D00A51797}" dt="2020-12-07T12:12:22.476" v="2139" actId="20577"/>
-          <ac:spMkLst>
-            <pc:docMk/>
-            <pc:sldMk cId="2782934202" sldId="390"/>
-            <ac:spMk id="5" creationId="{00000000-0000-0000-0000-000000000000}"/>
-          </ac:spMkLst>
-        </pc:spChg>
-        <pc:spChg chg="mod">
-          <ac:chgData name="Andrew Ming Ho Wu" userId="620d876fccae6a25" providerId="LiveId" clId="{B8CC6B97-FBEB-4E84-A973-1D8D00A51797}" dt="2020-12-07T12:13:16.646" v="2234" actId="255"/>
-          <ac:spMkLst>
-            <pc:docMk/>
-            <pc:sldMk cId="2782934202" sldId="390"/>
-            <ac:spMk id="12" creationId="{11F2B6B6-0466-4FF3-9677-694F0F61AE7C}"/>
-          </ac:spMkLst>
-        </pc:spChg>
-      </pc:sldChg>
-      <pc:sldChg chg="modSp add mod">
-        <pc:chgData name="Andrew Ming Ho Wu" userId="620d876fccae6a25" providerId="LiveId" clId="{B8CC6B97-FBEB-4E84-A973-1D8D00A51797}" dt="2020-12-07T12:14:09.189" v="2268" actId="20577"/>
-        <pc:sldMkLst>
-          <pc:docMk/>
-          <pc:sldMk cId="2582986712" sldId="391"/>
-        </pc:sldMkLst>
-        <pc:spChg chg="mod">
-          <ac:chgData name="Andrew Ming Ho Wu" userId="620d876fccae6a25" providerId="LiveId" clId="{B8CC6B97-FBEB-4E84-A973-1D8D00A51797}" dt="2020-12-07T12:14:09.189" v="2268" actId="20577"/>
-          <ac:spMkLst>
-            <pc:docMk/>
-            <pc:sldMk cId="2582986712" sldId="391"/>
-            <ac:spMk id="12" creationId="{11F2B6B6-0466-4FF3-9677-694F0F61AE7C}"/>
-          </ac:spMkLst>
-        </pc:spChg>
-      </pc:sldChg>
-      <pc:sldChg chg="modSp add mod">
-        <pc:chgData name="Andrew Ming Ho Wu" userId="620d876fccae6a25" providerId="LiveId" clId="{B8CC6B97-FBEB-4E84-A973-1D8D00A51797}" dt="2020-12-07T12:15:51.208" v="2307" actId="255"/>
-        <pc:sldMkLst>
-          <pc:docMk/>
-          <pc:sldMk cId="161672857" sldId="392"/>
-        </pc:sldMkLst>
-        <pc:spChg chg="mod">
-          <ac:chgData name="Andrew Ming Ho Wu" userId="620d876fccae6a25" providerId="LiveId" clId="{B8CC6B97-FBEB-4E84-A973-1D8D00A51797}" dt="2020-12-07T12:15:14.773" v="2298" actId="20577"/>
-          <ac:spMkLst>
-            <pc:docMk/>
-            <pc:sldMk cId="161672857" sldId="392"/>
-            <ac:spMk id="5" creationId="{00000000-0000-0000-0000-000000000000}"/>
-          </ac:spMkLst>
-        </pc:spChg>
-        <pc:spChg chg="mod">
-          <ac:chgData name="Andrew Ming Ho Wu" userId="620d876fccae6a25" providerId="LiveId" clId="{B8CC6B97-FBEB-4E84-A973-1D8D00A51797}" dt="2020-12-07T12:15:51.208" v="2307" actId="255"/>
-          <ac:spMkLst>
-            <pc:docMk/>
-            <pc:sldMk cId="161672857" sldId="392"/>
-            <ac:spMk id="12" creationId="{11F2B6B6-0466-4FF3-9677-694F0F61AE7C}"/>
-          </ac:spMkLst>
-        </pc:spChg>
-      </pc:sldChg>
-      <pc:sldChg chg="modSp add mod">
-        <pc:chgData name="Andrew Ming Ho Wu" userId="620d876fccae6a25" providerId="LiveId" clId="{B8CC6B97-FBEB-4E84-A973-1D8D00A51797}" dt="2020-12-09T20:20:31.079" v="3296" actId="20577"/>
-        <pc:sldMkLst>
-          <pc:docMk/>
-          <pc:sldMk cId="226674003" sldId="393"/>
-        </pc:sldMkLst>
-        <pc:spChg chg="mod">
-          <ac:chgData name="Andrew Ming Ho Wu" userId="620d876fccae6a25" providerId="LiveId" clId="{B8CC6B97-FBEB-4E84-A973-1D8D00A51797}" dt="2020-12-09T20:20:31.079" v="3296" actId="20577"/>
-          <ac:spMkLst>
-            <pc:docMk/>
-            <pc:sldMk cId="226674003" sldId="393"/>
-            <ac:spMk id="12" creationId="{11F2B6B6-0466-4FF3-9677-694F0F61AE7C}"/>
-          </ac:spMkLst>
-        </pc:spChg>
-      </pc:sldChg>
-      <pc:sldChg chg="add del">
-        <pc:chgData name="Andrew Ming Ho Wu" userId="620d876fccae6a25" providerId="LiveId" clId="{B8CC6B97-FBEB-4E84-A973-1D8D00A51797}" dt="2020-12-08T20:51:41.486" v="2393"/>
-        <pc:sldMkLst>
-          <pc:docMk/>
-          <pc:sldMk cId="1879883029" sldId="393"/>
-        </pc:sldMkLst>
+            <ac:spMk id="11" creationId="{BA618F6F-1997-4079-B11E-BC24229FBCC5}"/>
+          </ac:spMkLst>
+        </pc:spChg>
       </pc:sldChg>
     </pc:docChg>
   </pc:docChgLst>
@@ -5552,7 +5552,7 @@
           <a:p>
             <a:fld id="{F3B73EDB-C001-4FA3-A8F8-70B0B97F7CFF}" type="datetimeFigureOut">
               <a:rPr lang="en-GB" smtClean="0"/>
-              <a:t>05/02/2021</a:t>
+              <a:t>09/02/2021</a:t>
             </a:fld>
             <a:endParaRPr lang="en-GB"/>
           </a:p>
@@ -6230,7 +6230,7 @@
     </p:spTree>
     <p:extLst>
       <p:ext uri="{BB962C8B-B14F-4D97-AF65-F5344CB8AC3E}">
-        <p14:creationId xmlns:p14="http://schemas.microsoft.com/office/powerpoint/2010/main" val="2759562236"/>
+        <p14:creationId xmlns:p14="http://schemas.microsoft.com/office/powerpoint/2010/main" val="836856900"/>
       </p:ext>
     </p:extLst>
   </p:cSld>
@@ -6463,7 +6463,7 @@
           <a:p>
             <a:fld id="{1D8BD707-D9CF-40AE-B4C6-C98DA3205C09}" type="datetimeFigureOut">
               <a:rPr lang="en-US"/>
-              <a:t>2/5/2021</a:t>
+              <a:t>2/9/2021</a:t>
             </a:fld>
             <a:endParaRPr lang="en-US"/>
           </a:p>
@@ -6638,7 +6638,7 @@
           <a:p>
             <a:fld id="{1D8BD707-D9CF-40AE-B4C6-C98DA3205C09}" type="datetimeFigureOut">
               <a:rPr lang="en-US"/>
-              <a:t>2/5/2021</a:t>
+              <a:t>2/9/2021</a:t>
             </a:fld>
             <a:endParaRPr lang="en-US"/>
           </a:p>
@@ -6852,7 +6852,7 @@
           <a:p>
             <a:fld id="{1D8BD707-D9CF-40AE-B4C6-C98DA3205C09}" type="datetimeFigureOut">
               <a:rPr lang="en-US"/>
-              <a:t>2/5/2021</a:t>
+              <a:t>2/9/2021</a:t>
             </a:fld>
             <a:endParaRPr lang="en-US"/>
           </a:p>
@@ -7000,7 +7000,7 @@
           <a:p>
             <a:fld id="{1D8BD707-D9CF-40AE-B4C6-C98DA3205C09}" type="datetimeFigureOut">
               <a:rPr lang="en-US"/>
-              <a:t>2/5/2021</a:t>
+              <a:t>2/9/2021</a:t>
             </a:fld>
             <a:endParaRPr lang="en-US"/>
           </a:p>
@@ -7119,7 +7119,7 @@
           <a:p>
             <a:fld id="{1D8BD707-D9CF-40AE-B4C6-C98DA3205C09}" type="datetimeFigureOut">
               <a:rPr lang="en-US"/>
-              <a:t>2/5/2021</a:t>
+              <a:t>2/9/2021</a:t>
             </a:fld>
             <a:endParaRPr lang="en-US"/>
           </a:p>
@@ -7342,7 +7342,7 @@
           <a:p>
             <a:fld id="{1D8BD707-D9CF-40AE-B4C6-C98DA3205C09}" type="datetimeFigureOut">
               <a:rPr lang="en-US"/>
-              <a:t>2/5/2021</a:t>
+              <a:t>2/9/2021</a:t>
             </a:fld>
             <a:endParaRPr lang="en-US"/>
           </a:p>
@@ -10030,7 +10030,7 @@
         <p:spPr>
           <a:xfrm>
             <a:off x="6871813" y="4000500"/>
-            <a:ext cx="6996587" cy="2192908"/>
+            <a:ext cx="6996587" cy="1102866"/>
           </a:xfrm>
           <a:prstGeom prst="rect">
             <a:avLst/>
@@ -10061,7 +10061,7 @@
             </a:pPr>
             <a:r>
               <a:rPr lang="en-US" sz="3500" b="0" kern="0" dirty="0"/>
-              <a:t>Evaluate dissertation parts</a:t>
+              <a:t>Evaluate dissertation</a:t>
             </a:r>
           </a:p>
           <a:p>
@@ -10073,16 +10073,8 @@
             </a:pPr>
             <a:r>
               <a:rPr lang="en-US" sz="3500" b="0" kern="0" dirty="0"/>
-              <a:t>Evaluate digital prototype</a:t>
+              <a:t>Rank what to do first </a:t>
             </a:r>
-          </a:p>
-          <a:p>
-            <a:pPr marL="12700">
-              <a:spcBef>
-                <a:spcPts val="100"/>
-              </a:spcBef>
-            </a:pPr>
-            <a:endParaRPr lang="en-US" sz="3500" b="0" kern="0" dirty="0"/>
           </a:p>
         </p:txBody>
       </p:sp>
@@ -10845,7 +10837,7 @@
         <p:spPr>
           <a:xfrm>
             <a:off x="8467640" y="2892485"/>
-            <a:ext cx="9163713" cy="1348446"/>
+            <a:ext cx="9163713" cy="2261517"/>
           </a:xfrm>
           <a:prstGeom prst="rect">
             <a:avLst/>
@@ -10868,16 +10860,27 @@
                 <a:ea typeface="Roboto" panose="02000000000000000000" pitchFamily="2" charset="0"/>
                 <a:cs typeface="Roboto" panose="02000000000000000000" pitchFamily="2" charset="0"/>
               </a:rPr>
-              <a:t>Ask Stephen to read a specific part of a dissertation and </a:t>
+              <a:t>Ask Stephen to read the whole dissertation in the order he wants for refinement and evaluation </a:t>
             </a:r>
-            <a:r>
-              <a:rPr lang="en-US" sz="2800" kern="0">
-                <a:latin typeface="Raleway" panose="020B0503030101060003" pitchFamily="34" charset="0"/>
-                <a:ea typeface="Roboto" panose="02000000000000000000" pitchFamily="2" charset="0"/>
-                <a:cs typeface="Roboto" panose="02000000000000000000" pitchFamily="2" charset="0"/>
-              </a:rPr>
-              <a:t>give suggestions </a:t>
-            </a:r>
+          </a:p>
+          <a:p>
+            <a:pPr marL="12700" marR="5080">
+              <a:spcBef>
+                <a:spcPts val="235"/>
+              </a:spcBef>
+            </a:pPr>
+            <a:endParaRPr lang="en-US" sz="2800" kern="0" dirty="0">
+              <a:latin typeface="Raleway" panose="020B0503030101060003" pitchFamily="34" charset="0"/>
+              <a:ea typeface="Roboto" panose="02000000000000000000" pitchFamily="2" charset="0"/>
+              <a:cs typeface="Roboto" panose="02000000000000000000" pitchFamily="2" charset="0"/>
+            </a:endParaRPr>
+          </a:p>
+          <a:p>
+            <a:pPr marL="12700" marR="5080">
+              <a:spcBef>
+                <a:spcPts val="235"/>
+              </a:spcBef>
+            </a:pPr>
             <a:endParaRPr lang="en-US" sz="2800" kern="0" dirty="0">
               <a:latin typeface="Raleway" panose="020B0503030101060003" pitchFamily="34" charset="0"/>
               <a:ea typeface="Roboto" panose="02000000000000000000" pitchFamily="2" charset="0"/>
@@ -10995,8 +10998,8 @@
         </p:nvSpPr>
         <p:spPr>
           <a:xfrm>
-            <a:off x="685479" y="2133998"/>
-            <a:ext cx="7846565" cy="1889620"/>
+            <a:off x="685479" y="2914109"/>
+            <a:ext cx="6857143" cy="645690"/>
           </a:xfrm>
           <a:prstGeom prst="rect">
             <a:avLst/>
@@ -11014,28 +11017,10 @@
               </a:spcBef>
             </a:pPr>
             <a:r>
-              <a:rPr lang="en-US" sz="4000" b="0" kern="0" dirty="0"/>
-              <a:t>2. Evaluate and Refine Current </a:t>
+              <a:rPr lang="en-US" sz="4000" kern="0" dirty="0"/>
+              <a:t>2. Rank Project Parts</a:t>
             </a:r>
-          </a:p>
-          <a:p>
-            <a:pPr marL="12700">
-              <a:spcBef>
-                <a:spcPts val="100"/>
-              </a:spcBef>
-            </a:pPr>
-            <a:r>
-              <a:rPr lang="en-US" sz="4000" b="0" kern="0" dirty="0"/>
-              <a:t>Digital Prototype</a:t>
-            </a:r>
-          </a:p>
-          <a:p>
-            <a:pPr marL="12700">
-              <a:spcBef>
-                <a:spcPts val="100"/>
-              </a:spcBef>
-            </a:pPr>
-            <a:endParaRPr lang="en-US" sz="4000" kern="0" dirty="0"/>
+            <a:endParaRPr lang="en-US" sz="4000" b="0" kern="0" dirty="0"/>
           </a:p>
         </p:txBody>
       </p:sp>
@@ -11663,8 +11648,8 @@
         </p:nvSpPr>
         <p:spPr>
           <a:xfrm>
-            <a:off x="7771222" y="2480247"/>
-            <a:ext cx="10209622" cy="6826869"/>
+            <a:off x="8458200" y="3771650"/>
+            <a:ext cx="9163713" cy="2743700"/>
           </a:xfrm>
           <a:prstGeom prst="rect">
             <a:avLst/>
@@ -11676,10 +11661,11 @@
           </a:bodyPr>
           <a:lstStyle/>
           <a:p>
-            <a:pPr marL="12700" marR="5080">
+            <a:pPr marL="527050" marR="5080" indent="-514350">
               <a:spcBef>
                 <a:spcPts val="235"/>
               </a:spcBef>
+              <a:buAutoNum type="arabicPeriod"/>
             </a:pPr>
             <a:r>
               <a:rPr lang="en-US" sz="2800" kern="0" dirty="0">
@@ -11687,7 +11673,39 @@
                 <a:ea typeface="Roboto" panose="02000000000000000000" pitchFamily="2" charset="0"/>
                 <a:cs typeface="Roboto" panose="02000000000000000000" pitchFamily="2" charset="0"/>
               </a:rPr>
-              <a:t>For each software part, </a:t>
+              <a:t>Writing Dissertation   - xx </a:t>
+            </a:r>
+          </a:p>
+          <a:p>
+            <a:pPr marL="527050" marR="5080" indent="-514350">
+              <a:spcBef>
+                <a:spcPts val="235"/>
+              </a:spcBef>
+              <a:buAutoNum type="arabicPeriod"/>
+            </a:pPr>
+            <a:r>
+              <a:rPr lang="en-US" sz="2800" kern="0" dirty="0">
+                <a:latin typeface="Raleway" panose="020B0503030101060003" pitchFamily="34" charset="0"/>
+                <a:ea typeface="Roboto" panose="02000000000000000000" pitchFamily="2" charset="0"/>
+                <a:cs typeface="Roboto" panose="02000000000000000000" pitchFamily="2" charset="0"/>
+              </a:rPr>
+              <a:t>Software Coding        -xx</a:t>
+            </a:r>
+          </a:p>
+          <a:p>
+            <a:pPr marL="527050" marR="5080" indent="-514350">
+              <a:spcBef>
+                <a:spcPts val="235"/>
+              </a:spcBef>
+              <a:buAutoNum type="arabicPeriod"/>
+            </a:pPr>
+            <a:r>
+              <a:rPr lang="en-US" sz="2800" kern="0" dirty="0">
+                <a:latin typeface="Raleway" panose="020B0503030101060003" pitchFamily="34" charset="0"/>
+                <a:ea typeface="Roboto" panose="02000000000000000000" pitchFamily="2" charset="0"/>
+                <a:cs typeface="Roboto" panose="02000000000000000000" pitchFamily="2" charset="0"/>
+              </a:rPr>
+              <a:t>Evaluation                    -xx</a:t>
             </a:r>
           </a:p>
           <a:p>
@@ -11696,217 +11714,29 @@
                 <a:spcPts val="235"/>
               </a:spcBef>
             </a:pPr>
-            <a:r>
-              <a:rPr lang="en-US" sz="2800" kern="0" dirty="0">
-                <a:latin typeface="Raleway" panose="020B0503030101060003" pitchFamily="34" charset="0"/>
-                <a:ea typeface="Roboto" panose="02000000000000000000" pitchFamily="2" charset="0"/>
-                <a:cs typeface="Roboto" panose="02000000000000000000" pitchFamily="2" charset="0"/>
-              </a:rPr>
-              <a:t>-   describe why it is a good design; suggest areas of improvement, consider alternative designs.</a:t>
-            </a:r>
+            <a:endParaRPr lang="en-US" sz="2800" kern="0" dirty="0">
+              <a:latin typeface="Raleway" panose="020B0503030101060003" pitchFamily="34" charset="0"/>
+              <a:ea typeface="Roboto" panose="02000000000000000000" pitchFamily="2" charset="0"/>
+              <a:cs typeface="Roboto" panose="02000000000000000000" pitchFamily="2" charset="0"/>
+            </a:endParaRPr>
           </a:p>
           <a:p>
-            <a:pPr marL="469900" marR="5080" indent="-457200">
+            <a:pPr marL="12700" marR="5080">
               <a:spcBef>
                 <a:spcPts val="235"/>
               </a:spcBef>
-              <a:buFontTx/>
-              <a:buChar char="-"/>
             </a:pPr>
-            <a:r>
-              <a:rPr lang="en-US" sz="2800" kern="0" dirty="0" err="1">
-                <a:latin typeface="Raleway" panose="020B0503030101060003" pitchFamily="34" charset="0"/>
-                <a:ea typeface="Roboto" panose="02000000000000000000" pitchFamily="2" charset="0"/>
-                <a:cs typeface="Roboto" panose="02000000000000000000" pitchFamily="2" charset="0"/>
-              </a:rPr>
-              <a:t>Colour</a:t>
-            </a:r>
-            <a:r>
-              <a:rPr lang="en-US" sz="2800" kern="0" dirty="0">
-                <a:latin typeface="Raleway" panose="020B0503030101060003" pitchFamily="34" charset="0"/>
-                <a:ea typeface="Roboto" panose="02000000000000000000" pitchFamily="2" charset="0"/>
-                <a:cs typeface="Roboto" panose="02000000000000000000" pitchFamily="2" charset="0"/>
-              </a:rPr>
-              <a:t> Scheme/ Contrast </a:t>
-            </a:r>
+            <a:endParaRPr lang="en-US" sz="2800" kern="0" dirty="0">
+              <a:latin typeface="Raleway" panose="020B0503030101060003" pitchFamily="34" charset="0"/>
+              <a:ea typeface="Roboto" panose="02000000000000000000" pitchFamily="2" charset="0"/>
+              <a:cs typeface="Roboto" panose="02000000000000000000" pitchFamily="2" charset="0"/>
+            </a:endParaRPr>
           </a:p>
           <a:p>
-            <a:pPr marL="469900" marR="5080" indent="-457200">
+            <a:pPr marL="12700" marR="5080">
               <a:spcBef>
                 <a:spcPts val="235"/>
               </a:spcBef>
-              <a:buFontTx/>
-              <a:buChar char="-"/>
-            </a:pPr>
-            <a:r>
-              <a:rPr lang="en-US" sz="2800" kern="0" dirty="0">
-                <a:latin typeface="Raleway" panose="020B0503030101060003" pitchFamily="34" charset="0"/>
-                <a:ea typeface="Roboto" panose="02000000000000000000" pitchFamily="2" charset="0"/>
-                <a:cs typeface="Roboto" panose="02000000000000000000" pitchFamily="2" charset="0"/>
-              </a:rPr>
-              <a:t>Font Size/ Style</a:t>
-            </a:r>
-          </a:p>
-          <a:p>
-            <a:pPr marL="469900" marR="5080" indent="-457200">
-              <a:spcBef>
-                <a:spcPts val="235"/>
-              </a:spcBef>
-              <a:buFontTx/>
-              <a:buChar char="-"/>
-            </a:pPr>
-            <a:r>
-              <a:rPr lang="en-US" sz="2800" kern="0" dirty="0">
-                <a:latin typeface="Raleway" panose="020B0503030101060003" pitchFamily="34" charset="0"/>
-                <a:ea typeface="Roboto" panose="02000000000000000000" pitchFamily="2" charset="0"/>
-                <a:cs typeface="Roboto" panose="02000000000000000000" pitchFamily="2" charset="0"/>
-              </a:rPr>
-              <a:t>Way of presentation (order of information display)</a:t>
-            </a:r>
-          </a:p>
-          <a:p>
-            <a:pPr marL="469900" marR="5080" indent="-457200">
-              <a:spcBef>
-                <a:spcPts val="235"/>
-              </a:spcBef>
-              <a:buFontTx/>
-              <a:buChar char="-"/>
-            </a:pPr>
-            <a:r>
-              <a:rPr lang="en-US" sz="2800" kern="0" dirty="0">
-                <a:latin typeface="Raleway" panose="020B0503030101060003" pitchFamily="34" charset="0"/>
-                <a:ea typeface="Roboto" panose="02000000000000000000" pitchFamily="2" charset="0"/>
-                <a:cs typeface="Roboto" panose="02000000000000000000" pitchFamily="2" charset="0"/>
-              </a:rPr>
-              <a:t>Word Choice/ image</a:t>
-            </a:r>
-          </a:p>
-          <a:p>
-            <a:pPr marL="469900" marR="5080" indent="-457200">
-              <a:spcBef>
-                <a:spcPts val="235"/>
-              </a:spcBef>
-              <a:buFontTx/>
-              <a:buChar char="-"/>
-            </a:pPr>
-            <a:r>
-              <a:rPr lang="en-US" sz="2800" kern="0" dirty="0">
-                <a:latin typeface="Raleway" panose="020B0503030101060003" pitchFamily="34" charset="0"/>
-                <a:ea typeface="Roboto" panose="02000000000000000000" pitchFamily="2" charset="0"/>
-                <a:cs typeface="Roboto" panose="02000000000000000000" pitchFamily="2" charset="0"/>
-              </a:rPr>
-              <a:t>Icon shape/ size</a:t>
-            </a:r>
-          </a:p>
-          <a:p>
-            <a:pPr marL="469900" marR="5080" indent="-457200">
-              <a:spcBef>
-                <a:spcPts val="235"/>
-              </a:spcBef>
-              <a:buFontTx/>
-              <a:buChar char="-"/>
-            </a:pPr>
-            <a:r>
-              <a:rPr lang="en-US" sz="2800" kern="0" dirty="0">
-                <a:latin typeface="Raleway" panose="020B0503030101060003" pitchFamily="34" charset="0"/>
-                <a:ea typeface="Roboto" panose="02000000000000000000" pitchFamily="2" charset="0"/>
-                <a:cs typeface="Roboto" panose="02000000000000000000" pitchFamily="2" charset="0"/>
-              </a:rPr>
-              <a:t>Spacing/ Proximity between words/images</a:t>
-            </a:r>
-          </a:p>
-          <a:p>
-            <a:pPr marL="469900" marR="5080" indent="-457200">
-              <a:spcBef>
-                <a:spcPts val="235"/>
-              </a:spcBef>
-              <a:buFontTx/>
-              <a:buChar char="-"/>
-            </a:pPr>
-            <a:r>
-              <a:rPr lang="en-US" sz="2800" kern="0" dirty="0">
-                <a:latin typeface="Raleway" panose="020B0503030101060003" pitchFamily="34" charset="0"/>
-                <a:ea typeface="Roboto" panose="02000000000000000000" pitchFamily="2" charset="0"/>
-                <a:cs typeface="Roboto" panose="02000000000000000000" pitchFamily="2" charset="0"/>
-              </a:rPr>
-              <a:t>Software process (how to navigate between pages)</a:t>
-            </a:r>
-          </a:p>
-          <a:p>
-            <a:pPr marL="469900" marR="5080" indent="-457200">
-              <a:spcBef>
-                <a:spcPts val="235"/>
-              </a:spcBef>
-              <a:buFontTx/>
-              <a:buChar char="-"/>
-            </a:pPr>
-            <a:r>
-              <a:rPr lang="en-US" sz="2800" kern="0" dirty="0">
-                <a:latin typeface="Raleway" panose="020B0503030101060003" pitchFamily="34" charset="0"/>
-                <a:ea typeface="Roboto" panose="02000000000000000000" pitchFamily="2" charset="0"/>
-                <a:cs typeface="Roboto" panose="02000000000000000000" pitchFamily="2" charset="0"/>
-              </a:rPr>
-              <a:t>Necessity (whether this part must be present)</a:t>
-            </a:r>
-          </a:p>
-          <a:p>
-            <a:pPr marL="469900" marR="5080" indent="-457200">
-              <a:spcBef>
-                <a:spcPts val="235"/>
-              </a:spcBef>
-              <a:buFontTx/>
-              <a:buChar char="-"/>
-            </a:pPr>
-            <a:r>
-              <a:rPr lang="en-US" sz="2800" kern="0" dirty="0">
-                <a:latin typeface="Raleway" panose="020B0503030101060003" pitchFamily="34" charset="0"/>
-                <a:ea typeface="Roboto" panose="02000000000000000000" pitchFamily="2" charset="0"/>
-                <a:cs typeface="Roboto" panose="02000000000000000000" pitchFamily="2" charset="0"/>
-              </a:rPr>
-              <a:t>What can be added and why</a:t>
-            </a:r>
-          </a:p>
-          <a:p>
-            <a:pPr marL="469900" marR="5080" indent="-457200">
-              <a:spcBef>
-                <a:spcPts val="235"/>
-              </a:spcBef>
-              <a:buFontTx/>
-              <a:buChar char="-"/>
-            </a:pPr>
-            <a:r>
-              <a:rPr lang="en-US" sz="2800" kern="0" dirty="0">
-                <a:latin typeface="Raleway" panose="020B0503030101060003" pitchFamily="34" charset="0"/>
-                <a:ea typeface="Roboto" panose="02000000000000000000" pitchFamily="2" charset="0"/>
-                <a:cs typeface="Roboto" panose="02000000000000000000" pitchFamily="2" charset="0"/>
-              </a:rPr>
-              <a:t>What can be deleted and why</a:t>
-            </a:r>
-          </a:p>
-          <a:p>
-            <a:pPr marL="469900" marR="5080" indent="-457200">
-              <a:spcBef>
-                <a:spcPts val="235"/>
-              </a:spcBef>
-              <a:buFontTx/>
-              <a:buChar char="-"/>
-            </a:pPr>
-            <a:r>
-              <a:rPr lang="en-US" sz="2800" kern="0" dirty="0">
-                <a:latin typeface="Raleway" panose="020B0503030101060003" pitchFamily="34" charset="0"/>
-                <a:ea typeface="Roboto" panose="02000000000000000000" pitchFamily="2" charset="0"/>
-                <a:cs typeface="Roboto" panose="02000000000000000000" pitchFamily="2" charset="0"/>
-              </a:rPr>
-              <a:t>What can be improved and how/ identify the solutions</a:t>
-            </a:r>
-          </a:p>
-          <a:p>
-            <a:pPr marL="469900" marR="5080" indent="-457200">
-              <a:spcBef>
-                <a:spcPts val="235"/>
-              </a:spcBef>
-              <a:buFontTx/>
-              <a:buChar char="-"/>
             </a:pPr>
             <a:endParaRPr lang="en-US" sz="2800" kern="0" dirty="0">
               <a:latin typeface="Raleway" panose="020B0503030101060003" pitchFamily="34" charset="0"/>
@@ -11919,7 +11749,7 @@
     </p:spTree>
     <p:extLst>
       <p:ext uri="{BB962C8B-B14F-4D97-AF65-F5344CB8AC3E}">
-        <p14:creationId xmlns:p14="http://schemas.microsoft.com/office/powerpoint/2010/main" val="2380922507"/>
+        <p14:creationId xmlns:p14="http://schemas.microsoft.com/office/powerpoint/2010/main" val="2721049811"/>
       </p:ext>
     </p:extLst>
   </p:cSld>

--- a/Documentations/Supervisor Meeting PowerPoints/13._Supervisor_Meeting_12Feb21.pptx
+++ b/Documentations/Supervisor Meeting PowerPoints/13._Supervisor_Meeting_12Feb21.pptx
@@ -11,8 +11,8 @@
     <p:sldId id="256" r:id="rId2"/>
     <p:sldId id="257" r:id="rId3"/>
     <p:sldId id="343" r:id="rId4"/>
-    <p:sldId id="394" r:id="rId5"/>
-    <p:sldId id="395" r:id="rId6"/>
+    <p:sldId id="395" r:id="rId5"/>
+    <p:sldId id="394" r:id="rId6"/>
     <p:sldId id="331" r:id="rId7"/>
   </p:sldIdLst>
   <p:sldSz cx="18288000" cy="10287000"/>
@@ -3492,20 +3492,120 @@
     </pc:docChg>
   </pc:docChgLst>
   <pc:docChgLst>
-    <pc:chgData name="Andrew Ming Ho Wu" userId="620d876fccae6a25" providerId="LiveId" clId="{B8CC6B97-FBEB-4E84-A973-1D8D00A51797}"/>
-    <pc:docChg chg="undo redo custSel addSld delSld modSld">
-      <pc:chgData name="Andrew Ming Ho Wu" userId="620d876fccae6a25" providerId="LiveId" clId="{B8CC6B97-FBEB-4E84-A973-1D8D00A51797}" dt="2020-12-09T20:21:14.831" v="3322" actId="1076"/>
+    <pc:chgData name="Andrew Ming Ho Wu" userId="620d876fccae6a25" providerId="LiveId" clId="{301D553B-ED1B-4DD0-8B60-0326FA0FE40D}"/>
+    <pc:docChg chg="undo custSel modSld sldOrd">
+      <pc:chgData name="Andrew Ming Ho Wu" userId="620d876fccae6a25" providerId="LiveId" clId="{301D553B-ED1B-4DD0-8B60-0326FA0FE40D}" dt="2020-12-04T09:57:29.774" v="2192" actId="20577"/>
       <pc:docMkLst>
         <pc:docMk/>
       </pc:docMkLst>
       <pc:sldChg chg="modSp mod">
-        <pc:chgData name="Andrew Ming Ho Wu" userId="620d876fccae6a25" providerId="LiveId" clId="{B8CC6B97-FBEB-4E84-A973-1D8D00A51797}" dt="2020-12-07T23:20:20.434" v="2391" actId="20577"/>
+        <pc:chgData name="Andrew Ming Ho Wu" userId="620d876fccae6a25" providerId="LiveId" clId="{301D553B-ED1B-4DD0-8B60-0326FA0FE40D}" dt="2020-12-04T09:23:30.694" v="1648" actId="20577"/>
         <pc:sldMkLst>
           <pc:docMk/>
           <pc:sldMk cId="0" sldId="256"/>
         </pc:sldMkLst>
         <pc:spChg chg="mod">
-          <ac:chgData name="Andrew Ming Ho Wu" userId="620d876fccae6a25" providerId="LiveId" clId="{B8CC6B97-FBEB-4E84-A973-1D8D00A51797}" dt="2020-12-07T23:20:20.434" v="2391" actId="20577"/>
+          <ac:chgData name="Andrew Ming Ho Wu" userId="620d876fccae6a25" providerId="LiveId" clId="{301D553B-ED1B-4DD0-8B60-0326FA0FE40D}" dt="2020-12-04T09:23:30.694" v="1648" actId="20577"/>
+          <ac:spMkLst>
+            <pc:docMk/>
+            <pc:sldMk cId="0" sldId="256"/>
+            <ac:spMk id="12" creationId="{9A5C5996-C506-42D4-8B45-0190C0F5159A}"/>
+          </ac:spMkLst>
+        </pc:spChg>
+      </pc:sldChg>
+      <pc:sldChg chg="modSp mod ord">
+        <pc:chgData name="Andrew Ming Ho Wu" userId="620d876fccae6a25" providerId="LiveId" clId="{301D553B-ED1B-4DD0-8B60-0326FA0FE40D}" dt="2020-12-04T09:37:15.202" v="1818" actId="1076"/>
+        <pc:sldMkLst>
+          <pc:docMk/>
+          <pc:sldMk cId="3627176467" sldId="330"/>
+        </pc:sldMkLst>
+        <pc:spChg chg="mod">
+          <ac:chgData name="Andrew Ming Ho Wu" userId="620d876fccae6a25" providerId="LiveId" clId="{301D553B-ED1B-4DD0-8B60-0326FA0FE40D}" dt="2020-12-04T09:37:15.202" v="1818" actId="1076"/>
+          <ac:spMkLst>
+            <pc:docMk/>
+            <pc:sldMk cId="3627176467" sldId="330"/>
+            <ac:spMk id="11" creationId="{51D20990-98D9-4852-A91C-AEF4EC3755F8}"/>
+          </ac:spMkLst>
+        </pc:spChg>
+      </pc:sldChg>
+      <pc:sldChg chg="addSp delSp modSp mod">
+        <pc:chgData name="Andrew Ming Ho Wu" userId="620d876fccae6a25" providerId="LiveId" clId="{301D553B-ED1B-4DD0-8B60-0326FA0FE40D}" dt="2020-12-04T09:57:29.774" v="2192" actId="20577"/>
+        <pc:sldMkLst>
+          <pc:docMk/>
+          <pc:sldMk cId="2206058006" sldId="333"/>
+        </pc:sldMkLst>
+        <pc:spChg chg="mod">
+          <ac:chgData name="Andrew Ming Ho Wu" userId="620d876fccae6a25" providerId="LiveId" clId="{301D553B-ED1B-4DD0-8B60-0326FA0FE40D}" dt="2020-12-04T09:54:08.146" v="2088" actId="1076"/>
+          <ac:spMkLst>
+            <pc:docMk/>
+            <pc:sldMk cId="2206058006" sldId="333"/>
+            <ac:spMk id="5" creationId="{00000000-0000-0000-0000-000000000000}"/>
+          </ac:spMkLst>
+        </pc:spChg>
+        <pc:spChg chg="add del mod">
+          <ac:chgData name="Andrew Ming Ho Wu" userId="620d876fccae6a25" providerId="LiveId" clId="{301D553B-ED1B-4DD0-8B60-0326FA0FE40D}" dt="2020-12-04T09:57:29.774" v="2192" actId="20577"/>
+          <ac:spMkLst>
+            <pc:docMk/>
+            <pc:sldMk cId="2206058006" sldId="333"/>
+            <ac:spMk id="11" creationId="{3E2506E2-B67A-4B0D-BA61-6B13AC56BACF}"/>
+          </ac:spMkLst>
+        </pc:spChg>
+      </pc:sldChg>
+      <pc:sldChg chg="modSp mod">
+        <pc:chgData name="Andrew Ming Ho Wu" userId="620d876fccae6a25" providerId="LiveId" clId="{301D553B-ED1B-4DD0-8B60-0326FA0FE40D}" dt="2020-12-03T19:29:39.167" v="656" actId="20577"/>
+        <pc:sldMkLst>
+          <pc:docMk/>
+          <pc:sldMk cId="2818220858" sldId="343"/>
+        </pc:sldMkLst>
+        <pc:spChg chg="mod">
+          <ac:chgData name="Andrew Ming Ho Wu" userId="620d876fccae6a25" providerId="LiveId" clId="{301D553B-ED1B-4DD0-8B60-0326FA0FE40D}" dt="2020-12-03T19:29:34.248" v="655" actId="20577"/>
+          <ac:spMkLst>
+            <pc:docMk/>
+            <pc:sldMk cId="2818220858" sldId="343"/>
+            <ac:spMk id="8" creationId="{9D42ABF8-029E-4F29-B608-8C118D28ABA1}"/>
+          </ac:spMkLst>
+        </pc:spChg>
+        <pc:spChg chg="mod">
+          <ac:chgData name="Andrew Ming Ho Wu" userId="620d876fccae6a25" providerId="LiveId" clId="{301D553B-ED1B-4DD0-8B60-0326FA0FE40D}" dt="2020-12-03T19:29:39.167" v="656" actId="20577"/>
+          <ac:spMkLst>
+            <pc:docMk/>
+            <pc:sldMk cId="2818220858" sldId="343"/>
+            <ac:spMk id="15" creationId="{5FC8DCBF-4CCE-4C22-8B9F-CC50B4D8446D}"/>
+          </ac:spMkLst>
+        </pc:spChg>
+      </pc:sldChg>
+      <pc:sldChg chg="addSp delSp modSp mod">
+        <pc:chgData name="Andrew Ming Ho Wu" userId="620d876fccae6a25" providerId="LiveId" clId="{301D553B-ED1B-4DD0-8B60-0326FA0FE40D}" dt="2020-12-03T19:23:50.731" v="4"/>
+        <pc:sldMkLst>
+          <pc:docMk/>
+          <pc:sldMk cId="1002563172" sldId="387"/>
+        </pc:sldMkLst>
+        <pc:spChg chg="add del mod">
+          <ac:chgData name="Andrew Ming Ho Wu" userId="620d876fccae6a25" providerId="LiveId" clId="{301D553B-ED1B-4DD0-8B60-0326FA0FE40D}" dt="2020-12-03T19:23:50.731" v="4"/>
+          <ac:spMkLst>
+            <pc:docMk/>
+            <pc:sldMk cId="1002563172" sldId="387"/>
+            <ac:spMk id="11" creationId="{BA618F6F-1997-4079-B11E-BC24229FBCC5}"/>
+          </ac:spMkLst>
+        </pc:spChg>
+      </pc:sldChg>
+    </pc:docChg>
+  </pc:docChgLst>
+  <pc:docChgLst>
+    <pc:chgData name="Andrew Ming Ho Wu" userId="620d876fccae6a25" providerId="LiveId" clId="{70051DB0-1E4A-4F76-B9FF-8FCA6C4B0B08}"/>
+    <pc:docChg chg="undo custSel addSld delSld modSld">
+      <pc:chgData name="Andrew Ming Ho Wu" userId="620d876fccae6a25" providerId="LiveId" clId="{70051DB0-1E4A-4F76-B9FF-8FCA6C4B0B08}" dt="2020-10-16T08:50:56.802" v="1997" actId="5793"/>
+      <pc:docMkLst>
+        <pc:docMk/>
+      </pc:docMkLst>
+      <pc:sldChg chg="modSp mod">
+        <pc:chgData name="Andrew Ming Ho Wu" userId="620d876fccae6a25" providerId="LiveId" clId="{70051DB0-1E4A-4F76-B9FF-8FCA6C4B0B08}" dt="2020-10-16T08:13:04.374" v="1601" actId="255"/>
+        <pc:sldMkLst>
+          <pc:docMk/>
+          <pc:sldMk cId="0" sldId="256"/>
+        </pc:sldMkLst>
+        <pc:spChg chg="mod">
+          <ac:chgData name="Andrew Ming Ho Wu" userId="620d876fccae6a25" providerId="LiveId" clId="{70051DB0-1E4A-4F76-B9FF-8FCA6C4B0B08}" dt="2020-10-16T08:13:04.374" v="1601" actId="255"/>
           <ac:spMkLst>
             <pc:docMk/>
             <pc:sldMk cId="0" sldId="256"/>
@@ -3513,7 +3613,7 @@
           </ac:spMkLst>
         </pc:spChg>
         <pc:spChg chg="mod">
-          <ac:chgData name="Andrew Ming Ho Wu" userId="620d876fccae6a25" providerId="LiveId" clId="{B8CC6B97-FBEB-4E84-A973-1D8D00A51797}" dt="2020-12-07T11:47:32.514" v="4" actId="20577"/>
+          <ac:chgData name="Andrew Ming Ho Wu" userId="620d876fccae6a25" providerId="LiveId" clId="{70051DB0-1E4A-4F76-B9FF-8FCA6C4B0B08}" dt="2020-10-14T11:03:10.696" v="1511" actId="20577"/>
           <ac:spMkLst>
             <pc:docMk/>
             <pc:sldMk cId="0" sldId="256"/>
@@ -3521,116 +3621,263 @@
           </ac:spMkLst>
         </pc:spChg>
       </pc:sldChg>
+      <pc:sldChg chg="addSp delSp modSp mod">
+        <pc:chgData name="Andrew Ming Ho Wu" userId="620d876fccae6a25" providerId="LiveId" clId="{70051DB0-1E4A-4F76-B9FF-8FCA6C4B0B08}" dt="2020-10-16T08:14:10.986" v="1623" actId="1076"/>
+        <pc:sldMkLst>
+          <pc:docMk/>
+          <pc:sldMk cId="0" sldId="259"/>
+        </pc:sldMkLst>
+        <pc:spChg chg="mod">
+          <ac:chgData name="Andrew Ming Ho Wu" userId="620d876fccae6a25" providerId="LiveId" clId="{70051DB0-1E4A-4F76-B9FF-8FCA6C4B0B08}" dt="2020-10-16T08:14:10.986" v="1623" actId="1076"/>
+          <ac:spMkLst>
+            <pc:docMk/>
+            <pc:sldMk cId="0" sldId="259"/>
+            <ac:spMk id="5" creationId="{00000000-0000-0000-0000-000000000000}"/>
+          </ac:spMkLst>
+        </pc:spChg>
+        <pc:spChg chg="del mod">
+          <ac:chgData name="Andrew Ming Ho Wu" userId="620d876fccae6a25" providerId="LiveId" clId="{70051DB0-1E4A-4F76-B9FF-8FCA6C4B0B08}" dt="2020-10-14T10:56:16.263" v="803"/>
+          <ac:spMkLst>
+            <pc:docMk/>
+            <pc:sldMk cId="0" sldId="259"/>
+            <ac:spMk id="12" creationId="{7E70BACB-1CF0-4DEE-923B-205A7D88BC2B}"/>
+          </ac:spMkLst>
+        </pc:spChg>
+        <pc:graphicFrameChg chg="add del mod modGraphic">
+          <ac:chgData name="Andrew Ming Ho Wu" userId="620d876fccae6a25" providerId="LiveId" clId="{70051DB0-1E4A-4F76-B9FF-8FCA6C4B0B08}" dt="2020-10-16T08:13:58.412" v="1603" actId="478"/>
+          <ac:graphicFrameMkLst>
+            <pc:docMk/>
+            <pc:sldMk cId="0" sldId="259"/>
+            <ac:graphicFrameMk id="6" creationId="{F9FF6ED5-1599-4BAE-B1B8-E9E0AA0B54BA}"/>
+          </ac:graphicFrameMkLst>
+        </pc:graphicFrameChg>
+      </pc:sldChg>
       <pc:sldChg chg="modSp del mod">
-        <pc:chgData name="Andrew Ming Ho Wu" userId="620d876fccae6a25" providerId="LiveId" clId="{B8CC6B97-FBEB-4E84-A973-1D8D00A51797}" dt="2020-12-07T14:43:22.840" v="2386" actId="47"/>
+        <pc:chgData name="Andrew Ming Ho Wu" userId="620d876fccae6a25" providerId="LiveId" clId="{70051DB0-1E4A-4F76-B9FF-8FCA6C4B0B08}" dt="2020-10-16T08:14:23.170" v="1624" actId="2696"/>
+        <pc:sldMkLst>
+          <pc:docMk/>
+          <pc:sldMk cId="4141595128" sldId="301"/>
+        </pc:sldMkLst>
+        <pc:spChg chg="mod">
+          <ac:chgData name="Andrew Ming Ho Wu" userId="620d876fccae6a25" providerId="LiveId" clId="{70051DB0-1E4A-4F76-B9FF-8FCA6C4B0B08}" dt="2020-10-14T10:57:15.205" v="832" actId="20577"/>
+          <ac:spMkLst>
+            <pc:docMk/>
+            <pc:sldMk cId="4141595128" sldId="301"/>
+            <ac:spMk id="5" creationId="{00000000-0000-0000-0000-000000000000}"/>
+          </ac:spMkLst>
+        </pc:spChg>
+        <pc:spChg chg="mod">
+          <ac:chgData name="Andrew Ming Ho Wu" userId="620d876fccae6a25" providerId="LiveId" clId="{70051DB0-1E4A-4F76-B9FF-8FCA6C4B0B08}" dt="2020-10-14T10:57:56.133" v="1014" actId="1076"/>
+          <ac:spMkLst>
+            <pc:docMk/>
+            <pc:sldMk cId="4141595128" sldId="301"/>
+            <ac:spMk id="12" creationId="{7E70BACB-1CF0-4DEE-923B-205A7D88BC2B}"/>
+          </ac:spMkLst>
+        </pc:spChg>
+      </pc:sldChg>
+      <pc:sldChg chg="modSp mod">
+        <pc:chgData name="Andrew Ming Ho Wu" userId="620d876fccae6a25" providerId="LiveId" clId="{70051DB0-1E4A-4F76-B9FF-8FCA6C4B0B08}" dt="2020-10-16T08:50:56.802" v="1997" actId="5793"/>
+        <pc:sldMkLst>
+          <pc:docMk/>
+          <pc:sldMk cId="428898620" sldId="329"/>
+        </pc:sldMkLst>
+        <pc:spChg chg="mod">
+          <ac:chgData name="Andrew Ming Ho Wu" userId="620d876fccae6a25" providerId="LiveId" clId="{70051DB0-1E4A-4F76-B9FF-8FCA6C4B0B08}" dt="2020-10-14T10:58:08.788" v="1025" actId="20577"/>
+          <ac:spMkLst>
+            <pc:docMk/>
+            <pc:sldMk cId="428898620" sldId="329"/>
+            <ac:spMk id="5" creationId="{00000000-0000-0000-0000-000000000000}"/>
+          </ac:spMkLst>
+        </pc:spChg>
+        <pc:spChg chg="mod">
+          <ac:chgData name="Andrew Ming Ho Wu" userId="620d876fccae6a25" providerId="LiveId" clId="{70051DB0-1E4A-4F76-B9FF-8FCA6C4B0B08}" dt="2020-10-16T08:50:56.802" v="1997" actId="5793"/>
+          <ac:spMkLst>
+            <pc:docMk/>
+            <pc:sldMk cId="428898620" sldId="329"/>
+            <ac:spMk id="12" creationId="{7E70BACB-1CF0-4DEE-923B-205A7D88BC2B}"/>
+          </ac:spMkLst>
+        </pc:spChg>
+      </pc:sldChg>
+      <pc:sldChg chg="addSp delSp modSp mod">
+        <pc:chgData name="Andrew Ming Ho Wu" userId="620d876fccae6a25" providerId="LiveId" clId="{70051DB0-1E4A-4F76-B9FF-8FCA6C4B0B08}" dt="2020-10-14T11:04:43.468" v="1595" actId="1076"/>
         <pc:sldMkLst>
           <pc:docMk/>
           <pc:sldMk cId="3627176467" sldId="330"/>
         </pc:sldMkLst>
         <pc:spChg chg="mod">
-          <ac:chgData name="Andrew Ming Ho Wu" userId="620d876fccae6a25" providerId="LiveId" clId="{B8CC6B97-FBEB-4E84-A973-1D8D00A51797}" dt="2020-12-07T11:49:36.385" v="427" actId="115"/>
+          <ac:chgData name="Andrew Ming Ho Wu" userId="620d876fccae6a25" providerId="LiveId" clId="{70051DB0-1E4A-4F76-B9FF-8FCA6C4B0B08}" dt="2020-10-14T11:04:43.468" v="1595" actId="1076"/>
           <ac:spMkLst>
             <pc:docMk/>
             <pc:sldMk cId="3627176467" sldId="330"/>
-            <ac:spMk id="11" creationId="{51D20990-98D9-4852-A91C-AEF4EC3755F8}"/>
-          </ac:spMkLst>
-        </pc:spChg>
-      </pc:sldChg>
-      <pc:sldChg chg="addSp delSp modSp mod">
-        <pc:chgData name="Andrew Ming Ho Wu" userId="620d876fccae6a25" providerId="LiveId" clId="{B8CC6B97-FBEB-4E84-A973-1D8D00A51797}" dt="2020-12-09T20:19:32.434" v="3257" actId="20577"/>
-        <pc:sldMkLst>
-          <pc:docMk/>
-          <pc:sldMk cId="2206058006" sldId="333"/>
-        </pc:sldMkLst>
-        <pc:spChg chg="mod">
-          <ac:chgData name="Andrew Ming Ho Wu" userId="620d876fccae6a25" providerId="LiveId" clId="{B8CC6B97-FBEB-4E84-A973-1D8D00A51797}" dt="2020-12-08T20:51:48.995" v="2411" actId="20577"/>
-          <ac:spMkLst>
-            <pc:docMk/>
-            <pc:sldMk cId="2206058006" sldId="333"/>
             <ac:spMk id="5" creationId="{00000000-0000-0000-0000-000000000000}"/>
           </ac:spMkLst>
         </pc:spChg>
+        <pc:spChg chg="add del mod">
+          <ac:chgData name="Andrew Ming Ho Wu" userId="620d876fccae6a25" providerId="LiveId" clId="{70051DB0-1E4A-4F76-B9FF-8FCA6C4B0B08}" dt="2020-10-14T11:02:05.801" v="1498" actId="20577"/>
+          <ac:spMkLst>
+            <pc:docMk/>
+            <pc:sldMk cId="3627176467" sldId="330"/>
+            <ac:spMk id="12" creationId="{7E70BACB-1CF0-4DEE-923B-205A7D88BC2B}"/>
+          </ac:spMkLst>
+        </pc:spChg>
+      </pc:sldChg>
+      <pc:sldChg chg="delSp modSp mod">
+        <pc:chgData name="Andrew Ming Ho Wu" userId="620d876fccae6a25" providerId="LiveId" clId="{70051DB0-1E4A-4F76-B9FF-8FCA6C4B0B08}" dt="2020-10-14T11:02:51.398" v="1506" actId="1076"/>
+        <pc:sldMkLst>
+          <pc:docMk/>
+          <pc:sldMk cId="311588258" sldId="331"/>
+        </pc:sldMkLst>
+        <pc:spChg chg="mod">
+          <ac:chgData name="Andrew Ming Ho Wu" userId="620d876fccae6a25" providerId="LiveId" clId="{70051DB0-1E4A-4F76-B9FF-8FCA6C4B0B08}" dt="2020-10-14T11:02:51.398" v="1506" actId="1076"/>
+          <ac:spMkLst>
+            <pc:docMk/>
+            <pc:sldMk cId="311588258" sldId="331"/>
+            <ac:spMk id="5" creationId="{00000000-0000-0000-0000-000000000000}"/>
+          </ac:spMkLst>
+        </pc:spChg>
         <pc:spChg chg="del">
-          <ac:chgData name="Andrew Ming Ho Wu" userId="620d876fccae6a25" providerId="LiveId" clId="{B8CC6B97-FBEB-4E84-A973-1D8D00A51797}" dt="2020-12-07T11:49:40.438" v="428" actId="478"/>
-          <ac:spMkLst>
-            <pc:docMk/>
-            <pc:sldMk cId="2206058006" sldId="333"/>
-            <ac:spMk id="11" creationId="{3E2506E2-B67A-4B0D-BA61-6B13AC56BACF}"/>
-          </ac:spMkLst>
-        </pc:spChg>
-        <pc:spChg chg="add del mod">
-          <ac:chgData name="Andrew Ming Ho Wu" userId="620d876fccae6a25" providerId="LiveId" clId="{B8CC6B97-FBEB-4E84-A973-1D8D00A51797}" dt="2020-12-09T20:19:32.434" v="3257" actId="20577"/>
-          <ac:spMkLst>
-            <pc:docMk/>
-            <pc:sldMk cId="2206058006" sldId="333"/>
-            <ac:spMk id="12" creationId="{11F2B6B6-0466-4FF3-9677-694F0F61AE7C}"/>
+          <ac:chgData name="Andrew Ming Ho Wu" userId="620d876fccae6a25" providerId="LiveId" clId="{70051DB0-1E4A-4F76-B9FF-8FCA6C4B0B08}" dt="2020-10-14T11:02:34.036" v="1502" actId="478"/>
+          <ac:spMkLst>
+            <pc:docMk/>
+            <pc:sldMk cId="311588258" sldId="331"/>
+            <ac:spMk id="12" creationId="{7E70BACB-1CF0-4DEE-923B-205A7D88BC2B}"/>
           </ac:spMkLst>
         </pc:spChg>
         <pc:grpChg chg="mod">
-          <ac:chgData name="Andrew Ming Ho Wu" userId="620d876fccae6a25" providerId="LiveId" clId="{B8CC6B97-FBEB-4E84-A973-1D8D00A51797}" dt="2020-12-07T11:50:20.258" v="465" actId="1076"/>
+          <ac:chgData name="Andrew Ming Ho Wu" userId="620d876fccae6a25" providerId="LiveId" clId="{70051DB0-1E4A-4F76-B9FF-8FCA6C4B0B08}" dt="2020-10-14T11:02:46.399" v="1505" actId="1076"/>
           <ac:grpSpMkLst>
             <pc:docMk/>
-            <pc:sldMk cId="2206058006" sldId="333"/>
+            <pc:sldMk cId="311588258" sldId="331"/>
             <ac:grpSpMk id="2" creationId="{00000000-0000-0000-0000-000000000000}"/>
           </ac:grpSpMkLst>
         </pc:grpChg>
-        <pc:grpChg chg="mod">
-          <ac:chgData name="Andrew Ming Ho Wu" userId="620d876fccae6a25" providerId="LiveId" clId="{B8CC6B97-FBEB-4E84-A973-1D8D00A51797}" dt="2020-12-07T11:50:22.733" v="466" actId="1076"/>
-          <ac:grpSpMkLst>
+      </pc:sldChg>
+      <pc:sldChg chg="del">
+        <pc:chgData name="Andrew Ming Ho Wu" userId="620d876fccae6a25" providerId="LiveId" clId="{70051DB0-1E4A-4F76-B9FF-8FCA6C4B0B08}" dt="2020-10-14T11:02:58.709" v="1507" actId="2696"/>
+        <pc:sldMkLst>
+          <pc:docMk/>
+          <pc:sldMk cId="1678336179" sldId="332"/>
+        </pc:sldMkLst>
+      </pc:sldChg>
+      <pc:sldChg chg="modSp mod">
+        <pc:chgData name="Andrew Ming Ho Wu" userId="620d876fccae6a25" providerId="LiveId" clId="{70051DB0-1E4A-4F76-B9FF-8FCA6C4B0B08}" dt="2020-10-16T08:31:21.227" v="1924" actId="20577"/>
+        <pc:sldMkLst>
+          <pc:docMk/>
+          <pc:sldMk cId="2206058006" sldId="333"/>
+        </pc:sldMkLst>
+        <pc:spChg chg="mod">
+          <ac:chgData name="Andrew Ming Ho Wu" userId="620d876fccae6a25" providerId="LiveId" clId="{70051DB0-1E4A-4F76-B9FF-8FCA6C4B0B08}" dt="2020-10-16T08:17:59.360" v="1712" actId="20577"/>
+          <ac:spMkLst>
             <pc:docMk/>
             <pc:sldMk cId="2206058006" sldId="333"/>
-            <ac:grpSpMk id="8" creationId="{00000000-0000-0000-0000-000000000000}"/>
-          </ac:grpSpMkLst>
-        </pc:grpChg>
-      </pc:sldChg>
-      <pc:sldChg chg="addSp delSp modSp mod">
-        <pc:chgData name="Andrew Ming Ho Wu" userId="620d876fccae6a25" providerId="LiveId" clId="{B8CC6B97-FBEB-4E84-A973-1D8D00A51797}" dt="2020-12-07T12:17:11.563" v="2385" actId="20577"/>
+            <ac:spMk id="5" creationId="{00000000-0000-0000-0000-000000000000}"/>
+          </ac:spMkLst>
+        </pc:spChg>
+        <pc:spChg chg="mod">
+          <ac:chgData name="Andrew Ming Ho Wu" userId="620d876fccae6a25" providerId="LiveId" clId="{70051DB0-1E4A-4F76-B9FF-8FCA6C4B0B08}" dt="2020-10-16T08:31:21.227" v="1924" actId="20577"/>
+          <ac:spMkLst>
+            <pc:docMk/>
+            <pc:sldMk cId="2206058006" sldId="333"/>
+            <ac:spMk id="12" creationId="{7E70BACB-1CF0-4DEE-923B-205A7D88BC2B}"/>
+          </ac:spMkLst>
+        </pc:spChg>
+      </pc:sldChg>
+      <pc:sldChg chg="del">
+        <pc:chgData name="Andrew Ming Ho Wu" userId="620d876fccae6a25" providerId="LiveId" clId="{70051DB0-1E4A-4F76-B9FF-8FCA6C4B0B08}" dt="2020-10-14T10:49:02.566" v="132" actId="2696"/>
+        <pc:sldMkLst>
+          <pc:docMk/>
+          <pc:sldMk cId="1994449026" sldId="335"/>
+        </pc:sldMkLst>
+      </pc:sldChg>
+      <pc:sldChg chg="del">
+        <pc:chgData name="Andrew Ming Ho Wu" userId="620d876fccae6a25" providerId="LiveId" clId="{70051DB0-1E4A-4F76-B9FF-8FCA6C4B0B08}" dt="2020-10-14T11:02:58.709" v="1507" actId="2696"/>
+        <pc:sldMkLst>
+          <pc:docMk/>
+          <pc:sldMk cId="491446009" sldId="336"/>
+        </pc:sldMkLst>
+      </pc:sldChg>
+      <pc:sldChg chg="del">
+        <pc:chgData name="Andrew Ming Ho Wu" userId="620d876fccae6a25" providerId="LiveId" clId="{70051DB0-1E4A-4F76-B9FF-8FCA6C4B0B08}" dt="2020-10-14T11:02:58.709" v="1507" actId="2696"/>
+        <pc:sldMkLst>
+          <pc:docMk/>
+          <pc:sldMk cId="3153837584" sldId="337"/>
+        </pc:sldMkLst>
+      </pc:sldChg>
+      <pc:sldChg chg="del">
+        <pc:chgData name="Andrew Ming Ho Wu" userId="620d876fccae6a25" providerId="LiveId" clId="{70051DB0-1E4A-4F76-B9FF-8FCA6C4B0B08}" dt="2020-10-14T11:02:58.709" v="1507" actId="2696"/>
+        <pc:sldMkLst>
+          <pc:docMk/>
+          <pc:sldMk cId="1064973513" sldId="338"/>
+        </pc:sldMkLst>
+      </pc:sldChg>
+      <pc:sldChg chg="del">
+        <pc:chgData name="Andrew Ming Ho Wu" userId="620d876fccae6a25" providerId="LiveId" clId="{70051DB0-1E4A-4F76-B9FF-8FCA6C4B0B08}" dt="2020-10-14T11:02:58.709" v="1507" actId="2696"/>
+        <pc:sldMkLst>
+          <pc:docMk/>
+          <pc:sldMk cId="3865668538" sldId="339"/>
+        </pc:sldMkLst>
+      </pc:sldChg>
+      <pc:sldChg chg="del">
+        <pc:chgData name="Andrew Ming Ho Wu" userId="620d876fccae6a25" providerId="LiveId" clId="{70051DB0-1E4A-4F76-B9FF-8FCA6C4B0B08}" dt="2020-10-14T11:02:58.709" v="1507" actId="2696"/>
+        <pc:sldMkLst>
+          <pc:docMk/>
+          <pc:sldMk cId="1140042678" sldId="340"/>
+        </pc:sldMkLst>
+      </pc:sldChg>
+      <pc:sldChg chg="del">
+        <pc:chgData name="Andrew Ming Ho Wu" userId="620d876fccae6a25" providerId="LiveId" clId="{70051DB0-1E4A-4F76-B9FF-8FCA6C4B0B08}" dt="2020-10-14T11:02:58.709" v="1507" actId="2696"/>
+        <pc:sldMkLst>
+          <pc:docMk/>
+          <pc:sldMk cId="2792681432" sldId="341"/>
+        </pc:sldMkLst>
+      </pc:sldChg>
+      <pc:sldChg chg="del">
+        <pc:chgData name="Andrew Ming Ho Wu" userId="620d876fccae6a25" providerId="LiveId" clId="{70051DB0-1E4A-4F76-B9FF-8FCA6C4B0B08}" dt="2020-10-14T11:02:58.709" v="1507" actId="2696"/>
+        <pc:sldMkLst>
+          <pc:docMk/>
+          <pc:sldMk cId="3458398597" sldId="342"/>
+        </pc:sldMkLst>
+      </pc:sldChg>
+      <pc:sldChg chg="delSp modSp mod">
+        <pc:chgData name="Andrew Ming Ho Wu" userId="620d876fccae6a25" providerId="LiveId" clId="{70051DB0-1E4A-4F76-B9FF-8FCA6C4B0B08}" dt="2020-10-16T08:17:39.434" v="1697" actId="20577"/>
         <pc:sldMkLst>
           <pc:docMk/>
           <pc:sldMk cId="2818220858" sldId="343"/>
         </pc:sldMkLst>
         <pc:spChg chg="mod">
-          <ac:chgData name="Andrew Ming Ho Wu" userId="620d876fccae6a25" providerId="LiveId" clId="{B8CC6B97-FBEB-4E84-A973-1D8D00A51797}" dt="2020-12-07T12:16:53.205" v="2364" actId="1076"/>
+          <ac:chgData name="Andrew Ming Ho Wu" userId="620d876fccae6a25" providerId="LiveId" clId="{70051DB0-1E4A-4F76-B9FF-8FCA6C4B0B08}" dt="2020-10-16T08:17:39.434" v="1697" actId="20577"/>
           <ac:spMkLst>
             <pc:docMk/>
             <pc:sldMk cId="2818220858" sldId="343"/>
             <ac:spMk id="5" creationId="{81D7F47C-B22C-46A9-BD87-E2FA064EC20F}"/>
           </ac:spMkLst>
         </pc:spChg>
-        <pc:spChg chg="mod">
-          <ac:chgData name="Andrew Ming Ho Wu" userId="620d876fccae6a25" providerId="LiveId" clId="{B8CC6B97-FBEB-4E84-A973-1D8D00A51797}" dt="2020-12-07T12:16:25.853" v="2338" actId="20577"/>
+        <pc:spChg chg="del">
+          <ac:chgData name="Andrew Ming Ho Wu" userId="620d876fccae6a25" providerId="LiveId" clId="{70051DB0-1E4A-4F76-B9FF-8FCA6C4B0B08}" dt="2020-10-14T10:48:34.682" v="129" actId="478"/>
           <ac:spMkLst>
             <pc:docMk/>
             <pc:sldMk cId="2818220858" sldId="343"/>
-            <ac:spMk id="8" creationId="{9D42ABF8-029E-4F29-B608-8C118D28ABA1}"/>
-          </ac:spMkLst>
-        </pc:spChg>
-        <pc:spChg chg="add del mod">
-          <ac:chgData name="Andrew Ming Ho Wu" userId="620d876fccae6a25" providerId="LiveId" clId="{B8CC6B97-FBEB-4E84-A973-1D8D00A51797}" dt="2020-12-07T12:17:00.094" v="2366"/>
-          <ac:spMkLst>
-            <pc:docMk/>
-            <pc:sldMk cId="2818220858" sldId="343"/>
-            <ac:spMk id="14" creationId="{4008C9F8-7034-4640-926C-69C20356432C}"/>
-          </ac:spMkLst>
-        </pc:spChg>
-        <pc:spChg chg="mod">
-          <ac:chgData name="Andrew Ming Ho Wu" userId="620d876fccae6a25" providerId="LiveId" clId="{B8CC6B97-FBEB-4E84-A973-1D8D00A51797}" dt="2020-12-07T11:47:46.566" v="35" actId="20577"/>
+            <ac:spMk id="7" creationId="{8F1A7018-DAB3-4DD6-9851-CCE349574926}"/>
+          </ac:spMkLst>
+        </pc:spChg>
+        <pc:spChg chg="mod">
+          <ac:chgData name="Andrew Ming Ho Wu" userId="620d876fccae6a25" providerId="LiveId" clId="{70051DB0-1E4A-4F76-B9FF-8FCA6C4B0B08}" dt="2020-10-16T08:17:36.046" v="1691" actId="20577"/>
           <ac:spMkLst>
             <pc:docMk/>
             <pc:sldMk cId="2818220858" sldId="343"/>
             <ac:spMk id="15" creationId="{5FC8DCBF-4CCE-4C22-8B9F-CC50B4D8446D}"/>
           </ac:spMkLst>
         </pc:spChg>
-        <pc:spChg chg="add mod">
-          <ac:chgData name="Andrew Ming Ho Wu" userId="620d876fccae6a25" providerId="LiveId" clId="{B8CC6B97-FBEB-4E84-A973-1D8D00A51797}" dt="2020-12-07T12:17:11.563" v="2385" actId="20577"/>
+        <pc:spChg chg="del">
+          <ac:chgData name="Andrew Ming Ho Wu" userId="620d876fccae6a25" providerId="LiveId" clId="{70051DB0-1E4A-4F76-B9FF-8FCA6C4B0B08}" dt="2020-10-14T10:48:41.238" v="130" actId="478"/>
           <ac:spMkLst>
             <pc:docMk/>
             <pc:sldMk cId="2818220858" sldId="343"/>
-            <ac:spMk id="16" creationId="{9776CE46-BCD9-4FBA-A83A-BE5C5D29A965}"/>
+            <ac:spMk id="20" creationId="{A6F76399-04DE-46A8-BF2C-99ED8D141BD3}"/>
           </ac:spMkLst>
         </pc:spChg>
         <pc:grpChg chg="mod">
-          <ac:chgData name="Andrew Ming Ho Wu" userId="620d876fccae6a25" providerId="LiveId" clId="{B8CC6B97-FBEB-4E84-A973-1D8D00A51797}" dt="2020-12-07T12:16:48.563" v="2363" actId="1076"/>
+          <ac:chgData name="Andrew Ming Ho Wu" userId="620d876fccae6a25" providerId="LiveId" clId="{70051DB0-1E4A-4F76-B9FF-8FCA6C4B0B08}" dt="2020-10-14T11:03:31.434" v="1538" actId="1076"/>
           <ac:grpSpMkLst>
             <pc:docMk/>
             <pc:sldMk cId="2818220858" sldId="343"/>
@@ -3638,124 +3885,18 @@
           </ac:grpSpMkLst>
         </pc:grpChg>
       </pc:sldChg>
-      <pc:sldChg chg="modSp mod">
-        <pc:chgData name="Andrew Ming Ho Wu" userId="620d876fccae6a25" providerId="LiveId" clId="{B8CC6B97-FBEB-4E84-A973-1D8D00A51797}" dt="2020-12-07T12:12:01.475" v="2130" actId="20577"/>
-        <pc:sldMkLst>
-          <pc:docMk/>
-          <pc:sldMk cId="1002563172" sldId="387"/>
-        </pc:sldMkLst>
-        <pc:spChg chg="mod">
-          <ac:chgData name="Andrew Ming Ho Wu" userId="620d876fccae6a25" providerId="LiveId" clId="{B8CC6B97-FBEB-4E84-A973-1D8D00A51797}" dt="2020-12-07T12:12:01.475" v="2130" actId="20577"/>
-          <ac:spMkLst>
-            <pc:docMk/>
-            <pc:sldMk cId="1002563172" sldId="387"/>
-            <ac:spMk id="5" creationId="{00000000-0000-0000-0000-000000000000}"/>
-          </ac:spMkLst>
-        </pc:spChg>
-      </pc:sldChg>
-      <pc:sldChg chg="modSp add mod">
-        <pc:chgData name="Andrew Ming Ho Wu" userId="620d876fccae6a25" providerId="LiveId" clId="{B8CC6B97-FBEB-4E84-A973-1D8D00A51797}" dt="2020-12-09T20:21:14.831" v="3322" actId="1076"/>
-        <pc:sldMkLst>
-          <pc:docMk/>
-          <pc:sldMk cId="2049264590" sldId="388"/>
-        </pc:sldMkLst>
-        <pc:spChg chg="mod">
-          <ac:chgData name="Andrew Ming Ho Wu" userId="620d876fccae6a25" providerId="LiveId" clId="{B8CC6B97-FBEB-4E84-A973-1D8D00A51797}" dt="2020-12-09T20:21:14.831" v="3322" actId="1076"/>
-          <ac:spMkLst>
-            <pc:docMk/>
-            <pc:sldMk cId="2049264590" sldId="388"/>
-            <ac:spMk id="12" creationId="{11F2B6B6-0466-4FF3-9677-694F0F61AE7C}"/>
-          </ac:spMkLst>
-        </pc:spChg>
+      <pc:sldChg chg="add del">
+        <pc:chgData name="Andrew Ming Ho Wu" userId="620d876fccae6a25" providerId="LiveId" clId="{70051DB0-1E4A-4F76-B9FF-8FCA6C4B0B08}" dt="2020-10-16T08:17:51.506" v="1699" actId="2890"/>
+        <pc:sldMkLst>
+          <pc:docMk/>
+          <pc:sldMk cId="882795893" sldId="344"/>
+        </pc:sldMkLst>
       </pc:sldChg>
       <pc:sldChg chg="add">
-        <pc:chgData name="Andrew Ming Ho Wu" userId="620d876fccae6a25" providerId="LiveId" clId="{B8CC6B97-FBEB-4E84-A973-1D8D00A51797}" dt="2020-12-07T12:11:57.600" v="2129" actId="2890"/>
-        <pc:sldMkLst>
-          <pc:docMk/>
-          <pc:sldMk cId="1012779811" sldId="389"/>
-        </pc:sldMkLst>
-      </pc:sldChg>
-      <pc:sldChg chg="modSp add mod">
-        <pc:chgData name="Andrew Ming Ho Wu" userId="620d876fccae6a25" providerId="LiveId" clId="{B8CC6B97-FBEB-4E84-A973-1D8D00A51797}" dt="2020-12-07T12:13:16.646" v="2234" actId="255"/>
-        <pc:sldMkLst>
-          <pc:docMk/>
-          <pc:sldMk cId="2782934202" sldId="390"/>
-        </pc:sldMkLst>
-        <pc:spChg chg="mod">
-          <ac:chgData name="Andrew Ming Ho Wu" userId="620d876fccae6a25" providerId="LiveId" clId="{B8CC6B97-FBEB-4E84-A973-1D8D00A51797}" dt="2020-12-07T12:12:22.476" v="2139" actId="20577"/>
-          <ac:spMkLst>
-            <pc:docMk/>
-            <pc:sldMk cId="2782934202" sldId="390"/>
-            <ac:spMk id="5" creationId="{00000000-0000-0000-0000-000000000000}"/>
-          </ac:spMkLst>
-        </pc:spChg>
-        <pc:spChg chg="mod">
-          <ac:chgData name="Andrew Ming Ho Wu" userId="620d876fccae6a25" providerId="LiveId" clId="{B8CC6B97-FBEB-4E84-A973-1D8D00A51797}" dt="2020-12-07T12:13:16.646" v="2234" actId="255"/>
-          <ac:spMkLst>
-            <pc:docMk/>
-            <pc:sldMk cId="2782934202" sldId="390"/>
-            <ac:spMk id="12" creationId="{11F2B6B6-0466-4FF3-9677-694F0F61AE7C}"/>
-          </ac:spMkLst>
-        </pc:spChg>
-      </pc:sldChg>
-      <pc:sldChg chg="modSp add mod">
-        <pc:chgData name="Andrew Ming Ho Wu" userId="620d876fccae6a25" providerId="LiveId" clId="{B8CC6B97-FBEB-4E84-A973-1D8D00A51797}" dt="2020-12-07T12:14:09.189" v="2268" actId="20577"/>
-        <pc:sldMkLst>
-          <pc:docMk/>
-          <pc:sldMk cId="2582986712" sldId="391"/>
-        </pc:sldMkLst>
-        <pc:spChg chg="mod">
-          <ac:chgData name="Andrew Ming Ho Wu" userId="620d876fccae6a25" providerId="LiveId" clId="{B8CC6B97-FBEB-4E84-A973-1D8D00A51797}" dt="2020-12-07T12:14:09.189" v="2268" actId="20577"/>
-          <ac:spMkLst>
-            <pc:docMk/>
-            <pc:sldMk cId="2582986712" sldId="391"/>
-            <ac:spMk id="12" creationId="{11F2B6B6-0466-4FF3-9677-694F0F61AE7C}"/>
-          </ac:spMkLst>
-        </pc:spChg>
-      </pc:sldChg>
-      <pc:sldChg chg="modSp add mod">
-        <pc:chgData name="Andrew Ming Ho Wu" userId="620d876fccae6a25" providerId="LiveId" clId="{B8CC6B97-FBEB-4E84-A973-1D8D00A51797}" dt="2020-12-07T12:15:51.208" v="2307" actId="255"/>
-        <pc:sldMkLst>
-          <pc:docMk/>
-          <pc:sldMk cId="161672857" sldId="392"/>
-        </pc:sldMkLst>
-        <pc:spChg chg="mod">
-          <ac:chgData name="Andrew Ming Ho Wu" userId="620d876fccae6a25" providerId="LiveId" clId="{B8CC6B97-FBEB-4E84-A973-1D8D00A51797}" dt="2020-12-07T12:15:14.773" v="2298" actId="20577"/>
-          <ac:spMkLst>
-            <pc:docMk/>
-            <pc:sldMk cId="161672857" sldId="392"/>
-            <ac:spMk id="5" creationId="{00000000-0000-0000-0000-000000000000}"/>
-          </ac:spMkLst>
-        </pc:spChg>
-        <pc:spChg chg="mod">
-          <ac:chgData name="Andrew Ming Ho Wu" userId="620d876fccae6a25" providerId="LiveId" clId="{B8CC6B97-FBEB-4E84-A973-1D8D00A51797}" dt="2020-12-07T12:15:51.208" v="2307" actId="255"/>
-          <ac:spMkLst>
-            <pc:docMk/>
-            <pc:sldMk cId="161672857" sldId="392"/>
-            <ac:spMk id="12" creationId="{11F2B6B6-0466-4FF3-9677-694F0F61AE7C}"/>
-          </ac:spMkLst>
-        </pc:spChg>
-      </pc:sldChg>
-      <pc:sldChg chg="modSp add mod">
-        <pc:chgData name="Andrew Ming Ho Wu" userId="620d876fccae6a25" providerId="LiveId" clId="{B8CC6B97-FBEB-4E84-A973-1D8D00A51797}" dt="2020-12-09T20:20:31.079" v="3296" actId="20577"/>
-        <pc:sldMkLst>
-          <pc:docMk/>
-          <pc:sldMk cId="226674003" sldId="393"/>
-        </pc:sldMkLst>
-        <pc:spChg chg="mod">
-          <ac:chgData name="Andrew Ming Ho Wu" userId="620d876fccae6a25" providerId="LiveId" clId="{B8CC6B97-FBEB-4E84-A973-1D8D00A51797}" dt="2020-12-09T20:20:31.079" v="3296" actId="20577"/>
-          <ac:spMkLst>
-            <pc:docMk/>
-            <pc:sldMk cId="226674003" sldId="393"/>
-            <ac:spMk id="12" creationId="{11F2B6B6-0466-4FF3-9677-694F0F61AE7C}"/>
-          </ac:spMkLst>
-        </pc:spChg>
-      </pc:sldChg>
-      <pc:sldChg chg="add del">
-        <pc:chgData name="Andrew Ming Ho Wu" userId="620d876fccae6a25" providerId="LiveId" clId="{B8CC6B97-FBEB-4E84-A973-1D8D00A51797}" dt="2020-12-08T20:51:41.486" v="2393"/>
-        <pc:sldMkLst>
-          <pc:docMk/>
-          <pc:sldMk cId="1879883029" sldId="393"/>
+        <pc:chgData name="Andrew Ming Ho Wu" userId="620d876fccae6a25" providerId="LiveId" clId="{70051DB0-1E4A-4F76-B9FF-8FCA6C4B0B08}" dt="2020-10-16T08:17:54.089" v="1700" actId="2890"/>
+        <pc:sldMkLst>
+          <pc:docMk/>
+          <pc:sldMk cId="3427335621" sldId="344"/>
         </pc:sldMkLst>
       </pc:sldChg>
     </pc:docChg>
@@ -4747,20 +4888,20 @@
     </pc:docChg>
   </pc:docChgLst>
   <pc:docChgLst>
-    <pc:chgData name="Andrew Ming Ho Wu" userId="620d876fccae6a25" providerId="LiveId" clId="{70051DB0-1E4A-4F76-B9FF-8FCA6C4B0B08}"/>
-    <pc:docChg chg="undo custSel addSld delSld modSld">
-      <pc:chgData name="Andrew Ming Ho Wu" userId="620d876fccae6a25" providerId="LiveId" clId="{70051DB0-1E4A-4F76-B9FF-8FCA6C4B0B08}" dt="2020-10-16T08:50:56.802" v="1997" actId="5793"/>
+    <pc:chgData name="Andrew Ming Ho Wu" userId="620d876fccae6a25" providerId="LiveId" clId="{B8CC6B97-FBEB-4E84-A973-1D8D00A51797}"/>
+    <pc:docChg chg="undo redo custSel addSld delSld modSld">
+      <pc:chgData name="Andrew Ming Ho Wu" userId="620d876fccae6a25" providerId="LiveId" clId="{B8CC6B97-FBEB-4E84-A973-1D8D00A51797}" dt="2020-12-09T20:21:14.831" v="3322" actId="1076"/>
       <pc:docMkLst>
         <pc:docMk/>
       </pc:docMkLst>
       <pc:sldChg chg="modSp mod">
-        <pc:chgData name="Andrew Ming Ho Wu" userId="620d876fccae6a25" providerId="LiveId" clId="{70051DB0-1E4A-4F76-B9FF-8FCA6C4B0B08}" dt="2020-10-16T08:13:04.374" v="1601" actId="255"/>
+        <pc:chgData name="Andrew Ming Ho Wu" userId="620d876fccae6a25" providerId="LiveId" clId="{B8CC6B97-FBEB-4E84-A973-1D8D00A51797}" dt="2020-12-07T23:20:20.434" v="2391" actId="20577"/>
         <pc:sldMkLst>
           <pc:docMk/>
           <pc:sldMk cId="0" sldId="256"/>
         </pc:sldMkLst>
         <pc:spChg chg="mod">
-          <ac:chgData name="Andrew Ming Ho Wu" userId="620d876fccae6a25" providerId="LiveId" clId="{70051DB0-1E4A-4F76-B9FF-8FCA6C4B0B08}" dt="2020-10-16T08:13:04.374" v="1601" actId="255"/>
+          <ac:chgData name="Andrew Ming Ho Wu" userId="620d876fccae6a25" providerId="LiveId" clId="{B8CC6B97-FBEB-4E84-A973-1D8D00A51797}" dt="2020-12-07T23:20:20.434" v="2391" actId="20577"/>
           <ac:spMkLst>
             <pc:docMk/>
             <pc:sldMk cId="0" sldId="256"/>
@@ -4768,7 +4909,7 @@
           </ac:spMkLst>
         </pc:spChg>
         <pc:spChg chg="mod">
-          <ac:chgData name="Andrew Ming Ho Wu" userId="620d876fccae6a25" providerId="LiveId" clId="{70051DB0-1E4A-4F76-B9FF-8FCA6C4B0B08}" dt="2020-10-14T11:03:10.696" v="1511" actId="20577"/>
+          <ac:chgData name="Andrew Ming Ho Wu" userId="620d876fccae6a25" providerId="LiveId" clId="{B8CC6B97-FBEB-4E84-A973-1D8D00A51797}" dt="2020-12-07T11:47:32.514" v="4" actId="20577"/>
           <ac:spMkLst>
             <pc:docMk/>
             <pc:sldMk cId="0" sldId="256"/>
@@ -4776,263 +4917,116 @@
           </ac:spMkLst>
         </pc:spChg>
       </pc:sldChg>
+      <pc:sldChg chg="modSp del mod">
+        <pc:chgData name="Andrew Ming Ho Wu" userId="620d876fccae6a25" providerId="LiveId" clId="{B8CC6B97-FBEB-4E84-A973-1D8D00A51797}" dt="2020-12-07T14:43:22.840" v="2386" actId="47"/>
+        <pc:sldMkLst>
+          <pc:docMk/>
+          <pc:sldMk cId="3627176467" sldId="330"/>
+        </pc:sldMkLst>
+        <pc:spChg chg="mod">
+          <ac:chgData name="Andrew Ming Ho Wu" userId="620d876fccae6a25" providerId="LiveId" clId="{B8CC6B97-FBEB-4E84-A973-1D8D00A51797}" dt="2020-12-07T11:49:36.385" v="427" actId="115"/>
+          <ac:spMkLst>
+            <pc:docMk/>
+            <pc:sldMk cId="3627176467" sldId="330"/>
+            <ac:spMk id="11" creationId="{51D20990-98D9-4852-A91C-AEF4EC3755F8}"/>
+          </ac:spMkLst>
+        </pc:spChg>
+      </pc:sldChg>
       <pc:sldChg chg="addSp delSp modSp mod">
-        <pc:chgData name="Andrew Ming Ho Wu" userId="620d876fccae6a25" providerId="LiveId" clId="{70051DB0-1E4A-4F76-B9FF-8FCA6C4B0B08}" dt="2020-10-16T08:14:10.986" v="1623" actId="1076"/>
-        <pc:sldMkLst>
-          <pc:docMk/>
-          <pc:sldMk cId="0" sldId="259"/>
-        </pc:sldMkLst>
-        <pc:spChg chg="mod">
-          <ac:chgData name="Andrew Ming Ho Wu" userId="620d876fccae6a25" providerId="LiveId" clId="{70051DB0-1E4A-4F76-B9FF-8FCA6C4B0B08}" dt="2020-10-16T08:14:10.986" v="1623" actId="1076"/>
-          <ac:spMkLst>
-            <pc:docMk/>
-            <pc:sldMk cId="0" sldId="259"/>
+        <pc:chgData name="Andrew Ming Ho Wu" userId="620d876fccae6a25" providerId="LiveId" clId="{B8CC6B97-FBEB-4E84-A973-1D8D00A51797}" dt="2020-12-09T20:19:32.434" v="3257" actId="20577"/>
+        <pc:sldMkLst>
+          <pc:docMk/>
+          <pc:sldMk cId="2206058006" sldId="333"/>
+        </pc:sldMkLst>
+        <pc:spChg chg="mod">
+          <ac:chgData name="Andrew Ming Ho Wu" userId="620d876fccae6a25" providerId="LiveId" clId="{B8CC6B97-FBEB-4E84-A973-1D8D00A51797}" dt="2020-12-08T20:51:48.995" v="2411" actId="20577"/>
+          <ac:spMkLst>
+            <pc:docMk/>
+            <pc:sldMk cId="2206058006" sldId="333"/>
             <ac:spMk id="5" creationId="{00000000-0000-0000-0000-000000000000}"/>
           </ac:spMkLst>
         </pc:spChg>
-        <pc:spChg chg="del mod">
-          <ac:chgData name="Andrew Ming Ho Wu" userId="620d876fccae6a25" providerId="LiveId" clId="{70051DB0-1E4A-4F76-B9FF-8FCA6C4B0B08}" dt="2020-10-14T10:56:16.263" v="803"/>
-          <ac:spMkLst>
-            <pc:docMk/>
-            <pc:sldMk cId="0" sldId="259"/>
-            <ac:spMk id="12" creationId="{7E70BACB-1CF0-4DEE-923B-205A7D88BC2B}"/>
-          </ac:spMkLst>
-        </pc:spChg>
-        <pc:graphicFrameChg chg="add del mod modGraphic">
-          <ac:chgData name="Andrew Ming Ho Wu" userId="620d876fccae6a25" providerId="LiveId" clId="{70051DB0-1E4A-4F76-B9FF-8FCA6C4B0B08}" dt="2020-10-16T08:13:58.412" v="1603" actId="478"/>
-          <ac:graphicFrameMkLst>
-            <pc:docMk/>
-            <pc:sldMk cId="0" sldId="259"/>
-            <ac:graphicFrameMk id="6" creationId="{F9FF6ED5-1599-4BAE-B1B8-E9E0AA0B54BA}"/>
-          </ac:graphicFrameMkLst>
-        </pc:graphicFrameChg>
-      </pc:sldChg>
-      <pc:sldChg chg="modSp del mod">
-        <pc:chgData name="Andrew Ming Ho Wu" userId="620d876fccae6a25" providerId="LiveId" clId="{70051DB0-1E4A-4F76-B9FF-8FCA6C4B0B08}" dt="2020-10-16T08:14:23.170" v="1624" actId="2696"/>
-        <pc:sldMkLst>
-          <pc:docMk/>
-          <pc:sldMk cId="4141595128" sldId="301"/>
-        </pc:sldMkLst>
-        <pc:spChg chg="mod">
-          <ac:chgData name="Andrew Ming Ho Wu" userId="620d876fccae6a25" providerId="LiveId" clId="{70051DB0-1E4A-4F76-B9FF-8FCA6C4B0B08}" dt="2020-10-14T10:57:15.205" v="832" actId="20577"/>
-          <ac:spMkLst>
-            <pc:docMk/>
-            <pc:sldMk cId="4141595128" sldId="301"/>
-            <ac:spMk id="5" creationId="{00000000-0000-0000-0000-000000000000}"/>
-          </ac:spMkLst>
-        </pc:spChg>
-        <pc:spChg chg="mod">
-          <ac:chgData name="Andrew Ming Ho Wu" userId="620d876fccae6a25" providerId="LiveId" clId="{70051DB0-1E4A-4F76-B9FF-8FCA6C4B0B08}" dt="2020-10-14T10:57:56.133" v="1014" actId="1076"/>
-          <ac:spMkLst>
-            <pc:docMk/>
-            <pc:sldMk cId="4141595128" sldId="301"/>
-            <ac:spMk id="12" creationId="{7E70BACB-1CF0-4DEE-923B-205A7D88BC2B}"/>
-          </ac:spMkLst>
-        </pc:spChg>
-      </pc:sldChg>
-      <pc:sldChg chg="modSp mod">
-        <pc:chgData name="Andrew Ming Ho Wu" userId="620d876fccae6a25" providerId="LiveId" clId="{70051DB0-1E4A-4F76-B9FF-8FCA6C4B0B08}" dt="2020-10-16T08:50:56.802" v="1997" actId="5793"/>
-        <pc:sldMkLst>
-          <pc:docMk/>
-          <pc:sldMk cId="428898620" sldId="329"/>
-        </pc:sldMkLst>
-        <pc:spChg chg="mod">
-          <ac:chgData name="Andrew Ming Ho Wu" userId="620d876fccae6a25" providerId="LiveId" clId="{70051DB0-1E4A-4F76-B9FF-8FCA6C4B0B08}" dt="2020-10-14T10:58:08.788" v="1025" actId="20577"/>
-          <ac:spMkLst>
-            <pc:docMk/>
-            <pc:sldMk cId="428898620" sldId="329"/>
-            <ac:spMk id="5" creationId="{00000000-0000-0000-0000-000000000000}"/>
-          </ac:spMkLst>
-        </pc:spChg>
-        <pc:spChg chg="mod">
-          <ac:chgData name="Andrew Ming Ho Wu" userId="620d876fccae6a25" providerId="LiveId" clId="{70051DB0-1E4A-4F76-B9FF-8FCA6C4B0B08}" dt="2020-10-16T08:50:56.802" v="1997" actId="5793"/>
-          <ac:spMkLst>
-            <pc:docMk/>
-            <pc:sldMk cId="428898620" sldId="329"/>
-            <ac:spMk id="12" creationId="{7E70BACB-1CF0-4DEE-923B-205A7D88BC2B}"/>
-          </ac:spMkLst>
-        </pc:spChg>
-      </pc:sldChg>
-      <pc:sldChg chg="addSp delSp modSp mod">
-        <pc:chgData name="Andrew Ming Ho Wu" userId="620d876fccae6a25" providerId="LiveId" clId="{70051DB0-1E4A-4F76-B9FF-8FCA6C4B0B08}" dt="2020-10-14T11:04:43.468" v="1595" actId="1076"/>
-        <pc:sldMkLst>
-          <pc:docMk/>
-          <pc:sldMk cId="3627176467" sldId="330"/>
-        </pc:sldMkLst>
-        <pc:spChg chg="mod">
-          <ac:chgData name="Andrew Ming Ho Wu" userId="620d876fccae6a25" providerId="LiveId" clId="{70051DB0-1E4A-4F76-B9FF-8FCA6C4B0B08}" dt="2020-10-14T11:04:43.468" v="1595" actId="1076"/>
-          <ac:spMkLst>
-            <pc:docMk/>
-            <pc:sldMk cId="3627176467" sldId="330"/>
-            <ac:spMk id="5" creationId="{00000000-0000-0000-0000-000000000000}"/>
+        <pc:spChg chg="del">
+          <ac:chgData name="Andrew Ming Ho Wu" userId="620d876fccae6a25" providerId="LiveId" clId="{B8CC6B97-FBEB-4E84-A973-1D8D00A51797}" dt="2020-12-07T11:49:40.438" v="428" actId="478"/>
+          <ac:spMkLst>
+            <pc:docMk/>
+            <pc:sldMk cId="2206058006" sldId="333"/>
+            <ac:spMk id="11" creationId="{3E2506E2-B67A-4B0D-BA61-6B13AC56BACF}"/>
           </ac:spMkLst>
         </pc:spChg>
         <pc:spChg chg="add del mod">
-          <ac:chgData name="Andrew Ming Ho Wu" userId="620d876fccae6a25" providerId="LiveId" clId="{70051DB0-1E4A-4F76-B9FF-8FCA6C4B0B08}" dt="2020-10-14T11:02:05.801" v="1498" actId="20577"/>
-          <ac:spMkLst>
-            <pc:docMk/>
-            <pc:sldMk cId="3627176467" sldId="330"/>
-            <ac:spMk id="12" creationId="{7E70BACB-1CF0-4DEE-923B-205A7D88BC2B}"/>
-          </ac:spMkLst>
-        </pc:spChg>
-      </pc:sldChg>
-      <pc:sldChg chg="delSp modSp mod">
-        <pc:chgData name="Andrew Ming Ho Wu" userId="620d876fccae6a25" providerId="LiveId" clId="{70051DB0-1E4A-4F76-B9FF-8FCA6C4B0B08}" dt="2020-10-14T11:02:51.398" v="1506" actId="1076"/>
-        <pc:sldMkLst>
-          <pc:docMk/>
-          <pc:sldMk cId="311588258" sldId="331"/>
-        </pc:sldMkLst>
-        <pc:spChg chg="mod">
-          <ac:chgData name="Andrew Ming Ho Wu" userId="620d876fccae6a25" providerId="LiveId" clId="{70051DB0-1E4A-4F76-B9FF-8FCA6C4B0B08}" dt="2020-10-14T11:02:51.398" v="1506" actId="1076"/>
-          <ac:spMkLst>
-            <pc:docMk/>
-            <pc:sldMk cId="311588258" sldId="331"/>
-            <ac:spMk id="5" creationId="{00000000-0000-0000-0000-000000000000}"/>
-          </ac:spMkLst>
-        </pc:spChg>
-        <pc:spChg chg="del">
-          <ac:chgData name="Andrew Ming Ho Wu" userId="620d876fccae6a25" providerId="LiveId" clId="{70051DB0-1E4A-4F76-B9FF-8FCA6C4B0B08}" dt="2020-10-14T11:02:34.036" v="1502" actId="478"/>
-          <ac:spMkLst>
-            <pc:docMk/>
-            <pc:sldMk cId="311588258" sldId="331"/>
-            <ac:spMk id="12" creationId="{7E70BACB-1CF0-4DEE-923B-205A7D88BC2B}"/>
+          <ac:chgData name="Andrew Ming Ho Wu" userId="620d876fccae6a25" providerId="LiveId" clId="{B8CC6B97-FBEB-4E84-A973-1D8D00A51797}" dt="2020-12-09T20:19:32.434" v="3257" actId="20577"/>
+          <ac:spMkLst>
+            <pc:docMk/>
+            <pc:sldMk cId="2206058006" sldId="333"/>
+            <ac:spMk id="12" creationId="{11F2B6B6-0466-4FF3-9677-694F0F61AE7C}"/>
           </ac:spMkLst>
         </pc:spChg>
         <pc:grpChg chg="mod">
-          <ac:chgData name="Andrew Ming Ho Wu" userId="620d876fccae6a25" providerId="LiveId" clId="{70051DB0-1E4A-4F76-B9FF-8FCA6C4B0B08}" dt="2020-10-14T11:02:46.399" v="1505" actId="1076"/>
+          <ac:chgData name="Andrew Ming Ho Wu" userId="620d876fccae6a25" providerId="LiveId" clId="{B8CC6B97-FBEB-4E84-A973-1D8D00A51797}" dt="2020-12-07T11:50:20.258" v="465" actId="1076"/>
           <ac:grpSpMkLst>
             <pc:docMk/>
-            <pc:sldMk cId="311588258" sldId="331"/>
+            <pc:sldMk cId="2206058006" sldId="333"/>
             <ac:grpSpMk id="2" creationId="{00000000-0000-0000-0000-000000000000}"/>
           </ac:grpSpMkLst>
         </pc:grpChg>
-      </pc:sldChg>
-      <pc:sldChg chg="del">
-        <pc:chgData name="Andrew Ming Ho Wu" userId="620d876fccae6a25" providerId="LiveId" clId="{70051DB0-1E4A-4F76-B9FF-8FCA6C4B0B08}" dt="2020-10-14T11:02:58.709" v="1507" actId="2696"/>
-        <pc:sldMkLst>
-          <pc:docMk/>
-          <pc:sldMk cId="1678336179" sldId="332"/>
-        </pc:sldMkLst>
-      </pc:sldChg>
-      <pc:sldChg chg="modSp mod">
-        <pc:chgData name="Andrew Ming Ho Wu" userId="620d876fccae6a25" providerId="LiveId" clId="{70051DB0-1E4A-4F76-B9FF-8FCA6C4B0B08}" dt="2020-10-16T08:31:21.227" v="1924" actId="20577"/>
-        <pc:sldMkLst>
-          <pc:docMk/>
-          <pc:sldMk cId="2206058006" sldId="333"/>
-        </pc:sldMkLst>
-        <pc:spChg chg="mod">
-          <ac:chgData name="Andrew Ming Ho Wu" userId="620d876fccae6a25" providerId="LiveId" clId="{70051DB0-1E4A-4F76-B9FF-8FCA6C4B0B08}" dt="2020-10-16T08:17:59.360" v="1712" actId="20577"/>
-          <ac:spMkLst>
+        <pc:grpChg chg="mod">
+          <ac:chgData name="Andrew Ming Ho Wu" userId="620d876fccae6a25" providerId="LiveId" clId="{B8CC6B97-FBEB-4E84-A973-1D8D00A51797}" dt="2020-12-07T11:50:22.733" v="466" actId="1076"/>
+          <ac:grpSpMkLst>
             <pc:docMk/>
             <pc:sldMk cId="2206058006" sldId="333"/>
-            <ac:spMk id="5" creationId="{00000000-0000-0000-0000-000000000000}"/>
-          </ac:spMkLst>
-        </pc:spChg>
-        <pc:spChg chg="mod">
-          <ac:chgData name="Andrew Ming Ho Wu" userId="620d876fccae6a25" providerId="LiveId" clId="{70051DB0-1E4A-4F76-B9FF-8FCA6C4B0B08}" dt="2020-10-16T08:31:21.227" v="1924" actId="20577"/>
-          <ac:spMkLst>
-            <pc:docMk/>
-            <pc:sldMk cId="2206058006" sldId="333"/>
-            <ac:spMk id="12" creationId="{7E70BACB-1CF0-4DEE-923B-205A7D88BC2B}"/>
-          </ac:spMkLst>
-        </pc:spChg>
-      </pc:sldChg>
-      <pc:sldChg chg="del">
-        <pc:chgData name="Andrew Ming Ho Wu" userId="620d876fccae6a25" providerId="LiveId" clId="{70051DB0-1E4A-4F76-B9FF-8FCA6C4B0B08}" dt="2020-10-14T10:49:02.566" v="132" actId="2696"/>
-        <pc:sldMkLst>
-          <pc:docMk/>
-          <pc:sldMk cId="1994449026" sldId="335"/>
-        </pc:sldMkLst>
-      </pc:sldChg>
-      <pc:sldChg chg="del">
-        <pc:chgData name="Andrew Ming Ho Wu" userId="620d876fccae6a25" providerId="LiveId" clId="{70051DB0-1E4A-4F76-B9FF-8FCA6C4B0B08}" dt="2020-10-14T11:02:58.709" v="1507" actId="2696"/>
-        <pc:sldMkLst>
-          <pc:docMk/>
-          <pc:sldMk cId="491446009" sldId="336"/>
-        </pc:sldMkLst>
-      </pc:sldChg>
-      <pc:sldChg chg="del">
-        <pc:chgData name="Andrew Ming Ho Wu" userId="620d876fccae6a25" providerId="LiveId" clId="{70051DB0-1E4A-4F76-B9FF-8FCA6C4B0B08}" dt="2020-10-14T11:02:58.709" v="1507" actId="2696"/>
-        <pc:sldMkLst>
-          <pc:docMk/>
-          <pc:sldMk cId="3153837584" sldId="337"/>
-        </pc:sldMkLst>
-      </pc:sldChg>
-      <pc:sldChg chg="del">
-        <pc:chgData name="Andrew Ming Ho Wu" userId="620d876fccae6a25" providerId="LiveId" clId="{70051DB0-1E4A-4F76-B9FF-8FCA6C4B0B08}" dt="2020-10-14T11:02:58.709" v="1507" actId="2696"/>
-        <pc:sldMkLst>
-          <pc:docMk/>
-          <pc:sldMk cId="1064973513" sldId="338"/>
-        </pc:sldMkLst>
-      </pc:sldChg>
-      <pc:sldChg chg="del">
-        <pc:chgData name="Andrew Ming Ho Wu" userId="620d876fccae6a25" providerId="LiveId" clId="{70051DB0-1E4A-4F76-B9FF-8FCA6C4B0B08}" dt="2020-10-14T11:02:58.709" v="1507" actId="2696"/>
-        <pc:sldMkLst>
-          <pc:docMk/>
-          <pc:sldMk cId="3865668538" sldId="339"/>
-        </pc:sldMkLst>
-      </pc:sldChg>
-      <pc:sldChg chg="del">
-        <pc:chgData name="Andrew Ming Ho Wu" userId="620d876fccae6a25" providerId="LiveId" clId="{70051DB0-1E4A-4F76-B9FF-8FCA6C4B0B08}" dt="2020-10-14T11:02:58.709" v="1507" actId="2696"/>
-        <pc:sldMkLst>
-          <pc:docMk/>
-          <pc:sldMk cId="1140042678" sldId="340"/>
-        </pc:sldMkLst>
-      </pc:sldChg>
-      <pc:sldChg chg="del">
-        <pc:chgData name="Andrew Ming Ho Wu" userId="620d876fccae6a25" providerId="LiveId" clId="{70051DB0-1E4A-4F76-B9FF-8FCA6C4B0B08}" dt="2020-10-14T11:02:58.709" v="1507" actId="2696"/>
-        <pc:sldMkLst>
-          <pc:docMk/>
-          <pc:sldMk cId="2792681432" sldId="341"/>
-        </pc:sldMkLst>
-      </pc:sldChg>
-      <pc:sldChg chg="del">
-        <pc:chgData name="Andrew Ming Ho Wu" userId="620d876fccae6a25" providerId="LiveId" clId="{70051DB0-1E4A-4F76-B9FF-8FCA6C4B0B08}" dt="2020-10-14T11:02:58.709" v="1507" actId="2696"/>
-        <pc:sldMkLst>
-          <pc:docMk/>
-          <pc:sldMk cId="3458398597" sldId="342"/>
-        </pc:sldMkLst>
-      </pc:sldChg>
-      <pc:sldChg chg="delSp modSp mod">
-        <pc:chgData name="Andrew Ming Ho Wu" userId="620d876fccae6a25" providerId="LiveId" clId="{70051DB0-1E4A-4F76-B9FF-8FCA6C4B0B08}" dt="2020-10-16T08:17:39.434" v="1697" actId="20577"/>
+            <ac:grpSpMk id="8" creationId="{00000000-0000-0000-0000-000000000000}"/>
+          </ac:grpSpMkLst>
+        </pc:grpChg>
+      </pc:sldChg>
+      <pc:sldChg chg="addSp delSp modSp mod">
+        <pc:chgData name="Andrew Ming Ho Wu" userId="620d876fccae6a25" providerId="LiveId" clId="{B8CC6B97-FBEB-4E84-A973-1D8D00A51797}" dt="2020-12-07T12:17:11.563" v="2385" actId="20577"/>
         <pc:sldMkLst>
           <pc:docMk/>
           <pc:sldMk cId="2818220858" sldId="343"/>
         </pc:sldMkLst>
         <pc:spChg chg="mod">
-          <ac:chgData name="Andrew Ming Ho Wu" userId="620d876fccae6a25" providerId="LiveId" clId="{70051DB0-1E4A-4F76-B9FF-8FCA6C4B0B08}" dt="2020-10-16T08:17:39.434" v="1697" actId="20577"/>
+          <ac:chgData name="Andrew Ming Ho Wu" userId="620d876fccae6a25" providerId="LiveId" clId="{B8CC6B97-FBEB-4E84-A973-1D8D00A51797}" dt="2020-12-07T12:16:53.205" v="2364" actId="1076"/>
           <ac:spMkLst>
             <pc:docMk/>
             <pc:sldMk cId="2818220858" sldId="343"/>
             <ac:spMk id="5" creationId="{81D7F47C-B22C-46A9-BD87-E2FA064EC20F}"/>
           </ac:spMkLst>
         </pc:spChg>
-        <pc:spChg chg="del">
-          <ac:chgData name="Andrew Ming Ho Wu" userId="620d876fccae6a25" providerId="LiveId" clId="{70051DB0-1E4A-4F76-B9FF-8FCA6C4B0B08}" dt="2020-10-14T10:48:34.682" v="129" actId="478"/>
+        <pc:spChg chg="mod">
+          <ac:chgData name="Andrew Ming Ho Wu" userId="620d876fccae6a25" providerId="LiveId" clId="{B8CC6B97-FBEB-4E84-A973-1D8D00A51797}" dt="2020-12-07T12:16:25.853" v="2338" actId="20577"/>
           <ac:spMkLst>
             <pc:docMk/>
             <pc:sldMk cId="2818220858" sldId="343"/>
-            <ac:spMk id="7" creationId="{8F1A7018-DAB3-4DD6-9851-CCE349574926}"/>
-          </ac:spMkLst>
-        </pc:spChg>
-        <pc:spChg chg="mod">
-          <ac:chgData name="Andrew Ming Ho Wu" userId="620d876fccae6a25" providerId="LiveId" clId="{70051DB0-1E4A-4F76-B9FF-8FCA6C4B0B08}" dt="2020-10-16T08:17:36.046" v="1691" actId="20577"/>
+            <ac:spMk id="8" creationId="{9D42ABF8-029E-4F29-B608-8C118D28ABA1}"/>
+          </ac:spMkLst>
+        </pc:spChg>
+        <pc:spChg chg="add del mod">
+          <ac:chgData name="Andrew Ming Ho Wu" userId="620d876fccae6a25" providerId="LiveId" clId="{B8CC6B97-FBEB-4E84-A973-1D8D00A51797}" dt="2020-12-07T12:17:00.094" v="2366"/>
+          <ac:spMkLst>
+            <pc:docMk/>
+            <pc:sldMk cId="2818220858" sldId="343"/>
+            <ac:spMk id="14" creationId="{4008C9F8-7034-4640-926C-69C20356432C}"/>
+          </ac:spMkLst>
+        </pc:spChg>
+        <pc:spChg chg="mod">
+          <ac:chgData name="Andrew Ming Ho Wu" userId="620d876fccae6a25" providerId="LiveId" clId="{B8CC6B97-FBEB-4E84-A973-1D8D00A51797}" dt="2020-12-07T11:47:46.566" v="35" actId="20577"/>
           <ac:spMkLst>
             <pc:docMk/>
             <pc:sldMk cId="2818220858" sldId="343"/>
             <ac:spMk id="15" creationId="{5FC8DCBF-4CCE-4C22-8B9F-CC50B4D8446D}"/>
           </ac:spMkLst>
         </pc:spChg>
-        <pc:spChg chg="del">
-          <ac:chgData name="Andrew Ming Ho Wu" userId="620d876fccae6a25" providerId="LiveId" clId="{70051DB0-1E4A-4F76-B9FF-8FCA6C4B0B08}" dt="2020-10-14T10:48:41.238" v="130" actId="478"/>
+        <pc:spChg chg="add mod">
+          <ac:chgData name="Andrew Ming Ho Wu" userId="620d876fccae6a25" providerId="LiveId" clId="{B8CC6B97-FBEB-4E84-A973-1D8D00A51797}" dt="2020-12-07T12:17:11.563" v="2385" actId="20577"/>
           <ac:spMkLst>
             <pc:docMk/>
             <pc:sldMk cId="2818220858" sldId="343"/>
-            <ac:spMk id="20" creationId="{A6F76399-04DE-46A8-BF2C-99ED8D141BD3}"/>
+            <ac:spMk id="16" creationId="{9776CE46-BCD9-4FBA-A83A-BE5C5D29A965}"/>
           </ac:spMkLst>
         </pc:spChg>
         <pc:grpChg chg="mod">
-          <ac:chgData name="Andrew Ming Ho Wu" userId="620d876fccae6a25" providerId="LiveId" clId="{70051DB0-1E4A-4F76-B9FF-8FCA6C4B0B08}" dt="2020-10-14T11:03:31.434" v="1538" actId="1076"/>
+          <ac:chgData name="Andrew Ming Ho Wu" userId="620d876fccae6a25" providerId="LiveId" clId="{B8CC6B97-FBEB-4E84-A973-1D8D00A51797}" dt="2020-12-07T12:16:48.563" v="2363" actId="1076"/>
           <ac:grpSpMkLst>
             <pc:docMk/>
             <pc:sldMk cId="2818220858" sldId="343"/>
@@ -5040,119 +5034,125 @@
           </ac:grpSpMkLst>
         </pc:grpChg>
       </pc:sldChg>
+      <pc:sldChg chg="modSp mod">
+        <pc:chgData name="Andrew Ming Ho Wu" userId="620d876fccae6a25" providerId="LiveId" clId="{B8CC6B97-FBEB-4E84-A973-1D8D00A51797}" dt="2020-12-07T12:12:01.475" v="2130" actId="20577"/>
+        <pc:sldMkLst>
+          <pc:docMk/>
+          <pc:sldMk cId="1002563172" sldId="387"/>
+        </pc:sldMkLst>
+        <pc:spChg chg="mod">
+          <ac:chgData name="Andrew Ming Ho Wu" userId="620d876fccae6a25" providerId="LiveId" clId="{B8CC6B97-FBEB-4E84-A973-1D8D00A51797}" dt="2020-12-07T12:12:01.475" v="2130" actId="20577"/>
+          <ac:spMkLst>
+            <pc:docMk/>
+            <pc:sldMk cId="1002563172" sldId="387"/>
+            <ac:spMk id="5" creationId="{00000000-0000-0000-0000-000000000000}"/>
+          </ac:spMkLst>
+        </pc:spChg>
+      </pc:sldChg>
+      <pc:sldChg chg="modSp add mod">
+        <pc:chgData name="Andrew Ming Ho Wu" userId="620d876fccae6a25" providerId="LiveId" clId="{B8CC6B97-FBEB-4E84-A973-1D8D00A51797}" dt="2020-12-09T20:21:14.831" v="3322" actId="1076"/>
+        <pc:sldMkLst>
+          <pc:docMk/>
+          <pc:sldMk cId="2049264590" sldId="388"/>
+        </pc:sldMkLst>
+        <pc:spChg chg="mod">
+          <ac:chgData name="Andrew Ming Ho Wu" userId="620d876fccae6a25" providerId="LiveId" clId="{B8CC6B97-FBEB-4E84-A973-1D8D00A51797}" dt="2020-12-09T20:21:14.831" v="3322" actId="1076"/>
+          <ac:spMkLst>
+            <pc:docMk/>
+            <pc:sldMk cId="2049264590" sldId="388"/>
+            <ac:spMk id="12" creationId="{11F2B6B6-0466-4FF3-9677-694F0F61AE7C}"/>
+          </ac:spMkLst>
+        </pc:spChg>
+      </pc:sldChg>
+      <pc:sldChg chg="add">
+        <pc:chgData name="Andrew Ming Ho Wu" userId="620d876fccae6a25" providerId="LiveId" clId="{B8CC6B97-FBEB-4E84-A973-1D8D00A51797}" dt="2020-12-07T12:11:57.600" v="2129" actId="2890"/>
+        <pc:sldMkLst>
+          <pc:docMk/>
+          <pc:sldMk cId="1012779811" sldId="389"/>
+        </pc:sldMkLst>
+      </pc:sldChg>
+      <pc:sldChg chg="modSp add mod">
+        <pc:chgData name="Andrew Ming Ho Wu" userId="620d876fccae6a25" providerId="LiveId" clId="{B8CC6B97-FBEB-4E84-A973-1D8D00A51797}" dt="2020-12-07T12:13:16.646" v="2234" actId="255"/>
+        <pc:sldMkLst>
+          <pc:docMk/>
+          <pc:sldMk cId="2782934202" sldId="390"/>
+        </pc:sldMkLst>
+        <pc:spChg chg="mod">
+          <ac:chgData name="Andrew Ming Ho Wu" userId="620d876fccae6a25" providerId="LiveId" clId="{B8CC6B97-FBEB-4E84-A973-1D8D00A51797}" dt="2020-12-07T12:12:22.476" v="2139" actId="20577"/>
+          <ac:spMkLst>
+            <pc:docMk/>
+            <pc:sldMk cId="2782934202" sldId="390"/>
+            <ac:spMk id="5" creationId="{00000000-0000-0000-0000-000000000000}"/>
+          </ac:spMkLst>
+        </pc:spChg>
+        <pc:spChg chg="mod">
+          <ac:chgData name="Andrew Ming Ho Wu" userId="620d876fccae6a25" providerId="LiveId" clId="{B8CC6B97-FBEB-4E84-A973-1D8D00A51797}" dt="2020-12-07T12:13:16.646" v="2234" actId="255"/>
+          <ac:spMkLst>
+            <pc:docMk/>
+            <pc:sldMk cId="2782934202" sldId="390"/>
+            <ac:spMk id="12" creationId="{11F2B6B6-0466-4FF3-9677-694F0F61AE7C}"/>
+          </ac:spMkLst>
+        </pc:spChg>
+      </pc:sldChg>
+      <pc:sldChg chg="modSp add mod">
+        <pc:chgData name="Andrew Ming Ho Wu" userId="620d876fccae6a25" providerId="LiveId" clId="{B8CC6B97-FBEB-4E84-A973-1D8D00A51797}" dt="2020-12-07T12:14:09.189" v="2268" actId="20577"/>
+        <pc:sldMkLst>
+          <pc:docMk/>
+          <pc:sldMk cId="2582986712" sldId="391"/>
+        </pc:sldMkLst>
+        <pc:spChg chg="mod">
+          <ac:chgData name="Andrew Ming Ho Wu" userId="620d876fccae6a25" providerId="LiveId" clId="{B8CC6B97-FBEB-4E84-A973-1D8D00A51797}" dt="2020-12-07T12:14:09.189" v="2268" actId="20577"/>
+          <ac:spMkLst>
+            <pc:docMk/>
+            <pc:sldMk cId="2582986712" sldId="391"/>
+            <ac:spMk id="12" creationId="{11F2B6B6-0466-4FF3-9677-694F0F61AE7C}"/>
+          </ac:spMkLst>
+        </pc:spChg>
+      </pc:sldChg>
+      <pc:sldChg chg="modSp add mod">
+        <pc:chgData name="Andrew Ming Ho Wu" userId="620d876fccae6a25" providerId="LiveId" clId="{B8CC6B97-FBEB-4E84-A973-1D8D00A51797}" dt="2020-12-07T12:15:51.208" v="2307" actId="255"/>
+        <pc:sldMkLst>
+          <pc:docMk/>
+          <pc:sldMk cId="161672857" sldId="392"/>
+        </pc:sldMkLst>
+        <pc:spChg chg="mod">
+          <ac:chgData name="Andrew Ming Ho Wu" userId="620d876fccae6a25" providerId="LiveId" clId="{B8CC6B97-FBEB-4E84-A973-1D8D00A51797}" dt="2020-12-07T12:15:14.773" v="2298" actId="20577"/>
+          <ac:spMkLst>
+            <pc:docMk/>
+            <pc:sldMk cId="161672857" sldId="392"/>
+            <ac:spMk id="5" creationId="{00000000-0000-0000-0000-000000000000}"/>
+          </ac:spMkLst>
+        </pc:spChg>
+        <pc:spChg chg="mod">
+          <ac:chgData name="Andrew Ming Ho Wu" userId="620d876fccae6a25" providerId="LiveId" clId="{B8CC6B97-FBEB-4E84-A973-1D8D00A51797}" dt="2020-12-07T12:15:51.208" v="2307" actId="255"/>
+          <ac:spMkLst>
+            <pc:docMk/>
+            <pc:sldMk cId="161672857" sldId="392"/>
+            <ac:spMk id="12" creationId="{11F2B6B6-0466-4FF3-9677-694F0F61AE7C}"/>
+          </ac:spMkLst>
+        </pc:spChg>
+      </pc:sldChg>
+      <pc:sldChg chg="modSp add mod">
+        <pc:chgData name="Andrew Ming Ho Wu" userId="620d876fccae6a25" providerId="LiveId" clId="{B8CC6B97-FBEB-4E84-A973-1D8D00A51797}" dt="2020-12-09T20:20:31.079" v="3296" actId="20577"/>
+        <pc:sldMkLst>
+          <pc:docMk/>
+          <pc:sldMk cId="226674003" sldId="393"/>
+        </pc:sldMkLst>
+        <pc:spChg chg="mod">
+          <ac:chgData name="Andrew Ming Ho Wu" userId="620d876fccae6a25" providerId="LiveId" clId="{B8CC6B97-FBEB-4E84-A973-1D8D00A51797}" dt="2020-12-09T20:20:31.079" v="3296" actId="20577"/>
+          <ac:spMkLst>
+            <pc:docMk/>
+            <pc:sldMk cId="226674003" sldId="393"/>
+            <ac:spMk id="12" creationId="{11F2B6B6-0466-4FF3-9677-694F0F61AE7C}"/>
+          </ac:spMkLst>
+        </pc:spChg>
+      </pc:sldChg>
       <pc:sldChg chg="add del">
-        <pc:chgData name="Andrew Ming Ho Wu" userId="620d876fccae6a25" providerId="LiveId" clId="{70051DB0-1E4A-4F76-B9FF-8FCA6C4B0B08}" dt="2020-10-16T08:17:51.506" v="1699" actId="2890"/>
-        <pc:sldMkLst>
-          <pc:docMk/>
-          <pc:sldMk cId="882795893" sldId="344"/>
-        </pc:sldMkLst>
-      </pc:sldChg>
-      <pc:sldChg chg="add">
-        <pc:chgData name="Andrew Ming Ho Wu" userId="620d876fccae6a25" providerId="LiveId" clId="{70051DB0-1E4A-4F76-B9FF-8FCA6C4B0B08}" dt="2020-10-16T08:17:54.089" v="1700" actId="2890"/>
-        <pc:sldMkLst>
-          <pc:docMk/>
-          <pc:sldMk cId="3427335621" sldId="344"/>
-        </pc:sldMkLst>
-      </pc:sldChg>
-    </pc:docChg>
-  </pc:docChgLst>
-  <pc:docChgLst>
-    <pc:chgData name="Andrew Ming Ho Wu" userId="620d876fccae6a25" providerId="LiveId" clId="{301D553B-ED1B-4DD0-8B60-0326FA0FE40D}"/>
-    <pc:docChg chg="undo custSel modSld sldOrd">
-      <pc:chgData name="Andrew Ming Ho Wu" userId="620d876fccae6a25" providerId="LiveId" clId="{301D553B-ED1B-4DD0-8B60-0326FA0FE40D}" dt="2020-12-04T09:57:29.774" v="2192" actId="20577"/>
-      <pc:docMkLst>
-        <pc:docMk/>
-      </pc:docMkLst>
-      <pc:sldChg chg="modSp mod">
-        <pc:chgData name="Andrew Ming Ho Wu" userId="620d876fccae6a25" providerId="LiveId" clId="{301D553B-ED1B-4DD0-8B60-0326FA0FE40D}" dt="2020-12-04T09:23:30.694" v="1648" actId="20577"/>
-        <pc:sldMkLst>
-          <pc:docMk/>
-          <pc:sldMk cId="0" sldId="256"/>
-        </pc:sldMkLst>
-        <pc:spChg chg="mod">
-          <ac:chgData name="Andrew Ming Ho Wu" userId="620d876fccae6a25" providerId="LiveId" clId="{301D553B-ED1B-4DD0-8B60-0326FA0FE40D}" dt="2020-12-04T09:23:30.694" v="1648" actId="20577"/>
-          <ac:spMkLst>
-            <pc:docMk/>
-            <pc:sldMk cId="0" sldId="256"/>
-            <ac:spMk id="12" creationId="{9A5C5996-C506-42D4-8B45-0190C0F5159A}"/>
-          </ac:spMkLst>
-        </pc:spChg>
-      </pc:sldChg>
-      <pc:sldChg chg="modSp mod ord">
-        <pc:chgData name="Andrew Ming Ho Wu" userId="620d876fccae6a25" providerId="LiveId" clId="{301D553B-ED1B-4DD0-8B60-0326FA0FE40D}" dt="2020-12-04T09:37:15.202" v="1818" actId="1076"/>
-        <pc:sldMkLst>
-          <pc:docMk/>
-          <pc:sldMk cId="3627176467" sldId="330"/>
-        </pc:sldMkLst>
-        <pc:spChg chg="mod">
-          <ac:chgData name="Andrew Ming Ho Wu" userId="620d876fccae6a25" providerId="LiveId" clId="{301D553B-ED1B-4DD0-8B60-0326FA0FE40D}" dt="2020-12-04T09:37:15.202" v="1818" actId="1076"/>
-          <ac:spMkLst>
-            <pc:docMk/>
-            <pc:sldMk cId="3627176467" sldId="330"/>
-            <ac:spMk id="11" creationId="{51D20990-98D9-4852-A91C-AEF4EC3755F8}"/>
-          </ac:spMkLst>
-        </pc:spChg>
-      </pc:sldChg>
-      <pc:sldChg chg="addSp delSp modSp mod">
-        <pc:chgData name="Andrew Ming Ho Wu" userId="620d876fccae6a25" providerId="LiveId" clId="{301D553B-ED1B-4DD0-8B60-0326FA0FE40D}" dt="2020-12-04T09:57:29.774" v="2192" actId="20577"/>
-        <pc:sldMkLst>
-          <pc:docMk/>
-          <pc:sldMk cId="2206058006" sldId="333"/>
-        </pc:sldMkLst>
-        <pc:spChg chg="mod">
-          <ac:chgData name="Andrew Ming Ho Wu" userId="620d876fccae6a25" providerId="LiveId" clId="{301D553B-ED1B-4DD0-8B60-0326FA0FE40D}" dt="2020-12-04T09:54:08.146" v="2088" actId="1076"/>
-          <ac:spMkLst>
-            <pc:docMk/>
-            <pc:sldMk cId="2206058006" sldId="333"/>
-            <ac:spMk id="5" creationId="{00000000-0000-0000-0000-000000000000}"/>
-          </ac:spMkLst>
-        </pc:spChg>
-        <pc:spChg chg="add del mod">
-          <ac:chgData name="Andrew Ming Ho Wu" userId="620d876fccae6a25" providerId="LiveId" clId="{301D553B-ED1B-4DD0-8B60-0326FA0FE40D}" dt="2020-12-04T09:57:29.774" v="2192" actId="20577"/>
-          <ac:spMkLst>
-            <pc:docMk/>
-            <pc:sldMk cId="2206058006" sldId="333"/>
-            <ac:spMk id="11" creationId="{3E2506E2-B67A-4B0D-BA61-6B13AC56BACF}"/>
-          </ac:spMkLst>
-        </pc:spChg>
-      </pc:sldChg>
-      <pc:sldChg chg="modSp mod">
-        <pc:chgData name="Andrew Ming Ho Wu" userId="620d876fccae6a25" providerId="LiveId" clId="{301D553B-ED1B-4DD0-8B60-0326FA0FE40D}" dt="2020-12-03T19:29:39.167" v="656" actId="20577"/>
-        <pc:sldMkLst>
-          <pc:docMk/>
-          <pc:sldMk cId="2818220858" sldId="343"/>
-        </pc:sldMkLst>
-        <pc:spChg chg="mod">
-          <ac:chgData name="Andrew Ming Ho Wu" userId="620d876fccae6a25" providerId="LiveId" clId="{301D553B-ED1B-4DD0-8B60-0326FA0FE40D}" dt="2020-12-03T19:29:34.248" v="655" actId="20577"/>
-          <ac:spMkLst>
-            <pc:docMk/>
-            <pc:sldMk cId="2818220858" sldId="343"/>
-            <ac:spMk id="8" creationId="{9D42ABF8-029E-4F29-B608-8C118D28ABA1}"/>
-          </ac:spMkLst>
-        </pc:spChg>
-        <pc:spChg chg="mod">
-          <ac:chgData name="Andrew Ming Ho Wu" userId="620d876fccae6a25" providerId="LiveId" clId="{301D553B-ED1B-4DD0-8B60-0326FA0FE40D}" dt="2020-12-03T19:29:39.167" v="656" actId="20577"/>
-          <ac:spMkLst>
-            <pc:docMk/>
-            <pc:sldMk cId="2818220858" sldId="343"/>
-            <ac:spMk id="15" creationId="{5FC8DCBF-4CCE-4C22-8B9F-CC50B4D8446D}"/>
-          </ac:spMkLst>
-        </pc:spChg>
-      </pc:sldChg>
-      <pc:sldChg chg="addSp delSp modSp mod">
-        <pc:chgData name="Andrew Ming Ho Wu" userId="620d876fccae6a25" providerId="LiveId" clId="{301D553B-ED1B-4DD0-8B60-0326FA0FE40D}" dt="2020-12-03T19:23:50.731" v="4"/>
-        <pc:sldMkLst>
-          <pc:docMk/>
-          <pc:sldMk cId="1002563172" sldId="387"/>
-        </pc:sldMkLst>
-        <pc:spChg chg="add del mod">
-          <ac:chgData name="Andrew Ming Ho Wu" userId="620d876fccae6a25" providerId="LiveId" clId="{301D553B-ED1B-4DD0-8B60-0326FA0FE40D}" dt="2020-12-03T19:23:50.731" v="4"/>
-          <ac:spMkLst>
-            <pc:docMk/>
-            <pc:sldMk cId="1002563172" sldId="387"/>
-            <ac:spMk id="11" creationId="{BA618F6F-1997-4079-B11E-BC24229FBCC5}"/>
-          </ac:spMkLst>
-        </pc:spChg>
+        <pc:chgData name="Andrew Ming Ho Wu" userId="620d876fccae6a25" providerId="LiveId" clId="{B8CC6B97-FBEB-4E84-A973-1D8D00A51797}" dt="2020-12-08T20:51:41.486" v="2393"/>
+        <pc:sldMkLst>
+          <pc:docMk/>
+          <pc:sldMk cId="1879883029" sldId="393"/>
+        </pc:sldMkLst>
       </pc:sldChg>
     </pc:docChg>
   </pc:docChgLst>
@@ -5552,7 +5552,7 @@
           <a:p>
             <a:fld id="{F3B73EDB-C001-4FA3-A8F8-70B0B97F7CFF}" type="datetimeFigureOut">
               <a:rPr lang="en-GB" smtClean="0"/>
-              <a:t>09/02/2021</a:t>
+              <a:t>10/02/2021</a:t>
             </a:fld>
             <a:endParaRPr lang="en-GB"/>
           </a:p>
@@ -6146,7 +6146,7 @@
     </p:spTree>
     <p:extLst>
       <p:ext uri="{BB962C8B-B14F-4D97-AF65-F5344CB8AC3E}">
-        <p14:creationId xmlns:p14="http://schemas.microsoft.com/office/powerpoint/2010/main" val="1697174334"/>
+        <p14:creationId xmlns:p14="http://schemas.microsoft.com/office/powerpoint/2010/main" val="836856900"/>
       </p:ext>
     </p:extLst>
   </p:cSld>
@@ -6230,7 +6230,7 @@
     </p:spTree>
     <p:extLst>
       <p:ext uri="{BB962C8B-B14F-4D97-AF65-F5344CB8AC3E}">
-        <p14:creationId xmlns:p14="http://schemas.microsoft.com/office/powerpoint/2010/main" val="836856900"/>
+        <p14:creationId xmlns:p14="http://schemas.microsoft.com/office/powerpoint/2010/main" val="1697174334"/>
       </p:ext>
     </p:extLst>
   </p:cSld>
@@ -6463,7 +6463,7 @@
           <a:p>
             <a:fld id="{1D8BD707-D9CF-40AE-B4C6-C98DA3205C09}" type="datetimeFigureOut">
               <a:rPr lang="en-US"/>
-              <a:t>2/9/2021</a:t>
+              <a:t>2/10/2021</a:t>
             </a:fld>
             <a:endParaRPr lang="en-US"/>
           </a:p>
@@ -6638,7 +6638,7 @@
           <a:p>
             <a:fld id="{1D8BD707-D9CF-40AE-B4C6-C98DA3205C09}" type="datetimeFigureOut">
               <a:rPr lang="en-US"/>
-              <a:t>2/9/2021</a:t>
+              <a:t>2/10/2021</a:t>
             </a:fld>
             <a:endParaRPr lang="en-US"/>
           </a:p>
@@ -6852,7 +6852,7 @@
           <a:p>
             <a:fld id="{1D8BD707-D9CF-40AE-B4C6-C98DA3205C09}" type="datetimeFigureOut">
               <a:rPr lang="en-US"/>
-              <a:t>2/9/2021</a:t>
+              <a:t>2/10/2021</a:t>
             </a:fld>
             <a:endParaRPr lang="en-US"/>
           </a:p>
@@ -7000,7 +7000,7 @@
           <a:p>
             <a:fld id="{1D8BD707-D9CF-40AE-B4C6-C98DA3205C09}" type="datetimeFigureOut">
               <a:rPr lang="en-US"/>
-              <a:t>2/9/2021</a:t>
+              <a:t>2/10/2021</a:t>
             </a:fld>
             <a:endParaRPr lang="en-US"/>
           </a:p>
@@ -7119,7 +7119,7 @@
           <a:p>
             <a:fld id="{1D8BD707-D9CF-40AE-B4C6-C98DA3205C09}" type="datetimeFigureOut">
               <a:rPr lang="en-US"/>
-              <a:t>2/9/2021</a:t>
+              <a:t>2/10/2021</a:t>
             </a:fld>
             <a:endParaRPr lang="en-US"/>
           </a:p>
@@ -7342,7 +7342,7 @@
           <a:p>
             <a:fld id="{1D8BD707-D9CF-40AE-B4C6-C98DA3205C09}" type="datetimeFigureOut">
               <a:rPr lang="en-US"/>
-              <a:t>2/9/2021</a:t>
+              <a:t>2/10/2021</a:t>
             </a:fld>
             <a:endParaRPr lang="en-US"/>
           </a:p>
@@ -10176,829 +10176,6 @@
         <p:spPr>
           <a:xfrm>
             <a:off x="685479" y="2914109"/>
-            <a:ext cx="6857143" cy="1274067"/>
-          </a:xfrm>
-          <a:prstGeom prst="rect">
-            <a:avLst/>
-          </a:prstGeom>
-        </p:spPr>
-        <p:txBody>
-          <a:bodyPr vert="horz" wrap="square" lIns="0" tIns="29845" rIns="0" bIns="0" rtlCol="0">
-            <a:spAutoFit/>
-          </a:bodyPr>
-          <a:lstStyle/>
-          <a:p>
-            <a:pPr marL="527050" indent="-514350">
-              <a:spcBef>
-                <a:spcPts val="100"/>
-              </a:spcBef>
-              <a:buAutoNum type="arabicPeriod"/>
-            </a:pPr>
-            <a:r>
-              <a:rPr lang="en-US" sz="4000" kern="0" dirty="0"/>
-              <a:t>Evaluate Dissertation </a:t>
-            </a:r>
-          </a:p>
-          <a:p>
-            <a:pPr marL="12700">
-              <a:spcBef>
-                <a:spcPts val="100"/>
-              </a:spcBef>
-            </a:pPr>
-            <a:r>
-              <a:rPr lang="en-US" sz="4000" b="0" kern="0" dirty="0"/>
-              <a:t>    Parts</a:t>
-            </a:r>
-          </a:p>
-        </p:txBody>
-      </p:sp>
-      <p:grpSp>
-        <p:nvGrpSpPr>
-          <p:cNvPr id="8" name="object 8"/>
-          <p:cNvGrpSpPr/>
-          <p:nvPr/>
-        </p:nvGrpSpPr>
-        <p:grpSpPr>
-          <a:xfrm>
-            <a:off x="0" y="-419100"/>
-            <a:ext cx="7065924" cy="10314669"/>
-            <a:chOff x="0" y="0"/>
-            <a:chExt cx="7413808" cy="10314669"/>
-          </a:xfrm>
-        </p:grpSpPr>
-        <p:pic>
-          <p:nvPicPr>
-            <p:cNvPr id="9" name="object 9"/>
-            <p:cNvPicPr/>
-            <p:nvPr/>
-          </p:nvPicPr>
-          <p:blipFill>
-            <a:blip r:embed="rId5" cstate="print"/>
-            <a:stretch>
-              <a:fillRect/>
-            </a:stretch>
-          </p:blipFill>
-          <p:spPr>
-            <a:xfrm>
-              <a:off x="0" y="0"/>
-              <a:ext cx="2975600" cy="3863365"/>
-            </a:xfrm>
-            <a:prstGeom prst="rect">
-              <a:avLst/>
-            </a:prstGeom>
-          </p:spPr>
-        </p:pic>
-        <p:sp>
-          <p:nvSpPr>
-            <p:cNvPr id="10" name="object 10"/>
-            <p:cNvSpPr/>
-            <p:nvPr/>
-          </p:nvSpPr>
-          <p:spPr>
-            <a:xfrm>
-              <a:off x="5289733" y="9906364"/>
-              <a:ext cx="2124075" cy="408305"/>
-            </a:xfrm>
-            <a:custGeom>
-              <a:avLst/>
-              <a:gdLst/>
-              <a:ahLst/>
-              <a:cxnLst/>
-              <a:rect l="l" t="t" r="r" b="b"/>
-              <a:pathLst>
-                <a:path w="2124075" h="408304">
-                  <a:moveTo>
-                    <a:pt x="692905" y="407848"/>
-                  </a:moveTo>
-                  <a:lnTo>
-                    <a:pt x="576622" y="407848"/>
-                  </a:lnTo>
-                  <a:lnTo>
-                    <a:pt x="589898" y="384507"/>
-                  </a:lnTo>
-                  <a:lnTo>
-                    <a:pt x="615531" y="339895"/>
-                  </a:lnTo>
-                  <a:lnTo>
-                    <a:pt x="641286" y="295407"/>
-                  </a:lnTo>
-                  <a:lnTo>
-                    <a:pt x="680927" y="227336"/>
-                  </a:lnTo>
-                  <a:lnTo>
-                    <a:pt x="707424" y="188522"/>
-                  </a:lnTo>
-                  <a:lnTo>
-                    <a:pt x="765103" y="139707"/>
-                  </a:lnTo>
-                  <a:lnTo>
-                    <a:pt x="804934" y="125738"/>
-                  </a:lnTo>
-                  <a:lnTo>
-                    <a:pt x="843771" y="130150"/>
-                  </a:lnTo>
-                  <a:lnTo>
-                    <a:pt x="881827" y="152376"/>
-                  </a:lnTo>
-                  <a:lnTo>
-                    <a:pt x="919315" y="191849"/>
-                  </a:lnTo>
-                  <a:lnTo>
-                    <a:pt x="938960" y="224009"/>
-                  </a:lnTo>
-                  <a:lnTo>
-                    <a:pt x="940412" y="227336"/>
-                  </a:lnTo>
-                  <a:lnTo>
-                    <a:pt x="854231" y="227336"/>
-                  </a:lnTo>
-                  <a:lnTo>
-                    <a:pt x="817784" y="245957"/>
-                  </a:lnTo>
-                  <a:lnTo>
-                    <a:pt x="765412" y="297616"/>
-                  </a:lnTo>
-                  <a:lnTo>
-                    <a:pt x="726214" y="355397"/>
-                  </a:lnTo>
-                  <a:lnTo>
-                    <a:pt x="708348" y="382775"/>
-                  </a:lnTo>
-                  <a:lnTo>
-                    <a:pt x="692905" y="407848"/>
-                  </a:lnTo>
-                  <a:close/>
-                </a:path>
-                <a:path w="2124075" h="408304">
-                  <a:moveTo>
-                    <a:pt x="996758" y="407848"/>
-                  </a:moveTo>
-                  <a:lnTo>
-                    <a:pt x="900108" y="407848"/>
-                  </a:lnTo>
-                  <a:lnTo>
-                    <a:pt x="891672" y="374475"/>
-                  </a:lnTo>
-                  <a:lnTo>
-                    <a:pt x="879377" y="326403"/>
-                  </a:lnTo>
-                  <a:lnTo>
-                    <a:pt x="873576" y="301982"/>
-                  </a:lnTo>
-                  <a:lnTo>
-                    <a:pt x="867358" y="277424"/>
-                  </a:lnTo>
-                  <a:lnTo>
-                    <a:pt x="860864" y="252588"/>
-                  </a:lnTo>
-                  <a:lnTo>
-                    <a:pt x="854231" y="227336"/>
-                  </a:lnTo>
-                  <a:lnTo>
-                    <a:pt x="940412" y="227336"/>
-                  </a:lnTo>
-                  <a:lnTo>
-                    <a:pt x="954445" y="259496"/>
-                  </a:lnTo>
-                  <a:lnTo>
-                    <a:pt x="967157" y="296646"/>
-                  </a:lnTo>
-                  <a:lnTo>
-                    <a:pt x="978481" y="333796"/>
-                  </a:lnTo>
-                  <a:lnTo>
-                    <a:pt x="990338" y="378385"/>
-                  </a:lnTo>
-                  <a:lnTo>
-                    <a:pt x="996758" y="407848"/>
-                  </a:lnTo>
-                  <a:close/>
-                </a:path>
-                <a:path w="2124075" h="408304">
-                  <a:moveTo>
-                    <a:pt x="115737" y="407848"/>
-                  </a:moveTo>
-                  <a:lnTo>
-                    <a:pt x="0" y="407848"/>
-                  </a:lnTo>
-                  <a:lnTo>
-                    <a:pt x="15167" y="371238"/>
-                  </a:lnTo>
-                  <a:lnTo>
-                    <a:pt x="37730" y="324924"/>
-                  </a:lnTo>
-                  <a:lnTo>
-                    <a:pt x="60462" y="283393"/>
-                  </a:lnTo>
-                  <a:lnTo>
-                    <a:pt x="85040" y="242855"/>
-                  </a:lnTo>
-                  <a:lnTo>
-                    <a:pt x="112600" y="204305"/>
-                  </a:lnTo>
-                  <a:lnTo>
-                    <a:pt x="144278" y="168736"/>
-                  </a:lnTo>
-                  <a:lnTo>
-                    <a:pt x="181210" y="137141"/>
-                  </a:lnTo>
-                  <a:lnTo>
-                    <a:pt x="221517" y="121061"/>
-                  </a:lnTo>
-                  <a:lnTo>
-                    <a:pt x="242364" y="121962"/>
-                  </a:lnTo>
-                  <a:lnTo>
-                    <a:pt x="264043" y="128269"/>
-                  </a:lnTo>
-                  <a:lnTo>
-                    <a:pt x="308696" y="153174"/>
-                  </a:lnTo>
-                  <a:lnTo>
-                    <a:pt x="343918" y="186674"/>
-                  </a:lnTo>
-                  <a:lnTo>
-                    <a:pt x="363634" y="215507"/>
-                  </a:lnTo>
-                  <a:lnTo>
-                    <a:pt x="269960" y="215507"/>
-                  </a:lnTo>
-                  <a:lnTo>
-                    <a:pt x="230508" y="249192"/>
-                  </a:lnTo>
-                  <a:lnTo>
-                    <a:pt x="196186" y="284262"/>
-                  </a:lnTo>
-                  <a:lnTo>
-                    <a:pt x="166580" y="321551"/>
-                  </a:lnTo>
-                  <a:lnTo>
-                    <a:pt x="141272" y="361889"/>
-                  </a:lnTo>
-                  <a:lnTo>
-                    <a:pt x="115737" y="407848"/>
-                  </a:lnTo>
-                  <a:close/>
-                </a:path>
-                <a:path w="2124075" h="408304">
-                  <a:moveTo>
-                    <a:pt x="432814" y="407848"/>
-                  </a:moveTo>
-                  <a:lnTo>
-                    <a:pt x="333919" y="407848"/>
-                  </a:lnTo>
-                  <a:lnTo>
-                    <a:pt x="324065" y="368913"/>
-                  </a:lnTo>
-                  <a:lnTo>
-                    <a:pt x="309897" y="314574"/>
-                  </a:lnTo>
-                  <a:lnTo>
-                    <a:pt x="301993" y="290570"/>
-                  </a:lnTo>
-                  <a:lnTo>
-                    <a:pt x="292147" y="266704"/>
-                  </a:lnTo>
-                  <a:lnTo>
-                    <a:pt x="281192" y="242006"/>
-                  </a:lnTo>
-                  <a:lnTo>
-                    <a:pt x="269960" y="215507"/>
-                  </a:lnTo>
-                  <a:lnTo>
-                    <a:pt x="363634" y="215507"/>
-                  </a:lnTo>
-                  <a:lnTo>
-                    <a:pt x="371375" y="226828"/>
-                  </a:lnTo>
-                  <a:lnTo>
-                    <a:pt x="392731" y="271694"/>
-                  </a:lnTo>
-                  <a:lnTo>
-                    <a:pt x="406552" y="310138"/>
-                  </a:lnTo>
-                  <a:lnTo>
-                    <a:pt x="417877" y="349691"/>
-                  </a:lnTo>
-                  <a:lnTo>
-                    <a:pt x="428092" y="389798"/>
-                  </a:lnTo>
-                  <a:lnTo>
-                    <a:pt x="432814" y="407848"/>
-                  </a:lnTo>
-                  <a:close/>
-                </a:path>
-                <a:path w="2124075" h="408304">
-                  <a:moveTo>
-                    <a:pt x="1217971" y="407848"/>
-                  </a:moveTo>
-                  <a:lnTo>
-                    <a:pt x="1093662" y="407848"/>
-                  </a:lnTo>
-                  <a:lnTo>
-                    <a:pt x="1118124" y="365932"/>
-                  </a:lnTo>
-                  <a:lnTo>
-                    <a:pt x="1147107" y="316607"/>
-                  </a:lnTo>
-                  <a:lnTo>
-                    <a:pt x="1177199" y="268113"/>
-                  </a:lnTo>
-                  <a:lnTo>
-                    <a:pt x="1209232" y="221421"/>
-                  </a:lnTo>
-                  <a:lnTo>
-                    <a:pt x="1259708" y="165234"/>
-                  </a:lnTo>
-                  <a:lnTo>
-                    <a:pt x="1287651" y="139081"/>
-                  </a:lnTo>
-                  <a:lnTo>
-                    <a:pt x="1342565" y="97565"/>
-                  </a:lnTo>
-                  <a:lnTo>
-                    <a:pt x="1369537" y="93706"/>
-                  </a:lnTo>
-                  <a:lnTo>
-                    <a:pt x="1396231" y="101215"/>
-                  </a:lnTo>
-                  <a:lnTo>
-                    <a:pt x="1422232" y="119397"/>
-                  </a:lnTo>
-                  <a:lnTo>
-                    <a:pt x="1448973" y="147445"/>
-                  </a:lnTo>
-                  <a:lnTo>
-                    <a:pt x="1470860" y="178542"/>
-                  </a:lnTo>
-                  <a:lnTo>
-                    <a:pt x="1479829" y="197764"/>
-                  </a:lnTo>
-                  <a:lnTo>
-                    <a:pt x="1385252" y="197764"/>
-                  </a:lnTo>
-                  <a:lnTo>
-                    <a:pt x="1360453" y="221768"/>
-                  </a:lnTo>
-                  <a:lnTo>
-                    <a:pt x="1311410" y="270331"/>
-                  </a:lnTo>
-                  <a:lnTo>
-                    <a:pt x="1261126" y="337246"/>
-                  </a:lnTo>
-                  <a:lnTo>
-                    <a:pt x="1234870" y="378647"/>
-                  </a:lnTo>
-                  <a:lnTo>
-                    <a:pt x="1217971" y="407848"/>
-                  </a:lnTo>
-                  <a:close/>
-                </a:path>
-                <a:path w="2124075" h="408304">
-                  <a:moveTo>
-                    <a:pt x="1518842" y="407848"/>
-                  </a:moveTo>
-                  <a:lnTo>
-                    <a:pt x="1424115" y="407848"/>
-                  </a:lnTo>
-                  <a:lnTo>
-                    <a:pt x="1422833" y="396128"/>
-                  </a:lnTo>
-                  <a:lnTo>
-                    <a:pt x="1412756" y="299557"/>
-                  </a:lnTo>
-                  <a:lnTo>
-                    <a:pt x="1407440" y="250994"/>
-                  </a:lnTo>
-                  <a:lnTo>
-                    <a:pt x="1397086" y="203678"/>
-                  </a:lnTo>
-                  <a:lnTo>
-                    <a:pt x="1392648" y="202199"/>
-                  </a:lnTo>
-                  <a:lnTo>
-                    <a:pt x="1389690" y="199242"/>
-                  </a:lnTo>
-                  <a:lnTo>
-                    <a:pt x="1385252" y="197764"/>
-                  </a:lnTo>
-                  <a:lnTo>
-                    <a:pt x="1479829" y="197764"/>
-                  </a:lnTo>
-                  <a:lnTo>
-                    <a:pt x="1486923" y="212966"/>
-                  </a:lnTo>
-                  <a:lnTo>
-                    <a:pt x="1496190" y="250994"/>
-                  </a:lnTo>
-                  <a:lnTo>
-                    <a:pt x="1503302" y="300829"/>
-                  </a:lnTo>
-                  <a:lnTo>
-                    <a:pt x="1510485" y="350877"/>
-                  </a:lnTo>
-                  <a:lnTo>
-                    <a:pt x="1517810" y="400996"/>
-                  </a:lnTo>
-                  <a:lnTo>
-                    <a:pt x="1518842" y="407848"/>
-                  </a:lnTo>
-                  <a:close/>
-                </a:path>
-                <a:path w="2124075" h="408304">
-                  <a:moveTo>
-                    <a:pt x="1728593" y="407848"/>
-                  </a:moveTo>
-                  <a:lnTo>
-                    <a:pt x="1614219" y="407848"/>
-                  </a:lnTo>
-                  <a:lnTo>
-                    <a:pt x="1636945" y="369282"/>
-                  </a:lnTo>
-                  <a:lnTo>
-                    <a:pt x="1661208" y="328047"/>
-                  </a:lnTo>
-                  <a:lnTo>
-                    <a:pt x="1685550" y="286980"/>
-                  </a:lnTo>
-                  <a:lnTo>
-                    <a:pt x="1710221" y="246027"/>
-                  </a:lnTo>
-                  <a:lnTo>
-                    <a:pt x="1735307" y="205411"/>
-                  </a:lnTo>
-                  <a:lnTo>
-                    <a:pt x="1760962" y="165234"/>
-                  </a:lnTo>
-                  <a:lnTo>
-                    <a:pt x="1786817" y="128529"/>
-                  </a:lnTo>
-                  <a:lnTo>
-                    <a:pt x="1815158" y="93740"/>
-                  </a:lnTo>
-                  <a:lnTo>
-                    <a:pt x="1846694" y="62075"/>
-                  </a:lnTo>
-                  <a:lnTo>
-                    <a:pt x="1882135" y="34738"/>
-                  </a:lnTo>
-                  <a:lnTo>
-                    <a:pt x="1922191" y="12937"/>
-                  </a:lnTo>
-                  <a:lnTo>
-                    <a:pt x="1968068" y="0"/>
-                  </a:lnTo>
-                  <a:lnTo>
-                    <a:pt x="2006319" y="3696"/>
-                  </a:lnTo>
-                  <a:lnTo>
-                    <a:pt x="2037635" y="24581"/>
-                  </a:lnTo>
-                  <a:lnTo>
-                    <a:pt x="2062712" y="63210"/>
-                  </a:lnTo>
-                  <a:lnTo>
-                    <a:pt x="2082010" y="114476"/>
-                  </a:lnTo>
-                  <a:lnTo>
-                    <a:pt x="1982166" y="114476"/>
-                  </a:lnTo>
-                  <a:lnTo>
-                    <a:pt x="1953253" y="126790"/>
-                  </a:lnTo>
-                  <a:lnTo>
-                    <a:pt x="1936474" y="137972"/>
-                  </a:lnTo>
-                  <a:lnTo>
-                    <a:pt x="1921081" y="150818"/>
-                  </a:lnTo>
-                  <a:lnTo>
-                    <a:pt x="1906243" y="164218"/>
-                  </a:lnTo>
-                  <a:lnTo>
-                    <a:pt x="1891128" y="177063"/>
-                  </a:lnTo>
-                  <a:lnTo>
-                    <a:pt x="1856812" y="209663"/>
-                  </a:lnTo>
-                  <a:lnTo>
-                    <a:pt x="1829595" y="247303"/>
-                  </a:lnTo>
-                  <a:lnTo>
-                    <a:pt x="1782261" y="328047"/>
-                  </a:lnTo>
-                  <a:lnTo>
-                    <a:pt x="1755045" y="366325"/>
-                  </a:lnTo>
-                  <a:lnTo>
-                    <a:pt x="1731124" y="402459"/>
-                  </a:lnTo>
-                  <a:lnTo>
-                    <a:pt x="1728593" y="407848"/>
-                  </a:lnTo>
-                  <a:close/>
-                </a:path>
-                <a:path w="2124075" h="408304">
-                  <a:moveTo>
-                    <a:pt x="2123898" y="407848"/>
-                  </a:moveTo>
-                  <a:lnTo>
-                    <a:pt x="2042951" y="407848"/>
-                  </a:lnTo>
-                  <a:lnTo>
-                    <a:pt x="2037751" y="369282"/>
-                  </a:lnTo>
-                  <a:lnTo>
-                    <a:pt x="2032686" y="320644"/>
-                  </a:lnTo>
-                  <a:lnTo>
-                    <a:pt x="2028437" y="271833"/>
-                  </a:lnTo>
-                  <a:lnTo>
-                    <a:pt x="2024360" y="222952"/>
-                  </a:lnTo>
-                  <a:lnTo>
-                    <a:pt x="2019816" y="174106"/>
-                  </a:lnTo>
-                  <a:lnTo>
-                    <a:pt x="2019816" y="163756"/>
-                  </a:lnTo>
-                  <a:lnTo>
-                    <a:pt x="2013368" y="131989"/>
-                  </a:lnTo>
-                  <a:lnTo>
-                    <a:pt x="2001511" y="115886"/>
-                  </a:lnTo>
-                  <a:lnTo>
-                    <a:pt x="1982166" y="114476"/>
-                  </a:lnTo>
-                  <a:lnTo>
-                    <a:pt x="2082010" y="114476"/>
-                  </a:lnTo>
-                  <a:lnTo>
-                    <a:pt x="2096733" y="168376"/>
-                  </a:lnTo>
-                  <a:lnTo>
-                    <a:pt x="2106810" y="223108"/>
-                  </a:lnTo>
-                  <a:lnTo>
-                    <a:pt x="2113004" y="279087"/>
-                  </a:lnTo>
-                  <a:lnTo>
-                    <a:pt x="2116799" y="328502"/>
-                  </a:lnTo>
-                  <a:lnTo>
-                    <a:pt x="2120904" y="377839"/>
-                  </a:lnTo>
-                  <a:lnTo>
-                    <a:pt x="2123898" y="407848"/>
-                  </a:lnTo>
-                  <a:close/>
-                </a:path>
-              </a:pathLst>
-            </a:custGeom>
-            <a:solidFill>
-              <a:srgbClr val="040707"/>
-            </a:solidFill>
-          </p:spPr>
-          <p:txBody>
-            <a:bodyPr wrap="square" lIns="0" tIns="0" rIns="0" bIns="0" rtlCol="0"/>
-            <a:lstStyle/>
-            <a:p>
-              <a:endParaRPr dirty="0"/>
-            </a:p>
-          </p:txBody>
-        </p:sp>
-      </p:grpSp>
-      <p:sp>
-        <p:nvSpPr>
-          <p:cNvPr id="12" name="object 5">
-            <a:extLst>
-              <a:ext uri="{FF2B5EF4-FFF2-40B4-BE49-F238E27FC236}">
-                <a16:creationId xmlns:a16="http://schemas.microsoft.com/office/drawing/2014/main" id="{11F2B6B6-0466-4FF3-9677-694F0F61AE7C}"/>
-              </a:ext>
-            </a:extLst>
-          </p:cNvPr>
-          <p:cNvSpPr txBox="1"/>
-          <p:nvPr/>
-        </p:nvSpPr>
-        <p:spPr>
-          <a:xfrm>
-            <a:off x="11506200" y="4686300"/>
-            <a:ext cx="9448800" cy="979114"/>
-          </a:xfrm>
-          <a:prstGeom prst="rect">
-            <a:avLst/>
-          </a:prstGeom>
-        </p:spPr>
-        <p:txBody>
-          <a:bodyPr vert="horz" wrap="square" lIns="0" tIns="29845" rIns="0" bIns="0" rtlCol="0">
-            <a:spAutoFit/>
-          </a:bodyPr>
-          <a:lstStyle/>
-          <a:p>
-            <a:pPr marL="12700" marR="5080">
-              <a:spcBef>
-                <a:spcPts val="235"/>
-              </a:spcBef>
-            </a:pPr>
-            <a:endParaRPr lang="en-US" sz="3000" kern="0" dirty="0">
-              <a:latin typeface="Raleway" panose="020B0503030101060003" pitchFamily="34" charset="0"/>
-              <a:ea typeface="Roboto" panose="02000000000000000000" pitchFamily="2" charset="0"/>
-              <a:cs typeface="Roboto" panose="02000000000000000000" pitchFamily="2" charset="0"/>
-            </a:endParaRPr>
-          </a:p>
-          <a:p>
-            <a:pPr marL="12700" marR="5080">
-              <a:spcBef>
-                <a:spcPts val="235"/>
-              </a:spcBef>
-            </a:pPr>
-            <a:endParaRPr lang="en-US" sz="3000" kern="0" dirty="0">
-              <a:latin typeface="Raleway" panose="020B0503030101060003" pitchFamily="34" charset="0"/>
-              <a:ea typeface="Roboto" panose="02000000000000000000" pitchFamily="2" charset="0"/>
-              <a:cs typeface="Roboto" panose="02000000000000000000" pitchFamily="2" charset="0"/>
-            </a:endParaRPr>
-          </a:p>
-        </p:txBody>
-      </p:sp>
-      <p:sp>
-        <p:nvSpPr>
-          <p:cNvPr id="11" name="object 5">
-            <a:extLst>
-              <a:ext uri="{FF2B5EF4-FFF2-40B4-BE49-F238E27FC236}">
-                <a16:creationId xmlns:a16="http://schemas.microsoft.com/office/drawing/2014/main" id="{F7645084-9C48-4A62-8E6A-A331ADE60D77}"/>
-              </a:ext>
-            </a:extLst>
-          </p:cNvPr>
-          <p:cNvSpPr txBox="1"/>
-          <p:nvPr/>
-        </p:nvSpPr>
-        <p:spPr>
-          <a:xfrm>
-            <a:off x="8467640" y="2892485"/>
-            <a:ext cx="9163713" cy="2261517"/>
-          </a:xfrm>
-          <a:prstGeom prst="rect">
-            <a:avLst/>
-          </a:prstGeom>
-        </p:spPr>
-        <p:txBody>
-          <a:bodyPr vert="horz" wrap="square" lIns="0" tIns="29845" rIns="0" bIns="0" rtlCol="0">
-            <a:spAutoFit/>
-          </a:bodyPr>
-          <a:lstStyle/>
-          <a:p>
-            <a:pPr marL="12700" marR="5080">
-              <a:spcBef>
-                <a:spcPts val="235"/>
-              </a:spcBef>
-            </a:pPr>
-            <a:r>
-              <a:rPr lang="en-US" sz="2800" kern="0" dirty="0">
-                <a:latin typeface="Raleway" panose="020B0503030101060003" pitchFamily="34" charset="0"/>
-                <a:ea typeface="Roboto" panose="02000000000000000000" pitchFamily="2" charset="0"/>
-                <a:cs typeface="Roboto" panose="02000000000000000000" pitchFamily="2" charset="0"/>
-              </a:rPr>
-              <a:t>Ask Stephen to read the whole dissertation in the order he wants for refinement and evaluation </a:t>
-            </a:r>
-          </a:p>
-          <a:p>
-            <a:pPr marL="12700" marR="5080">
-              <a:spcBef>
-                <a:spcPts val="235"/>
-              </a:spcBef>
-            </a:pPr>
-            <a:endParaRPr lang="en-US" sz="2800" kern="0" dirty="0">
-              <a:latin typeface="Raleway" panose="020B0503030101060003" pitchFamily="34" charset="0"/>
-              <a:ea typeface="Roboto" panose="02000000000000000000" pitchFamily="2" charset="0"/>
-              <a:cs typeface="Roboto" panose="02000000000000000000" pitchFamily="2" charset="0"/>
-            </a:endParaRPr>
-          </a:p>
-          <a:p>
-            <a:pPr marL="12700" marR="5080">
-              <a:spcBef>
-                <a:spcPts val="235"/>
-              </a:spcBef>
-            </a:pPr>
-            <a:endParaRPr lang="en-US" sz="2800" kern="0" dirty="0">
-              <a:latin typeface="Raleway" panose="020B0503030101060003" pitchFamily="34" charset="0"/>
-              <a:ea typeface="Roboto" panose="02000000000000000000" pitchFamily="2" charset="0"/>
-              <a:cs typeface="Roboto" panose="02000000000000000000" pitchFamily="2" charset="0"/>
-            </a:endParaRPr>
-          </a:p>
-          <a:p>
-            <a:pPr marL="12700" marR="5080">
-              <a:spcBef>
-                <a:spcPts val="235"/>
-              </a:spcBef>
-            </a:pPr>
-            <a:endParaRPr lang="en-US" sz="2800" kern="0" dirty="0">
-              <a:latin typeface="Raleway" panose="020B0503030101060003" pitchFamily="34" charset="0"/>
-              <a:ea typeface="Roboto" panose="02000000000000000000" pitchFamily="2" charset="0"/>
-              <a:cs typeface="Roboto" panose="02000000000000000000" pitchFamily="2" charset="0"/>
-            </a:endParaRPr>
-          </a:p>
-        </p:txBody>
-      </p:sp>
-    </p:spTree>
-    <p:extLst>
-      <p:ext uri="{BB962C8B-B14F-4D97-AF65-F5344CB8AC3E}">
-        <p14:creationId xmlns:p14="http://schemas.microsoft.com/office/powerpoint/2010/main" val="1602353451"/>
-      </p:ext>
-    </p:extLst>
-  </p:cSld>
-  <p:clrMapOvr>
-    <a:masterClrMapping/>
-  </p:clrMapOvr>
-</p:sld>
-</file>
-
-<file path=ppt/slides/slide5.xml><?xml version="1.0" encoding="utf-8"?>
-<p:sld xmlns:a="http://schemas.openxmlformats.org/drawingml/2006/main" xmlns:r="http://schemas.openxmlformats.org/officeDocument/2006/relationships" xmlns:p="http://schemas.openxmlformats.org/presentationml/2006/main">
-  <p:cSld>
-    <p:spTree>
-      <p:nvGrpSpPr>
-        <p:cNvPr id="1" name=""/>
-        <p:cNvGrpSpPr/>
-        <p:nvPr/>
-      </p:nvGrpSpPr>
-      <p:grpSpPr>
-        <a:xfrm>
-          <a:off x="0" y="0"/>
-          <a:ext cx="0" cy="0"/>
-          <a:chOff x="0" y="0"/>
-          <a:chExt cx="0" cy="0"/>
-        </a:xfrm>
-      </p:grpSpPr>
-      <p:grpSp>
-        <p:nvGrpSpPr>
-          <p:cNvPr id="2" name="object 2"/>
-          <p:cNvGrpSpPr/>
-          <p:nvPr/>
-        </p:nvGrpSpPr>
-        <p:grpSpPr>
-          <a:xfrm>
-            <a:off x="228600" y="-190500"/>
-            <a:ext cx="7314343" cy="10287000"/>
-            <a:chOff x="0" y="0"/>
-            <a:chExt cx="8759190" cy="10287000"/>
-          </a:xfrm>
-        </p:grpSpPr>
-        <p:pic>
-          <p:nvPicPr>
-            <p:cNvPr id="3" name="object 3"/>
-            <p:cNvPicPr/>
-            <p:nvPr/>
-          </p:nvPicPr>
-          <p:blipFill>
-            <a:blip r:embed="rId3" cstate="print"/>
-            <a:stretch>
-              <a:fillRect/>
-            </a:stretch>
-          </p:blipFill>
-          <p:spPr>
-            <a:xfrm>
-              <a:off x="0" y="0"/>
-              <a:ext cx="7490455" cy="8250979"/>
-            </a:xfrm>
-            <a:prstGeom prst="rect">
-              <a:avLst/>
-            </a:prstGeom>
-          </p:spPr>
-        </p:pic>
-        <p:pic>
-          <p:nvPicPr>
-            <p:cNvPr id="4" name="object 4"/>
-            <p:cNvPicPr/>
-            <p:nvPr/>
-          </p:nvPicPr>
-          <p:blipFill>
-            <a:blip r:embed="rId4" cstate="print"/>
-            <a:stretch>
-              <a:fillRect/>
-            </a:stretch>
-          </p:blipFill>
-          <p:spPr>
-            <a:xfrm>
-              <a:off x="0" y="1670110"/>
-              <a:ext cx="8758806" cy="8616889"/>
-            </a:xfrm>
-            <a:prstGeom prst="rect">
-              <a:avLst/>
-            </a:prstGeom>
-          </p:spPr>
-        </p:pic>
-      </p:grpSp>
-      <p:sp>
-        <p:nvSpPr>
-          <p:cNvPr id="5" name="object 5"/>
-          <p:cNvSpPr txBox="1"/>
-          <p:nvPr/>
-        </p:nvSpPr>
-        <p:spPr>
-          <a:xfrm>
-            <a:off x="685479" y="2914109"/>
             <a:ext cx="6857143" cy="645690"/>
           </a:xfrm>
           <a:prstGeom prst="rect">
@@ -11018,7 +10195,7 @@
             </a:pPr>
             <a:r>
               <a:rPr lang="en-US" sz="4000" kern="0" dirty="0"/>
-              <a:t>2. Rank Project Parts</a:t>
+              <a:t>1. Rank Project Parts</a:t>
             </a:r>
             <a:endParaRPr lang="en-US" sz="4000" b="0" kern="0" dirty="0"/>
           </a:p>
@@ -11750,6 +10927,940 @@
     <p:extLst>
       <p:ext uri="{BB962C8B-B14F-4D97-AF65-F5344CB8AC3E}">
         <p14:creationId xmlns:p14="http://schemas.microsoft.com/office/powerpoint/2010/main" val="2721049811"/>
+      </p:ext>
+    </p:extLst>
+  </p:cSld>
+  <p:clrMapOvr>
+    <a:masterClrMapping/>
+  </p:clrMapOvr>
+</p:sld>
+</file>
+
+<file path=ppt/slides/slide5.xml><?xml version="1.0" encoding="utf-8"?>
+<p:sld xmlns:a="http://schemas.openxmlformats.org/drawingml/2006/main" xmlns:r="http://schemas.openxmlformats.org/officeDocument/2006/relationships" xmlns:p="http://schemas.openxmlformats.org/presentationml/2006/main">
+  <p:cSld>
+    <p:spTree>
+      <p:nvGrpSpPr>
+        <p:cNvPr id="1" name=""/>
+        <p:cNvGrpSpPr/>
+        <p:nvPr/>
+      </p:nvGrpSpPr>
+      <p:grpSpPr>
+        <a:xfrm>
+          <a:off x="0" y="0"/>
+          <a:ext cx="0" cy="0"/>
+          <a:chOff x="0" y="0"/>
+          <a:chExt cx="0" cy="0"/>
+        </a:xfrm>
+      </p:grpSpPr>
+      <p:grpSp>
+        <p:nvGrpSpPr>
+          <p:cNvPr id="2" name="object 2"/>
+          <p:cNvGrpSpPr/>
+          <p:nvPr/>
+        </p:nvGrpSpPr>
+        <p:grpSpPr>
+          <a:xfrm>
+            <a:off x="228600" y="-190500"/>
+            <a:ext cx="7314343" cy="10287000"/>
+            <a:chOff x="0" y="0"/>
+            <a:chExt cx="8759190" cy="10287000"/>
+          </a:xfrm>
+        </p:grpSpPr>
+        <p:pic>
+          <p:nvPicPr>
+            <p:cNvPr id="3" name="object 3"/>
+            <p:cNvPicPr/>
+            <p:nvPr/>
+          </p:nvPicPr>
+          <p:blipFill>
+            <a:blip r:embed="rId3" cstate="print"/>
+            <a:stretch>
+              <a:fillRect/>
+            </a:stretch>
+          </p:blipFill>
+          <p:spPr>
+            <a:xfrm>
+              <a:off x="0" y="0"/>
+              <a:ext cx="7490455" cy="8250979"/>
+            </a:xfrm>
+            <a:prstGeom prst="rect">
+              <a:avLst/>
+            </a:prstGeom>
+          </p:spPr>
+        </p:pic>
+        <p:pic>
+          <p:nvPicPr>
+            <p:cNvPr id="4" name="object 4"/>
+            <p:cNvPicPr/>
+            <p:nvPr/>
+          </p:nvPicPr>
+          <p:blipFill>
+            <a:blip r:embed="rId4" cstate="print"/>
+            <a:stretch>
+              <a:fillRect/>
+            </a:stretch>
+          </p:blipFill>
+          <p:spPr>
+            <a:xfrm>
+              <a:off x="0" y="1670110"/>
+              <a:ext cx="8758806" cy="8616889"/>
+            </a:xfrm>
+            <a:prstGeom prst="rect">
+              <a:avLst/>
+            </a:prstGeom>
+          </p:spPr>
+        </p:pic>
+      </p:grpSp>
+      <p:sp>
+        <p:nvSpPr>
+          <p:cNvPr id="5" name="object 5"/>
+          <p:cNvSpPr txBox="1"/>
+          <p:nvPr/>
+        </p:nvSpPr>
+        <p:spPr>
+          <a:xfrm>
+            <a:off x="685479" y="2914109"/>
+            <a:ext cx="6857143" cy="1274067"/>
+          </a:xfrm>
+          <a:prstGeom prst="rect">
+            <a:avLst/>
+          </a:prstGeom>
+        </p:spPr>
+        <p:txBody>
+          <a:bodyPr vert="horz" wrap="square" lIns="0" tIns="29845" rIns="0" bIns="0" rtlCol="0">
+            <a:spAutoFit/>
+          </a:bodyPr>
+          <a:lstStyle/>
+          <a:p>
+            <a:pPr marL="12700">
+              <a:spcBef>
+                <a:spcPts val="100"/>
+              </a:spcBef>
+            </a:pPr>
+            <a:r>
+              <a:rPr lang="en-US" sz="4000" kern="0" dirty="0"/>
+              <a:t>2. Evaluate Dissertation </a:t>
+            </a:r>
+          </a:p>
+          <a:p>
+            <a:pPr marL="12700">
+              <a:spcBef>
+                <a:spcPts val="100"/>
+              </a:spcBef>
+            </a:pPr>
+            <a:r>
+              <a:rPr lang="en-US" sz="4000" b="0" kern="0" dirty="0"/>
+              <a:t>    Parts</a:t>
+            </a:r>
+          </a:p>
+        </p:txBody>
+      </p:sp>
+      <p:grpSp>
+        <p:nvGrpSpPr>
+          <p:cNvPr id="8" name="object 8"/>
+          <p:cNvGrpSpPr/>
+          <p:nvPr/>
+        </p:nvGrpSpPr>
+        <p:grpSpPr>
+          <a:xfrm>
+            <a:off x="0" y="-419100"/>
+            <a:ext cx="7065924" cy="10314669"/>
+            <a:chOff x="0" y="0"/>
+            <a:chExt cx="7413808" cy="10314669"/>
+          </a:xfrm>
+        </p:grpSpPr>
+        <p:pic>
+          <p:nvPicPr>
+            <p:cNvPr id="9" name="object 9"/>
+            <p:cNvPicPr/>
+            <p:nvPr/>
+          </p:nvPicPr>
+          <p:blipFill>
+            <a:blip r:embed="rId5" cstate="print"/>
+            <a:stretch>
+              <a:fillRect/>
+            </a:stretch>
+          </p:blipFill>
+          <p:spPr>
+            <a:xfrm>
+              <a:off x="0" y="0"/>
+              <a:ext cx="2975600" cy="3863365"/>
+            </a:xfrm>
+            <a:prstGeom prst="rect">
+              <a:avLst/>
+            </a:prstGeom>
+          </p:spPr>
+        </p:pic>
+        <p:sp>
+          <p:nvSpPr>
+            <p:cNvPr id="10" name="object 10"/>
+            <p:cNvSpPr/>
+            <p:nvPr/>
+          </p:nvSpPr>
+          <p:spPr>
+            <a:xfrm>
+              <a:off x="5289733" y="9906364"/>
+              <a:ext cx="2124075" cy="408305"/>
+            </a:xfrm>
+            <a:custGeom>
+              <a:avLst/>
+              <a:gdLst/>
+              <a:ahLst/>
+              <a:cxnLst/>
+              <a:rect l="l" t="t" r="r" b="b"/>
+              <a:pathLst>
+                <a:path w="2124075" h="408304">
+                  <a:moveTo>
+                    <a:pt x="692905" y="407848"/>
+                  </a:moveTo>
+                  <a:lnTo>
+                    <a:pt x="576622" y="407848"/>
+                  </a:lnTo>
+                  <a:lnTo>
+                    <a:pt x="589898" y="384507"/>
+                  </a:lnTo>
+                  <a:lnTo>
+                    <a:pt x="615531" y="339895"/>
+                  </a:lnTo>
+                  <a:lnTo>
+                    <a:pt x="641286" y="295407"/>
+                  </a:lnTo>
+                  <a:lnTo>
+                    <a:pt x="680927" y="227336"/>
+                  </a:lnTo>
+                  <a:lnTo>
+                    <a:pt x="707424" y="188522"/>
+                  </a:lnTo>
+                  <a:lnTo>
+                    <a:pt x="765103" y="139707"/>
+                  </a:lnTo>
+                  <a:lnTo>
+                    <a:pt x="804934" y="125738"/>
+                  </a:lnTo>
+                  <a:lnTo>
+                    <a:pt x="843771" y="130150"/>
+                  </a:lnTo>
+                  <a:lnTo>
+                    <a:pt x="881827" y="152376"/>
+                  </a:lnTo>
+                  <a:lnTo>
+                    <a:pt x="919315" y="191849"/>
+                  </a:lnTo>
+                  <a:lnTo>
+                    <a:pt x="938960" y="224009"/>
+                  </a:lnTo>
+                  <a:lnTo>
+                    <a:pt x="940412" y="227336"/>
+                  </a:lnTo>
+                  <a:lnTo>
+                    <a:pt x="854231" y="227336"/>
+                  </a:lnTo>
+                  <a:lnTo>
+                    <a:pt x="817784" y="245957"/>
+                  </a:lnTo>
+                  <a:lnTo>
+                    <a:pt x="765412" y="297616"/>
+                  </a:lnTo>
+                  <a:lnTo>
+                    <a:pt x="726214" y="355397"/>
+                  </a:lnTo>
+                  <a:lnTo>
+                    <a:pt x="708348" y="382775"/>
+                  </a:lnTo>
+                  <a:lnTo>
+                    <a:pt x="692905" y="407848"/>
+                  </a:lnTo>
+                  <a:close/>
+                </a:path>
+                <a:path w="2124075" h="408304">
+                  <a:moveTo>
+                    <a:pt x="996758" y="407848"/>
+                  </a:moveTo>
+                  <a:lnTo>
+                    <a:pt x="900108" y="407848"/>
+                  </a:lnTo>
+                  <a:lnTo>
+                    <a:pt x="891672" y="374475"/>
+                  </a:lnTo>
+                  <a:lnTo>
+                    <a:pt x="879377" y="326403"/>
+                  </a:lnTo>
+                  <a:lnTo>
+                    <a:pt x="873576" y="301982"/>
+                  </a:lnTo>
+                  <a:lnTo>
+                    <a:pt x="867358" y="277424"/>
+                  </a:lnTo>
+                  <a:lnTo>
+                    <a:pt x="860864" y="252588"/>
+                  </a:lnTo>
+                  <a:lnTo>
+                    <a:pt x="854231" y="227336"/>
+                  </a:lnTo>
+                  <a:lnTo>
+                    <a:pt x="940412" y="227336"/>
+                  </a:lnTo>
+                  <a:lnTo>
+                    <a:pt x="954445" y="259496"/>
+                  </a:lnTo>
+                  <a:lnTo>
+                    <a:pt x="967157" y="296646"/>
+                  </a:lnTo>
+                  <a:lnTo>
+                    <a:pt x="978481" y="333796"/>
+                  </a:lnTo>
+                  <a:lnTo>
+                    <a:pt x="990338" y="378385"/>
+                  </a:lnTo>
+                  <a:lnTo>
+                    <a:pt x="996758" y="407848"/>
+                  </a:lnTo>
+                  <a:close/>
+                </a:path>
+                <a:path w="2124075" h="408304">
+                  <a:moveTo>
+                    <a:pt x="115737" y="407848"/>
+                  </a:moveTo>
+                  <a:lnTo>
+                    <a:pt x="0" y="407848"/>
+                  </a:lnTo>
+                  <a:lnTo>
+                    <a:pt x="15167" y="371238"/>
+                  </a:lnTo>
+                  <a:lnTo>
+                    <a:pt x="37730" y="324924"/>
+                  </a:lnTo>
+                  <a:lnTo>
+                    <a:pt x="60462" y="283393"/>
+                  </a:lnTo>
+                  <a:lnTo>
+                    <a:pt x="85040" y="242855"/>
+                  </a:lnTo>
+                  <a:lnTo>
+                    <a:pt x="112600" y="204305"/>
+                  </a:lnTo>
+                  <a:lnTo>
+                    <a:pt x="144278" y="168736"/>
+                  </a:lnTo>
+                  <a:lnTo>
+                    <a:pt x="181210" y="137141"/>
+                  </a:lnTo>
+                  <a:lnTo>
+                    <a:pt x="221517" y="121061"/>
+                  </a:lnTo>
+                  <a:lnTo>
+                    <a:pt x="242364" y="121962"/>
+                  </a:lnTo>
+                  <a:lnTo>
+                    <a:pt x="264043" y="128269"/>
+                  </a:lnTo>
+                  <a:lnTo>
+                    <a:pt x="308696" y="153174"/>
+                  </a:lnTo>
+                  <a:lnTo>
+                    <a:pt x="343918" y="186674"/>
+                  </a:lnTo>
+                  <a:lnTo>
+                    <a:pt x="363634" y="215507"/>
+                  </a:lnTo>
+                  <a:lnTo>
+                    <a:pt x="269960" y="215507"/>
+                  </a:lnTo>
+                  <a:lnTo>
+                    <a:pt x="230508" y="249192"/>
+                  </a:lnTo>
+                  <a:lnTo>
+                    <a:pt x="196186" y="284262"/>
+                  </a:lnTo>
+                  <a:lnTo>
+                    <a:pt x="166580" y="321551"/>
+                  </a:lnTo>
+                  <a:lnTo>
+                    <a:pt x="141272" y="361889"/>
+                  </a:lnTo>
+                  <a:lnTo>
+                    <a:pt x="115737" y="407848"/>
+                  </a:lnTo>
+                  <a:close/>
+                </a:path>
+                <a:path w="2124075" h="408304">
+                  <a:moveTo>
+                    <a:pt x="432814" y="407848"/>
+                  </a:moveTo>
+                  <a:lnTo>
+                    <a:pt x="333919" y="407848"/>
+                  </a:lnTo>
+                  <a:lnTo>
+                    <a:pt x="324065" y="368913"/>
+                  </a:lnTo>
+                  <a:lnTo>
+                    <a:pt x="309897" y="314574"/>
+                  </a:lnTo>
+                  <a:lnTo>
+                    <a:pt x="301993" y="290570"/>
+                  </a:lnTo>
+                  <a:lnTo>
+                    <a:pt x="292147" y="266704"/>
+                  </a:lnTo>
+                  <a:lnTo>
+                    <a:pt x="281192" y="242006"/>
+                  </a:lnTo>
+                  <a:lnTo>
+                    <a:pt x="269960" y="215507"/>
+                  </a:lnTo>
+                  <a:lnTo>
+                    <a:pt x="363634" y="215507"/>
+                  </a:lnTo>
+                  <a:lnTo>
+                    <a:pt x="371375" y="226828"/>
+                  </a:lnTo>
+                  <a:lnTo>
+                    <a:pt x="392731" y="271694"/>
+                  </a:lnTo>
+                  <a:lnTo>
+                    <a:pt x="406552" y="310138"/>
+                  </a:lnTo>
+                  <a:lnTo>
+                    <a:pt x="417877" y="349691"/>
+                  </a:lnTo>
+                  <a:lnTo>
+                    <a:pt x="428092" y="389798"/>
+                  </a:lnTo>
+                  <a:lnTo>
+                    <a:pt x="432814" y="407848"/>
+                  </a:lnTo>
+                  <a:close/>
+                </a:path>
+                <a:path w="2124075" h="408304">
+                  <a:moveTo>
+                    <a:pt x="1217971" y="407848"/>
+                  </a:moveTo>
+                  <a:lnTo>
+                    <a:pt x="1093662" y="407848"/>
+                  </a:lnTo>
+                  <a:lnTo>
+                    <a:pt x="1118124" y="365932"/>
+                  </a:lnTo>
+                  <a:lnTo>
+                    <a:pt x="1147107" y="316607"/>
+                  </a:lnTo>
+                  <a:lnTo>
+                    <a:pt x="1177199" y="268113"/>
+                  </a:lnTo>
+                  <a:lnTo>
+                    <a:pt x="1209232" y="221421"/>
+                  </a:lnTo>
+                  <a:lnTo>
+                    <a:pt x="1259708" y="165234"/>
+                  </a:lnTo>
+                  <a:lnTo>
+                    <a:pt x="1287651" y="139081"/>
+                  </a:lnTo>
+                  <a:lnTo>
+                    <a:pt x="1342565" y="97565"/>
+                  </a:lnTo>
+                  <a:lnTo>
+                    <a:pt x="1369537" y="93706"/>
+                  </a:lnTo>
+                  <a:lnTo>
+                    <a:pt x="1396231" y="101215"/>
+                  </a:lnTo>
+                  <a:lnTo>
+                    <a:pt x="1422232" y="119397"/>
+                  </a:lnTo>
+                  <a:lnTo>
+                    <a:pt x="1448973" y="147445"/>
+                  </a:lnTo>
+                  <a:lnTo>
+                    <a:pt x="1470860" y="178542"/>
+                  </a:lnTo>
+                  <a:lnTo>
+                    <a:pt x="1479829" y="197764"/>
+                  </a:lnTo>
+                  <a:lnTo>
+                    <a:pt x="1385252" y="197764"/>
+                  </a:lnTo>
+                  <a:lnTo>
+                    <a:pt x="1360453" y="221768"/>
+                  </a:lnTo>
+                  <a:lnTo>
+                    <a:pt x="1311410" y="270331"/>
+                  </a:lnTo>
+                  <a:lnTo>
+                    <a:pt x="1261126" y="337246"/>
+                  </a:lnTo>
+                  <a:lnTo>
+                    <a:pt x="1234870" y="378647"/>
+                  </a:lnTo>
+                  <a:lnTo>
+                    <a:pt x="1217971" y="407848"/>
+                  </a:lnTo>
+                  <a:close/>
+                </a:path>
+                <a:path w="2124075" h="408304">
+                  <a:moveTo>
+                    <a:pt x="1518842" y="407848"/>
+                  </a:moveTo>
+                  <a:lnTo>
+                    <a:pt x="1424115" y="407848"/>
+                  </a:lnTo>
+                  <a:lnTo>
+                    <a:pt x="1422833" y="396128"/>
+                  </a:lnTo>
+                  <a:lnTo>
+                    <a:pt x="1412756" y="299557"/>
+                  </a:lnTo>
+                  <a:lnTo>
+                    <a:pt x="1407440" y="250994"/>
+                  </a:lnTo>
+                  <a:lnTo>
+                    <a:pt x="1397086" y="203678"/>
+                  </a:lnTo>
+                  <a:lnTo>
+                    <a:pt x="1392648" y="202199"/>
+                  </a:lnTo>
+                  <a:lnTo>
+                    <a:pt x="1389690" y="199242"/>
+                  </a:lnTo>
+                  <a:lnTo>
+                    <a:pt x="1385252" y="197764"/>
+                  </a:lnTo>
+                  <a:lnTo>
+                    <a:pt x="1479829" y="197764"/>
+                  </a:lnTo>
+                  <a:lnTo>
+                    <a:pt x="1486923" y="212966"/>
+                  </a:lnTo>
+                  <a:lnTo>
+                    <a:pt x="1496190" y="250994"/>
+                  </a:lnTo>
+                  <a:lnTo>
+                    <a:pt x="1503302" y="300829"/>
+                  </a:lnTo>
+                  <a:lnTo>
+                    <a:pt x="1510485" y="350877"/>
+                  </a:lnTo>
+                  <a:lnTo>
+                    <a:pt x="1517810" y="400996"/>
+                  </a:lnTo>
+                  <a:lnTo>
+                    <a:pt x="1518842" y="407848"/>
+                  </a:lnTo>
+                  <a:close/>
+                </a:path>
+                <a:path w="2124075" h="408304">
+                  <a:moveTo>
+                    <a:pt x="1728593" y="407848"/>
+                  </a:moveTo>
+                  <a:lnTo>
+                    <a:pt x="1614219" y="407848"/>
+                  </a:lnTo>
+                  <a:lnTo>
+                    <a:pt x="1636945" y="369282"/>
+                  </a:lnTo>
+                  <a:lnTo>
+                    <a:pt x="1661208" y="328047"/>
+                  </a:lnTo>
+                  <a:lnTo>
+                    <a:pt x="1685550" y="286980"/>
+                  </a:lnTo>
+                  <a:lnTo>
+                    <a:pt x="1710221" y="246027"/>
+                  </a:lnTo>
+                  <a:lnTo>
+                    <a:pt x="1735307" y="205411"/>
+                  </a:lnTo>
+                  <a:lnTo>
+                    <a:pt x="1760962" y="165234"/>
+                  </a:lnTo>
+                  <a:lnTo>
+                    <a:pt x="1786817" y="128529"/>
+                  </a:lnTo>
+                  <a:lnTo>
+                    <a:pt x="1815158" y="93740"/>
+                  </a:lnTo>
+                  <a:lnTo>
+                    <a:pt x="1846694" y="62075"/>
+                  </a:lnTo>
+                  <a:lnTo>
+                    <a:pt x="1882135" y="34738"/>
+                  </a:lnTo>
+                  <a:lnTo>
+                    <a:pt x="1922191" y="12937"/>
+                  </a:lnTo>
+                  <a:lnTo>
+                    <a:pt x="1968068" y="0"/>
+                  </a:lnTo>
+                  <a:lnTo>
+                    <a:pt x="2006319" y="3696"/>
+                  </a:lnTo>
+                  <a:lnTo>
+                    <a:pt x="2037635" y="24581"/>
+                  </a:lnTo>
+                  <a:lnTo>
+                    <a:pt x="2062712" y="63210"/>
+                  </a:lnTo>
+                  <a:lnTo>
+                    <a:pt x="2082010" y="114476"/>
+                  </a:lnTo>
+                  <a:lnTo>
+                    <a:pt x="1982166" y="114476"/>
+                  </a:lnTo>
+                  <a:lnTo>
+                    <a:pt x="1953253" y="126790"/>
+                  </a:lnTo>
+                  <a:lnTo>
+                    <a:pt x="1936474" y="137972"/>
+                  </a:lnTo>
+                  <a:lnTo>
+                    <a:pt x="1921081" y="150818"/>
+                  </a:lnTo>
+                  <a:lnTo>
+                    <a:pt x="1906243" y="164218"/>
+                  </a:lnTo>
+                  <a:lnTo>
+                    <a:pt x="1891128" y="177063"/>
+                  </a:lnTo>
+                  <a:lnTo>
+                    <a:pt x="1856812" y="209663"/>
+                  </a:lnTo>
+                  <a:lnTo>
+                    <a:pt x="1829595" y="247303"/>
+                  </a:lnTo>
+                  <a:lnTo>
+                    <a:pt x="1782261" y="328047"/>
+                  </a:lnTo>
+                  <a:lnTo>
+                    <a:pt x="1755045" y="366325"/>
+                  </a:lnTo>
+                  <a:lnTo>
+                    <a:pt x="1731124" y="402459"/>
+                  </a:lnTo>
+                  <a:lnTo>
+                    <a:pt x="1728593" y="407848"/>
+                  </a:lnTo>
+                  <a:close/>
+                </a:path>
+                <a:path w="2124075" h="408304">
+                  <a:moveTo>
+                    <a:pt x="2123898" y="407848"/>
+                  </a:moveTo>
+                  <a:lnTo>
+                    <a:pt x="2042951" y="407848"/>
+                  </a:lnTo>
+                  <a:lnTo>
+                    <a:pt x="2037751" y="369282"/>
+                  </a:lnTo>
+                  <a:lnTo>
+                    <a:pt x="2032686" y="320644"/>
+                  </a:lnTo>
+                  <a:lnTo>
+                    <a:pt x="2028437" y="271833"/>
+                  </a:lnTo>
+                  <a:lnTo>
+                    <a:pt x="2024360" y="222952"/>
+                  </a:lnTo>
+                  <a:lnTo>
+                    <a:pt x="2019816" y="174106"/>
+                  </a:lnTo>
+                  <a:lnTo>
+                    <a:pt x="2019816" y="163756"/>
+                  </a:lnTo>
+                  <a:lnTo>
+                    <a:pt x="2013368" y="131989"/>
+                  </a:lnTo>
+                  <a:lnTo>
+                    <a:pt x="2001511" y="115886"/>
+                  </a:lnTo>
+                  <a:lnTo>
+                    <a:pt x="1982166" y="114476"/>
+                  </a:lnTo>
+                  <a:lnTo>
+                    <a:pt x="2082010" y="114476"/>
+                  </a:lnTo>
+                  <a:lnTo>
+                    <a:pt x="2096733" y="168376"/>
+                  </a:lnTo>
+                  <a:lnTo>
+                    <a:pt x="2106810" y="223108"/>
+                  </a:lnTo>
+                  <a:lnTo>
+                    <a:pt x="2113004" y="279087"/>
+                  </a:lnTo>
+                  <a:lnTo>
+                    <a:pt x="2116799" y="328502"/>
+                  </a:lnTo>
+                  <a:lnTo>
+                    <a:pt x="2120904" y="377839"/>
+                  </a:lnTo>
+                  <a:lnTo>
+                    <a:pt x="2123898" y="407848"/>
+                  </a:lnTo>
+                  <a:close/>
+                </a:path>
+              </a:pathLst>
+            </a:custGeom>
+            <a:solidFill>
+              <a:srgbClr val="040707"/>
+            </a:solidFill>
+          </p:spPr>
+          <p:txBody>
+            <a:bodyPr wrap="square" lIns="0" tIns="0" rIns="0" bIns="0" rtlCol="0"/>
+            <a:lstStyle/>
+            <a:p>
+              <a:endParaRPr dirty="0"/>
+            </a:p>
+          </p:txBody>
+        </p:sp>
+      </p:grpSp>
+      <p:sp>
+        <p:nvSpPr>
+          <p:cNvPr id="12" name="object 5">
+            <a:extLst>
+              <a:ext uri="{FF2B5EF4-FFF2-40B4-BE49-F238E27FC236}">
+                <a16:creationId xmlns:a16="http://schemas.microsoft.com/office/drawing/2014/main" id="{11F2B6B6-0466-4FF3-9677-694F0F61AE7C}"/>
+              </a:ext>
+            </a:extLst>
+          </p:cNvPr>
+          <p:cNvSpPr txBox="1"/>
+          <p:nvPr/>
+        </p:nvSpPr>
+        <p:spPr>
+          <a:xfrm>
+            <a:off x="11506200" y="4686300"/>
+            <a:ext cx="9448800" cy="979114"/>
+          </a:xfrm>
+          <a:prstGeom prst="rect">
+            <a:avLst/>
+          </a:prstGeom>
+        </p:spPr>
+        <p:txBody>
+          <a:bodyPr vert="horz" wrap="square" lIns="0" tIns="29845" rIns="0" bIns="0" rtlCol="0">
+            <a:spAutoFit/>
+          </a:bodyPr>
+          <a:lstStyle/>
+          <a:p>
+            <a:pPr marL="12700" marR="5080">
+              <a:spcBef>
+                <a:spcPts val="235"/>
+              </a:spcBef>
+            </a:pPr>
+            <a:endParaRPr lang="en-US" sz="3000" kern="0" dirty="0">
+              <a:latin typeface="Raleway" panose="020B0503030101060003" pitchFamily="34" charset="0"/>
+              <a:ea typeface="Roboto" panose="02000000000000000000" pitchFamily="2" charset="0"/>
+              <a:cs typeface="Roboto" panose="02000000000000000000" pitchFamily="2" charset="0"/>
+            </a:endParaRPr>
+          </a:p>
+          <a:p>
+            <a:pPr marL="12700" marR="5080">
+              <a:spcBef>
+                <a:spcPts val="235"/>
+              </a:spcBef>
+            </a:pPr>
+            <a:endParaRPr lang="en-US" sz="3000" kern="0" dirty="0">
+              <a:latin typeface="Raleway" panose="020B0503030101060003" pitchFamily="34" charset="0"/>
+              <a:ea typeface="Roboto" panose="02000000000000000000" pitchFamily="2" charset="0"/>
+              <a:cs typeface="Roboto" panose="02000000000000000000" pitchFamily="2" charset="0"/>
+            </a:endParaRPr>
+          </a:p>
+        </p:txBody>
+      </p:sp>
+      <p:sp>
+        <p:nvSpPr>
+          <p:cNvPr id="11" name="object 5">
+            <a:extLst>
+              <a:ext uri="{FF2B5EF4-FFF2-40B4-BE49-F238E27FC236}">
+                <a16:creationId xmlns:a16="http://schemas.microsoft.com/office/drawing/2014/main" id="{F7645084-9C48-4A62-8E6A-A331ADE60D77}"/>
+              </a:ext>
+            </a:extLst>
+          </p:cNvPr>
+          <p:cNvSpPr txBox="1"/>
+          <p:nvPr/>
+        </p:nvSpPr>
+        <p:spPr>
+          <a:xfrm>
+            <a:off x="8153400" y="2215746"/>
+            <a:ext cx="9163713" cy="8499122"/>
+          </a:xfrm>
+          <a:prstGeom prst="rect">
+            <a:avLst/>
+          </a:prstGeom>
+        </p:spPr>
+        <p:txBody>
+          <a:bodyPr vert="horz" wrap="square" lIns="0" tIns="29845" rIns="0" bIns="0" rtlCol="0">
+            <a:spAutoFit/>
+          </a:bodyPr>
+          <a:lstStyle/>
+          <a:p>
+            <a:pPr marL="12700" marR="5080">
+              <a:spcBef>
+                <a:spcPts val="235"/>
+              </a:spcBef>
+            </a:pPr>
+            <a:r>
+              <a:rPr lang="en-US" sz="2800" kern="0" dirty="0">
+                <a:latin typeface="Raleway" panose="020B0503030101060003" pitchFamily="34" charset="0"/>
+                <a:ea typeface="Roboto" panose="02000000000000000000" pitchFamily="2" charset="0"/>
+                <a:cs typeface="Roboto" panose="02000000000000000000" pitchFamily="2" charset="0"/>
+              </a:rPr>
+              <a:t>Q1. What is an acceptable number of participants for digital prototype evaluation? </a:t>
+            </a:r>
+          </a:p>
+          <a:p>
+            <a:pPr marL="12700" marR="5080">
+              <a:spcBef>
+                <a:spcPts val="235"/>
+              </a:spcBef>
+            </a:pPr>
+            <a:r>
+              <a:rPr lang="en-US" sz="2800" kern="0" dirty="0">
+                <a:latin typeface="Raleway" panose="020B0503030101060003" pitchFamily="34" charset="0"/>
+                <a:ea typeface="Roboto" panose="02000000000000000000" pitchFamily="2" charset="0"/>
+                <a:cs typeface="Roboto" panose="02000000000000000000" pitchFamily="2" charset="0"/>
+              </a:rPr>
+              <a:t>Q2. Should we post the paper prototype in the dissertation or the appendix? Are you happy with the paper prototype and related software product section? (go to that part of the dissertation) </a:t>
+            </a:r>
+          </a:p>
+          <a:p>
+            <a:pPr marL="12700" marR="5080">
+              <a:spcBef>
+                <a:spcPts val="235"/>
+              </a:spcBef>
+            </a:pPr>
+            <a:r>
+              <a:rPr lang="en-US" sz="2800" kern="0" dirty="0">
+                <a:latin typeface="Raleway" panose="020B0503030101060003" pitchFamily="34" charset="0"/>
+                <a:ea typeface="Roboto" panose="02000000000000000000" pitchFamily="2" charset="0"/>
+                <a:cs typeface="Roboto" panose="02000000000000000000" pitchFamily="2" charset="0"/>
+              </a:rPr>
+              <a:t>Q3. Should I discuss about the code platform, e.g. why we have come up with the decisions to use React.JS, PostgreSQL and Django?</a:t>
+            </a:r>
+          </a:p>
+          <a:p>
+            <a:pPr marL="12700" marR="5080">
+              <a:spcBef>
+                <a:spcPts val="235"/>
+              </a:spcBef>
+            </a:pPr>
+            <a:endParaRPr lang="en-US" sz="2800" kern="0" dirty="0">
+              <a:latin typeface="Raleway" panose="020B0503030101060003" pitchFamily="34" charset="0"/>
+              <a:ea typeface="Roboto" panose="02000000000000000000" pitchFamily="2" charset="0"/>
+              <a:cs typeface="Roboto" panose="02000000000000000000" pitchFamily="2" charset="0"/>
+            </a:endParaRPr>
+          </a:p>
+          <a:p>
+            <a:pPr marL="12700" marR="5080">
+              <a:spcBef>
+                <a:spcPts val="235"/>
+              </a:spcBef>
+            </a:pPr>
+            <a:endParaRPr lang="en-US" sz="2800" kern="0" dirty="0">
+              <a:latin typeface="Raleway" panose="020B0503030101060003" pitchFamily="34" charset="0"/>
+              <a:ea typeface="Roboto" panose="02000000000000000000" pitchFamily="2" charset="0"/>
+              <a:cs typeface="Roboto" panose="02000000000000000000" pitchFamily="2" charset="0"/>
+            </a:endParaRPr>
+          </a:p>
+          <a:p>
+            <a:pPr marL="12700" marR="5080">
+              <a:spcBef>
+                <a:spcPts val="235"/>
+              </a:spcBef>
+            </a:pPr>
+            <a:r>
+              <a:rPr lang="en-US" sz="2800" kern="0" dirty="0">
+                <a:latin typeface="Raleway" panose="020B0503030101060003" pitchFamily="34" charset="0"/>
+                <a:ea typeface="Roboto" panose="02000000000000000000" pitchFamily="2" charset="0"/>
+                <a:cs typeface="Roboto" panose="02000000000000000000" pitchFamily="2" charset="0"/>
+              </a:rPr>
+              <a:t>Ask Stephen to read the whole dissertation in the order he wants for refinement and evaluation </a:t>
+            </a:r>
+          </a:p>
+          <a:p>
+            <a:pPr marL="12700" marR="5080">
+              <a:spcBef>
+                <a:spcPts val="235"/>
+              </a:spcBef>
+            </a:pPr>
+            <a:r>
+              <a:rPr lang="en-US" sz="2800" kern="0" dirty="0">
+                <a:latin typeface="Raleway" panose="020B0503030101060003" pitchFamily="34" charset="0"/>
+                <a:ea typeface="Roboto" panose="02000000000000000000" pitchFamily="2" charset="0"/>
+                <a:cs typeface="Roboto" panose="02000000000000000000" pitchFamily="2" charset="0"/>
+              </a:rPr>
+              <a:t>Or</a:t>
+            </a:r>
+          </a:p>
+          <a:p>
+            <a:pPr marL="527050" marR="5080" indent="-514350">
+              <a:spcBef>
+                <a:spcPts val="235"/>
+              </a:spcBef>
+              <a:buAutoNum type="arabicPeriod"/>
+            </a:pPr>
+            <a:r>
+              <a:rPr lang="en-US" sz="2800" kern="0" dirty="0">
+                <a:latin typeface="Raleway" panose="020B0503030101060003" pitchFamily="34" charset="0"/>
+                <a:ea typeface="Roboto" panose="02000000000000000000" pitchFamily="2" charset="0"/>
+                <a:cs typeface="Roboto" panose="02000000000000000000" pitchFamily="2" charset="0"/>
+              </a:rPr>
+              <a:t>Final Software Product</a:t>
+            </a:r>
+          </a:p>
+          <a:p>
+            <a:pPr marL="12700" marR="5080">
+              <a:spcBef>
+                <a:spcPts val="235"/>
+              </a:spcBef>
+            </a:pPr>
+            <a:endParaRPr lang="en-US" sz="2800" kern="0" dirty="0">
+              <a:latin typeface="Raleway" panose="020B0503030101060003" pitchFamily="34" charset="0"/>
+              <a:ea typeface="Roboto" panose="02000000000000000000" pitchFamily="2" charset="0"/>
+              <a:cs typeface="Roboto" panose="02000000000000000000" pitchFamily="2" charset="0"/>
+            </a:endParaRPr>
+          </a:p>
+          <a:p>
+            <a:pPr marL="12700" marR="5080">
+              <a:spcBef>
+                <a:spcPts val="235"/>
+              </a:spcBef>
+            </a:pPr>
+            <a:endParaRPr lang="en-US" sz="2800" kern="0" dirty="0">
+              <a:latin typeface="Raleway" panose="020B0503030101060003" pitchFamily="34" charset="0"/>
+              <a:ea typeface="Roboto" panose="02000000000000000000" pitchFamily="2" charset="0"/>
+              <a:cs typeface="Roboto" panose="02000000000000000000" pitchFamily="2" charset="0"/>
+            </a:endParaRPr>
+          </a:p>
+          <a:p>
+            <a:pPr marL="12700" marR="5080">
+              <a:spcBef>
+                <a:spcPts val="235"/>
+              </a:spcBef>
+            </a:pPr>
+            <a:endParaRPr lang="en-US" sz="2800" kern="0" dirty="0">
+              <a:latin typeface="Raleway" panose="020B0503030101060003" pitchFamily="34" charset="0"/>
+              <a:ea typeface="Roboto" panose="02000000000000000000" pitchFamily="2" charset="0"/>
+              <a:cs typeface="Roboto" panose="02000000000000000000" pitchFamily="2" charset="0"/>
+            </a:endParaRPr>
+          </a:p>
+          <a:p>
+            <a:pPr marL="12700" marR="5080">
+              <a:spcBef>
+                <a:spcPts val="235"/>
+              </a:spcBef>
+            </a:pPr>
+            <a:endParaRPr lang="en-US" sz="2800" kern="0" dirty="0">
+              <a:latin typeface="Raleway" panose="020B0503030101060003" pitchFamily="34" charset="0"/>
+              <a:ea typeface="Roboto" panose="02000000000000000000" pitchFamily="2" charset="0"/>
+              <a:cs typeface="Roboto" panose="02000000000000000000" pitchFamily="2" charset="0"/>
+            </a:endParaRPr>
+          </a:p>
+        </p:txBody>
+      </p:sp>
+    </p:spTree>
+    <p:extLst>
+      <p:ext uri="{BB962C8B-B14F-4D97-AF65-F5344CB8AC3E}">
+        <p14:creationId xmlns:p14="http://schemas.microsoft.com/office/powerpoint/2010/main" val="1602353451"/>
       </p:ext>
     </p:extLst>
   </p:cSld>

--- a/Documentations/Supervisor Meeting PowerPoints/13._Supervisor_Meeting_12Feb21.pptx
+++ b/Documentations/Supervisor Meeting PowerPoints/13._Supervisor_Meeting_12Feb21.pptx
@@ -3492,20 +3492,28 @@
     </pc:docChg>
   </pc:docChgLst>
   <pc:docChgLst>
-    <pc:chgData name="Andrew Ming Ho Wu" userId="620d876fccae6a25" providerId="LiveId" clId="{301D553B-ED1B-4DD0-8B60-0326FA0FE40D}"/>
-    <pc:docChg chg="undo custSel modSld sldOrd">
-      <pc:chgData name="Andrew Ming Ho Wu" userId="620d876fccae6a25" providerId="LiveId" clId="{301D553B-ED1B-4DD0-8B60-0326FA0FE40D}" dt="2020-12-04T09:57:29.774" v="2192" actId="20577"/>
+    <pc:chgData name="Andrew Ming Ho Wu" userId="620d876fccae6a25" providerId="LiveId" clId="{B8CC6B97-FBEB-4E84-A973-1D8D00A51797}"/>
+    <pc:docChg chg="undo redo custSel addSld delSld modSld">
+      <pc:chgData name="Andrew Ming Ho Wu" userId="620d876fccae6a25" providerId="LiveId" clId="{B8CC6B97-FBEB-4E84-A973-1D8D00A51797}" dt="2020-12-09T20:21:14.831" v="3322" actId="1076"/>
       <pc:docMkLst>
         <pc:docMk/>
       </pc:docMkLst>
       <pc:sldChg chg="modSp mod">
-        <pc:chgData name="Andrew Ming Ho Wu" userId="620d876fccae6a25" providerId="LiveId" clId="{301D553B-ED1B-4DD0-8B60-0326FA0FE40D}" dt="2020-12-04T09:23:30.694" v="1648" actId="20577"/>
+        <pc:chgData name="Andrew Ming Ho Wu" userId="620d876fccae6a25" providerId="LiveId" clId="{B8CC6B97-FBEB-4E84-A973-1D8D00A51797}" dt="2020-12-07T23:20:20.434" v="2391" actId="20577"/>
         <pc:sldMkLst>
           <pc:docMk/>
           <pc:sldMk cId="0" sldId="256"/>
         </pc:sldMkLst>
         <pc:spChg chg="mod">
-          <ac:chgData name="Andrew Ming Ho Wu" userId="620d876fccae6a25" providerId="LiveId" clId="{301D553B-ED1B-4DD0-8B60-0326FA0FE40D}" dt="2020-12-04T09:23:30.694" v="1648" actId="20577"/>
+          <ac:chgData name="Andrew Ming Ho Wu" userId="620d876fccae6a25" providerId="LiveId" clId="{B8CC6B97-FBEB-4E84-A973-1D8D00A51797}" dt="2020-12-07T23:20:20.434" v="2391" actId="20577"/>
+          <ac:spMkLst>
+            <pc:docMk/>
+            <pc:sldMk cId="0" sldId="256"/>
+            <ac:spMk id="7" creationId="{00000000-0000-0000-0000-000000000000}"/>
+          </ac:spMkLst>
+        </pc:spChg>
+        <pc:spChg chg="mod">
+          <ac:chgData name="Andrew Ming Ho Wu" userId="620d876fccae6a25" providerId="LiveId" clId="{B8CC6B97-FBEB-4E84-A973-1D8D00A51797}" dt="2020-12-07T11:47:32.514" v="4" actId="20577"/>
           <ac:spMkLst>
             <pc:docMk/>
             <pc:sldMk cId="0" sldId="256"/>
@@ -3513,14 +3521,14 @@
           </ac:spMkLst>
         </pc:spChg>
       </pc:sldChg>
-      <pc:sldChg chg="modSp mod ord">
-        <pc:chgData name="Andrew Ming Ho Wu" userId="620d876fccae6a25" providerId="LiveId" clId="{301D553B-ED1B-4DD0-8B60-0326FA0FE40D}" dt="2020-12-04T09:37:15.202" v="1818" actId="1076"/>
+      <pc:sldChg chg="modSp del mod">
+        <pc:chgData name="Andrew Ming Ho Wu" userId="620d876fccae6a25" providerId="LiveId" clId="{B8CC6B97-FBEB-4E84-A973-1D8D00A51797}" dt="2020-12-07T14:43:22.840" v="2386" actId="47"/>
         <pc:sldMkLst>
           <pc:docMk/>
           <pc:sldMk cId="3627176467" sldId="330"/>
         </pc:sldMkLst>
         <pc:spChg chg="mod">
-          <ac:chgData name="Andrew Ming Ho Wu" userId="620d876fccae6a25" providerId="LiveId" clId="{301D553B-ED1B-4DD0-8B60-0326FA0FE40D}" dt="2020-12-04T09:37:15.202" v="1818" actId="1076"/>
+          <ac:chgData name="Andrew Ming Ho Wu" userId="620d876fccae6a25" providerId="LiveId" clId="{B8CC6B97-FBEB-4E84-A973-1D8D00A51797}" dt="2020-12-07T11:49:36.385" v="427" actId="115"/>
           <ac:spMkLst>
             <pc:docMk/>
             <pc:sldMk cId="3627176467" sldId="330"/>
@@ -3529,63 +3537,1210 @@
         </pc:spChg>
       </pc:sldChg>
       <pc:sldChg chg="addSp delSp modSp mod">
-        <pc:chgData name="Andrew Ming Ho Wu" userId="620d876fccae6a25" providerId="LiveId" clId="{301D553B-ED1B-4DD0-8B60-0326FA0FE40D}" dt="2020-12-04T09:57:29.774" v="2192" actId="20577"/>
+        <pc:chgData name="Andrew Ming Ho Wu" userId="620d876fccae6a25" providerId="LiveId" clId="{B8CC6B97-FBEB-4E84-A973-1D8D00A51797}" dt="2020-12-09T20:19:32.434" v="3257" actId="20577"/>
         <pc:sldMkLst>
           <pc:docMk/>
           <pc:sldMk cId="2206058006" sldId="333"/>
         </pc:sldMkLst>
         <pc:spChg chg="mod">
-          <ac:chgData name="Andrew Ming Ho Wu" userId="620d876fccae6a25" providerId="LiveId" clId="{301D553B-ED1B-4DD0-8B60-0326FA0FE40D}" dt="2020-12-04T09:54:08.146" v="2088" actId="1076"/>
+          <ac:chgData name="Andrew Ming Ho Wu" userId="620d876fccae6a25" providerId="LiveId" clId="{B8CC6B97-FBEB-4E84-A973-1D8D00A51797}" dt="2020-12-08T20:51:48.995" v="2411" actId="20577"/>
           <ac:spMkLst>
             <pc:docMk/>
             <pc:sldMk cId="2206058006" sldId="333"/>
             <ac:spMk id="5" creationId="{00000000-0000-0000-0000-000000000000}"/>
           </ac:spMkLst>
         </pc:spChg>
-        <pc:spChg chg="add del mod">
-          <ac:chgData name="Andrew Ming Ho Wu" userId="620d876fccae6a25" providerId="LiveId" clId="{301D553B-ED1B-4DD0-8B60-0326FA0FE40D}" dt="2020-12-04T09:57:29.774" v="2192" actId="20577"/>
+        <pc:spChg chg="del">
+          <ac:chgData name="Andrew Ming Ho Wu" userId="620d876fccae6a25" providerId="LiveId" clId="{B8CC6B97-FBEB-4E84-A973-1D8D00A51797}" dt="2020-12-07T11:49:40.438" v="428" actId="478"/>
           <ac:spMkLst>
             <pc:docMk/>
             <pc:sldMk cId="2206058006" sldId="333"/>
             <ac:spMk id="11" creationId="{3E2506E2-B67A-4B0D-BA61-6B13AC56BACF}"/>
           </ac:spMkLst>
         </pc:spChg>
-      </pc:sldChg>
-      <pc:sldChg chg="modSp mod">
-        <pc:chgData name="Andrew Ming Ho Wu" userId="620d876fccae6a25" providerId="LiveId" clId="{301D553B-ED1B-4DD0-8B60-0326FA0FE40D}" dt="2020-12-03T19:29:39.167" v="656" actId="20577"/>
+        <pc:spChg chg="add del mod">
+          <ac:chgData name="Andrew Ming Ho Wu" userId="620d876fccae6a25" providerId="LiveId" clId="{B8CC6B97-FBEB-4E84-A973-1D8D00A51797}" dt="2020-12-09T20:19:32.434" v="3257" actId="20577"/>
+          <ac:spMkLst>
+            <pc:docMk/>
+            <pc:sldMk cId="2206058006" sldId="333"/>
+            <ac:spMk id="12" creationId="{11F2B6B6-0466-4FF3-9677-694F0F61AE7C}"/>
+          </ac:spMkLst>
+        </pc:spChg>
+        <pc:grpChg chg="mod">
+          <ac:chgData name="Andrew Ming Ho Wu" userId="620d876fccae6a25" providerId="LiveId" clId="{B8CC6B97-FBEB-4E84-A973-1D8D00A51797}" dt="2020-12-07T11:50:20.258" v="465" actId="1076"/>
+          <ac:grpSpMkLst>
+            <pc:docMk/>
+            <pc:sldMk cId="2206058006" sldId="333"/>
+            <ac:grpSpMk id="2" creationId="{00000000-0000-0000-0000-000000000000}"/>
+          </ac:grpSpMkLst>
+        </pc:grpChg>
+        <pc:grpChg chg="mod">
+          <ac:chgData name="Andrew Ming Ho Wu" userId="620d876fccae6a25" providerId="LiveId" clId="{B8CC6B97-FBEB-4E84-A973-1D8D00A51797}" dt="2020-12-07T11:50:22.733" v="466" actId="1076"/>
+          <ac:grpSpMkLst>
+            <pc:docMk/>
+            <pc:sldMk cId="2206058006" sldId="333"/>
+            <ac:grpSpMk id="8" creationId="{00000000-0000-0000-0000-000000000000}"/>
+          </ac:grpSpMkLst>
+        </pc:grpChg>
+      </pc:sldChg>
+      <pc:sldChg chg="addSp delSp modSp mod">
+        <pc:chgData name="Andrew Ming Ho Wu" userId="620d876fccae6a25" providerId="LiveId" clId="{B8CC6B97-FBEB-4E84-A973-1D8D00A51797}" dt="2020-12-07T12:17:11.563" v="2385" actId="20577"/>
         <pc:sldMkLst>
           <pc:docMk/>
           <pc:sldMk cId="2818220858" sldId="343"/>
         </pc:sldMkLst>
         <pc:spChg chg="mod">
-          <ac:chgData name="Andrew Ming Ho Wu" userId="620d876fccae6a25" providerId="LiveId" clId="{301D553B-ED1B-4DD0-8B60-0326FA0FE40D}" dt="2020-12-03T19:29:34.248" v="655" actId="20577"/>
+          <ac:chgData name="Andrew Ming Ho Wu" userId="620d876fccae6a25" providerId="LiveId" clId="{B8CC6B97-FBEB-4E84-A973-1D8D00A51797}" dt="2020-12-07T12:16:53.205" v="2364" actId="1076"/>
+          <ac:spMkLst>
+            <pc:docMk/>
+            <pc:sldMk cId="2818220858" sldId="343"/>
+            <ac:spMk id="5" creationId="{81D7F47C-B22C-46A9-BD87-E2FA064EC20F}"/>
+          </ac:spMkLst>
+        </pc:spChg>
+        <pc:spChg chg="mod">
+          <ac:chgData name="Andrew Ming Ho Wu" userId="620d876fccae6a25" providerId="LiveId" clId="{B8CC6B97-FBEB-4E84-A973-1D8D00A51797}" dt="2020-12-07T12:16:25.853" v="2338" actId="20577"/>
           <ac:spMkLst>
             <pc:docMk/>
             <pc:sldMk cId="2818220858" sldId="343"/>
             <ac:spMk id="8" creationId="{9D42ABF8-029E-4F29-B608-8C118D28ABA1}"/>
           </ac:spMkLst>
         </pc:spChg>
-        <pc:spChg chg="mod">
-          <ac:chgData name="Andrew Ming Ho Wu" userId="620d876fccae6a25" providerId="LiveId" clId="{301D553B-ED1B-4DD0-8B60-0326FA0FE40D}" dt="2020-12-03T19:29:39.167" v="656" actId="20577"/>
+        <pc:spChg chg="add del mod">
+          <ac:chgData name="Andrew Ming Ho Wu" userId="620d876fccae6a25" providerId="LiveId" clId="{B8CC6B97-FBEB-4E84-A973-1D8D00A51797}" dt="2020-12-07T12:17:00.094" v="2366"/>
+          <ac:spMkLst>
+            <pc:docMk/>
+            <pc:sldMk cId="2818220858" sldId="343"/>
+            <ac:spMk id="14" creationId="{4008C9F8-7034-4640-926C-69C20356432C}"/>
+          </ac:spMkLst>
+        </pc:spChg>
+        <pc:spChg chg="mod">
+          <ac:chgData name="Andrew Ming Ho Wu" userId="620d876fccae6a25" providerId="LiveId" clId="{B8CC6B97-FBEB-4E84-A973-1D8D00A51797}" dt="2020-12-07T11:47:46.566" v="35" actId="20577"/>
           <ac:spMkLst>
             <pc:docMk/>
             <pc:sldMk cId="2818220858" sldId="343"/>
             <ac:spMk id="15" creationId="{5FC8DCBF-4CCE-4C22-8B9F-CC50B4D8446D}"/>
           </ac:spMkLst>
         </pc:spChg>
+        <pc:spChg chg="add mod">
+          <ac:chgData name="Andrew Ming Ho Wu" userId="620d876fccae6a25" providerId="LiveId" clId="{B8CC6B97-FBEB-4E84-A973-1D8D00A51797}" dt="2020-12-07T12:17:11.563" v="2385" actId="20577"/>
+          <ac:spMkLst>
+            <pc:docMk/>
+            <pc:sldMk cId="2818220858" sldId="343"/>
+            <ac:spMk id="16" creationId="{9776CE46-BCD9-4FBA-A83A-BE5C5D29A965}"/>
+          </ac:spMkLst>
+        </pc:spChg>
+        <pc:grpChg chg="mod">
+          <ac:chgData name="Andrew Ming Ho Wu" userId="620d876fccae6a25" providerId="LiveId" clId="{B8CC6B97-FBEB-4E84-A973-1D8D00A51797}" dt="2020-12-07T12:16:48.563" v="2363" actId="1076"/>
+          <ac:grpSpMkLst>
+            <pc:docMk/>
+            <pc:sldMk cId="2818220858" sldId="343"/>
+            <ac:grpSpMk id="2" creationId="{00000000-0000-0000-0000-000000000000}"/>
+          </ac:grpSpMkLst>
+        </pc:grpChg>
+      </pc:sldChg>
+      <pc:sldChg chg="modSp mod">
+        <pc:chgData name="Andrew Ming Ho Wu" userId="620d876fccae6a25" providerId="LiveId" clId="{B8CC6B97-FBEB-4E84-A973-1D8D00A51797}" dt="2020-12-07T12:12:01.475" v="2130" actId="20577"/>
+        <pc:sldMkLst>
+          <pc:docMk/>
+          <pc:sldMk cId="1002563172" sldId="387"/>
+        </pc:sldMkLst>
+        <pc:spChg chg="mod">
+          <ac:chgData name="Andrew Ming Ho Wu" userId="620d876fccae6a25" providerId="LiveId" clId="{B8CC6B97-FBEB-4E84-A973-1D8D00A51797}" dt="2020-12-07T12:12:01.475" v="2130" actId="20577"/>
+          <ac:spMkLst>
+            <pc:docMk/>
+            <pc:sldMk cId="1002563172" sldId="387"/>
+            <ac:spMk id="5" creationId="{00000000-0000-0000-0000-000000000000}"/>
+          </ac:spMkLst>
+        </pc:spChg>
+      </pc:sldChg>
+      <pc:sldChg chg="modSp add mod">
+        <pc:chgData name="Andrew Ming Ho Wu" userId="620d876fccae6a25" providerId="LiveId" clId="{B8CC6B97-FBEB-4E84-A973-1D8D00A51797}" dt="2020-12-09T20:21:14.831" v="3322" actId="1076"/>
+        <pc:sldMkLst>
+          <pc:docMk/>
+          <pc:sldMk cId="2049264590" sldId="388"/>
+        </pc:sldMkLst>
+        <pc:spChg chg="mod">
+          <ac:chgData name="Andrew Ming Ho Wu" userId="620d876fccae6a25" providerId="LiveId" clId="{B8CC6B97-FBEB-4E84-A973-1D8D00A51797}" dt="2020-12-09T20:21:14.831" v="3322" actId="1076"/>
+          <ac:spMkLst>
+            <pc:docMk/>
+            <pc:sldMk cId="2049264590" sldId="388"/>
+            <ac:spMk id="12" creationId="{11F2B6B6-0466-4FF3-9677-694F0F61AE7C}"/>
+          </ac:spMkLst>
+        </pc:spChg>
+      </pc:sldChg>
+      <pc:sldChg chg="add">
+        <pc:chgData name="Andrew Ming Ho Wu" userId="620d876fccae6a25" providerId="LiveId" clId="{B8CC6B97-FBEB-4E84-A973-1D8D00A51797}" dt="2020-12-07T12:11:57.600" v="2129" actId="2890"/>
+        <pc:sldMkLst>
+          <pc:docMk/>
+          <pc:sldMk cId="1012779811" sldId="389"/>
+        </pc:sldMkLst>
+      </pc:sldChg>
+      <pc:sldChg chg="modSp add mod">
+        <pc:chgData name="Andrew Ming Ho Wu" userId="620d876fccae6a25" providerId="LiveId" clId="{B8CC6B97-FBEB-4E84-A973-1D8D00A51797}" dt="2020-12-07T12:13:16.646" v="2234" actId="255"/>
+        <pc:sldMkLst>
+          <pc:docMk/>
+          <pc:sldMk cId="2782934202" sldId="390"/>
+        </pc:sldMkLst>
+        <pc:spChg chg="mod">
+          <ac:chgData name="Andrew Ming Ho Wu" userId="620d876fccae6a25" providerId="LiveId" clId="{B8CC6B97-FBEB-4E84-A973-1D8D00A51797}" dt="2020-12-07T12:12:22.476" v="2139" actId="20577"/>
+          <ac:spMkLst>
+            <pc:docMk/>
+            <pc:sldMk cId="2782934202" sldId="390"/>
+            <ac:spMk id="5" creationId="{00000000-0000-0000-0000-000000000000}"/>
+          </ac:spMkLst>
+        </pc:spChg>
+        <pc:spChg chg="mod">
+          <ac:chgData name="Andrew Ming Ho Wu" userId="620d876fccae6a25" providerId="LiveId" clId="{B8CC6B97-FBEB-4E84-A973-1D8D00A51797}" dt="2020-12-07T12:13:16.646" v="2234" actId="255"/>
+          <ac:spMkLst>
+            <pc:docMk/>
+            <pc:sldMk cId="2782934202" sldId="390"/>
+            <ac:spMk id="12" creationId="{11F2B6B6-0466-4FF3-9677-694F0F61AE7C}"/>
+          </ac:spMkLst>
+        </pc:spChg>
+      </pc:sldChg>
+      <pc:sldChg chg="modSp add mod">
+        <pc:chgData name="Andrew Ming Ho Wu" userId="620d876fccae6a25" providerId="LiveId" clId="{B8CC6B97-FBEB-4E84-A973-1D8D00A51797}" dt="2020-12-07T12:14:09.189" v="2268" actId="20577"/>
+        <pc:sldMkLst>
+          <pc:docMk/>
+          <pc:sldMk cId="2582986712" sldId="391"/>
+        </pc:sldMkLst>
+        <pc:spChg chg="mod">
+          <ac:chgData name="Andrew Ming Ho Wu" userId="620d876fccae6a25" providerId="LiveId" clId="{B8CC6B97-FBEB-4E84-A973-1D8D00A51797}" dt="2020-12-07T12:14:09.189" v="2268" actId="20577"/>
+          <ac:spMkLst>
+            <pc:docMk/>
+            <pc:sldMk cId="2582986712" sldId="391"/>
+            <ac:spMk id="12" creationId="{11F2B6B6-0466-4FF3-9677-694F0F61AE7C}"/>
+          </ac:spMkLst>
+        </pc:spChg>
+      </pc:sldChg>
+      <pc:sldChg chg="modSp add mod">
+        <pc:chgData name="Andrew Ming Ho Wu" userId="620d876fccae6a25" providerId="LiveId" clId="{B8CC6B97-FBEB-4E84-A973-1D8D00A51797}" dt="2020-12-07T12:15:51.208" v="2307" actId="255"/>
+        <pc:sldMkLst>
+          <pc:docMk/>
+          <pc:sldMk cId="161672857" sldId="392"/>
+        </pc:sldMkLst>
+        <pc:spChg chg="mod">
+          <ac:chgData name="Andrew Ming Ho Wu" userId="620d876fccae6a25" providerId="LiveId" clId="{B8CC6B97-FBEB-4E84-A973-1D8D00A51797}" dt="2020-12-07T12:15:14.773" v="2298" actId="20577"/>
+          <ac:spMkLst>
+            <pc:docMk/>
+            <pc:sldMk cId="161672857" sldId="392"/>
+            <ac:spMk id="5" creationId="{00000000-0000-0000-0000-000000000000}"/>
+          </ac:spMkLst>
+        </pc:spChg>
+        <pc:spChg chg="mod">
+          <ac:chgData name="Andrew Ming Ho Wu" userId="620d876fccae6a25" providerId="LiveId" clId="{B8CC6B97-FBEB-4E84-A973-1D8D00A51797}" dt="2020-12-07T12:15:51.208" v="2307" actId="255"/>
+          <ac:spMkLst>
+            <pc:docMk/>
+            <pc:sldMk cId="161672857" sldId="392"/>
+            <ac:spMk id="12" creationId="{11F2B6B6-0466-4FF3-9677-694F0F61AE7C}"/>
+          </ac:spMkLst>
+        </pc:spChg>
+      </pc:sldChg>
+      <pc:sldChg chg="modSp add mod">
+        <pc:chgData name="Andrew Ming Ho Wu" userId="620d876fccae6a25" providerId="LiveId" clId="{B8CC6B97-FBEB-4E84-A973-1D8D00A51797}" dt="2020-12-09T20:20:31.079" v="3296" actId="20577"/>
+        <pc:sldMkLst>
+          <pc:docMk/>
+          <pc:sldMk cId="226674003" sldId="393"/>
+        </pc:sldMkLst>
+        <pc:spChg chg="mod">
+          <ac:chgData name="Andrew Ming Ho Wu" userId="620d876fccae6a25" providerId="LiveId" clId="{B8CC6B97-FBEB-4E84-A973-1D8D00A51797}" dt="2020-12-09T20:20:31.079" v="3296" actId="20577"/>
+          <ac:spMkLst>
+            <pc:docMk/>
+            <pc:sldMk cId="226674003" sldId="393"/>
+            <ac:spMk id="12" creationId="{11F2B6B6-0466-4FF3-9677-694F0F61AE7C}"/>
+          </ac:spMkLst>
+        </pc:spChg>
+      </pc:sldChg>
+      <pc:sldChg chg="add del">
+        <pc:chgData name="Andrew Ming Ho Wu" userId="620d876fccae6a25" providerId="LiveId" clId="{B8CC6B97-FBEB-4E84-A973-1D8D00A51797}" dt="2020-12-08T20:51:41.486" v="2393"/>
+        <pc:sldMkLst>
+          <pc:docMk/>
+          <pc:sldMk cId="1879883029" sldId="393"/>
+        </pc:sldMkLst>
+      </pc:sldChg>
+    </pc:docChg>
+  </pc:docChgLst>
+  <pc:docChgLst>
+    <pc:chgData name="Andrew Ming Ho Wu" userId="620d876fccae6a25" providerId="LiveId" clId="{EF3BC0AB-AB59-4C81-97A5-1FDA4EE47D87}"/>
+    <pc:docChg chg="undo redo custSel addSld delSld modSld">
+      <pc:chgData name="Andrew Ming Ho Wu" userId="620d876fccae6a25" providerId="LiveId" clId="{EF3BC0AB-AB59-4C81-97A5-1FDA4EE47D87}" dt="2020-09-27T18:57:17.757" v="14458" actId="20577"/>
+      <pc:docMkLst>
+        <pc:docMk/>
+      </pc:docMkLst>
+      <pc:sldChg chg="delSp modSp mod modNotesTx">
+        <pc:chgData name="Andrew Ming Ho Wu" userId="620d876fccae6a25" providerId="LiveId" clId="{EF3BC0AB-AB59-4C81-97A5-1FDA4EE47D87}" dt="2020-09-27T09:55:20.712" v="4391" actId="255"/>
+        <pc:sldMkLst>
+          <pc:docMk/>
+          <pc:sldMk cId="0" sldId="256"/>
+        </pc:sldMkLst>
+        <pc:spChg chg="mod">
+          <ac:chgData name="Andrew Ming Ho Wu" userId="620d876fccae6a25" providerId="LiveId" clId="{EF3BC0AB-AB59-4C81-97A5-1FDA4EE47D87}" dt="2020-09-27T09:55:20.712" v="4391" actId="255"/>
+          <ac:spMkLst>
+            <pc:docMk/>
+            <pc:sldMk cId="0" sldId="256"/>
+            <ac:spMk id="7" creationId="{00000000-0000-0000-0000-000000000000}"/>
+          </ac:spMkLst>
+        </pc:spChg>
+        <pc:spChg chg="del mod">
+          <ac:chgData name="Andrew Ming Ho Wu" userId="620d876fccae6a25" providerId="LiveId" clId="{EF3BC0AB-AB59-4C81-97A5-1FDA4EE47D87}" dt="2020-09-23T13:10:09.932" v="29"/>
+          <ac:spMkLst>
+            <pc:docMk/>
+            <pc:sldMk cId="0" sldId="256"/>
+            <ac:spMk id="8" creationId="{00000000-0000-0000-0000-000000000000}"/>
+          </ac:spMkLst>
+        </pc:spChg>
+        <pc:spChg chg="mod">
+          <ac:chgData name="Andrew Ming Ho Wu" userId="620d876fccae6a25" providerId="LiveId" clId="{EF3BC0AB-AB59-4C81-97A5-1FDA4EE47D87}" dt="2020-09-26T17:04:55.185" v="4379" actId="20577"/>
+          <ac:spMkLst>
+            <pc:docMk/>
+            <pc:sldMk cId="0" sldId="256"/>
+            <ac:spMk id="13" creationId="{0477D28A-3F44-4405-BD2B-4F00158DB1B3}"/>
+          </ac:spMkLst>
+        </pc:spChg>
       </pc:sldChg>
       <pc:sldChg chg="addSp delSp modSp mod">
-        <pc:chgData name="Andrew Ming Ho Wu" userId="620d876fccae6a25" providerId="LiveId" clId="{301D553B-ED1B-4DD0-8B60-0326FA0FE40D}" dt="2020-12-03T19:23:50.731" v="4"/>
-        <pc:sldMkLst>
-          <pc:docMk/>
-          <pc:sldMk cId="1002563172" sldId="387"/>
+        <pc:chgData name="Andrew Ming Ho Wu" userId="620d876fccae6a25" providerId="LiveId" clId="{EF3BC0AB-AB59-4C81-97A5-1FDA4EE47D87}" dt="2020-09-26T16:12:34.168" v="949" actId="1076"/>
+        <pc:sldMkLst>
+          <pc:docMk/>
+          <pc:sldMk cId="0" sldId="257"/>
+        </pc:sldMkLst>
+        <pc:spChg chg="add mod">
+          <ac:chgData name="Andrew Ming Ho Wu" userId="620d876fccae6a25" providerId="LiveId" clId="{EF3BC0AB-AB59-4C81-97A5-1FDA4EE47D87}" dt="2020-09-26T16:12:00.026" v="902" actId="1076"/>
+          <ac:spMkLst>
+            <pc:docMk/>
+            <pc:sldMk cId="0" sldId="257"/>
+            <ac:spMk id="5" creationId="{81D7F47C-B22C-46A9-BD87-E2FA064EC20F}"/>
+          </ac:spMkLst>
+        </pc:spChg>
+        <pc:spChg chg="mod">
+          <ac:chgData name="Andrew Ming Ho Wu" userId="620d876fccae6a25" providerId="LiveId" clId="{EF3BC0AB-AB59-4C81-97A5-1FDA4EE47D87}" dt="2020-09-26T16:11:40.182" v="900" actId="1076"/>
+          <ac:spMkLst>
+            <pc:docMk/>
+            <pc:sldMk cId="0" sldId="257"/>
+            <ac:spMk id="6" creationId="{00000000-0000-0000-0000-000000000000}"/>
+          </ac:spMkLst>
+        </pc:spChg>
+        <pc:spChg chg="add mod">
+          <ac:chgData name="Andrew Ming Ho Wu" userId="620d876fccae6a25" providerId="LiveId" clId="{EF3BC0AB-AB59-4C81-97A5-1FDA4EE47D87}" dt="2020-09-26T16:12:34.168" v="949" actId="1076"/>
+          <ac:spMkLst>
+            <pc:docMk/>
+            <pc:sldMk cId="0" sldId="257"/>
+            <ac:spMk id="7" creationId="{8F1A7018-DAB3-4DD6-9851-CCE349574926}"/>
+          </ac:spMkLst>
+        </pc:spChg>
+        <pc:spChg chg="add del">
+          <ac:chgData name="Andrew Ming Ho Wu" userId="620d876fccae6a25" providerId="LiveId" clId="{EF3BC0AB-AB59-4C81-97A5-1FDA4EE47D87}" dt="2020-09-26T16:11:21.009" v="894" actId="22"/>
+          <ac:spMkLst>
+            <pc:docMk/>
+            <pc:sldMk cId="0" sldId="257"/>
+            <ac:spMk id="8" creationId="{C924EF3F-006C-4216-A9A0-B8029D39A876}"/>
+          </ac:spMkLst>
+        </pc:spChg>
+        <pc:spChg chg="mod">
+          <ac:chgData name="Andrew Ming Ho Wu" userId="620d876fccae6a25" providerId="LiveId" clId="{EF3BC0AB-AB59-4C81-97A5-1FDA4EE47D87}" dt="2020-09-23T13:19:33.930" v="281" actId="20577"/>
+          <ac:spMkLst>
+            <pc:docMk/>
+            <pc:sldMk cId="0" sldId="257"/>
+            <ac:spMk id="13" creationId="{CFB9566F-DF02-46E3-A7DE-30A3DA2B0123}"/>
+          </ac:spMkLst>
+        </pc:spChg>
+        <pc:spChg chg="mod">
+          <ac:chgData name="Andrew Ming Ho Wu" userId="620d876fccae6a25" providerId="LiveId" clId="{EF3BC0AB-AB59-4C81-97A5-1FDA4EE47D87}" dt="2020-09-26T16:11:44.480" v="901" actId="1076"/>
+          <ac:spMkLst>
+            <pc:docMk/>
+            <pc:sldMk cId="0" sldId="257"/>
+            <ac:spMk id="15" creationId="{5FC8DCBF-4CCE-4C22-8B9F-CC50B4D8446D}"/>
+          </ac:spMkLst>
+        </pc:spChg>
+        <pc:spChg chg="del mod">
+          <ac:chgData name="Andrew Ming Ho Wu" userId="620d876fccae6a25" providerId="LiveId" clId="{EF3BC0AB-AB59-4C81-97A5-1FDA4EE47D87}" dt="2020-09-23T13:11:18.490" v="148" actId="478"/>
+          <ac:spMkLst>
+            <pc:docMk/>
+            <pc:sldMk cId="0" sldId="257"/>
+            <ac:spMk id="17" creationId="{F1986DA0-A256-4DC4-89BA-D9AF3A5992F1}"/>
+          </ac:spMkLst>
+        </pc:spChg>
+        <pc:spChg chg="add mod">
+          <ac:chgData name="Andrew Ming Ho Wu" userId="620d876fccae6a25" providerId="LiveId" clId="{EF3BC0AB-AB59-4C81-97A5-1FDA4EE47D87}" dt="2020-09-26T16:12:07.600" v="903" actId="1076"/>
+          <ac:spMkLst>
+            <pc:docMk/>
+            <pc:sldMk cId="0" sldId="257"/>
+            <ac:spMk id="20" creationId="{A6F76399-04DE-46A8-BF2C-99ED8D141BD3}"/>
+          </ac:spMkLst>
+        </pc:spChg>
+        <pc:grpChg chg="mod">
+          <ac:chgData name="Andrew Ming Ho Wu" userId="620d876fccae6a25" providerId="LiveId" clId="{EF3BC0AB-AB59-4C81-97A5-1FDA4EE47D87}" dt="2020-09-26T16:12:28.721" v="948" actId="1076"/>
+          <ac:grpSpMkLst>
+            <pc:docMk/>
+            <pc:sldMk cId="0" sldId="257"/>
+            <ac:grpSpMk id="2" creationId="{00000000-0000-0000-0000-000000000000}"/>
+          </ac:grpSpMkLst>
+        </pc:grpChg>
+        <pc:grpChg chg="add mod">
+          <ac:chgData name="Andrew Ming Ho Wu" userId="620d876fccae6a25" providerId="LiveId" clId="{EF3BC0AB-AB59-4C81-97A5-1FDA4EE47D87}" dt="2020-09-26T16:11:22.051" v="895" actId="571"/>
+          <ac:grpSpMkLst>
+            <pc:docMk/>
+            <pc:sldMk cId="0" sldId="257"/>
+            <ac:grpSpMk id="14" creationId="{830FE23F-E1B8-42CA-8569-E15547258E1C}"/>
+          </ac:grpSpMkLst>
+        </pc:grpChg>
+        <pc:picChg chg="mod">
+          <ac:chgData name="Andrew Ming Ho Wu" userId="620d876fccae6a25" providerId="LiveId" clId="{EF3BC0AB-AB59-4C81-97A5-1FDA4EE47D87}" dt="2020-09-26T16:11:22.051" v="895" actId="571"/>
+          <ac:picMkLst>
+            <pc:docMk/>
+            <pc:sldMk cId="0" sldId="257"/>
+            <ac:picMk id="16" creationId="{91452E8C-A457-4B32-ADCC-8B062C7B7AA2}"/>
+          </ac:picMkLst>
+        </pc:picChg>
+        <pc:picChg chg="mod">
+          <ac:chgData name="Andrew Ming Ho Wu" userId="620d876fccae6a25" providerId="LiveId" clId="{EF3BC0AB-AB59-4C81-97A5-1FDA4EE47D87}" dt="2020-09-26T16:11:22.051" v="895" actId="571"/>
+          <ac:picMkLst>
+            <pc:docMk/>
+            <pc:sldMk cId="0" sldId="257"/>
+            <ac:picMk id="17" creationId="{9914AFBE-82F5-4DA6-8856-1BD8C5F4D972}"/>
+          </ac:picMkLst>
+        </pc:picChg>
+      </pc:sldChg>
+      <pc:sldChg chg="addSp delSp modSp mod modNotesTx">
+        <pc:chgData name="Andrew Ming Ho Wu" userId="620d876fccae6a25" providerId="LiveId" clId="{EF3BC0AB-AB59-4C81-97A5-1FDA4EE47D87}" dt="2020-09-27T18:42:29.401" v="12601" actId="20577"/>
+        <pc:sldMkLst>
+          <pc:docMk/>
+          <pc:sldMk cId="0" sldId="259"/>
+        </pc:sldMkLst>
+        <pc:spChg chg="mod">
+          <ac:chgData name="Andrew Ming Ho Wu" userId="620d876fccae6a25" providerId="LiveId" clId="{EF3BC0AB-AB59-4C81-97A5-1FDA4EE47D87}" dt="2020-09-26T16:15:18.922" v="1252" actId="20577"/>
+          <ac:spMkLst>
+            <pc:docMk/>
+            <pc:sldMk cId="0" sldId="259"/>
+            <ac:spMk id="5" creationId="{00000000-0000-0000-0000-000000000000}"/>
+          </ac:spMkLst>
+        </pc:spChg>
+        <pc:spChg chg="add del">
+          <ac:chgData name="Andrew Ming Ho Wu" userId="620d876fccae6a25" providerId="LiveId" clId="{EF3BC0AB-AB59-4C81-97A5-1FDA4EE47D87}" dt="2020-09-26T16:15:24.567" v="1254" actId="22"/>
+          <ac:spMkLst>
+            <pc:docMk/>
+            <pc:sldMk cId="0" sldId="259"/>
+            <ac:spMk id="6" creationId="{9BFBCD21-514B-426A-B032-477E3A9B1B83}"/>
+          </ac:spMkLst>
+        </pc:spChg>
+        <pc:spChg chg="mod">
+          <ac:chgData name="Andrew Ming Ho Wu" userId="620d876fccae6a25" providerId="LiveId" clId="{EF3BC0AB-AB59-4C81-97A5-1FDA4EE47D87}" dt="2020-09-27T18:42:29.401" v="12601" actId="20577"/>
+          <ac:spMkLst>
+            <pc:docMk/>
+            <pc:sldMk cId="0" sldId="259"/>
+            <ac:spMk id="12" creationId="{7E70BACB-1CF0-4DEE-923B-205A7D88BC2B}"/>
+          </ac:spMkLst>
+        </pc:spChg>
+      </pc:sldChg>
+      <pc:sldChg chg="modSp mod">
+        <pc:chgData name="Andrew Ming Ho Wu" userId="620d876fccae6a25" providerId="LiveId" clId="{EF3BC0AB-AB59-4C81-97A5-1FDA4EE47D87}" dt="2020-09-27T10:13:15.975" v="5911" actId="1076"/>
+        <pc:sldMkLst>
+          <pc:docMk/>
+          <pc:sldMk cId="0" sldId="260"/>
+        </pc:sldMkLst>
+        <pc:spChg chg="mod">
+          <ac:chgData name="Andrew Ming Ho Wu" userId="620d876fccae6a25" providerId="LiveId" clId="{EF3BC0AB-AB59-4C81-97A5-1FDA4EE47D87}" dt="2020-09-26T16:18:11.737" v="1595" actId="14100"/>
+          <ac:spMkLst>
+            <pc:docMk/>
+            <pc:sldMk cId="0" sldId="260"/>
+            <ac:spMk id="6" creationId="{00000000-0000-0000-0000-000000000000}"/>
+          </ac:spMkLst>
+        </pc:spChg>
+        <pc:spChg chg="mod">
+          <ac:chgData name="Andrew Ming Ho Wu" userId="620d876fccae6a25" providerId="LiveId" clId="{EF3BC0AB-AB59-4C81-97A5-1FDA4EE47D87}" dt="2020-09-27T10:13:15.975" v="5911" actId="1076"/>
+          <ac:spMkLst>
+            <pc:docMk/>
+            <pc:sldMk cId="0" sldId="260"/>
+            <ac:spMk id="7" creationId="{00000000-0000-0000-0000-000000000000}"/>
+          </ac:spMkLst>
+        </pc:spChg>
+      </pc:sldChg>
+      <pc:sldChg chg="del">
+        <pc:chgData name="Andrew Ming Ho Wu" userId="620d876fccae6a25" providerId="LiveId" clId="{EF3BC0AB-AB59-4C81-97A5-1FDA4EE47D87}" dt="2020-09-27T10:35:01.134" v="8520" actId="2696"/>
+        <pc:sldMkLst>
+          <pc:docMk/>
+          <pc:sldMk cId="3477520416" sldId="281"/>
+        </pc:sldMkLst>
+      </pc:sldChg>
+      <pc:sldChg chg="addSp delSp modSp mod modNotesTx">
+        <pc:chgData name="Andrew Ming Ho Wu" userId="620d876fccae6a25" providerId="LiveId" clId="{EF3BC0AB-AB59-4C81-97A5-1FDA4EE47D87}" dt="2020-09-27T10:15:26.466" v="6060" actId="20577"/>
+        <pc:sldMkLst>
+          <pc:docMk/>
+          <pc:sldMk cId="2614168572" sldId="282"/>
         </pc:sldMkLst>
         <pc:spChg chg="add del mod">
-          <ac:chgData name="Andrew Ming Ho Wu" userId="620d876fccae6a25" providerId="LiveId" clId="{301D553B-ED1B-4DD0-8B60-0326FA0FE40D}" dt="2020-12-03T19:23:50.731" v="4"/>
-          <ac:spMkLst>
-            <pc:docMk/>
-            <pc:sldMk cId="1002563172" sldId="387"/>
-            <ac:spMk id="11" creationId="{BA618F6F-1997-4079-B11E-BC24229FBCC5}"/>
+          <ac:chgData name="Andrew Ming Ho Wu" userId="620d876fccae6a25" providerId="LiveId" clId="{EF3BC0AB-AB59-4C81-97A5-1FDA4EE47D87}" dt="2020-09-27T10:10:20.883" v="5667" actId="1076"/>
+          <ac:spMkLst>
+            <pc:docMk/>
+            <pc:sldMk cId="2614168572" sldId="282"/>
+            <ac:spMk id="13" creationId="{69CF4EEB-ADC9-4068-B7B7-D36841F39D3C}"/>
+          </ac:spMkLst>
+        </pc:spChg>
+        <pc:spChg chg="mod">
+          <ac:chgData name="Andrew Ming Ho Wu" userId="620d876fccae6a25" providerId="LiveId" clId="{EF3BC0AB-AB59-4C81-97A5-1FDA4EE47D87}" dt="2020-09-27T10:15:26.466" v="6060" actId="20577"/>
+          <ac:spMkLst>
+            <pc:docMk/>
+            <pc:sldMk cId="2614168572" sldId="282"/>
+            <ac:spMk id="17" creationId="{48FA683B-0C92-4884-BB36-9239C11A9F11}"/>
+          </ac:spMkLst>
+        </pc:spChg>
+        <pc:picChg chg="mod">
+          <ac:chgData name="Andrew Ming Ho Wu" userId="620d876fccae6a25" providerId="LiveId" clId="{EF3BC0AB-AB59-4C81-97A5-1FDA4EE47D87}" dt="2020-09-26T16:19:38.497" v="1795" actId="1076"/>
+          <ac:picMkLst>
+            <pc:docMk/>
+            <pc:sldMk cId="2614168572" sldId="282"/>
+            <ac:picMk id="2" creationId="{00000000-0000-0000-0000-000000000000}"/>
+          </ac:picMkLst>
+        </pc:picChg>
+      </pc:sldChg>
+      <pc:sldChg chg="del">
+        <pc:chgData name="Andrew Ming Ho Wu" userId="620d876fccae6a25" providerId="LiveId" clId="{EF3BC0AB-AB59-4C81-97A5-1FDA4EE47D87}" dt="2020-09-27T10:35:01.134" v="8520" actId="2696"/>
+        <pc:sldMkLst>
+          <pc:docMk/>
+          <pc:sldMk cId="2263646774" sldId="283"/>
+        </pc:sldMkLst>
+      </pc:sldChg>
+      <pc:sldChg chg="del">
+        <pc:chgData name="Andrew Ming Ho Wu" userId="620d876fccae6a25" providerId="LiveId" clId="{EF3BC0AB-AB59-4C81-97A5-1FDA4EE47D87}" dt="2020-09-27T10:35:01.134" v="8520" actId="2696"/>
+        <pc:sldMkLst>
+          <pc:docMk/>
+          <pc:sldMk cId="1442798169" sldId="284"/>
+        </pc:sldMkLst>
+      </pc:sldChg>
+      <pc:sldChg chg="del">
+        <pc:chgData name="Andrew Ming Ho Wu" userId="620d876fccae6a25" providerId="LiveId" clId="{EF3BC0AB-AB59-4C81-97A5-1FDA4EE47D87}" dt="2020-09-27T10:35:01.134" v="8520" actId="2696"/>
+        <pc:sldMkLst>
+          <pc:docMk/>
+          <pc:sldMk cId="2354016084" sldId="285"/>
+        </pc:sldMkLst>
+      </pc:sldChg>
+      <pc:sldChg chg="del">
+        <pc:chgData name="Andrew Ming Ho Wu" userId="620d876fccae6a25" providerId="LiveId" clId="{EF3BC0AB-AB59-4C81-97A5-1FDA4EE47D87}" dt="2020-09-27T10:35:01.134" v="8520" actId="2696"/>
+        <pc:sldMkLst>
+          <pc:docMk/>
+          <pc:sldMk cId="399849162" sldId="286"/>
+        </pc:sldMkLst>
+      </pc:sldChg>
+      <pc:sldChg chg="del">
+        <pc:chgData name="Andrew Ming Ho Wu" userId="620d876fccae6a25" providerId="LiveId" clId="{EF3BC0AB-AB59-4C81-97A5-1FDA4EE47D87}" dt="2020-09-27T10:35:01.134" v="8520" actId="2696"/>
+        <pc:sldMkLst>
+          <pc:docMk/>
+          <pc:sldMk cId="2878566895" sldId="287"/>
+        </pc:sldMkLst>
+      </pc:sldChg>
+      <pc:sldChg chg="del">
+        <pc:chgData name="Andrew Ming Ho Wu" userId="620d876fccae6a25" providerId="LiveId" clId="{EF3BC0AB-AB59-4C81-97A5-1FDA4EE47D87}" dt="2020-09-27T10:35:01.134" v="8520" actId="2696"/>
+        <pc:sldMkLst>
+          <pc:docMk/>
+          <pc:sldMk cId="2066083013" sldId="288"/>
+        </pc:sldMkLst>
+      </pc:sldChg>
+      <pc:sldChg chg="del">
+        <pc:chgData name="Andrew Ming Ho Wu" userId="620d876fccae6a25" providerId="LiveId" clId="{EF3BC0AB-AB59-4C81-97A5-1FDA4EE47D87}" dt="2020-09-27T10:35:01.134" v="8520" actId="2696"/>
+        <pc:sldMkLst>
+          <pc:docMk/>
+          <pc:sldMk cId="229956835" sldId="289"/>
+        </pc:sldMkLst>
+      </pc:sldChg>
+      <pc:sldChg chg="del">
+        <pc:chgData name="Andrew Ming Ho Wu" userId="620d876fccae6a25" providerId="LiveId" clId="{EF3BC0AB-AB59-4C81-97A5-1FDA4EE47D87}" dt="2020-09-27T10:35:01.134" v="8520" actId="2696"/>
+        <pc:sldMkLst>
+          <pc:docMk/>
+          <pc:sldMk cId="3410851458" sldId="290"/>
+        </pc:sldMkLst>
+      </pc:sldChg>
+      <pc:sldChg chg="del">
+        <pc:chgData name="Andrew Ming Ho Wu" userId="620d876fccae6a25" providerId="LiveId" clId="{EF3BC0AB-AB59-4C81-97A5-1FDA4EE47D87}" dt="2020-09-27T10:35:01.134" v="8520" actId="2696"/>
+        <pc:sldMkLst>
+          <pc:docMk/>
+          <pc:sldMk cId="413486627" sldId="291"/>
+        </pc:sldMkLst>
+      </pc:sldChg>
+      <pc:sldChg chg="del">
+        <pc:chgData name="Andrew Ming Ho Wu" userId="620d876fccae6a25" providerId="LiveId" clId="{EF3BC0AB-AB59-4C81-97A5-1FDA4EE47D87}" dt="2020-09-27T10:35:01.134" v="8520" actId="2696"/>
+        <pc:sldMkLst>
+          <pc:docMk/>
+          <pc:sldMk cId="2556687725" sldId="292"/>
+        </pc:sldMkLst>
+      </pc:sldChg>
+      <pc:sldChg chg="del">
+        <pc:chgData name="Andrew Ming Ho Wu" userId="620d876fccae6a25" providerId="LiveId" clId="{EF3BC0AB-AB59-4C81-97A5-1FDA4EE47D87}" dt="2020-09-27T10:35:01.134" v="8520" actId="2696"/>
+        <pc:sldMkLst>
+          <pc:docMk/>
+          <pc:sldMk cId="3512316335" sldId="293"/>
+        </pc:sldMkLst>
+      </pc:sldChg>
+      <pc:sldChg chg="del">
+        <pc:chgData name="Andrew Ming Ho Wu" userId="620d876fccae6a25" providerId="LiveId" clId="{EF3BC0AB-AB59-4C81-97A5-1FDA4EE47D87}" dt="2020-09-27T10:35:01.134" v="8520" actId="2696"/>
+        <pc:sldMkLst>
+          <pc:docMk/>
+          <pc:sldMk cId="1612569936" sldId="294"/>
+        </pc:sldMkLst>
+      </pc:sldChg>
+      <pc:sldChg chg="del">
+        <pc:chgData name="Andrew Ming Ho Wu" userId="620d876fccae6a25" providerId="LiveId" clId="{EF3BC0AB-AB59-4C81-97A5-1FDA4EE47D87}" dt="2020-09-27T10:35:01.134" v="8520" actId="2696"/>
+        <pc:sldMkLst>
+          <pc:docMk/>
+          <pc:sldMk cId="1824351165" sldId="296"/>
+        </pc:sldMkLst>
+      </pc:sldChg>
+      <pc:sldChg chg="del">
+        <pc:chgData name="Andrew Ming Ho Wu" userId="620d876fccae6a25" providerId="LiveId" clId="{EF3BC0AB-AB59-4C81-97A5-1FDA4EE47D87}" dt="2020-09-27T10:35:01.134" v="8520" actId="2696"/>
+        <pc:sldMkLst>
+          <pc:docMk/>
+          <pc:sldMk cId="4058345036" sldId="297"/>
+        </pc:sldMkLst>
+      </pc:sldChg>
+      <pc:sldChg chg="del">
+        <pc:chgData name="Andrew Ming Ho Wu" userId="620d876fccae6a25" providerId="LiveId" clId="{EF3BC0AB-AB59-4C81-97A5-1FDA4EE47D87}" dt="2020-09-27T10:35:01.134" v="8520" actId="2696"/>
+        <pc:sldMkLst>
+          <pc:docMk/>
+          <pc:sldMk cId="1764176242" sldId="299"/>
+        </pc:sldMkLst>
+      </pc:sldChg>
+      <pc:sldChg chg="del">
+        <pc:chgData name="Andrew Ming Ho Wu" userId="620d876fccae6a25" providerId="LiveId" clId="{EF3BC0AB-AB59-4C81-97A5-1FDA4EE47D87}" dt="2020-09-27T10:35:01.134" v="8520" actId="2696"/>
+        <pc:sldMkLst>
+          <pc:docMk/>
+          <pc:sldMk cId="4186544287" sldId="300"/>
+        </pc:sldMkLst>
+      </pc:sldChg>
+      <pc:sldChg chg="modSp add mod">
+        <pc:chgData name="Andrew Ming Ho Wu" userId="620d876fccae6a25" providerId="LiveId" clId="{EF3BC0AB-AB59-4C81-97A5-1FDA4EE47D87}" dt="2020-09-27T18:42:43.537" v="12616" actId="20577"/>
+        <pc:sldMkLst>
+          <pc:docMk/>
+          <pc:sldMk cId="4141595128" sldId="301"/>
+        </pc:sldMkLst>
+        <pc:spChg chg="mod">
+          <ac:chgData name="Andrew Ming Ho Wu" userId="620d876fccae6a25" providerId="LiveId" clId="{EF3BC0AB-AB59-4C81-97A5-1FDA4EE47D87}" dt="2020-09-26T16:15:33.446" v="1272" actId="20577"/>
+          <ac:spMkLst>
+            <pc:docMk/>
+            <pc:sldMk cId="4141595128" sldId="301"/>
+            <ac:spMk id="5" creationId="{00000000-0000-0000-0000-000000000000}"/>
+          </ac:spMkLst>
+        </pc:spChg>
+        <pc:spChg chg="mod">
+          <ac:chgData name="Andrew Ming Ho Wu" userId="620d876fccae6a25" providerId="LiveId" clId="{EF3BC0AB-AB59-4C81-97A5-1FDA4EE47D87}" dt="2020-09-27T18:42:43.537" v="12616" actId="20577"/>
+          <ac:spMkLst>
+            <pc:docMk/>
+            <pc:sldMk cId="4141595128" sldId="301"/>
+            <ac:spMk id="12" creationId="{7E70BACB-1CF0-4DEE-923B-205A7D88BC2B}"/>
+          </ac:spMkLst>
+        </pc:spChg>
+      </pc:sldChg>
+      <pc:sldChg chg="modSp add mod modNotesTx">
+        <pc:chgData name="Andrew Ming Ho Wu" userId="620d876fccae6a25" providerId="LiveId" clId="{EF3BC0AB-AB59-4C81-97A5-1FDA4EE47D87}" dt="2020-09-27T10:13:25.181" v="5912" actId="255"/>
+        <pc:sldMkLst>
+          <pc:docMk/>
+          <pc:sldMk cId="1181641107" sldId="302"/>
+        </pc:sldMkLst>
+        <pc:spChg chg="mod">
+          <ac:chgData name="Andrew Ming Ho Wu" userId="620d876fccae6a25" providerId="LiveId" clId="{EF3BC0AB-AB59-4C81-97A5-1FDA4EE47D87}" dt="2020-09-27T10:13:25.181" v="5912" actId="255"/>
+          <ac:spMkLst>
+            <pc:docMk/>
+            <pc:sldMk cId="1181641107" sldId="302"/>
+            <ac:spMk id="17" creationId="{48FA683B-0C92-4884-BB36-9239C11A9F11}"/>
+          </ac:spMkLst>
+        </pc:spChg>
+      </pc:sldChg>
+      <pc:sldChg chg="modSp add mod modNotesTx">
+        <pc:chgData name="Andrew Ming Ho Wu" userId="620d876fccae6a25" providerId="LiveId" clId="{EF3BC0AB-AB59-4C81-97A5-1FDA4EE47D87}" dt="2020-09-27T10:17:42.840" v="6267" actId="14100"/>
+        <pc:sldMkLst>
+          <pc:docMk/>
+          <pc:sldMk cId="695323835" sldId="303"/>
+        </pc:sldMkLst>
+        <pc:spChg chg="mod">
+          <ac:chgData name="Andrew Ming Ho Wu" userId="620d876fccae6a25" providerId="LiveId" clId="{EF3BC0AB-AB59-4C81-97A5-1FDA4EE47D87}" dt="2020-09-27T10:17:39.090" v="6265" actId="1076"/>
+          <ac:spMkLst>
+            <pc:docMk/>
+            <pc:sldMk cId="695323835" sldId="303"/>
+            <ac:spMk id="13" creationId="{69CF4EEB-ADC9-4068-B7B7-D36841F39D3C}"/>
+          </ac:spMkLst>
+        </pc:spChg>
+        <pc:spChg chg="mod">
+          <ac:chgData name="Andrew Ming Ho Wu" userId="620d876fccae6a25" providerId="LiveId" clId="{EF3BC0AB-AB59-4C81-97A5-1FDA4EE47D87}" dt="2020-09-27T10:17:42.840" v="6267" actId="14100"/>
+          <ac:spMkLst>
+            <pc:docMk/>
+            <pc:sldMk cId="695323835" sldId="303"/>
+            <ac:spMk id="17" creationId="{48FA683B-0C92-4884-BB36-9239C11A9F11}"/>
+          </ac:spMkLst>
+        </pc:spChg>
+      </pc:sldChg>
+      <pc:sldChg chg="modSp add mod modNotesTx">
+        <pc:chgData name="Andrew Ming Ho Wu" userId="620d876fccae6a25" providerId="LiveId" clId="{EF3BC0AB-AB59-4C81-97A5-1FDA4EE47D87}" dt="2020-09-27T10:19:05.687" v="6412" actId="20577"/>
+        <pc:sldMkLst>
+          <pc:docMk/>
+          <pc:sldMk cId="1731435901" sldId="304"/>
+        </pc:sldMkLst>
+        <pc:spChg chg="mod">
+          <ac:chgData name="Andrew Ming Ho Wu" userId="620d876fccae6a25" providerId="LiveId" clId="{EF3BC0AB-AB59-4C81-97A5-1FDA4EE47D87}" dt="2020-09-27T10:18:55.844" v="6411" actId="313"/>
+          <ac:spMkLst>
+            <pc:docMk/>
+            <pc:sldMk cId="1731435901" sldId="304"/>
+            <ac:spMk id="17" creationId="{48FA683B-0C92-4884-BB36-9239C11A9F11}"/>
+          </ac:spMkLst>
+        </pc:spChg>
+      </pc:sldChg>
+      <pc:sldChg chg="modSp add mod modNotesTx">
+        <pc:chgData name="Andrew Ming Ho Wu" userId="620d876fccae6a25" providerId="LiveId" clId="{EF3BC0AB-AB59-4C81-97A5-1FDA4EE47D87}" dt="2020-09-27T10:20:50.306" v="6644" actId="20577"/>
+        <pc:sldMkLst>
+          <pc:docMk/>
+          <pc:sldMk cId="3921722384" sldId="305"/>
+        </pc:sldMkLst>
+        <pc:spChg chg="mod">
+          <ac:chgData name="Andrew Ming Ho Wu" userId="620d876fccae6a25" providerId="LiveId" clId="{EF3BC0AB-AB59-4C81-97A5-1FDA4EE47D87}" dt="2020-09-27T10:20:34.775" v="6643" actId="20577"/>
+          <ac:spMkLst>
+            <pc:docMk/>
+            <pc:sldMk cId="3921722384" sldId="305"/>
+            <ac:spMk id="17" creationId="{48FA683B-0C92-4884-BB36-9239C11A9F11}"/>
+          </ac:spMkLst>
+        </pc:spChg>
+      </pc:sldChg>
+      <pc:sldChg chg="modSp add mod modNotesTx">
+        <pc:chgData name="Andrew Ming Ho Wu" userId="620d876fccae6a25" providerId="LiveId" clId="{EF3BC0AB-AB59-4C81-97A5-1FDA4EE47D87}" dt="2020-09-27T10:21:37.258" v="6762" actId="20577"/>
+        <pc:sldMkLst>
+          <pc:docMk/>
+          <pc:sldMk cId="393541412" sldId="306"/>
+        </pc:sldMkLst>
+        <pc:spChg chg="mod">
+          <ac:chgData name="Andrew Ming Ho Wu" userId="620d876fccae6a25" providerId="LiveId" clId="{EF3BC0AB-AB59-4C81-97A5-1FDA4EE47D87}" dt="2020-09-27T10:21:32.006" v="6761" actId="20577"/>
+          <ac:spMkLst>
+            <pc:docMk/>
+            <pc:sldMk cId="393541412" sldId="306"/>
+            <ac:spMk id="17" creationId="{48FA683B-0C92-4884-BB36-9239C11A9F11}"/>
+          </ac:spMkLst>
+        </pc:spChg>
+      </pc:sldChg>
+      <pc:sldChg chg="modSp add mod modNotesTx">
+        <pc:chgData name="Andrew Ming Ho Wu" userId="620d876fccae6a25" providerId="LiveId" clId="{EF3BC0AB-AB59-4C81-97A5-1FDA4EE47D87}" dt="2020-09-27T10:21:47.784" v="6763" actId="255"/>
+        <pc:sldMkLst>
+          <pc:docMk/>
+          <pc:sldMk cId="696112063" sldId="307"/>
+        </pc:sldMkLst>
+        <pc:spChg chg="mod">
+          <ac:chgData name="Andrew Ming Ho Wu" userId="620d876fccae6a25" providerId="LiveId" clId="{EF3BC0AB-AB59-4C81-97A5-1FDA4EE47D87}" dt="2020-09-27T10:21:47.784" v="6763" actId="255"/>
+          <ac:spMkLst>
+            <pc:docMk/>
+            <pc:sldMk cId="696112063" sldId="307"/>
+            <ac:spMk id="17" creationId="{48FA683B-0C92-4884-BB36-9239C11A9F11}"/>
+          </ac:spMkLst>
+        </pc:spChg>
+      </pc:sldChg>
+      <pc:sldChg chg="modSp add mod modNotesTx">
+        <pc:chgData name="Andrew Ming Ho Wu" userId="620d876fccae6a25" providerId="LiveId" clId="{EF3BC0AB-AB59-4C81-97A5-1FDA4EE47D87}" dt="2020-09-27T10:22:20.056" v="6856" actId="20577"/>
+        <pc:sldMkLst>
+          <pc:docMk/>
+          <pc:sldMk cId="2138515264" sldId="308"/>
+        </pc:sldMkLst>
+        <pc:spChg chg="mod">
+          <ac:chgData name="Andrew Ming Ho Wu" userId="620d876fccae6a25" providerId="LiveId" clId="{EF3BC0AB-AB59-4C81-97A5-1FDA4EE47D87}" dt="2020-09-27T10:22:20.056" v="6856" actId="20577"/>
+          <ac:spMkLst>
+            <pc:docMk/>
+            <pc:sldMk cId="2138515264" sldId="308"/>
+            <ac:spMk id="17" creationId="{48FA683B-0C92-4884-BB36-9239C11A9F11}"/>
+          </ac:spMkLst>
+        </pc:spChg>
+      </pc:sldChg>
+      <pc:sldChg chg="modSp add mod modNotesTx">
+        <pc:chgData name="Andrew Ming Ho Wu" userId="620d876fccae6a25" providerId="LiveId" clId="{EF3BC0AB-AB59-4C81-97A5-1FDA4EE47D87}" dt="2020-09-27T10:23:00.536" v="6930" actId="20577"/>
+        <pc:sldMkLst>
+          <pc:docMk/>
+          <pc:sldMk cId="2113135599" sldId="309"/>
+        </pc:sldMkLst>
+        <pc:spChg chg="mod">
+          <ac:chgData name="Andrew Ming Ho Wu" userId="620d876fccae6a25" providerId="LiveId" clId="{EF3BC0AB-AB59-4C81-97A5-1FDA4EE47D87}" dt="2020-09-27T10:23:00.536" v="6930" actId="20577"/>
+          <ac:spMkLst>
+            <pc:docMk/>
+            <pc:sldMk cId="2113135599" sldId="309"/>
+            <ac:spMk id="17" creationId="{48FA683B-0C92-4884-BB36-9239C11A9F11}"/>
+          </ac:spMkLst>
+        </pc:spChg>
+      </pc:sldChg>
+      <pc:sldChg chg="modSp add mod modNotesTx">
+        <pc:chgData name="Andrew Ming Ho Wu" userId="620d876fccae6a25" providerId="LiveId" clId="{EF3BC0AB-AB59-4C81-97A5-1FDA4EE47D87}" dt="2020-09-27T10:23:44.427" v="6931" actId="255"/>
+        <pc:sldMkLst>
+          <pc:docMk/>
+          <pc:sldMk cId="3619567919" sldId="310"/>
+        </pc:sldMkLst>
+        <pc:spChg chg="mod">
+          <ac:chgData name="Andrew Ming Ho Wu" userId="620d876fccae6a25" providerId="LiveId" clId="{EF3BC0AB-AB59-4C81-97A5-1FDA4EE47D87}" dt="2020-09-27T10:01:03.972" v="4768" actId="1076"/>
+          <ac:spMkLst>
+            <pc:docMk/>
+            <pc:sldMk cId="3619567919" sldId="310"/>
+            <ac:spMk id="13" creationId="{69CF4EEB-ADC9-4068-B7B7-D36841F39D3C}"/>
+          </ac:spMkLst>
+        </pc:spChg>
+        <pc:spChg chg="mod">
+          <ac:chgData name="Andrew Ming Ho Wu" userId="620d876fccae6a25" providerId="LiveId" clId="{EF3BC0AB-AB59-4C81-97A5-1FDA4EE47D87}" dt="2020-09-27T10:23:44.427" v="6931" actId="255"/>
+          <ac:spMkLst>
+            <pc:docMk/>
+            <pc:sldMk cId="3619567919" sldId="310"/>
+            <ac:spMk id="17" creationId="{48FA683B-0C92-4884-BB36-9239C11A9F11}"/>
+          </ac:spMkLst>
+        </pc:spChg>
+      </pc:sldChg>
+      <pc:sldChg chg="modSp add mod modNotesTx">
+        <pc:chgData name="Andrew Ming Ho Wu" userId="620d876fccae6a25" providerId="LiveId" clId="{EF3BC0AB-AB59-4C81-97A5-1FDA4EE47D87}" dt="2020-09-27T10:24:04.623" v="6933" actId="20577"/>
+        <pc:sldMkLst>
+          <pc:docMk/>
+          <pc:sldMk cId="4241162783" sldId="311"/>
+        </pc:sldMkLst>
+        <pc:spChg chg="mod">
+          <ac:chgData name="Andrew Ming Ho Wu" userId="620d876fccae6a25" providerId="LiveId" clId="{EF3BC0AB-AB59-4C81-97A5-1FDA4EE47D87}" dt="2020-09-27T10:23:51.587" v="6932" actId="255"/>
+          <ac:spMkLst>
+            <pc:docMk/>
+            <pc:sldMk cId="4241162783" sldId="311"/>
+            <ac:spMk id="17" creationId="{48FA683B-0C92-4884-BB36-9239C11A9F11}"/>
+          </ac:spMkLst>
+        </pc:spChg>
+      </pc:sldChg>
+      <pc:sldChg chg="modSp add mod modNotesTx">
+        <pc:chgData name="Andrew Ming Ho Wu" userId="620d876fccae6a25" providerId="LiveId" clId="{EF3BC0AB-AB59-4C81-97A5-1FDA4EE47D87}" dt="2020-09-27T10:24:22.320" v="6935" actId="20577"/>
+        <pc:sldMkLst>
+          <pc:docMk/>
+          <pc:sldMk cId="1035541448" sldId="312"/>
+        </pc:sldMkLst>
+        <pc:spChg chg="mod">
+          <ac:chgData name="Andrew Ming Ho Wu" userId="620d876fccae6a25" providerId="LiveId" clId="{EF3BC0AB-AB59-4C81-97A5-1FDA4EE47D87}" dt="2020-09-27T10:24:10.906" v="6934" actId="255"/>
+          <ac:spMkLst>
+            <pc:docMk/>
+            <pc:sldMk cId="1035541448" sldId="312"/>
+            <ac:spMk id="17" creationId="{48FA683B-0C92-4884-BB36-9239C11A9F11}"/>
+          </ac:spMkLst>
+        </pc:spChg>
+      </pc:sldChg>
+      <pc:sldChg chg="modSp add mod">
+        <pc:chgData name="Andrew Ming Ho Wu" userId="620d876fccae6a25" providerId="LiveId" clId="{EF3BC0AB-AB59-4C81-97A5-1FDA4EE47D87}" dt="2020-09-27T10:25:36.179" v="7152" actId="20577"/>
+        <pc:sldMkLst>
+          <pc:docMk/>
+          <pc:sldMk cId="1627687639" sldId="313"/>
+        </pc:sldMkLst>
+        <pc:spChg chg="mod">
+          <ac:chgData name="Andrew Ming Ho Wu" userId="620d876fccae6a25" providerId="LiveId" clId="{EF3BC0AB-AB59-4C81-97A5-1FDA4EE47D87}" dt="2020-09-27T10:25:36.179" v="7152" actId="20577"/>
+          <ac:spMkLst>
+            <pc:docMk/>
+            <pc:sldMk cId="1627687639" sldId="313"/>
+            <ac:spMk id="17" creationId="{48FA683B-0C92-4884-BB36-9239C11A9F11}"/>
+          </ac:spMkLst>
+        </pc:spChg>
+      </pc:sldChg>
+      <pc:sldChg chg="modSp add mod">
+        <pc:chgData name="Andrew Ming Ho Wu" userId="620d876fccae6a25" providerId="LiveId" clId="{EF3BC0AB-AB59-4C81-97A5-1FDA4EE47D87}" dt="2020-09-27T10:32:13.605" v="8194" actId="20577"/>
+        <pc:sldMkLst>
+          <pc:docMk/>
+          <pc:sldMk cId="1950776556" sldId="314"/>
+        </pc:sldMkLst>
+        <pc:spChg chg="mod">
+          <ac:chgData name="Andrew Ming Ho Wu" userId="620d876fccae6a25" providerId="LiveId" clId="{EF3BC0AB-AB59-4C81-97A5-1FDA4EE47D87}" dt="2020-09-27T10:32:13.605" v="8194" actId="20577"/>
+          <ac:spMkLst>
+            <pc:docMk/>
+            <pc:sldMk cId="1950776556" sldId="314"/>
+            <ac:spMk id="17" creationId="{48FA683B-0C92-4884-BB36-9239C11A9F11}"/>
+          </ac:spMkLst>
+        </pc:spChg>
+      </pc:sldChg>
+      <pc:sldChg chg="modSp add mod">
+        <pc:chgData name="Andrew Ming Ho Wu" userId="620d876fccae6a25" providerId="LiveId" clId="{EF3BC0AB-AB59-4C81-97A5-1FDA4EE47D87}" dt="2020-09-27T10:32:16.641" v="8196" actId="20577"/>
+        <pc:sldMkLst>
+          <pc:docMk/>
+          <pc:sldMk cId="3899163142" sldId="315"/>
+        </pc:sldMkLst>
+        <pc:spChg chg="mod">
+          <ac:chgData name="Andrew Ming Ho Wu" userId="620d876fccae6a25" providerId="LiveId" clId="{EF3BC0AB-AB59-4C81-97A5-1FDA4EE47D87}" dt="2020-09-27T10:32:16.641" v="8196" actId="20577"/>
+          <ac:spMkLst>
+            <pc:docMk/>
+            <pc:sldMk cId="3899163142" sldId="315"/>
+            <ac:spMk id="17" creationId="{48FA683B-0C92-4884-BB36-9239C11A9F11}"/>
+          </ac:spMkLst>
+        </pc:spChg>
+      </pc:sldChg>
+      <pc:sldChg chg="modSp add mod">
+        <pc:chgData name="Andrew Ming Ho Wu" userId="620d876fccae6a25" providerId="LiveId" clId="{EF3BC0AB-AB59-4C81-97A5-1FDA4EE47D87}" dt="2020-09-27T10:32:19.922" v="8198" actId="20577"/>
+        <pc:sldMkLst>
+          <pc:docMk/>
+          <pc:sldMk cId="2313566969" sldId="316"/>
+        </pc:sldMkLst>
+        <pc:spChg chg="mod">
+          <ac:chgData name="Andrew Ming Ho Wu" userId="620d876fccae6a25" providerId="LiveId" clId="{EF3BC0AB-AB59-4C81-97A5-1FDA4EE47D87}" dt="2020-09-27T10:32:19.922" v="8198" actId="20577"/>
+          <ac:spMkLst>
+            <pc:docMk/>
+            <pc:sldMk cId="2313566969" sldId="316"/>
+            <ac:spMk id="17" creationId="{48FA683B-0C92-4884-BB36-9239C11A9F11}"/>
+          </ac:spMkLst>
+        </pc:spChg>
+      </pc:sldChg>
+      <pc:sldChg chg="modSp add mod">
+        <pc:chgData name="Andrew Ming Ho Wu" userId="620d876fccae6a25" providerId="LiveId" clId="{EF3BC0AB-AB59-4C81-97A5-1FDA4EE47D87}" dt="2020-09-27T10:32:55.790" v="8288" actId="1076"/>
+        <pc:sldMkLst>
+          <pc:docMk/>
+          <pc:sldMk cId="525558553" sldId="317"/>
+        </pc:sldMkLst>
+        <pc:spChg chg="mod">
+          <ac:chgData name="Andrew Ming Ho Wu" userId="620d876fccae6a25" providerId="LiveId" clId="{EF3BC0AB-AB59-4C81-97A5-1FDA4EE47D87}" dt="2020-09-27T10:32:55.790" v="8288" actId="1076"/>
+          <ac:spMkLst>
+            <pc:docMk/>
+            <pc:sldMk cId="525558553" sldId="317"/>
+            <ac:spMk id="17" creationId="{48FA683B-0C92-4884-BB36-9239C11A9F11}"/>
+          </ac:spMkLst>
+        </pc:spChg>
+      </pc:sldChg>
+      <pc:sldChg chg="modSp add mod">
+        <pc:chgData name="Andrew Ming Ho Wu" userId="620d876fccae6a25" providerId="LiveId" clId="{EF3BC0AB-AB59-4C81-97A5-1FDA4EE47D87}" dt="2020-09-27T10:33:59.156" v="8519" actId="20577"/>
+        <pc:sldMkLst>
+          <pc:docMk/>
+          <pc:sldMk cId="2450840084" sldId="318"/>
+        </pc:sldMkLst>
+        <pc:spChg chg="mod">
+          <ac:chgData name="Andrew Ming Ho Wu" userId="620d876fccae6a25" providerId="LiveId" clId="{EF3BC0AB-AB59-4C81-97A5-1FDA4EE47D87}" dt="2020-09-27T10:33:59.156" v="8519" actId="20577"/>
+          <ac:spMkLst>
+            <pc:docMk/>
+            <pc:sldMk cId="2450840084" sldId="318"/>
+            <ac:spMk id="17" creationId="{48FA683B-0C92-4884-BB36-9239C11A9F11}"/>
+          </ac:spMkLst>
+        </pc:spChg>
+      </pc:sldChg>
+      <pc:sldChg chg="addSp delSp modSp add mod">
+        <pc:chgData name="Andrew Ming Ho Wu" userId="620d876fccae6a25" providerId="LiveId" clId="{EF3BC0AB-AB59-4C81-97A5-1FDA4EE47D87}" dt="2020-09-27T10:39:14.873" v="9058" actId="20577"/>
+        <pc:sldMkLst>
+          <pc:docMk/>
+          <pc:sldMk cId="3241138585" sldId="319"/>
+        </pc:sldMkLst>
+        <pc:spChg chg="mod">
+          <ac:chgData name="Andrew Ming Ho Wu" userId="620d876fccae6a25" providerId="LiveId" clId="{EF3BC0AB-AB59-4C81-97A5-1FDA4EE47D87}" dt="2020-09-27T10:35:24.156" v="8547" actId="1076"/>
+          <ac:spMkLst>
+            <pc:docMk/>
+            <pc:sldMk cId="3241138585" sldId="319"/>
+            <ac:spMk id="13" creationId="{69CF4EEB-ADC9-4068-B7B7-D36841F39D3C}"/>
+          </ac:spMkLst>
+        </pc:spChg>
+        <pc:spChg chg="add del mod">
+          <ac:chgData name="Andrew Ming Ho Wu" userId="620d876fccae6a25" providerId="LiveId" clId="{EF3BC0AB-AB59-4C81-97A5-1FDA4EE47D87}" dt="2020-09-27T10:39:14.873" v="9058" actId="20577"/>
+          <ac:spMkLst>
+            <pc:docMk/>
+            <pc:sldMk cId="3241138585" sldId="319"/>
+            <ac:spMk id="17" creationId="{48FA683B-0C92-4884-BB36-9239C11A9F11}"/>
+          </ac:spMkLst>
+        </pc:spChg>
+      </pc:sldChg>
+      <pc:sldChg chg="modSp add mod">
+        <pc:chgData name="Andrew Ming Ho Wu" userId="620d876fccae6a25" providerId="LiveId" clId="{EF3BC0AB-AB59-4C81-97A5-1FDA4EE47D87}" dt="2020-09-27T10:43:27.516" v="9560" actId="20577"/>
+        <pc:sldMkLst>
+          <pc:docMk/>
+          <pc:sldMk cId="597090878" sldId="320"/>
+        </pc:sldMkLst>
+        <pc:spChg chg="mod">
+          <ac:chgData name="Andrew Ming Ho Wu" userId="620d876fccae6a25" providerId="LiveId" clId="{EF3BC0AB-AB59-4C81-97A5-1FDA4EE47D87}" dt="2020-09-27T10:43:27.516" v="9560" actId="20577"/>
+          <ac:spMkLst>
+            <pc:docMk/>
+            <pc:sldMk cId="597090878" sldId="320"/>
+            <ac:spMk id="17" creationId="{48FA683B-0C92-4884-BB36-9239C11A9F11}"/>
+          </ac:spMkLst>
+        </pc:spChg>
+      </pc:sldChg>
+      <pc:sldChg chg="addSp delSp modSp add mod">
+        <pc:chgData name="Andrew Ming Ho Wu" userId="620d876fccae6a25" providerId="LiveId" clId="{EF3BC0AB-AB59-4C81-97A5-1FDA4EE47D87}" dt="2020-09-27T10:58:39.244" v="9567"/>
+        <pc:sldMkLst>
+          <pc:docMk/>
+          <pc:sldMk cId="3935872265" sldId="321"/>
+        </pc:sldMkLst>
+        <pc:spChg chg="del mod">
+          <ac:chgData name="Andrew Ming Ho Wu" userId="620d876fccae6a25" providerId="LiveId" clId="{EF3BC0AB-AB59-4C81-97A5-1FDA4EE47D87}" dt="2020-09-27T10:58:39.244" v="9567"/>
+          <ac:spMkLst>
+            <pc:docMk/>
+            <pc:sldMk cId="3935872265" sldId="321"/>
+            <ac:spMk id="17" creationId="{48FA683B-0C92-4884-BB36-9239C11A9F11}"/>
+          </ac:spMkLst>
+        </pc:spChg>
+        <pc:picChg chg="add mod">
+          <ac:chgData name="Andrew Ming Ho Wu" userId="620d876fccae6a25" providerId="LiveId" clId="{EF3BC0AB-AB59-4C81-97A5-1FDA4EE47D87}" dt="2020-09-27T10:58:38.641" v="9565" actId="14100"/>
+          <ac:picMkLst>
+            <pc:docMk/>
+            <pc:sldMk cId="3935872265" sldId="321"/>
+            <ac:picMk id="6" creationId="{9A9BF99D-7F84-4233-BC72-E8CC5BE0B067}"/>
+          </ac:picMkLst>
+        </pc:picChg>
+      </pc:sldChg>
+      <pc:sldChg chg="addSp delSp modSp add mod">
+        <pc:chgData name="Andrew Ming Ho Wu" userId="620d876fccae6a25" providerId="LiveId" clId="{EF3BC0AB-AB59-4C81-97A5-1FDA4EE47D87}" dt="2020-09-27T11:03:15.071" v="9639" actId="313"/>
+        <pc:sldMkLst>
+          <pc:docMk/>
+          <pc:sldMk cId="2428145897" sldId="322"/>
+        </pc:sldMkLst>
+        <pc:spChg chg="add del">
+          <ac:chgData name="Andrew Ming Ho Wu" userId="620d876fccae6a25" providerId="LiveId" clId="{EF3BC0AB-AB59-4C81-97A5-1FDA4EE47D87}" dt="2020-09-27T11:02:08.216" v="9585" actId="478"/>
+          <ac:spMkLst>
+            <pc:docMk/>
+            <pc:sldMk cId="2428145897" sldId="322"/>
+            <ac:spMk id="14" creationId="{82204D47-3F7F-4F81-9F0B-B8D05A4A12AB}"/>
+          </ac:spMkLst>
+        </pc:spChg>
+        <pc:spChg chg="add del mod">
+          <ac:chgData name="Andrew Ming Ho Wu" userId="620d876fccae6a25" providerId="LiveId" clId="{EF3BC0AB-AB59-4C81-97A5-1FDA4EE47D87}" dt="2020-09-27T11:03:15.071" v="9639" actId="313"/>
+          <ac:spMkLst>
+            <pc:docMk/>
+            <pc:sldMk cId="2428145897" sldId="322"/>
+            <ac:spMk id="16" creationId="{F047BA3C-54FB-4687-843D-9C20754A8819}"/>
+          </ac:spMkLst>
+        </pc:spChg>
+        <pc:spChg chg="add del">
+          <ac:chgData name="Andrew Ming Ho Wu" userId="620d876fccae6a25" providerId="LiveId" clId="{EF3BC0AB-AB59-4C81-97A5-1FDA4EE47D87}" dt="2020-09-27T11:00:26.377" v="9575" actId="22"/>
+          <ac:spMkLst>
+            <pc:docMk/>
+            <pc:sldMk cId="2428145897" sldId="322"/>
+            <ac:spMk id="18" creationId="{BF7EA6D2-8A4A-4CBD-BC10-20FE1AFEFC61}"/>
+          </ac:spMkLst>
+        </pc:spChg>
+        <pc:picChg chg="add del">
+          <ac:chgData name="Andrew Ming Ho Wu" userId="620d876fccae6a25" providerId="LiveId" clId="{EF3BC0AB-AB59-4C81-97A5-1FDA4EE47D87}" dt="2020-09-27T11:02:07.818" v="9583" actId="478"/>
+          <ac:picMkLst>
+            <pc:docMk/>
+            <pc:sldMk cId="2428145897" sldId="322"/>
+            <ac:picMk id="6" creationId="{9A9BF99D-7F84-4233-BC72-E8CC5BE0B067}"/>
+          </ac:picMkLst>
+        </pc:picChg>
+      </pc:sldChg>
+      <pc:sldChg chg="addSp delSp modSp add mod">
+        <pc:chgData name="Andrew Ming Ho Wu" userId="620d876fccae6a25" providerId="LiveId" clId="{EF3BC0AB-AB59-4C81-97A5-1FDA4EE47D87}" dt="2020-09-27T18:22:25.987" v="10124" actId="20577"/>
+        <pc:sldMkLst>
+          <pc:docMk/>
+          <pc:sldMk cId="3584881285" sldId="323"/>
+        </pc:sldMkLst>
+        <pc:spChg chg="add mod">
+          <ac:chgData name="Andrew Ming Ho Wu" userId="620d876fccae6a25" providerId="LiveId" clId="{EF3BC0AB-AB59-4C81-97A5-1FDA4EE47D87}" dt="2020-09-27T18:22:25.987" v="10124" actId="20577"/>
+          <ac:spMkLst>
+            <pc:docMk/>
+            <pc:sldMk cId="3584881285" sldId="323"/>
+            <ac:spMk id="7" creationId="{E4AD51E1-FCF3-4A0C-8B1A-3C58F573459E}"/>
+          </ac:spMkLst>
+        </pc:spChg>
+        <pc:spChg chg="mod">
+          <ac:chgData name="Andrew Ming Ho Wu" userId="620d876fccae6a25" providerId="LiveId" clId="{EF3BC0AB-AB59-4C81-97A5-1FDA4EE47D87}" dt="2020-09-27T11:03:33.284" v="9673" actId="1076"/>
+          <ac:spMkLst>
+            <pc:docMk/>
+            <pc:sldMk cId="3584881285" sldId="323"/>
+            <ac:spMk id="13" creationId="{69CF4EEB-ADC9-4068-B7B7-D36841F39D3C}"/>
+          </ac:spMkLst>
+        </pc:spChg>
+        <pc:spChg chg="del mod">
+          <ac:chgData name="Andrew Ming Ho Wu" userId="620d876fccae6a25" providerId="LiveId" clId="{EF3BC0AB-AB59-4C81-97A5-1FDA4EE47D87}" dt="2020-09-27T11:03:36.351" v="9676"/>
+          <ac:spMkLst>
+            <pc:docMk/>
+            <pc:sldMk cId="3584881285" sldId="323"/>
+            <ac:spMk id="16" creationId="{F047BA3C-54FB-4687-843D-9C20754A8819}"/>
+          </ac:spMkLst>
+        </pc:spChg>
+        <pc:graphicFrameChg chg="add del mod">
+          <ac:chgData name="Andrew Ming Ho Wu" userId="620d876fccae6a25" providerId="LiveId" clId="{EF3BC0AB-AB59-4C81-97A5-1FDA4EE47D87}" dt="2020-09-27T18:18:59.929" v="9678"/>
+          <ac:graphicFrameMkLst>
+            <pc:docMk/>
+            <pc:sldMk cId="3584881285" sldId="323"/>
+            <ac:graphicFrameMk id="6" creationId="{60167984-0F6D-44F1-A20D-E8267DCC0337}"/>
+          </ac:graphicFrameMkLst>
+        </pc:graphicFrameChg>
+      </pc:sldChg>
+      <pc:sldChg chg="modSp add mod">
+        <pc:chgData name="Andrew Ming Ho Wu" userId="620d876fccae6a25" providerId="LiveId" clId="{EF3BC0AB-AB59-4C81-97A5-1FDA4EE47D87}" dt="2020-09-27T18:24:49.019" v="10398" actId="20577"/>
+        <pc:sldMkLst>
+          <pc:docMk/>
+          <pc:sldMk cId="1769369266" sldId="324"/>
+        </pc:sldMkLst>
+        <pc:spChg chg="mod">
+          <ac:chgData name="Andrew Ming Ho Wu" userId="620d876fccae6a25" providerId="LiveId" clId="{EF3BC0AB-AB59-4C81-97A5-1FDA4EE47D87}" dt="2020-09-27T18:24:49.019" v="10398" actId="20577"/>
+          <ac:spMkLst>
+            <pc:docMk/>
+            <pc:sldMk cId="1769369266" sldId="324"/>
+            <ac:spMk id="7" creationId="{E4AD51E1-FCF3-4A0C-8B1A-3C58F573459E}"/>
+          </ac:spMkLst>
+        </pc:spChg>
+      </pc:sldChg>
+      <pc:sldChg chg="modSp add mod">
+        <pc:chgData name="Andrew Ming Ho Wu" userId="620d876fccae6a25" providerId="LiveId" clId="{EF3BC0AB-AB59-4C81-97A5-1FDA4EE47D87}" dt="2020-09-27T18:29:32.927" v="10814" actId="20577"/>
+        <pc:sldMkLst>
+          <pc:docMk/>
+          <pc:sldMk cId="3774335670" sldId="325"/>
+        </pc:sldMkLst>
+        <pc:spChg chg="mod">
+          <ac:chgData name="Andrew Ming Ho Wu" userId="620d876fccae6a25" providerId="LiveId" clId="{EF3BC0AB-AB59-4C81-97A5-1FDA4EE47D87}" dt="2020-09-27T18:29:32.927" v="10814" actId="20577"/>
+          <ac:spMkLst>
+            <pc:docMk/>
+            <pc:sldMk cId="3774335670" sldId="325"/>
+            <ac:spMk id="7" creationId="{E4AD51E1-FCF3-4A0C-8B1A-3C58F573459E}"/>
+          </ac:spMkLst>
+        </pc:spChg>
+        <pc:spChg chg="mod">
+          <ac:chgData name="Andrew Ming Ho Wu" userId="620d876fccae6a25" providerId="LiveId" clId="{EF3BC0AB-AB59-4C81-97A5-1FDA4EE47D87}" dt="2020-09-27T18:26:27.870" v="10420" actId="20577"/>
+          <ac:spMkLst>
+            <pc:docMk/>
+            <pc:sldMk cId="3774335670" sldId="325"/>
+            <ac:spMk id="13" creationId="{69CF4EEB-ADC9-4068-B7B7-D36841F39D3C}"/>
+          </ac:spMkLst>
+        </pc:spChg>
+      </pc:sldChg>
+      <pc:sldChg chg="add del">
+        <pc:chgData name="Andrew Ming Ho Wu" userId="620d876fccae6a25" providerId="LiveId" clId="{EF3BC0AB-AB59-4C81-97A5-1FDA4EE47D87}" dt="2020-09-27T18:26:21.489" v="10401" actId="2696"/>
+        <pc:sldMkLst>
+          <pc:docMk/>
+          <pc:sldMk cId="828494221" sldId="326"/>
+        </pc:sldMkLst>
+      </pc:sldChg>
+      <pc:sldChg chg="modSp add mod">
+        <pc:chgData name="Andrew Ming Ho Wu" userId="620d876fccae6a25" providerId="LiveId" clId="{EF3BC0AB-AB59-4C81-97A5-1FDA4EE47D87}" dt="2020-09-27T18:34:03.877" v="11494" actId="1076"/>
+        <pc:sldMkLst>
+          <pc:docMk/>
+          <pc:sldMk cId="1449775771" sldId="326"/>
+        </pc:sldMkLst>
+        <pc:spChg chg="mod">
+          <ac:chgData name="Andrew Ming Ho Wu" userId="620d876fccae6a25" providerId="LiveId" clId="{EF3BC0AB-AB59-4C81-97A5-1FDA4EE47D87}" dt="2020-09-27T18:33:51.120" v="11492" actId="1076"/>
+          <ac:spMkLst>
+            <pc:docMk/>
+            <pc:sldMk cId="1449775771" sldId="326"/>
+            <ac:spMk id="7" creationId="{E4AD51E1-FCF3-4A0C-8B1A-3C58F573459E}"/>
+          </ac:spMkLst>
+        </pc:spChg>
+        <pc:spChg chg="mod">
+          <ac:chgData name="Andrew Ming Ho Wu" userId="620d876fccae6a25" providerId="LiveId" clId="{EF3BC0AB-AB59-4C81-97A5-1FDA4EE47D87}" dt="2020-09-27T18:34:03.877" v="11494" actId="1076"/>
+          <ac:spMkLst>
+            <pc:docMk/>
+            <pc:sldMk cId="1449775771" sldId="326"/>
+            <ac:spMk id="13" creationId="{69CF4EEB-ADC9-4068-B7B7-D36841F39D3C}"/>
+          </ac:spMkLst>
+        </pc:spChg>
+      </pc:sldChg>
+      <pc:sldChg chg="addSp delSp modSp add mod">
+        <pc:chgData name="Andrew Ming Ho Wu" userId="620d876fccae6a25" providerId="LiveId" clId="{EF3BC0AB-AB59-4C81-97A5-1FDA4EE47D87}" dt="2020-09-27T18:38:02.661" v="11934" actId="1076"/>
+        <pc:sldMkLst>
+          <pc:docMk/>
+          <pc:sldMk cId="4259034908" sldId="327"/>
+        </pc:sldMkLst>
+        <pc:spChg chg="add">
+          <ac:chgData name="Andrew Ming Ho Wu" userId="620d876fccae6a25" providerId="LiveId" clId="{EF3BC0AB-AB59-4C81-97A5-1FDA4EE47D87}" dt="2020-09-27T18:36:26.362" v="11607" actId="22"/>
+          <ac:spMkLst>
+            <pc:docMk/>
+            <pc:sldMk cId="4259034908" sldId="327"/>
+            <ac:spMk id="6" creationId="{BEC9B985-01E2-4E66-9346-091B101327B3}"/>
+          </ac:spMkLst>
+        </pc:spChg>
+        <pc:spChg chg="mod">
+          <ac:chgData name="Andrew Ming Ho Wu" userId="620d876fccae6a25" providerId="LiveId" clId="{EF3BC0AB-AB59-4C81-97A5-1FDA4EE47D87}" dt="2020-09-27T18:38:02.661" v="11934" actId="1076"/>
+          <ac:spMkLst>
+            <pc:docMk/>
+            <pc:sldMk cId="4259034908" sldId="327"/>
+            <ac:spMk id="7" creationId="{E4AD51E1-FCF3-4A0C-8B1A-3C58F573459E}"/>
+          </ac:spMkLst>
+        </pc:spChg>
+        <pc:spChg chg="del mod">
+          <ac:chgData name="Andrew Ming Ho Wu" userId="620d876fccae6a25" providerId="LiveId" clId="{EF3BC0AB-AB59-4C81-97A5-1FDA4EE47D87}" dt="2020-09-27T18:36:26.036" v="11606" actId="478"/>
+          <ac:spMkLst>
+            <pc:docMk/>
+            <pc:sldMk cId="4259034908" sldId="327"/>
+            <ac:spMk id="13" creationId="{69CF4EEB-ADC9-4068-B7B7-D36841F39D3C}"/>
+          </ac:spMkLst>
+        </pc:spChg>
+      </pc:sldChg>
+      <pc:sldChg chg="modSp add mod">
+        <pc:chgData name="Andrew Ming Ho Wu" userId="620d876fccae6a25" providerId="LiveId" clId="{EF3BC0AB-AB59-4C81-97A5-1FDA4EE47D87}" dt="2020-09-27T18:41:40.924" v="12570" actId="20577"/>
+        <pc:sldMkLst>
+          <pc:docMk/>
+          <pc:sldMk cId="2174425840" sldId="328"/>
+        </pc:sldMkLst>
+        <pc:spChg chg="mod">
+          <ac:chgData name="Andrew Ming Ho Wu" userId="620d876fccae6a25" providerId="LiveId" clId="{EF3BC0AB-AB59-4C81-97A5-1FDA4EE47D87}" dt="2020-09-27T18:41:40.924" v="12570" actId="20577"/>
+          <ac:spMkLst>
+            <pc:docMk/>
+            <pc:sldMk cId="2174425840" sldId="328"/>
+            <ac:spMk id="7" creationId="{E4AD51E1-FCF3-4A0C-8B1A-3C58F573459E}"/>
+          </ac:spMkLst>
+        </pc:spChg>
+      </pc:sldChg>
+      <pc:sldChg chg="modSp add mod">
+        <pc:chgData name="Andrew Ming Ho Wu" userId="620d876fccae6a25" providerId="LiveId" clId="{EF3BC0AB-AB59-4C81-97A5-1FDA4EE47D87}" dt="2020-09-27T18:48:04.723" v="13177" actId="20577"/>
+        <pc:sldMkLst>
+          <pc:docMk/>
+          <pc:sldMk cId="428898620" sldId="329"/>
+        </pc:sldMkLst>
+        <pc:spChg chg="mod">
+          <ac:chgData name="Andrew Ming Ho Wu" userId="620d876fccae6a25" providerId="LiveId" clId="{EF3BC0AB-AB59-4C81-97A5-1FDA4EE47D87}" dt="2020-09-27T18:43:02.482" v="12622" actId="20577"/>
+          <ac:spMkLst>
+            <pc:docMk/>
+            <pc:sldMk cId="428898620" sldId="329"/>
+            <ac:spMk id="5" creationId="{00000000-0000-0000-0000-000000000000}"/>
+          </ac:spMkLst>
+        </pc:spChg>
+        <pc:spChg chg="mod">
+          <ac:chgData name="Andrew Ming Ho Wu" userId="620d876fccae6a25" providerId="LiveId" clId="{EF3BC0AB-AB59-4C81-97A5-1FDA4EE47D87}" dt="2020-09-27T18:48:04.723" v="13177" actId="20577"/>
+          <ac:spMkLst>
+            <pc:docMk/>
+            <pc:sldMk cId="428898620" sldId="329"/>
+            <ac:spMk id="12" creationId="{7E70BACB-1CF0-4DEE-923B-205A7D88BC2B}"/>
+          </ac:spMkLst>
+        </pc:spChg>
+      </pc:sldChg>
+      <pc:sldChg chg="modSp add mod">
+        <pc:chgData name="Andrew Ming Ho Wu" userId="620d876fccae6a25" providerId="LiveId" clId="{EF3BC0AB-AB59-4C81-97A5-1FDA4EE47D87}" dt="2020-09-27T18:53:06.406" v="14074" actId="1076"/>
+        <pc:sldMkLst>
+          <pc:docMk/>
+          <pc:sldMk cId="3627176467" sldId="330"/>
+        </pc:sldMkLst>
+        <pc:spChg chg="mod">
+          <ac:chgData name="Andrew Ming Ho Wu" userId="620d876fccae6a25" providerId="LiveId" clId="{EF3BC0AB-AB59-4C81-97A5-1FDA4EE47D87}" dt="2020-09-27T18:48:38.569" v="13202" actId="20577"/>
+          <ac:spMkLst>
+            <pc:docMk/>
+            <pc:sldMk cId="3627176467" sldId="330"/>
+            <ac:spMk id="5" creationId="{00000000-0000-0000-0000-000000000000}"/>
+          </ac:spMkLst>
+        </pc:spChg>
+        <pc:spChg chg="mod">
+          <ac:chgData name="Andrew Ming Ho Wu" userId="620d876fccae6a25" providerId="LiveId" clId="{EF3BC0AB-AB59-4C81-97A5-1FDA4EE47D87}" dt="2020-09-27T18:53:06.406" v="14074" actId="1076"/>
+          <ac:spMkLst>
+            <pc:docMk/>
+            <pc:sldMk cId="3627176467" sldId="330"/>
+            <ac:spMk id="12" creationId="{7E70BACB-1CF0-4DEE-923B-205A7D88BC2B}"/>
+          </ac:spMkLst>
+        </pc:spChg>
+      </pc:sldChg>
+      <pc:sldChg chg="modSp add mod">
+        <pc:chgData name="Andrew Ming Ho Wu" userId="620d876fccae6a25" providerId="LiveId" clId="{EF3BC0AB-AB59-4C81-97A5-1FDA4EE47D87}" dt="2020-09-27T18:54:28.038" v="14319" actId="20577"/>
+        <pc:sldMkLst>
+          <pc:docMk/>
+          <pc:sldMk cId="311588258" sldId="331"/>
+        </pc:sldMkLst>
+        <pc:spChg chg="mod">
+          <ac:chgData name="Andrew Ming Ho Wu" userId="620d876fccae6a25" providerId="LiveId" clId="{EF3BC0AB-AB59-4C81-97A5-1FDA4EE47D87}" dt="2020-09-27T18:53:26.285" v="14108" actId="14100"/>
+          <ac:spMkLst>
+            <pc:docMk/>
+            <pc:sldMk cId="311588258" sldId="331"/>
+            <ac:spMk id="5" creationId="{00000000-0000-0000-0000-000000000000}"/>
+          </ac:spMkLst>
+        </pc:spChg>
+        <pc:spChg chg="mod">
+          <ac:chgData name="Andrew Ming Ho Wu" userId="620d876fccae6a25" providerId="LiveId" clId="{EF3BC0AB-AB59-4C81-97A5-1FDA4EE47D87}" dt="2020-09-27T18:54:28.038" v="14319" actId="20577"/>
+          <ac:spMkLst>
+            <pc:docMk/>
+            <pc:sldMk cId="311588258" sldId="331"/>
+            <ac:spMk id="12" creationId="{7E70BACB-1CF0-4DEE-923B-205A7D88BC2B}"/>
+          </ac:spMkLst>
+        </pc:spChg>
+      </pc:sldChg>
+      <pc:sldChg chg="modSp add mod">
+        <pc:chgData name="Andrew Ming Ho Wu" userId="620d876fccae6a25" providerId="LiveId" clId="{EF3BC0AB-AB59-4C81-97A5-1FDA4EE47D87}" dt="2020-09-27T18:57:17.757" v="14458" actId="20577"/>
+        <pc:sldMkLst>
+          <pc:docMk/>
+          <pc:sldMk cId="1678336179" sldId="332"/>
+        </pc:sldMkLst>
+        <pc:spChg chg="mod">
+          <ac:chgData name="Andrew Ming Ho Wu" userId="620d876fccae6a25" providerId="LiveId" clId="{EF3BC0AB-AB59-4C81-97A5-1FDA4EE47D87}" dt="2020-09-27T18:54:54.107" v="14359" actId="20577"/>
+          <ac:spMkLst>
+            <pc:docMk/>
+            <pc:sldMk cId="1678336179" sldId="332"/>
+            <ac:spMk id="5" creationId="{00000000-0000-0000-0000-000000000000}"/>
+          </ac:spMkLst>
+        </pc:spChg>
+        <pc:spChg chg="mod">
+          <ac:chgData name="Andrew Ming Ho Wu" userId="620d876fccae6a25" providerId="LiveId" clId="{EF3BC0AB-AB59-4C81-97A5-1FDA4EE47D87}" dt="2020-09-27T18:57:17.757" v="14458" actId="20577"/>
+          <ac:spMkLst>
+            <pc:docMk/>
+            <pc:sldMk cId="1678336179" sldId="332"/>
+            <ac:spMk id="12" creationId="{7E70BACB-1CF0-4DEE-923B-205A7D88BC2B}"/>
           </ac:spMkLst>
         </pc:spChg>
       </pc:sldChg>
@@ -3902,1014 +5057,20 @@
     </pc:docChg>
   </pc:docChgLst>
   <pc:docChgLst>
-    <pc:chgData name="Andrew Ming Ho Wu" userId="620d876fccae6a25" providerId="LiveId" clId="{EF3BC0AB-AB59-4C81-97A5-1FDA4EE47D87}"/>
-    <pc:docChg chg="undo redo custSel addSld delSld modSld">
-      <pc:chgData name="Andrew Ming Ho Wu" userId="620d876fccae6a25" providerId="LiveId" clId="{EF3BC0AB-AB59-4C81-97A5-1FDA4EE47D87}" dt="2020-09-27T18:57:17.757" v="14458" actId="20577"/>
-      <pc:docMkLst>
-        <pc:docMk/>
-      </pc:docMkLst>
-      <pc:sldChg chg="delSp modSp mod modNotesTx">
-        <pc:chgData name="Andrew Ming Ho Wu" userId="620d876fccae6a25" providerId="LiveId" clId="{EF3BC0AB-AB59-4C81-97A5-1FDA4EE47D87}" dt="2020-09-27T09:55:20.712" v="4391" actId="255"/>
-        <pc:sldMkLst>
-          <pc:docMk/>
-          <pc:sldMk cId="0" sldId="256"/>
-        </pc:sldMkLst>
-        <pc:spChg chg="mod">
-          <ac:chgData name="Andrew Ming Ho Wu" userId="620d876fccae6a25" providerId="LiveId" clId="{EF3BC0AB-AB59-4C81-97A5-1FDA4EE47D87}" dt="2020-09-27T09:55:20.712" v="4391" actId="255"/>
-          <ac:spMkLst>
-            <pc:docMk/>
-            <pc:sldMk cId="0" sldId="256"/>
-            <ac:spMk id="7" creationId="{00000000-0000-0000-0000-000000000000}"/>
-          </ac:spMkLst>
-        </pc:spChg>
-        <pc:spChg chg="del mod">
-          <ac:chgData name="Andrew Ming Ho Wu" userId="620d876fccae6a25" providerId="LiveId" clId="{EF3BC0AB-AB59-4C81-97A5-1FDA4EE47D87}" dt="2020-09-23T13:10:09.932" v="29"/>
-          <ac:spMkLst>
-            <pc:docMk/>
-            <pc:sldMk cId="0" sldId="256"/>
-            <ac:spMk id="8" creationId="{00000000-0000-0000-0000-000000000000}"/>
-          </ac:spMkLst>
-        </pc:spChg>
-        <pc:spChg chg="mod">
-          <ac:chgData name="Andrew Ming Ho Wu" userId="620d876fccae6a25" providerId="LiveId" clId="{EF3BC0AB-AB59-4C81-97A5-1FDA4EE47D87}" dt="2020-09-26T17:04:55.185" v="4379" actId="20577"/>
-          <ac:spMkLst>
-            <pc:docMk/>
-            <pc:sldMk cId="0" sldId="256"/>
-            <ac:spMk id="13" creationId="{0477D28A-3F44-4405-BD2B-4F00158DB1B3}"/>
-          </ac:spMkLst>
-        </pc:spChg>
-      </pc:sldChg>
-      <pc:sldChg chg="addSp delSp modSp mod">
-        <pc:chgData name="Andrew Ming Ho Wu" userId="620d876fccae6a25" providerId="LiveId" clId="{EF3BC0AB-AB59-4C81-97A5-1FDA4EE47D87}" dt="2020-09-26T16:12:34.168" v="949" actId="1076"/>
-        <pc:sldMkLst>
-          <pc:docMk/>
-          <pc:sldMk cId="0" sldId="257"/>
-        </pc:sldMkLst>
-        <pc:spChg chg="add mod">
-          <ac:chgData name="Andrew Ming Ho Wu" userId="620d876fccae6a25" providerId="LiveId" clId="{EF3BC0AB-AB59-4C81-97A5-1FDA4EE47D87}" dt="2020-09-26T16:12:00.026" v="902" actId="1076"/>
-          <ac:spMkLst>
-            <pc:docMk/>
-            <pc:sldMk cId="0" sldId="257"/>
-            <ac:spMk id="5" creationId="{81D7F47C-B22C-46A9-BD87-E2FA064EC20F}"/>
-          </ac:spMkLst>
-        </pc:spChg>
-        <pc:spChg chg="mod">
-          <ac:chgData name="Andrew Ming Ho Wu" userId="620d876fccae6a25" providerId="LiveId" clId="{EF3BC0AB-AB59-4C81-97A5-1FDA4EE47D87}" dt="2020-09-26T16:11:40.182" v="900" actId="1076"/>
-          <ac:spMkLst>
-            <pc:docMk/>
-            <pc:sldMk cId="0" sldId="257"/>
-            <ac:spMk id="6" creationId="{00000000-0000-0000-0000-000000000000}"/>
-          </ac:spMkLst>
-        </pc:spChg>
-        <pc:spChg chg="add mod">
-          <ac:chgData name="Andrew Ming Ho Wu" userId="620d876fccae6a25" providerId="LiveId" clId="{EF3BC0AB-AB59-4C81-97A5-1FDA4EE47D87}" dt="2020-09-26T16:12:34.168" v="949" actId="1076"/>
-          <ac:spMkLst>
-            <pc:docMk/>
-            <pc:sldMk cId="0" sldId="257"/>
-            <ac:spMk id="7" creationId="{8F1A7018-DAB3-4DD6-9851-CCE349574926}"/>
-          </ac:spMkLst>
-        </pc:spChg>
-        <pc:spChg chg="add del">
-          <ac:chgData name="Andrew Ming Ho Wu" userId="620d876fccae6a25" providerId="LiveId" clId="{EF3BC0AB-AB59-4C81-97A5-1FDA4EE47D87}" dt="2020-09-26T16:11:21.009" v="894" actId="22"/>
-          <ac:spMkLst>
-            <pc:docMk/>
-            <pc:sldMk cId="0" sldId="257"/>
-            <ac:spMk id="8" creationId="{C924EF3F-006C-4216-A9A0-B8029D39A876}"/>
-          </ac:spMkLst>
-        </pc:spChg>
-        <pc:spChg chg="mod">
-          <ac:chgData name="Andrew Ming Ho Wu" userId="620d876fccae6a25" providerId="LiveId" clId="{EF3BC0AB-AB59-4C81-97A5-1FDA4EE47D87}" dt="2020-09-23T13:19:33.930" v="281" actId="20577"/>
-          <ac:spMkLst>
-            <pc:docMk/>
-            <pc:sldMk cId="0" sldId="257"/>
-            <ac:spMk id="13" creationId="{CFB9566F-DF02-46E3-A7DE-30A3DA2B0123}"/>
-          </ac:spMkLst>
-        </pc:spChg>
-        <pc:spChg chg="mod">
-          <ac:chgData name="Andrew Ming Ho Wu" userId="620d876fccae6a25" providerId="LiveId" clId="{EF3BC0AB-AB59-4C81-97A5-1FDA4EE47D87}" dt="2020-09-26T16:11:44.480" v="901" actId="1076"/>
-          <ac:spMkLst>
-            <pc:docMk/>
-            <pc:sldMk cId="0" sldId="257"/>
-            <ac:spMk id="15" creationId="{5FC8DCBF-4CCE-4C22-8B9F-CC50B4D8446D}"/>
-          </ac:spMkLst>
-        </pc:spChg>
-        <pc:spChg chg="del mod">
-          <ac:chgData name="Andrew Ming Ho Wu" userId="620d876fccae6a25" providerId="LiveId" clId="{EF3BC0AB-AB59-4C81-97A5-1FDA4EE47D87}" dt="2020-09-23T13:11:18.490" v="148" actId="478"/>
-          <ac:spMkLst>
-            <pc:docMk/>
-            <pc:sldMk cId="0" sldId="257"/>
-            <ac:spMk id="17" creationId="{F1986DA0-A256-4DC4-89BA-D9AF3A5992F1}"/>
-          </ac:spMkLst>
-        </pc:spChg>
-        <pc:spChg chg="add mod">
-          <ac:chgData name="Andrew Ming Ho Wu" userId="620d876fccae6a25" providerId="LiveId" clId="{EF3BC0AB-AB59-4C81-97A5-1FDA4EE47D87}" dt="2020-09-26T16:12:07.600" v="903" actId="1076"/>
-          <ac:spMkLst>
-            <pc:docMk/>
-            <pc:sldMk cId="0" sldId="257"/>
-            <ac:spMk id="20" creationId="{A6F76399-04DE-46A8-BF2C-99ED8D141BD3}"/>
-          </ac:spMkLst>
-        </pc:spChg>
-        <pc:grpChg chg="mod">
-          <ac:chgData name="Andrew Ming Ho Wu" userId="620d876fccae6a25" providerId="LiveId" clId="{EF3BC0AB-AB59-4C81-97A5-1FDA4EE47D87}" dt="2020-09-26T16:12:28.721" v="948" actId="1076"/>
-          <ac:grpSpMkLst>
-            <pc:docMk/>
-            <pc:sldMk cId="0" sldId="257"/>
-            <ac:grpSpMk id="2" creationId="{00000000-0000-0000-0000-000000000000}"/>
-          </ac:grpSpMkLst>
-        </pc:grpChg>
-        <pc:grpChg chg="add mod">
-          <ac:chgData name="Andrew Ming Ho Wu" userId="620d876fccae6a25" providerId="LiveId" clId="{EF3BC0AB-AB59-4C81-97A5-1FDA4EE47D87}" dt="2020-09-26T16:11:22.051" v="895" actId="571"/>
-          <ac:grpSpMkLst>
-            <pc:docMk/>
-            <pc:sldMk cId="0" sldId="257"/>
-            <ac:grpSpMk id="14" creationId="{830FE23F-E1B8-42CA-8569-E15547258E1C}"/>
-          </ac:grpSpMkLst>
-        </pc:grpChg>
-        <pc:picChg chg="mod">
-          <ac:chgData name="Andrew Ming Ho Wu" userId="620d876fccae6a25" providerId="LiveId" clId="{EF3BC0AB-AB59-4C81-97A5-1FDA4EE47D87}" dt="2020-09-26T16:11:22.051" v="895" actId="571"/>
-          <ac:picMkLst>
-            <pc:docMk/>
-            <pc:sldMk cId="0" sldId="257"/>
-            <ac:picMk id="16" creationId="{91452E8C-A457-4B32-ADCC-8B062C7B7AA2}"/>
-          </ac:picMkLst>
-        </pc:picChg>
-        <pc:picChg chg="mod">
-          <ac:chgData name="Andrew Ming Ho Wu" userId="620d876fccae6a25" providerId="LiveId" clId="{EF3BC0AB-AB59-4C81-97A5-1FDA4EE47D87}" dt="2020-09-26T16:11:22.051" v="895" actId="571"/>
-          <ac:picMkLst>
-            <pc:docMk/>
-            <pc:sldMk cId="0" sldId="257"/>
-            <ac:picMk id="17" creationId="{9914AFBE-82F5-4DA6-8856-1BD8C5F4D972}"/>
-          </ac:picMkLst>
-        </pc:picChg>
-      </pc:sldChg>
-      <pc:sldChg chg="addSp delSp modSp mod modNotesTx">
-        <pc:chgData name="Andrew Ming Ho Wu" userId="620d876fccae6a25" providerId="LiveId" clId="{EF3BC0AB-AB59-4C81-97A5-1FDA4EE47D87}" dt="2020-09-27T18:42:29.401" v="12601" actId="20577"/>
-        <pc:sldMkLst>
-          <pc:docMk/>
-          <pc:sldMk cId="0" sldId="259"/>
-        </pc:sldMkLst>
-        <pc:spChg chg="mod">
-          <ac:chgData name="Andrew Ming Ho Wu" userId="620d876fccae6a25" providerId="LiveId" clId="{EF3BC0AB-AB59-4C81-97A5-1FDA4EE47D87}" dt="2020-09-26T16:15:18.922" v="1252" actId="20577"/>
-          <ac:spMkLst>
-            <pc:docMk/>
-            <pc:sldMk cId="0" sldId="259"/>
-            <ac:spMk id="5" creationId="{00000000-0000-0000-0000-000000000000}"/>
-          </ac:spMkLst>
-        </pc:spChg>
-        <pc:spChg chg="add del">
-          <ac:chgData name="Andrew Ming Ho Wu" userId="620d876fccae6a25" providerId="LiveId" clId="{EF3BC0AB-AB59-4C81-97A5-1FDA4EE47D87}" dt="2020-09-26T16:15:24.567" v="1254" actId="22"/>
-          <ac:spMkLst>
-            <pc:docMk/>
-            <pc:sldMk cId="0" sldId="259"/>
-            <ac:spMk id="6" creationId="{9BFBCD21-514B-426A-B032-477E3A9B1B83}"/>
-          </ac:spMkLst>
-        </pc:spChg>
-        <pc:spChg chg="mod">
-          <ac:chgData name="Andrew Ming Ho Wu" userId="620d876fccae6a25" providerId="LiveId" clId="{EF3BC0AB-AB59-4C81-97A5-1FDA4EE47D87}" dt="2020-09-27T18:42:29.401" v="12601" actId="20577"/>
-          <ac:spMkLst>
-            <pc:docMk/>
-            <pc:sldMk cId="0" sldId="259"/>
-            <ac:spMk id="12" creationId="{7E70BACB-1CF0-4DEE-923B-205A7D88BC2B}"/>
-          </ac:spMkLst>
-        </pc:spChg>
-      </pc:sldChg>
-      <pc:sldChg chg="modSp mod">
-        <pc:chgData name="Andrew Ming Ho Wu" userId="620d876fccae6a25" providerId="LiveId" clId="{EF3BC0AB-AB59-4C81-97A5-1FDA4EE47D87}" dt="2020-09-27T10:13:15.975" v="5911" actId="1076"/>
-        <pc:sldMkLst>
-          <pc:docMk/>
-          <pc:sldMk cId="0" sldId="260"/>
-        </pc:sldMkLst>
-        <pc:spChg chg="mod">
-          <ac:chgData name="Andrew Ming Ho Wu" userId="620d876fccae6a25" providerId="LiveId" clId="{EF3BC0AB-AB59-4C81-97A5-1FDA4EE47D87}" dt="2020-09-26T16:18:11.737" v="1595" actId="14100"/>
-          <ac:spMkLst>
-            <pc:docMk/>
-            <pc:sldMk cId="0" sldId="260"/>
-            <ac:spMk id="6" creationId="{00000000-0000-0000-0000-000000000000}"/>
-          </ac:spMkLst>
-        </pc:spChg>
-        <pc:spChg chg="mod">
-          <ac:chgData name="Andrew Ming Ho Wu" userId="620d876fccae6a25" providerId="LiveId" clId="{EF3BC0AB-AB59-4C81-97A5-1FDA4EE47D87}" dt="2020-09-27T10:13:15.975" v="5911" actId="1076"/>
-          <ac:spMkLst>
-            <pc:docMk/>
-            <pc:sldMk cId="0" sldId="260"/>
-            <ac:spMk id="7" creationId="{00000000-0000-0000-0000-000000000000}"/>
-          </ac:spMkLst>
-        </pc:spChg>
-      </pc:sldChg>
-      <pc:sldChg chg="del">
-        <pc:chgData name="Andrew Ming Ho Wu" userId="620d876fccae6a25" providerId="LiveId" clId="{EF3BC0AB-AB59-4C81-97A5-1FDA4EE47D87}" dt="2020-09-27T10:35:01.134" v="8520" actId="2696"/>
-        <pc:sldMkLst>
-          <pc:docMk/>
-          <pc:sldMk cId="3477520416" sldId="281"/>
-        </pc:sldMkLst>
-      </pc:sldChg>
-      <pc:sldChg chg="addSp delSp modSp mod modNotesTx">
-        <pc:chgData name="Andrew Ming Ho Wu" userId="620d876fccae6a25" providerId="LiveId" clId="{EF3BC0AB-AB59-4C81-97A5-1FDA4EE47D87}" dt="2020-09-27T10:15:26.466" v="6060" actId="20577"/>
-        <pc:sldMkLst>
-          <pc:docMk/>
-          <pc:sldMk cId="2614168572" sldId="282"/>
-        </pc:sldMkLst>
-        <pc:spChg chg="add del mod">
-          <ac:chgData name="Andrew Ming Ho Wu" userId="620d876fccae6a25" providerId="LiveId" clId="{EF3BC0AB-AB59-4C81-97A5-1FDA4EE47D87}" dt="2020-09-27T10:10:20.883" v="5667" actId="1076"/>
-          <ac:spMkLst>
-            <pc:docMk/>
-            <pc:sldMk cId="2614168572" sldId="282"/>
-            <ac:spMk id="13" creationId="{69CF4EEB-ADC9-4068-B7B7-D36841F39D3C}"/>
-          </ac:spMkLst>
-        </pc:spChg>
-        <pc:spChg chg="mod">
-          <ac:chgData name="Andrew Ming Ho Wu" userId="620d876fccae6a25" providerId="LiveId" clId="{EF3BC0AB-AB59-4C81-97A5-1FDA4EE47D87}" dt="2020-09-27T10:15:26.466" v="6060" actId="20577"/>
-          <ac:spMkLst>
-            <pc:docMk/>
-            <pc:sldMk cId="2614168572" sldId="282"/>
-            <ac:spMk id="17" creationId="{48FA683B-0C92-4884-BB36-9239C11A9F11}"/>
-          </ac:spMkLst>
-        </pc:spChg>
-        <pc:picChg chg="mod">
-          <ac:chgData name="Andrew Ming Ho Wu" userId="620d876fccae6a25" providerId="LiveId" clId="{EF3BC0AB-AB59-4C81-97A5-1FDA4EE47D87}" dt="2020-09-26T16:19:38.497" v="1795" actId="1076"/>
-          <ac:picMkLst>
-            <pc:docMk/>
-            <pc:sldMk cId="2614168572" sldId="282"/>
-            <ac:picMk id="2" creationId="{00000000-0000-0000-0000-000000000000}"/>
-          </ac:picMkLst>
-        </pc:picChg>
-      </pc:sldChg>
-      <pc:sldChg chg="del">
-        <pc:chgData name="Andrew Ming Ho Wu" userId="620d876fccae6a25" providerId="LiveId" clId="{EF3BC0AB-AB59-4C81-97A5-1FDA4EE47D87}" dt="2020-09-27T10:35:01.134" v="8520" actId="2696"/>
-        <pc:sldMkLst>
-          <pc:docMk/>
-          <pc:sldMk cId="2263646774" sldId="283"/>
-        </pc:sldMkLst>
-      </pc:sldChg>
-      <pc:sldChg chg="del">
-        <pc:chgData name="Andrew Ming Ho Wu" userId="620d876fccae6a25" providerId="LiveId" clId="{EF3BC0AB-AB59-4C81-97A5-1FDA4EE47D87}" dt="2020-09-27T10:35:01.134" v="8520" actId="2696"/>
-        <pc:sldMkLst>
-          <pc:docMk/>
-          <pc:sldMk cId="1442798169" sldId="284"/>
-        </pc:sldMkLst>
-      </pc:sldChg>
-      <pc:sldChg chg="del">
-        <pc:chgData name="Andrew Ming Ho Wu" userId="620d876fccae6a25" providerId="LiveId" clId="{EF3BC0AB-AB59-4C81-97A5-1FDA4EE47D87}" dt="2020-09-27T10:35:01.134" v="8520" actId="2696"/>
-        <pc:sldMkLst>
-          <pc:docMk/>
-          <pc:sldMk cId="2354016084" sldId="285"/>
-        </pc:sldMkLst>
-      </pc:sldChg>
-      <pc:sldChg chg="del">
-        <pc:chgData name="Andrew Ming Ho Wu" userId="620d876fccae6a25" providerId="LiveId" clId="{EF3BC0AB-AB59-4C81-97A5-1FDA4EE47D87}" dt="2020-09-27T10:35:01.134" v="8520" actId="2696"/>
-        <pc:sldMkLst>
-          <pc:docMk/>
-          <pc:sldMk cId="399849162" sldId="286"/>
-        </pc:sldMkLst>
-      </pc:sldChg>
-      <pc:sldChg chg="del">
-        <pc:chgData name="Andrew Ming Ho Wu" userId="620d876fccae6a25" providerId="LiveId" clId="{EF3BC0AB-AB59-4C81-97A5-1FDA4EE47D87}" dt="2020-09-27T10:35:01.134" v="8520" actId="2696"/>
-        <pc:sldMkLst>
-          <pc:docMk/>
-          <pc:sldMk cId="2878566895" sldId="287"/>
-        </pc:sldMkLst>
-      </pc:sldChg>
-      <pc:sldChg chg="del">
-        <pc:chgData name="Andrew Ming Ho Wu" userId="620d876fccae6a25" providerId="LiveId" clId="{EF3BC0AB-AB59-4C81-97A5-1FDA4EE47D87}" dt="2020-09-27T10:35:01.134" v="8520" actId="2696"/>
-        <pc:sldMkLst>
-          <pc:docMk/>
-          <pc:sldMk cId="2066083013" sldId="288"/>
-        </pc:sldMkLst>
-      </pc:sldChg>
-      <pc:sldChg chg="del">
-        <pc:chgData name="Andrew Ming Ho Wu" userId="620d876fccae6a25" providerId="LiveId" clId="{EF3BC0AB-AB59-4C81-97A5-1FDA4EE47D87}" dt="2020-09-27T10:35:01.134" v="8520" actId="2696"/>
-        <pc:sldMkLst>
-          <pc:docMk/>
-          <pc:sldMk cId="229956835" sldId="289"/>
-        </pc:sldMkLst>
-      </pc:sldChg>
-      <pc:sldChg chg="del">
-        <pc:chgData name="Andrew Ming Ho Wu" userId="620d876fccae6a25" providerId="LiveId" clId="{EF3BC0AB-AB59-4C81-97A5-1FDA4EE47D87}" dt="2020-09-27T10:35:01.134" v="8520" actId="2696"/>
-        <pc:sldMkLst>
-          <pc:docMk/>
-          <pc:sldMk cId="3410851458" sldId="290"/>
-        </pc:sldMkLst>
-      </pc:sldChg>
-      <pc:sldChg chg="del">
-        <pc:chgData name="Andrew Ming Ho Wu" userId="620d876fccae6a25" providerId="LiveId" clId="{EF3BC0AB-AB59-4C81-97A5-1FDA4EE47D87}" dt="2020-09-27T10:35:01.134" v="8520" actId="2696"/>
-        <pc:sldMkLst>
-          <pc:docMk/>
-          <pc:sldMk cId="413486627" sldId="291"/>
-        </pc:sldMkLst>
-      </pc:sldChg>
-      <pc:sldChg chg="del">
-        <pc:chgData name="Andrew Ming Ho Wu" userId="620d876fccae6a25" providerId="LiveId" clId="{EF3BC0AB-AB59-4C81-97A5-1FDA4EE47D87}" dt="2020-09-27T10:35:01.134" v="8520" actId="2696"/>
-        <pc:sldMkLst>
-          <pc:docMk/>
-          <pc:sldMk cId="2556687725" sldId="292"/>
-        </pc:sldMkLst>
-      </pc:sldChg>
-      <pc:sldChg chg="del">
-        <pc:chgData name="Andrew Ming Ho Wu" userId="620d876fccae6a25" providerId="LiveId" clId="{EF3BC0AB-AB59-4C81-97A5-1FDA4EE47D87}" dt="2020-09-27T10:35:01.134" v="8520" actId="2696"/>
-        <pc:sldMkLst>
-          <pc:docMk/>
-          <pc:sldMk cId="3512316335" sldId="293"/>
-        </pc:sldMkLst>
-      </pc:sldChg>
-      <pc:sldChg chg="del">
-        <pc:chgData name="Andrew Ming Ho Wu" userId="620d876fccae6a25" providerId="LiveId" clId="{EF3BC0AB-AB59-4C81-97A5-1FDA4EE47D87}" dt="2020-09-27T10:35:01.134" v="8520" actId="2696"/>
-        <pc:sldMkLst>
-          <pc:docMk/>
-          <pc:sldMk cId="1612569936" sldId="294"/>
-        </pc:sldMkLst>
-      </pc:sldChg>
-      <pc:sldChg chg="del">
-        <pc:chgData name="Andrew Ming Ho Wu" userId="620d876fccae6a25" providerId="LiveId" clId="{EF3BC0AB-AB59-4C81-97A5-1FDA4EE47D87}" dt="2020-09-27T10:35:01.134" v="8520" actId="2696"/>
-        <pc:sldMkLst>
-          <pc:docMk/>
-          <pc:sldMk cId="1824351165" sldId="296"/>
-        </pc:sldMkLst>
-      </pc:sldChg>
-      <pc:sldChg chg="del">
-        <pc:chgData name="Andrew Ming Ho Wu" userId="620d876fccae6a25" providerId="LiveId" clId="{EF3BC0AB-AB59-4C81-97A5-1FDA4EE47D87}" dt="2020-09-27T10:35:01.134" v="8520" actId="2696"/>
-        <pc:sldMkLst>
-          <pc:docMk/>
-          <pc:sldMk cId="4058345036" sldId="297"/>
-        </pc:sldMkLst>
-      </pc:sldChg>
-      <pc:sldChg chg="del">
-        <pc:chgData name="Andrew Ming Ho Wu" userId="620d876fccae6a25" providerId="LiveId" clId="{EF3BC0AB-AB59-4C81-97A5-1FDA4EE47D87}" dt="2020-09-27T10:35:01.134" v="8520" actId="2696"/>
-        <pc:sldMkLst>
-          <pc:docMk/>
-          <pc:sldMk cId="1764176242" sldId="299"/>
-        </pc:sldMkLst>
-      </pc:sldChg>
-      <pc:sldChg chg="del">
-        <pc:chgData name="Andrew Ming Ho Wu" userId="620d876fccae6a25" providerId="LiveId" clId="{EF3BC0AB-AB59-4C81-97A5-1FDA4EE47D87}" dt="2020-09-27T10:35:01.134" v="8520" actId="2696"/>
-        <pc:sldMkLst>
-          <pc:docMk/>
-          <pc:sldMk cId="4186544287" sldId="300"/>
-        </pc:sldMkLst>
-      </pc:sldChg>
-      <pc:sldChg chg="modSp add mod">
-        <pc:chgData name="Andrew Ming Ho Wu" userId="620d876fccae6a25" providerId="LiveId" clId="{EF3BC0AB-AB59-4C81-97A5-1FDA4EE47D87}" dt="2020-09-27T18:42:43.537" v="12616" actId="20577"/>
-        <pc:sldMkLst>
-          <pc:docMk/>
-          <pc:sldMk cId="4141595128" sldId="301"/>
-        </pc:sldMkLst>
-        <pc:spChg chg="mod">
-          <ac:chgData name="Andrew Ming Ho Wu" userId="620d876fccae6a25" providerId="LiveId" clId="{EF3BC0AB-AB59-4C81-97A5-1FDA4EE47D87}" dt="2020-09-26T16:15:33.446" v="1272" actId="20577"/>
-          <ac:spMkLst>
-            <pc:docMk/>
-            <pc:sldMk cId="4141595128" sldId="301"/>
-            <ac:spMk id="5" creationId="{00000000-0000-0000-0000-000000000000}"/>
-          </ac:spMkLst>
-        </pc:spChg>
-        <pc:spChg chg="mod">
-          <ac:chgData name="Andrew Ming Ho Wu" userId="620d876fccae6a25" providerId="LiveId" clId="{EF3BC0AB-AB59-4C81-97A5-1FDA4EE47D87}" dt="2020-09-27T18:42:43.537" v="12616" actId="20577"/>
-          <ac:spMkLst>
-            <pc:docMk/>
-            <pc:sldMk cId="4141595128" sldId="301"/>
-            <ac:spMk id="12" creationId="{7E70BACB-1CF0-4DEE-923B-205A7D88BC2B}"/>
-          </ac:spMkLst>
-        </pc:spChg>
-      </pc:sldChg>
-      <pc:sldChg chg="modSp add mod modNotesTx">
-        <pc:chgData name="Andrew Ming Ho Wu" userId="620d876fccae6a25" providerId="LiveId" clId="{EF3BC0AB-AB59-4C81-97A5-1FDA4EE47D87}" dt="2020-09-27T10:13:25.181" v="5912" actId="255"/>
-        <pc:sldMkLst>
-          <pc:docMk/>
-          <pc:sldMk cId="1181641107" sldId="302"/>
-        </pc:sldMkLst>
-        <pc:spChg chg="mod">
-          <ac:chgData name="Andrew Ming Ho Wu" userId="620d876fccae6a25" providerId="LiveId" clId="{EF3BC0AB-AB59-4C81-97A5-1FDA4EE47D87}" dt="2020-09-27T10:13:25.181" v="5912" actId="255"/>
-          <ac:spMkLst>
-            <pc:docMk/>
-            <pc:sldMk cId="1181641107" sldId="302"/>
-            <ac:spMk id="17" creationId="{48FA683B-0C92-4884-BB36-9239C11A9F11}"/>
-          </ac:spMkLst>
-        </pc:spChg>
-      </pc:sldChg>
-      <pc:sldChg chg="modSp add mod modNotesTx">
-        <pc:chgData name="Andrew Ming Ho Wu" userId="620d876fccae6a25" providerId="LiveId" clId="{EF3BC0AB-AB59-4C81-97A5-1FDA4EE47D87}" dt="2020-09-27T10:17:42.840" v="6267" actId="14100"/>
-        <pc:sldMkLst>
-          <pc:docMk/>
-          <pc:sldMk cId="695323835" sldId="303"/>
-        </pc:sldMkLst>
-        <pc:spChg chg="mod">
-          <ac:chgData name="Andrew Ming Ho Wu" userId="620d876fccae6a25" providerId="LiveId" clId="{EF3BC0AB-AB59-4C81-97A5-1FDA4EE47D87}" dt="2020-09-27T10:17:39.090" v="6265" actId="1076"/>
-          <ac:spMkLst>
-            <pc:docMk/>
-            <pc:sldMk cId="695323835" sldId="303"/>
-            <ac:spMk id="13" creationId="{69CF4EEB-ADC9-4068-B7B7-D36841F39D3C}"/>
-          </ac:spMkLst>
-        </pc:spChg>
-        <pc:spChg chg="mod">
-          <ac:chgData name="Andrew Ming Ho Wu" userId="620d876fccae6a25" providerId="LiveId" clId="{EF3BC0AB-AB59-4C81-97A5-1FDA4EE47D87}" dt="2020-09-27T10:17:42.840" v="6267" actId="14100"/>
-          <ac:spMkLst>
-            <pc:docMk/>
-            <pc:sldMk cId="695323835" sldId="303"/>
-            <ac:spMk id="17" creationId="{48FA683B-0C92-4884-BB36-9239C11A9F11}"/>
-          </ac:spMkLst>
-        </pc:spChg>
-      </pc:sldChg>
-      <pc:sldChg chg="modSp add mod modNotesTx">
-        <pc:chgData name="Andrew Ming Ho Wu" userId="620d876fccae6a25" providerId="LiveId" clId="{EF3BC0AB-AB59-4C81-97A5-1FDA4EE47D87}" dt="2020-09-27T10:19:05.687" v="6412" actId="20577"/>
-        <pc:sldMkLst>
-          <pc:docMk/>
-          <pc:sldMk cId="1731435901" sldId="304"/>
-        </pc:sldMkLst>
-        <pc:spChg chg="mod">
-          <ac:chgData name="Andrew Ming Ho Wu" userId="620d876fccae6a25" providerId="LiveId" clId="{EF3BC0AB-AB59-4C81-97A5-1FDA4EE47D87}" dt="2020-09-27T10:18:55.844" v="6411" actId="313"/>
-          <ac:spMkLst>
-            <pc:docMk/>
-            <pc:sldMk cId="1731435901" sldId="304"/>
-            <ac:spMk id="17" creationId="{48FA683B-0C92-4884-BB36-9239C11A9F11}"/>
-          </ac:spMkLst>
-        </pc:spChg>
-      </pc:sldChg>
-      <pc:sldChg chg="modSp add mod modNotesTx">
-        <pc:chgData name="Andrew Ming Ho Wu" userId="620d876fccae6a25" providerId="LiveId" clId="{EF3BC0AB-AB59-4C81-97A5-1FDA4EE47D87}" dt="2020-09-27T10:20:50.306" v="6644" actId="20577"/>
-        <pc:sldMkLst>
-          <pc:docMk/>
-          <pc:sldMk cId="3921722384" sldId="305"/>
-        </pc:sldMkLst>
-        <pc:spChg chg="mod">
-          <ac:chgData name="Andrew Ming Ho Wu" userId="620d876fccae6a25" providerId="LiveId" clId="{EF3BC0AB-AB59-4C81-97A5-1FDA4EE47D87}" dt="2020-09-27T10:20:34.775" v="6643" actId="20577"/>
-          <ac:spMkLst>
-            <pc:docMk/>
-            <pc:sldMk cId="3921722384" sldId="305"/>
-            <ac:spMk id="17" creationId="{48FA683B-0C92-4884-BB36-9239C11A9F11}"/>
-          </ac:spMkLst>
-        </pc:spChg>
-      </pc:sldChg>
-      <pc:sldChg chg="modSp add mod modNotesTx">
-        <pc:chgData name="Andrew Ming Ho Wu" userId="620d876fccae6a25" providerId="LiveId" clId="{EF3BC0AB-AB59-4C81-97A5-1FDA4EE47D87}" dt="2020-09-27T10:21:37.258" v="6762" actId="20577"/>
-        <pc:sldMkLst>
-          <pc:docMk/>
-          <pc:sldMk cId="393541412" sldId="306"/>
-        </pc:sldMkLst>
-        <pc:spChg chg="mod">
-          <ac:chgData name="Andrew Ming Ho Wu" userId="620d876fccae6a25" providerId="LiveId" clId="{EF3BC0AB-AB59-4C81-97A5-1FDA4EE47D87}" dt="2020-09-27T10:21:32.006" v="6761" actId="20577"/>
-          <ac:spMkLst>
-            <pc:docMk/>
-            <pc:sldMk cId="393541412" sldId="306"/>
-            <ac:spMk id="17" creationId="{48FA683B-0C92-4884-BB36-9239C11A9F11}"/>
-          </ac:spMkLst>
-        </pc:spChg>
-      </pc:sldChg>
-      <pc:sldChg chg="modSp add mod modNotesTx">
-        <pc:chgData name="Andrew Ming Ho Wu" userId="620d876fccae6a25" providerId="LiveId" clId="{EF3BC0AB-AB59-4C81-97A5-1FDA4EE47D87}" dt="2020-09-27T10:21:47.784" v="6763" actId="255"/>
-        <pc:sldMkLst>
-          <pc:docMk/>
-          <pc:sldMk cId="696112063" sldId="307"/>
-        </pc:sldMkLst>
-        <pc:spChg chg="mod">
-          <ac:chgData name="Andrew Ming Ho Wu" userId="620d876fccae6a25" providerId="LiveId" clId="{EF3BC0AB-AB59-4C81-97A5-1FDA4EE47D87}" dt="2020-09-27T10:21:47.784" v="6763" actId="255"/>
-          <ac:spMkLst>
-            <pc:docMk/>
-            <pc:sldMk cId="696112063" sldId="307"/>
-            <ac:spMk id="17" creationId="{48FA683B-0C92-4884-BB36-9239C11A9F11}"/>
-          </ac:spMkLst>
-        </pc:spChg>
-      </pc:sldChg>
-      <pc:sldChg chg="modSp add mod modNotesTx">
-        <pc:chgData name="Andrew Ming Ho Wu" userId="620d876fccae6a25" providerId="LiveId" clId="{EF3BC0AB-AB59-4C81-97A5-1FDA4EE47D87}" dt="2020-09-27T10:22:20.056" v="6856" actId="20577"/>
-        <pc:sldMkLst>
-          <pc:docMk/>
-          <pc:sldMk cId="2138515264" sldId="308"/>
-        </pc:sldMkLst>
-        <pc:spChg chg="mod">
-          <ac:chgData name="Andrew Ming Ho Wu" userId="620d876fccae6a25" providerId="LiveId" clId="{EF3BC0AB-AB59-4C81-97A5-1FDA4EE47D87}" dt="2020-09-27T10:22:20.056" v="6856" actId="20577"/>
-          <ac:spMkLst>
-            <pc:docMk/>
-            <pc:sldMk cId="2138515264" sldId="308"/>
-            <ac:spMk id="17" creationId="{48FA683B-0C92-4884-BB36-9239C11A9F11}"/>
-          </ac:spMkLst>
-        </pc:spChg>
-      </pc:sldChg>
-      <pc:sldChg chg="modSp add mod modNotesTx">
-        <pc:chgData name="Andrew Ming Ho Wu" userId="620d876fccae6a25" providerId="LiveId" clId="{EF3BC0AB-AB59-4C81-97A5-1FDA4EE47D87}" dt="2020-09-27T10:23:00.536" v="6930" actId="20577"/>
-        <pc:sldMkLst>
-          <pc:docMk/>
-          <pc:sldMk cId="2113135599" sldId="309"/>
-        </pc:sldMkLst>
-        <pc:spChg chg="mod">
-          <ac:chgData name="Andrew Ming Ho Wu" userId="620d876fccae6a25" providerId="LiveId" clId="{EF3BC0AB-AB59-4C81-97A5-1FDA4EE47D87}" dt="2020-09-27T10:23:00.536" v="6930" actId="20577"/>
-          <ac:spMkLst>
-            <pc:docMk/>
-            <pc:sldMk cId="2113135599" sldId="309"/>
-            <ac:spMk id="17" creationId="{48FA683B-0C92-4884-BB36-9239C11A9F11}"/>
-          </ac:spMkLst>
-        </pc:spChg>
-      </pc:sldChg>
-      <pc:sldChg chg="modSp add mod modNotesTx">
-        <pc:chgData name="Andrew Ming Ho Wu" userId="620d876fccae6a25" providerId="LiveId" clId="{EF3BC0AB-AB59-4C81-97A5-1FDA4EE47D87}" dt="2020-09-27T10:23:44.427" v="6931" actId="255"/>
-        <pc:sldMkLst>
-          <pc:docMk/>
-          <pc:sldMk cId="3619567919" sldId="310"/>
-        </pc:sldMkLst>
-        <pc:spChg chg="mod">
-          <ac:chgData name="Andrew Ming Ho Wu" userId="620d876fccae6a25" providerId="LiveId" clId="{EF3BC0AB-AB59-4C81-97A5-1FDA4EE47D87}" dt="2020-09-27T10:01:03.972" v="4768" actId="1076"/>
-          <ac:spMkLst>
-            <pc:docMk/>
-            <pc:sldMk cId="3619567919" sldId="310"/>
-            <ac:spMk id="13" creationId="{69CF4EEB-ADC9-4068-B7B7-D36841F39D3C}"/>
-          </ac:spMkLst>
-        </pc:spChg>
-        <pc:spChg chg="mod">
-          <ac:chgData name="Andrew Ming Ho Wu" userId="620d876fccae6a25" providerId="LiveId" clId="{EF3BC0AB-AB59-4C81-97A5-1FDA4EE47D87}" dt="2020-09-27T10:23:44.427" v="6931" actId="255"/>
-          <ac:spMkLst>
-            <pc:docMk/>
-            <pc:sldMk cId="3619567919" sldId="310"/>
-            <ac:spMk id="17" creationId="{48FA683B-0C92-4884-BB36-9239C11A9F11}"/>
-          </ac:spMkLst>
-        </pc:spChg>
-      </pc:sldChg>
-      <pc:sldChg chg="modSp add mod modNotesTx">
-        <pc:chgData name="Andrew Ming Ho Wu" userId="620d876fccae6a25" providerId="LiveId" clId="{EF3BC0AB-AB59-4C81-97A5-1FDA4EE47D87}" dt="2020-09-27T10:24:04.623" v="6933" actId="20577"/>
-        <pc:sldMkLst>
-          <pc:docMk/>
-          <pc:sldMk cId="4241162783" sldId="311"/>
-        </pc:sldMkLst>
-        <pc:spChg chg="mod">
-          <ac:chgData name="Andrew Ming Ho Wu" userId="620d876fccae6a25" providerId="LiveId" clId="{EF3BC0AB-AB59-4C81-97A5-1FDA4EE47D87}" dt="2020-09-27T10:23:51.587" v="6932" actId="255"/>
-          <ac:spMkLst>
-            <pc:docMk/>
-            <pc:sldMk cId="4241162783" sldId="311"/>
-            <ac:spMk id="17" creationId="{48FA683B-0C92-4884-BB36-9239C11A9F11}"/>
-          </ac:spMkLst>
-        </pc:spChg>
-      </pc:sldChg>
-      <pc:sldChg chg="modSp add mod modNotesTx">
-        <pc:chgData name="Andrew Ming Ho Wu" userId="620d876fccae6a25" providerId="LiveId" clId="{EF3BC0AB-AB59-4C81-97A5-1FDA4EE47D87}" dt="2020-09-27T10:24:22.320" v="6935" actId="20577"/>
-        <pc:sldMkLst>
-          <pc:docMk/>
-          <pc:sldMk cId="1035541448" sldId="312"/>
-        </pc:sldMkLst>
-        <pc:spChg chg="mod">
-          <ac:chgData name="Andrew Ming Ho Wu" userId="620d876fccae6a25" providerId="LiveId" clId="{EF3BC0AB-AB59-4C81-97A5-1FDA4EE47D87}" dt="2020-09-27T10:24:10.906" v="6934" actId="255"/>
-          <ac:spMkLst>
-            <pc:docMk/>
-            <pc:sldMk cId="1035541448" sldId="312"/>
-            <ac:spMk id="17" creationId="{48FA683B-0C92-4884-BB36-9239C11A9F11}"/>
-          </ac:spMkLst>
-        </pc:spChg>
-      </pc:sldChg>
-      <pc:sldChg chg="modSp add mod">
-        <pc:chgData name="Andrew Ming Ho Wu" userId="620d876fccae6a25" providerId="LiveId" clId="{EF3BC0AB-AB59-4C81-97A5-1FDA4EE47D87}" dt="2020-09-27T10:25:36.179" v="7152" actId="20577"/>
-        <pc:sldMkLst>
-          <pc:docMk/>
-          <pc:sldMk cId="1627687639" sldId="313"/>
-        </pc:sldMkLst>
-        <pc:spChg chg="mod">
-          <ac:chgData name="Andrew Ming Ho Wu" userId="620d876fccae6a25" providerId="LiveId" clId="{EF3BC0AB-AB59-4C81-97A5-1FDA4EE47D87}" dt="2020-09-27T10:25:36.179" v="7152" actId="20577"/>
-          <ac:spMkLst>
-            <pc:docMk/>
-            <pc:sldMk cId="1627687639" sldId="313"/>
-            <ac:spMk id="17" creationId="{48FA683B-0C92-4884-BB36-9239C11A9F11}"/>
-          </ac:spMkLst>
-        </pc:spChg>
-      </pc:sldChg>
-      <pc:sldChg chg="modSp add mod">
-        <pc:chgData name="Andrew Ming Ho Wu" userId="620d876fccae6a25" providerId="LiveId" clId="{EF3BC0AB-AB59-4C81-97A5-1FDA4EE47D87}" dt="2020-09-27T10:32:13.605" v="8194" actId="20577"/>
-        <pc:sldMkLst>
-          <pc:docMk/>
-          <pc:sldMk cId="1950776556" sldId="314"/>
-        </pc:sldMkLst>
-        <pc:spChg chg="mod">
-          <ac:chgData name="Andrew Ming Ho Wu" userId="620d876fccae6a25" providerId="LiveId" clId="{EF3BC0AB-AB59-4C81-97A5-1FDA4EE47D87}" dt="2020-09-27T10:32:13.605" v="8194" actId="20577"/>
-          <ac:spMkLst>
-            <pc:docMk/>
-            <pc:sldMk cId="1950776556" sldId="314"/>
-            <ac:spMk id="17" creationId="{48FA683B-0C92-4884-BB36-9239C11A9F11}"/>
-          </ac:spMkLst>
-        </pc:spChg>
-      </pc:sldChg>
-      <pc:sldChg chg="modSp add mod">
-        <pc:chgData name="Andrew Ming Ho Wu" userId="620d876fccae6a25" providerId="LiveId" clId="{EF3BC0AB-AB59-4C81-97A5-1FDA4EE47D87}" dt="2020-09-27T10:32:16.641" v="8196" actId="20577"/>
-        <pc:sldMkLst>
-          <pc:docMk/>
-          <pc:sldMk cId="3899163142" sldId="315"/>
-        </pc:sldMkLst>
-        <pc:spChg chg="mod">
-          <ac:chgData name="Andrew Ming Ho Wu" userId="620d876fccae6a25" providerId="LiveId" clId="{EF3BC0AB-AB59-4C81-97A5-1FDA4EE47D87}" dt="2020-09-27T10:32:16.641" v="8196" actId="20577"/>
-          <ac:spMkLst>
-            <pc:docMk/>
-            <pc:sldMk cId="3899163142" sldId="315"/>
-            <ac:spMk id="17" creationId="{48FA683B-0C92-4884-BB36-9239C11A9F11}"/>
-          </ac:spMkLst>
-        </pc:spChg>
-      </pc:sldChg>
-      <pc:sldChg chg="modSp add mod">
-        <pc:chgData name="Andrew Ming Ho Wu" userId="620d876fccae6a25" providerId="LiveId" clId="{EF3BC0AB-AB59-4C81-97A5-1FDA4EE47D87}" dt="2020-09-27T10:32:19.922" v="8198" actId="20577"/>
-        <pc:sldMkLst>
-          <pc:docMk/>
-          <pc:sldMk cId="2313566969" sldId="316"/>
-        </pc:sldMkLst>
-        <pc:spChg chg="mod">
-          <ac:chgData name="Andrew Ming Ho Wu" userId="620d876fccae6a25" providerId="LiveId" clId="{EF3BC0AB-AB59-4C81-97A5-1FDA4EE47D87}" dt="2020-09-27T10:32:19.922" v="8198" actId="20577"/>
-          <ac:spMkLst>
-            <pc:docMk/>
-            <pc:sldMk cId="2313566969" sldId="316"/>
-            <ac:spMk id="17" creationId="{48FA683B-0C92-4884-BB36-9239C11A9F11}"/>
-          </ac:spMkLst>
-        </pc:spChg>
-      </pc:sldChg>
-      <pc:sldChg chg="modSp add mod">
-        <pc:chgData name="Andrew Ming Ho Wu" userId="620d876fccae6a25" providerId="LiveId" clId="{EF3BC0AB-AB59-4C81-97A5-1FDA4EE47D87}" dt="2020-09-27T10:32:55.790" v="8288" actId="1076"/>
-        <pc:sldMkLst>
-          <pc:docMk/>
-          <pc:sldMk cId="525558553" sldId="317"/>
-        </pc:sldMkLst>
-        <pc:spChg chg="mod">
-          <ac:chgData name="Andrew Ming Ho Wu" userId="620d876fccae6a25" providerId="LiveId" clId="{EF3BC0AB-AB59-4C81-97A5-1FDA4EE47D87}" dt="2020-09-27T10:32:55.790" v="8288" actId="1076"/>
-          <ac:spMkLst>
-            <pc:docMk/>
-            <pc:sldMk cId="525558553" sldId="317"/>
-            <ac:spMk id="17" creationId="{48FA683B-0C92-4884-BB36-9239C11A9F11}"/>
-          </ac:spMkLst>
-        </pc:spChg>
-      </pc:sldChg>
-      <pc:sldChg chg="modSp add mod">
-        <pc:chgData name="Andrew Ming Ho Wu" userId="620d876fccae6a25" providerId="LiveId" clId="{EF3BC0AB-AB59-4C81-97A5-1FDA4EE47D87}" dt="2020-09-27T10:33:59.156" v="8519" actId="20577"/>
-        <pc:sldMkLst>
-          <pc:docMk/>
-          <pc:sldMk cId="2450840084" sldId="318"/>
-        </pc:sldMkLst>
-        <pc:spChg chg="mod">
-          <ac:chgData name="Andrew Ming Ho Wu" userId="620d876fccae6a25" providerId="LiveId" clId="{EF3BC0AB-AB59-4C81-97A5-1FDA4EE47D87}" dt="2020-09-27T10:33:59.156" v="8519" actId="20577"/>
-          <ac:spMkLst>
-            <pc:docMk/>
-            <pc:sldMk cId="2450840084" sldId="318"/>
-            <ac:spMk id="17" creationId="{48FA683B-0C92-4884-BB36-9239C11A9F11}"/>
-          </ac:spMkLst>
-        </pc:spChg>
-      </pc:sldChg>
-      <pc:sldChg chg="addSp delSp modSp add mod">
-        <pc:chgData name="Andrew Ming Ho Wu" userId="620d876fccae6a25" providerId="LiveId" clId="{EF3BC0AB-AB59-4C81-97A5-1FDA4EE47D87}" dt="2020-09-27T10:39:14.873" v="9058" actId="20577"/>
-        <pc:sldMkLst>
-          <pc:docMk/>
-          <pc:sldMk cId="3241138585" sldId="319"/>
-        </pc:sldMkLst>
-        <pc:spChg chg="mod">
-          <ac:chgData name="Andrew Ming Ho Wu" userId="620d876fccae6a25" providerId="LiveId" clId="{EF3BC0AB-AB59-4C81-97A5-1FDA4EE47D87}" dt="2020-09-27T10:35:24.156" v="8547" actId="1076"/>
-          <ac:spMkLst>
-            <pc:docMk/>
-            <pc:sldMk cId="3241138585" sldId="319"/>
-            <ac:spMk id="13" creationId="{69CF4EEB-ADC9-4068-B7B7-D36841F39D3C}"/>
-          </ac:spMkLst>
-        </pc:spChg>
-        <pc:spChg chg="add del mod">
-          <ac:chgData name="Andrew Ming Ho Wu" userId="620d876fccae6a25" providerId="LiveId" clId="{EF3BC0AB-AB59-4C81-97A5-1FDA4EE47D87}" dt="2020-09-27T10:39:14.873" v="9058" actId="20577"/>
-          <ac:spMkLst>
-            <pc:docMk/>
-            <pc:sldMk cId="3241138585" sldId="319"/>
-            <ac:spMk id="17" creationId="{48FA683B-0C92-4884-BB36-9239C11A9F11}"/>
-          </ac:spMkLst>
-        </pc:spChg>
-      </pc:sldChg>
-      <pc:sldChg chg="modSp add mod">
-        <pc:chgData name="Andrew Ming Ho Wu" userId="620d876fccae6a25" providerId="LiveId" clId="{EF3BC0AB-AB59-4C81-97A5-1FDA4EE47D87}" dt="2020-09-27T10:43:27.516" v="9560" actId="20577"/>
-        <pc:sldMkLst>
-          <pc:docMk/>
-          <pc:sldMk cId="597090878" sldId="320"/>
-        </pc:sldMkLst>
-        <pc:spChg chg="mod">
-          <ac:chgData name="Andrew Ming Ho Wu" userId="620d876fccae6a25" providerId="LiveId" clId="{EF3BC0AB-AB59-4C81-97A5-1FDA4EE47D87}" dt="2020-09-27T10:43:27.516" v="9560" actId="20577"/>
-          <ac:spMkLst>
-            <pc:docMk/>
-            <pc:sldMk cId="597090878" sldId="320"/>
-            <ac:spMk id="17" creationId="{48FA683B-0C92-4884-BB36-9239C11A9F11}"/>
-          </ac:spMkLst>
-        </pc:spChg>
-      </pc:sldChg>
-      <pc:sldChg chg="addSp delSp modSp add mod">
-        <pc:chgData name="Andrew Ming Ho Wu" userId="620d876fccae6a25" providerId="LiveId" clId="{EF3BC0AB-AB59-4C81-97A5-1FDA4EE47D87}" dt="2020-09-27T10:58:39.244" v="9567"/>
-        <pc:sldMkLst>
-          <pc:docMk/>
-          <pc:sldMk cId="3935872265" sldId="321"/>
-        </pc:sldMkLst>
-        <pc:spChg chg="del mod">
-          <ac:chgData name="Andrew Ming Ho Wu" userId="620d876fccae6a25" providerId="LiveId" clId="{EF3BC0AB-AB59-4C81-97A5-1FDA4EE47D87}" dt="2020-09-27T10:58:39.244" v="9567"/>
-          <ac:spMkLst>
-            <pc:docMk/>
-            <pc:sldMk cId="3935872265" sldId="321"/>
-            <ac:spMk id="17" creationId="{48FA683B-0C92-4884-BB36-9239C11A9F11}"/>
-          </ac:spMkLst>
-        </pc:spChg>
-        <pc:picChg chg="add mod">
-          <ac:chgData name="Andrew Ming Ho Wu" userId="620d876fccae6a25" providerId="LiveId" clId="{EF3BC0AB-AB59-4C81-97A5-1FDA4EE47D87}" dt="2020-09-27T10:58:38.641" v="9565" actId="14100"/>
-          <ac:picMkLst>
-            <pc:docMk/>
-            <pc:sldMk cId="3935872265" sldId="321"/>
-            <ac:picMk id="6" creationId="{9A9BF99D-7F84-4233-BC72-E8CC5BE0B067}"/>
-          </ac:picMkLst>
-        </pc:picChg>
-      </pc:sldChg>
-      <pc:sldChg chg="addSp delSp modSp add mod">
-        <pc:chgData name="Andrew Ming Ho Wu" userId="620d876fccae6a25" providerId="LiveId" clId="{EF3BC0AB-AB59-4C81-97A5-1FDA4EE47D87}" dt="2020-09-27T11:03:15.071" v="9639" actId="313"/>
-        <pc:sldMkLst>
-          <pc:docMk/>
-          <pc:sldMk cId="2428145897" sldId="322"/>
-        </pc:sldMkLst>
-        <pc:spChg chg="add del">
-          <ac:chgData name="Andrew Ming Ho Wu" userId="620d876fccae6a25" providerId="LiveId" clId="{EF3BC0AB-AB59-4C81-97A5-1FDA4EE47D87}" dt="2020-09-27T11:02:08.216" v="9585" actId="478"/>
-          <ac:spMkLst>
-            <pc:docMk/>
-            <pc:sldMk cId="2428145897" sldId="322"/>
-            <ac:spMk id="14" creationId="{82204D47-3F7F-4F81-9F0B-B8D05A4A12AB}"/>
-          </ac:spMkLst>
-        </pc:spChg>
-        <pc:spChg chg="add del mod">
-          <ac:chgData name="Andrew Ming Ho Wu" userId="620d876fccae6a25" providerId="LiveId" clId="{EF3BC0AB-AB59-4C81-97A5-1FDA4EE47D87}" dt="2020-09-27T11:03:15.071" v="9639" actId="313"/>
-          <ac:spMkLst>
-            <pc:docMk/>
-            <pc:sldMk cId="2428145897" sldId="322"/>
-            <ac:spMk id="16" creationId="{F047BA3C-54FB-4687-843D-9C20754A8819}"/>
-          </ac:spMkLst>
-        </pc:spChg>
-        <pc:spChg chg="add del">
-          <ac:chgData name="Andrew Ming Ho Wu" userId="620d876fccae6a25" providerId="LiveId" clId="{EF3BC0AB-AB59-4C81-97A5-1FDA4EE47D87}" dt="2020-09-27T11:00:26.377" v="9575" actId="22"/>
-          <ac:spMkLst>
-            <pc:docMk/>
-            <pc:sldMk cId="2428145897" sldId="322"/>
-            <ac:spMk id="18" creationId="{BF7EA6D2-8A4A-4CBD-BC10-20FE1AFEFC61}"/>
-          </ac:spMkLst>
-        </pc:spChg>
-        <pc:picChg chg="add del">
-          <ac:chgData name="Andrew Ming Ho Wu" userId="620d876fccae6a25" providerId="LiveId" clId="{EF3BC0AB-AB59-4C81-97A5-1FDA4EE47D87}" dt="2020-09-27T11:02:07.818" v="9583" actId="478"/>
-          <ac:picMkLst>
-            <pc:docMk/>
-            <pc:sldMk cId="2428145897" sldId="322"/>
-            <ac:picMk id="6" creationId="{9A9BF99D-7F84-4233-BC72-E8CC5BE0B067}"/>
-          </ac:picMkLst>
-        </pc:picChg>
-      </pc:sldChg>
-      <pc:sldChg chg="addSp delSp modSp add mod">
-        <pc:chgData name="Andrew Ming Ho Wu" userId="620d876fccae6a25" providerId="LiveId" clId="{EF3BC0AB-AB59-4C81-97A5-1FDA4EE47D87}" dt="2020-09-27T18:22:25.987" v="10124" actId="20577"/>
-        <pc:sldMkLst>
-          <pc:docMk/>
-          <pc:sldMk cId="3584881285" sldId="323"/>
-        </pc:sldMkLst>
-        <pc:spChg chg="add mod">
-          <ac:chgData name="Andrew Ming Ho Wu" userId="620d876fccae6a25" providerId="LiveId" clId="{EF3BC0AB-AB59-4C81-97A5-1FDA4EE47D87}" dt="2020-09-27T18:22:25.987" v="10124" actId="20577"/>
-          <ac:spMkLst>
-            <pc:docMk/>
-            <pc:sldMk cId="3584881285" sldId="323"/>
-            <ac:spMk id="7" creationId="{E4AD51E1-FCF3-4A0C-8B1A-3C58F573459E}"/>
-          </ac:spMkLst>
-        </pc:spChg>
-        <pc:spChg chg="mod">
-          <ac:chgData name="Andrew Ming Ho Wu" userId="620d876fccae6a25" providerId="LiveId" clId="{EF3BC0AB-AB59-4C81-97A5-1FDA4EE47D87}" dt="2020-09-27T11:03:33.284" v="9673" actId="1076"/>
-          <ac:spMkLst>
-            <pc:docMk/>
-            <pc:sldMk cId="3584881285" sldId="323"/>
-            <ac:spMk id="13" creationId="{69CF4EEB-ADC9-4068-B7B7-D36841F39D3C}"/>
-          </ac:spMkLst>
-        </pc:spChg>
-        <pc:spChg chg="del mod">
-          <ac:chgData name="Andrew Ming Ho Wu" userId="620d876fccae6a25" providerId="LiveId" clId="{EF3BC0AB-AB59-4C81-97A5-1FDA4EE47D87}" dt="2020-09-27T11:03:36.351" v="9676"/>
-          <ac:spMkLst>
-            <pc:docMk/>
-            <pc:sldMk cId="3584881285" sldId="323"/>
-            <ac:spMk id="16" creationId="{F047BA3C-54FB-4687-843D-9C20754A8819}"/>
-          </ac:spMkLst>
-        </pc:spChg>
-        <pc:graphicFrameChg chg="add del mod">
-          <ac:chgData name="Andrew Ming Ho Wu" userId="620d876fccae6a25" providerId="LiveId" clId="{EF3BC0AB-AB59-4C81-97A5-1FDA4EE47D87}" dt="2020-09-27T18:18:59.929" v="9678"/>
-          <ac:graphicFrameMkLst>
-            <pc:docMk/>
-            <pc:sldMk cId="3584881285" sldId="323"/>
-            <ac:graphicFrameMk id="6" creationId="{60167984-0F6D-44F1-A20D-E8267DCC0337}"/>
-          </ac:graphicFrameMkLst>
-        </pc:graphicFrameChg>
-      </pc:sldChg>
-      <pc:sldChg chg="modSp add mod">
-        <pc:chgData name="Andrew Ming Ho Wu" userId="620d876fccae6a25" providerId="LiveId" clId="{EF3BC0AB-AB59-4C81-97A5-1FDA4EE47D87}" dt="2020-09-27T18:24:49.019" v="10398" actId="20577"/>
-        <pc:sldMkLst>
-          <pc:docMk/>
-          <pc:sldMk cId="1769369266" sldId="324"/>
-        </pc:sldMkLst>
-        <pc:spChg chg="mod">
-          <ac:chgData name="Andrew Ming Ho Wu" userId="620d876fccae6a25" providerId="LiveId" clId="{EF3BC0AB-AB59-4C81-97A5-1FDA4EE47D87}" dt="2020-09-27T18:24:49.019" v="10398" actId="20577"/>
-          <ac:spMkLst>
-            <pc:docMk/>
-            <pc:sldMk cId="1769369266" sldId="324"/>
-            <ac:spMk id="7" creationId="{E4AD51E1-FCF3-4A0C-8B1A-3C58F573459E}"/>
-          </ac:spMkLst>
-        </pc:spChg>
-      </pc:sldChg>
-      <pc:sldChg chg="modSp add mod">
-        <pc:chgData name="Andrew Ming Ho Wu" userId="620d876fccae6a25" providerId="LiveId" clId="{EF3BC0AB-AB59-4C81-97A5-1FDA4EE47D87}" dt="2020-09-27T18:29:32.927" v="10814" actId="20577"/>
-        <pc:sldMkLst>
-          <pc:docMk/>
-          <pc:sldMk cId="3774335670" sldId="325"/>
-        </pc:sldMkLst>
-        <pc:spChg chg="mod">
-          <ac:chgData name="Andrew Ming Ho Wu" userId="620d876fccae6a25" providerId="LiveId" clId="{EF3BC0AB-AB59-4C81-97A5-1FDA4EE47D87}" dt="2020-09-27T18:29:32.927" v="10814" actId="20577"/>
-          <ac:spMkLst>
-            <pc:docMk/>
-            <pc:sldMk cId="3774335670" sldId="325"/>
-            <ac:spMk id="7" creationId="{E4AD51E1-FCF3-4A0C-8B1A-3C58F573459E}"/>
-          </ac:spMkLst>
-        </pc:spChg>
-        <pc:spChg chg="mod">
-          <ac:chgData name="Andrew Ming Ho Wu" userId="620d876fccae6a25" providerId="LiveId" clId="{EF3BC0AB-AB59-4C81-97A5-1FDA4EE47D87}" dt="2020-09-27T18:26:27.870" v="10420" actId="20577"/>
-          <ac:spMkLst>
-            <pc:docMk/>
-            <pc:sldMk cId="3774335670" sldId="325"/>
-            <ac:spMk id="13" creationId="{69CF4EEB-ADC9-4068-B7B7-D36841F39D3C}"/>
-          </ac:spMkLst>
-        </pc:spChg>
-      </pc:sldChg>
-      <pc:sldChg chg="add del">
-        <pc:chgData name="Andrew Ming Ho Wu" userId="620d876fccae6a25" providerId="LiveId" clId="{EF3BC0AB-AB59-4C81-97A5-1FDA4EE47D87}" dt="2020-09-27T18:26:21.489" v="10401" actId="2696"/>
-        <pc:sldMkLst>
-          <pc:docMk/>
-          <pc:sldMk cId="828494221" sldId="326"/>
-        </pc:sldMkLst>
-      </pc:sldChg>
-      <pc:sldChg chg="modSp add mod">
-        <pc:chgData name="Andrew Ming Ho Wu" userId="620d876fccae6a25" providerId="LiveId" clId="{EF3BC0AB-AB59-4C81-97A5-1FDA4EE47D87}" dt="2020-09-27T18:34:03.877" v="11494" actId="1076"/>
-        <pc:sldMkLst>
-          <pc:docMk/>
-          <pc:sldMk cId="1449775771" sldId="326"/>
-        </pc:sldMkLst>
-        <pc:spChg chg="mod">
-          <ac:chgData name="Andrew Ming Ho Wu" userId="620d876fccae6a25" providerId="LiveId" clId="{EF3BC0AB-AB59-4C81-97A5-1FDA4EE47D87}" dt="2020-09-27T18:33:51.120" v="11492" actId="1076"/>
-          <ac:spMkLst>
-            <pc:docMk/>
-            <pc:sldMk cId="1449775771" sldId="326"/>
-            <ac:spMk id="7" creationId="{E4AD51E1-FCF3-4A0C-8B1A-3C58F573459E}"/>
-          </ac:spMkLst>
-        </pc:spChg>
-        <pc:spChg chg="mod">
-          <ac:chgData name="Andrew Ming Ho Wu" userId="620d876fccae6a25" providerId="LiveId" clId="{EF3BC0AB-AB59-4C81-97A5-1FDA4EE47D87}" dt="2020-09-27T18:34:03.877" v="11494" actId="1076"/>
-          <ac:spMkLst>
-            <pc:docMk/>
-            <pc:sldMk cId="1449775771" sldId="326"/>
-            <ac:spMk id="13" creationId="{69CF4EEB-ADC9-4068-B7B7-D36841F39D3C}"/>
-          </ac:spMkLst>
-        </pc:spChg>
-      </pc:sldChg>
-      <pc:sldChg chg="addSp delSp modSp add mod">
-        <pc:chgData name="Andrew Ming Ho Wu" userId="620d876fccae6a25" providerId="LiveId" clId="{EF3BC0AB-AB59-4C81-97A5-1FDA4EE47D87}" dt="2020-09-27T18:38:02.661" v="11934" actId="1076"/>
-        <pc:sldMkLst>
-          <pc:docMk/>
-          <pc:sldMk cId="4259034908" sldId="327"/>
-        </pc:sldMkLst>
-        <pc:spChg chg="add">
-          <ac:chgData name="Andrew Ming Ho Wu" userId="620d876fccae6a25" providerId="LiveId" clId="{EF3BC0AB-AB59-4C81-97A5-1FDA4EE47D87}" dt="2020-09-27T18:36:26.362" v="11607" actId="22"/>
-          <ac:spMkLst>
-            <pc:docMk/>
-            <pc:sldMk cId="4259034908" sldId="327"/>
-            <ac:spMk id="6" creationId="{BEC9B985-01E2-4E66-9346-091B101327B3}"/>
-          </ac:spMkLst>
-        </pc:spChg>
-        <pc:spChg chg="mod">
-          <ac:chgData name="Andrew Ming Ho Wu" userId="620d876fccae6a25" providerId="LiveId" clId="{EF3BC0AB-AB59-4C81-97A5-1FDA4EE47D87}" dt="2020-09-27T18:38:02.661" v="11934" actId="1076"/>
-          <ac:spMkLst>
-            <pc:docMk/>
-            <pc:sldMk cId="4259034908" sldId="327"/>
-            <ac:spMk id="7" creationId="{E4AD51E1-FCF3-4A0C-8B1A-3C58F573459E}"/>
-          </ac:spMkLst>
-        </pc:spChg>
-        <pc:spChg chg="del mod">
-          <ac:chgData name="Andrew Ming Ho Wu" userId="620d876fccae6a25" providerId="LiveId" clId="{EF3BC0AB-AB59-4C81-97A5-1FDA4EE47D87}" dt="2020-09-27T18:36:26.036" v="11606" actId="478"/>
-          <ac:spMkLst>
-            <pc:docMk/>
-            <pc:sldMk cId="4259034908" sldId="327"/>
-            <ac:spMk id="13" creationId="{69CF4EEB-ADC9-4068-B7B7-D36841F39D3C}"/>
-          </ac:spMkLst>
-        </pc:spChg>
-      </pc:sldChg>
-      <pc:sldChg chg="modSp add mod">
-        <pc:chgData name="Andrew Ming Ho Wu" userId="620d876fccae6a25" providerId="LiveId" clId="{EF3BC0AB-AB59-4C81-97A5-1FDA4EE47D87}" dt="2020-09-27T18:41:40.924" v="12570" actId="20577"/>
-        <pc:sldMkLst>
-          <pc:docMk/>
-          <pc:sldMk cId="2174425840" sldId="328"/>
-        </pc:sldMkLst>
-        <pc:spChg chg="mod">
-          <ac:chgData name="Andrew Ming Ho Wu" userId="620d876fccae6a25" providerId="LiveId" clId="{EF3BC0AB-AB59-4C81-97A5-1FDA4EE47D87}" dt="2020-09-27T18:41:40.924" v="12570" actId="20577"/>
-          <ac:spMkLst>
-            <pc:docMk/>
-            <pc:sldMk cId="2174425840" sldId="328"/>
-            <ac:spMk id="7" creationId="{E4AD51E1-FCF3-4A0C-8B1A-3C58F573459E}"/>
-          </ac:spMkLst>
-        </pc:spChg>
-      </pc:sldChg>
-      <pc:sldChg chg="modSp add mod">
-        <pc:chgData name="Andrew Ming Ho Wu" userId="620d876fccae6a25" providerId="LiveId" clId="{EF3BC0AB-AB59-4C81-97A5-1FDA4EE47D87}" dt="2020-09-27T18:48:04.723" v="13177" actId="20577"/>
-        <pc:sldMkLst>
-          <pc:docMk/>
-          <pc:sldMk cId="428898620" sldId="329"/>
-        </pc:sldMkLst>
-        <pc:spChg chg="mod">
-          <ac:chgData name="Andrew Ming Ho Wu" userId="620d876fccae6a25" providerId="LiveId" clId="{EF3BC0AB-AB59-4C81-97A5-1FDA4EE47D87}" dt="2020-09-27T18:43:02.482" v="12622" actId="20577"/>
-          <ac:spMkLst>
-            <pc:docMk/>
-            <pc:sldMk cId="428898620" sldId="329"/>
-            <ac:spMk id="5" creationId="{00000000-0000-0000-0000-000000000000}"/>
-          </ac:spMkLst>
-        </pc:spChg>
-        <pc:spChg chg="mod">
-          <ac:chgData name="Andrew Ming Ho Wu" userId="620d876fccae6a25" providerId="LiveId" clId="{EF3BC0AB-AB59-4C81-97A5-1FDA4EE47D87}" dt="2020-09-27T18:48:04.723" v="13177" actId="20577"/>
-          <ac:spMkLst>
-            <pc:docMk/>
-            <pc:sldMk cId="428898620" sldId="329"/>
-            <ac:spMk id="12" creationId="{7E70BACB-1CF0-4DEE-923B-205A7D88BC2B}"/>
-          </ac:spMkLst>
-        </pc:spChg>
-      </pc:sldChg>
-      <pc:sldChg chg="modSp add mod">
-        <pc:chgData name="Andrew Ming Ho Wu" userId="620d876fccae6a25" providerId="LiveId" clId="{EF3BC0AB-AB59-4C81-97A5-1FDA4EE47D87}" dt="2020-09-27T18:53:06.406" v="14074" actId="1076"/>
-        <pc:sldMkLst>
-          <pc:docMk/>
-          <pc:sldMk cId="3627176467" sldId="330"/>
-        </pc:sldMkLst>
-        <pc:spChg chg="mod">
-          <ac:chgData name="Andrew Ming Ho Wu" userId="620d876fccae6a25" providerId="LiveId" clId="{EF3BC0AB-AB59-4C81-97A5-1FDA4EE47D87}" dt="2020-09-27T18:48:38.569" v="13202" actId="20577"/>
-          <ac:spMkLst>
-            <pc:docMk/>
-            <pc:sldMk cId="3627176467" sldId="330"/>
-            <ac:spMk id="5" creationId="{00000000-0000-0000-0000-000000000000}"/>
-          </ac:spMkLst>
-        </pc:spChg>
-        <pc:spChg chg="mod">
-          <ac:chgData name="Andrew Ming Ho Wu" userId="620d876fccae6a25" providerId="LiveId" clId="{EF3BC0AB-AB59-4C81-97A5-1FDA4EE47D87}" dt="2020-09-27T18:53:06.406" v="14074" actId="1076"/>
-          <ac:spMkLst>
-            <pc:docMk/>
-            <pc:sldMk cId="3627176467" sldId="330"/>
-            <ac:spMk id="12" creationId="{7E70BACB-1CF0-4DEE-923B-205A7D88BC2B}"/>
-          </ac:spMkLst>
-        </pc:spChg>
-      </pc:sldChg>
-      <pc:sldChg chg="modSp add mod">
-        <pc:chgData name="Andrew Ming Ho Wu" userId="620d876fccae6a25" providerId="LiveId" clId="{EF3BC0AB-AB59-4C81-97A5-1FDA4EE47D87}" dt="2020-09-27T18:54:28.038" v="14319" actId="20577"/>
-        <pc:sldMkLst>
-          <pc:docMk/>
-          <pc:sldMk cId="311588258" sldId="331"/>
-        </pc:sldMkLst>
-        <pc:spChg chg="mod">
-          <ac:chgData name="Andrew Ming Ho Wu" userId="620d876fccae6a25" providerId="LiveId" clId="{EF3BC0AB-AB59-4C81-97A5-1FDA4EE47D87}" dt="2020-09-27T18:53:26.285" v="14108" actId="14100"/>
-          <ac:spMkLst>
-            <pc:docMk/>
-            <pc:sldMk cId="311588258" sldId="331"/>
-            <ac:spMk id="5" creationId="{00000000-0000-0000-0000-000000000000}"/>
-          </ac:spMkLst>
-        </pc:spChg>
-        <pc:spChg chg="mod">
-          <ac:chgData name="Andrew Ming Ho Wu" userId="620d876fccae6a25" providerId="LiveId" clId="{EF3BC0AB-AB59-4C81-97A5-1FDA4EE47D87}" dt="2020-09-27T18:54:28.038" v="14319" actId="20577"/>
-          <ac:spMkLst>
-            <pc:docMk/>
-            <pc:sldMk cId="311588258" sldId="331"/>
-            <ac:spMk id="12" creationId="{7E70BACB-1CF0-4DEE-923B-205A7D88BC2B}"/>
-          </ac:spMkLst>
-        </pc:spChg>
-      </pc:sldChg>
-      <pc:sldChg chg="modSp add mod">
-        <pc:chgData name="Andrew Ming Ho Wu" userId="620d876fccae6a25" providerId="LiveId" clId="{EF3BC0AB-AB59-4C81-97A5-1FDA4EE47D87}" dt="2020-09-27T18:57:17.757" v="14458" actId="20577"/>
-        <pc:sldMkLst>
-          <pc:docMk/>
-          <pc:sldMk cId="1678336179" sldId="332"/>
-        </pc:sldMkLst>
-        <pc:spChg chg="mod">
-          <ac:chgData name="Andrew Ming Ho Wu" userId="620d876fccae6a25" providerId="LiveId" clId="{EF3BC0AB-AB59-4C81-97A5-1FDA4EE47D87}" dt="2020-09-27T18:54:54.107" v="14359" actId="20577"/>
-          <ac:spMkLst>
-            <pc:docMk/>
-            <pc:sldMk cId="1678336179" sldId="332"/>
-            <ac:spMk id="5" creationId="{00000000-0000-0000-0000-000000000000}"/>
-          </ac:spMkLst>
-        </pc:spChg>
-        <pc:spChg chg="mod">
-          <ac:chgData name="Andrew Ming Ho Wu" userId="620d876fccae6a25" providerId="LiveId" clId="{EF3BC0AB-AB59-4C81-97A5-1FDA4EE47D87}" dt="2020-09-27T18:57:17.757" v="14458" actId="20577"/>
-          <ac:spMkLst>
-            <pc:docMk/>
-            <pc:sldMk cId="1678336179" sldId="332"/>
-            <ac:spMk id="12" creationId="{7E70BACB-1CF0-4DEE-923B-205A7D88BC2B}"/>
-          </ac:spMkLst>
-        </pc:spChg>
-      </pc:sldChg>
-    </pc:docChg>
-  </pc:docChgLst>
-  <pc:docChgLst>
-    <pc:chgData name="Andrew Ming Ho Wu" userId="620d876fccae6a25" providerId="LiveId" clId="{B8CC6B97-FBEB-4E84-A973-1D8D00A51797}"/>
-    <pc:docChg chg="undo redo custSel addSld delSld modSld">
-      <pc:chgData name="Andrew Ming Ho Wu" userId="620d876fccae6a25" providerId="LiveId" clId="{B8CC6B97-FBEB-4E84-A973-1D8D00A51797}" dt="2020-12-09T20:21:14.831" v="3322" actId="1076"/>
+    <pc:chgData name="Andrew Ming Ho Wu" userId="620d876fccae6a25" providerId="LiveId" clId="{301D553B-ED1B-4DD0-8B60-0326FA0FE40D}"/>
+    <pc:docChg chg="undo custSel modSld sldOrd">
+      <pc:chgData name="Andrew Ming Ho Wu" userId="620d876fccae6a25" providerId="LiveId" clId="{301D553B-ED1B-4DD0-8B60-0326FA0FE40D}" dt="2020-12-04T09:57:29.774" v="2192" actId="20577"/>
       <pc:docMkLst>
         <pc:docMk/>
       </pc:docMkLst>
       <pc:sldChg chg="modSp mod">
-        <pc:chgData name="Andrew Ming Ho Wu" userId="620d876fccae6a25" providerId="LiveId" clId="{B8CC6B97-FBEB-4E84-A973-1D8D00A51797}" dt="2020-12-07T23:20:20.434" v="2391" actId="20577"/>
+        <pc:chgData name="Andrew Ming Ho Wu" userId="620d876fccae6a25" providerId="LiveId" clId="{301D553B-ED1B-4DD0-8B60-0326FA0FE40D}" dt="2020-12-04T09:23:30.694" v="1648" actId="20577"/>
         <pc:sldMkLst>
           <pc:docMk/>
           <pc:sldMk cId="0" sldId="256"/>
         </pc:sldMkLst>
         <pc:spChg chg="mod">
-          <ac:chgData name="Andrew Ming Ho Wu" userId="620d876fccae6a25" providerId="LiveId" clId="{B8CC6B97-FBEB-4E84-A973-1D8D00A51797}" dt="2020-12-07T23:20:20.434" v="2391" actId="20577"/>
-          <ac:spMkLst>
-            <pc:docMk/>
-            <pc:sldMk cId="0" sldId="256"/>
-            <ac:spMk id="7" creationId="{00000000-0000-0000-0000-000000000000}"/>
-          </ac:spMkLst>
-        </pc:spChg>
-        <pc:spChg chg="mod">
-          <ac:chgData name="Andrew Ming Ho Wu" userId="620d876fccae6a25" providerId="LiveId" clId="{B8CC6B97-FBEB-4E84-A973-1D8D00A51797}" dt="2020-12-07T11:47:32.514" v="4" actId="20577"/>
+          <ac:chgData name="Andrew Ming Ho Wu" userId="620d876fccae6a25" providerId="LiveId" clId="{301D553B-ED1B-4DD0-8B60-0326FA0FE40D}" dt="2020-12-04T09:23:30.694" v="1648" actId="20577"/>
           <ac:spMkLst>
             <pc:docMk/>
             <pc:sldMk cId="0" sldId="256"/>
@@ -4917,14 +5078,14 @@
           </ac:spMkLst>
         </pc:spChg>
       </pc:sldChg>
-      <pc:sldChg chg="modSp del mod">
-        <pc:chgData name="Andrew Ming Ho Wu" userId="620d876fccae6a25" providerId="LiveId" clId="{B8CC6B97-FBEB-4E84-A973-1D8D00A51797}" dt="2020-12-07T14:43:22.840" v="2386" actId="47"/>
+      <pc:sldChg chg="modSp mod ord">
+        <pc:chgData name="Andrew Ming Ho Wu" userId="620d876fccae6a25" providerId="LiveId" clId="{301D553B-ED1B-4DD0-8B60-0326FA0FE40D}" dt="2020-12-04T09:37:15.202" v="1818" actId="1076"/>
         <pc:sldMkLst>
           <pc:docMk/>
           <pc:sldMk cId="3627176467" sldId="330"/>
         </pc:sldMkLst>
         <pc:spChg chg="mod">
-          <ac:chgData name="Andrew Ming Ho Wu" userId="620d876fccae6a25" providerId="LiveId" clId="{B8CC6B97-FBEB-4E84-A973-1D8D00A51797}" dt="2020-12-07T11:49:36.385" v="427" actId="115"/>
+          <ac:chgData name="Andrew Ming Ho Wu" userId="620d876fccae6a25" providerId="LiveId" clId="{301D553B-ED1B-4DD0-8B60-0326FA0FE40D}" dt="2020-12-04T09:37:15.202" v="1818" actId="1076"/>
           <ac:spMkLst>
             <pc:docMk/>
             <pc:sldMk cId="3627176467" sldId="330"/>
@@ -4933,226 +5094,65 @@
         </pc:spChg>
       </pc:sldChg>
       <pc:sldChg chg="addSp delSp modSp mod">
-        <pc:chgData name="Andrew Ming Ho Wu" userId="620d876fccae6a25" providerId="LiveId" clId="{B8CC6B97-FBEB-4E84-A973-1D8D00A51797}" dt="2020-12-09T20:19:32.434" v="3257" actId="20577"/>
+        <pc:chgData name="Andrew Ming Ho Wu" userId="620d876fccae6a25" providerId="LiveId" clId="{301D553B-ED1B-4DD0-8B60-0326FA0FE40D}" dt="2020-12-04T09:57:29.774" v="2192" actId="20577"/>
         <pc:sldMkLst>
           <pc:docMk/>
           <pc:sldMk cId="2206058006" sldId="333"/>
         </pc:sldMkLst>
         <pc:spChg chg="mod">
-          <ac:chgData name="Andrew Ming Ho Wu" userId="620d876fccae6a25" providerId="LiveId" clId="{B8CC6B97-FBEB-4E84-A973-1D8D00A51797}" dt="2020-12-08T20:51:48.995" v="2411" actId="20577"/>
+          <ac:chgData name="Andrew Ming Ho Wu" userId="620d876fccae6a25" providerId="LiveId" clId="{301D553B-ED1B-4DD0-8B60-0326FA0FE40D}" dt="2020-12-04T09:54:08.146" v="2088" actId="1076"/>
           <ac:spMkLst>
             <pc:docMk/>
             <pc:sldMk cId="2206058006" sldId="333"/>
             <ac:spMk id="5" creationId="{00000000-0000-0000-0000-000000000000}"/>
           </ac:spMkLst>
         </pc:spChg>
-        <pc:spChg chg="del">
-          <ac:chgData name="Andrew Ming Ho Wu" userId="620d876fccae6a25" providerId="LiveId" clId="{B8CC6B97-FBEB-4E84-A973-1D8D00A51797}" dt="2020-12-07T11:49:40.438" v="428" actId="478"/>
+        <pc:spChg chg="add del mod">
+          <ac:chgData name="Andrew Ming Ho Wu" userId="620d876fccae6a25" providerId="LiveId" clId="{301D553B-ED1B-4DD0-8B60-0326FA0FE40D}" dt="2020-12-04T09:57:29.774" v="2192" actId="20577"/>
           <ac:spMkLst>
             <pc:docMk/>
             <pc:sldMk cId="2206058006" sldId="333"/>
             <ac:spMk id="11" creationId="{3E2506E2-B67A-4B0D-BA61-6B13AC56BACF}"/>
           </ac:spMkLst>
         </pc:spChg>
-        <pc:spChg chg="add del mod">
-          <ac:chgData name="Andrew Ming Ho Wu" userId="620d876fccae6a25" providerId="LiveId" clId="{B8CC6B97-FBEB-4E84-A973-1D8D00A51797}" dt="2020-12-09T20:19:32.434" v="3257" actId="20577"/>
-          <ac:spMkLst>
-            <pc:docMk/>
-            <pc:sldMk cId="2206058006" sldId="333"/>
-            <ac:spMk id="12" creationId="{11F2B6B6-0466-4FF3-9677-694F0F61AE7C}"/>
-          </ac:spMkLst>
-        </pc:spChg>
-        <pc:grpChg chg="mod">
-          <ac:chgData name="Andrew Ming Ho Wu" userId="620d876fccae6a25" providerId="LiveId" clId="{B8CC6B97-FBEB-4E84-A973-1D8D00A51797}" dt="2020-12-07T11:50:20.258" v="465" actId="1076"/>
-          <ac:grpSpMkLst>
-            <pc:docMk/>
-            <pc:sldMk cId="2206058006" sldId="333"/>
-            <ac:grpSpMk id="2" creationId="{00000000-0000-0000-0000-000000000000}"/>
-          </ac:grpSpMkLst>
-        </pc:grpChg>
-        <pc:grpChg chg="mod">
-          <ac:chgData name="Andrew Ming Ho Wu" userId="620d876fccae6a25" providerId="LiveId" clId="{B8CC6B97-FBEB-4E84-A973-1D8D00A51797}" dt="2020-12-07T11:50:22.733" v="466" actId="1076"/>
-          <ac:grpSpMkLst>
-            <pc:docMk/>
-            <pc:sldMk cId="2206058006" sldId="333"/>
-            <ac:grpSpMk id="8" creationId="{00000000-0000-0000-0000-000000000000}"/>
-          </ac:grpSpMkLst>
-        </pc:grpChg>
-      </pc:sldChg>
-      <pc:sldChg chg="addSp delSp modSp mod">
-        <pc:chgData name="Andrew Ming Ho Wu" userId="620d876fccae6a25" providerId="LiveId" clId="{B8CC6B97-FBEB-4E84-A973-1D8D00A51797}" dt="2020-12-07T12:17:11.563" v="2385" actId="20577"/>
+      </pc:sldChg>
+      <pc:sldChg chg="modSp mod">
+        <pc:chgData name="Andrew Ming Ho Wu" userId="620d876fccae6a25" providerId="LiveId" clId="{301D553B-ED1B-4DD0-8B60-0326FA0FE40D}" dt="2020-12-03T19:29:39.167" v="656" actId="20577"/>
         <pc:sldMkLst>
           <pc:docMk/>
           <pc:sldMk cId="2818220858" sldId="343"/>
         </pc:sldMkLst>
         <pc:spChg chg="mod">
-          <ac:chgData name="Andrew Ming Ho Wu" userId="620d876fccae6a25" providerId="LiveId" clId="{B8CC6B97-FBEB-4E84-A973-1D8D00A51797}" dt="2020-12-07T12:16:53.205" v="2364" actId="1076"/>
-          <ac:spMkLst>
-            <pc:docMk/>
-            <pc:sldMk cId="2818220858" sldId="343"/>
-            <ac:spMk id="5" creationId="{81D7F47C-B22C-46A9-BD87-E2FA064EC20F}"/>
-          </ac:spMkLst>
-        </pc:spChg>
-        <pc:spChg chg="mod">
-          <ac:chgData name="Andrew Ming Ho Wu" userId="620d876fccae6a25" providerId="LiveId" clId="{B8CC6B97-FBEB-4E84-A973-1D8D00A51797}" dt="2020-12-07T12:16:25.853" v="2338" actId="20577"/>
+          <ac:chgData name="Andrew Ming Ho Wu" userId="620d876fccae6a25" providerId="LiveId" clId="{301D553B-ED1B-4DD0-8B60-0326FA0FE40D}" dt="2020-12-03T19:29:34.248" v="655" actId="20577"/>
           <ac:spMkLst>
             <pc:docMk/>
             <pc:sldMk cId="2818220858" sldId="343"/>
             <ac:spMk id="8" creationId="{9D42ABF8-029E-4F29-B608-8C118D28ABA1}"/>
           </ac:spMkLst>
         </pc:spChg>
-        <pc:spChg chg="add del mod">
-          <ac:chgData name="Andrew Ming Ho Wu" userId="620d876fccae6a25" providerId="LiveId" clId="{B8CC6B97-FBEB-4E84-A973-1D8D00A51797}" dt="2020-12-07T12:17:00.094" v="2366"/>
-          <ac:spMkLst>
-            <pc:docMk/>
-            <pc:sldMk cId="2818220858" sldId="343"/>
-            <ac:spMk id="14" creationId="{4008C9F8-7034-4640-926C-69C20356432C}"/>
-          </ac:spMkLst>
-        </pc:spChg>
-        <pc:spChg chg="mod">
-          <ac:chgData name="Andrew Ming Ho Wu" userId="620d876fccae6a25" providerId="LiveId" clId="{B8CC6B97-FBEB-4E84-A973-1D8D00A51797}" dt="2020-12-07T11:47:46.566" v="35" actId="20577"/>
+        <pc:spChg chg="mod">
+          <ac:chgData name="Andrew Ming Ho Wu" userId="620d876fccae6a25" providerId="LiveId" clId="{301D553B-ED1B-4DD0-8B60-0326FA0FE40D}" dt="2020-12-03T19:29:39.167" v="656" actId="20577"/>
           <ac:spMkLst>
             <pc:docMk/>
             <pc:sldMk cId="2818220858" sldId="343"/>
             <ac:spMk id="15" creationId="{5FC8DCBF-4CCE-4C22-8B9F-CC50B4D8446D}"/>
           </ac:spMkLst>
         </pc:spChg>
-        <pc:spChg chg="add mod">
-          <ac:chgData name="Andrew Ming Ho Wu" userId="620d876fccae6a25" providerId="LiveId" clId="{B8CC6B97-FBEB-4E84-A973-1D8D00A51797}" dt="2020-12-07T12:17:11.563" v="2385" actId="20577"/>
-          <ac:spMkLst>
-            <pc:docMk/>
-            <pc:sldMk cId="2818220858" sldId="343"/>
-            <ac:spMk id="16" creationId="{9776CE46-BCD9-4FBA-A83A-BE5C5D29A965}"/>
-          </ac:spMkLst>
-        </pc:spChg>
-        <pc:grpChg chg="mod">
-          <ac:chgData name="Andrew Ming Ho Wu" userId="620d876fccae6a25" providerId="LiveId" clId="{B8CC6B97-FBEB-4E84-A973-1D8D00A51797}" dt="2020-12-07T12:16:48.563" v="2363" actId="1076"/>
-          <ac:grpSpMkLst>
-            <pc:docMk/>
-            <pc:sldMk cId="2818220858" sldId="343"/>
-            <ac:grpSpMk id="2" creationId="{00000000-0000-0000-0000-000000000000}"/>
-          </ac:grpSpMkLst>
-        </pc:grpChg>
-      </pc:sldChg>
-      <pc:sldChg chg="modSp mod">
-        <pc:chgData name="Andrew Ming Ho Wu" userId="620d876fccae6a25" providerId="LiveId" clId="{B8CC6B97-FBEB-4E84-A973-1D8D00A51797}" dt="2020-12-07T12:12:01.475" v="2130" actId="20577"/>
+      </pc:sldChg>
+      <pc:sldChg chg="addSp delSp modSp mod">
+        <pc:chgData name="Andrew Ming Ho Wu" userId="620d876fccae6a25" providerId="LiveId" clId="{301D553B-ED1B-4DD0-8B60-0326FA0FE40D}" dt="2020-12-03T19:23:50.731" v="4"/>
         <pc:sldMkLst>
           <pc:docMk/>
           <pc:sldMk cId="1002563172" sldId="387"/>
         </pc:sldMkLst>
-        <pc:spChg chg="mod">
-          <ac:chgData name="Andrew Ming Ho Wu" userId="620d876fccae6a25" providerId="LiveId" clId="{B8CC6B97-FBEB-4E84-A973-1D8D00A51797}" dt="2020-12-07T12:12:01.475" v="2130" actId="20577"/>
+        <pc:spChg chg="add del mod">
+          <ac:chgData name="Andrew Ming Ho Wu" userId="620d876fccae6a25" providerId="LiveId" clId="{301D553B-ED1B-4DD0-8B60-0326FA0FE40D}" dt="2020-12-03T19:23:50.731" v="4"/>
           <ac:spMkLst>
             <pc:docMk/>
             <pc:sldMk cId="1002563172" sldId="387"/>
-            <ac:spMk id="5" creationId="{00000000-0000-0000-0000-000000000000}"/>
-          </ac:spMkLst>
-        </pc:spChg>
-      </pc:sldChg>
-      <pc:sldChg chg="modSp add mod">
-        <pc:chgData name="Andrew Ming Ho Wu" userId="620d876fccae6a25" providerId="LiveId" clId="{B8CC6B97-FBEB-4E84-A973-1D8D00A51797}" dt="2020-12-09T20:21:14.831" v="3322" actId="1076"/>
-        <pc:sldMkLst>
-          <pc:docMk/>
-          <pc:sldMk cId="2049264590" sldId="388"/>
-        </pc:sldMkLst>
-        <pc:spChg chg="mod">
-          <ac:chgData name="Andrew Ming Ho Wu" userId="620d876fccae6a25" providerId="LiveId" clId="{B8CC6B97-FBEB-4E84-A973-1D8D00A51797}" dt="2020-12-09T20:21:14.831" v="3322" actId="1076"/>
-          <ac:spMkLst>
-            <pc:docMk/>
-            <pc:sldMk cId="2049264590" sldId="388"/>
-            <ac:spMk id="12" creationId="{11F2B6B6-0466-4FF3-9677-694F0F61AE7C}"/>
-          </ac:spMkLst>
-        </pc:spChg>
-      </pc:sldChg>
-      <pc:sldChg chg="add">
-        <pc:chgData name="Andrew Ming Ho Wu" userId="620d876fccae6a25" providerId="LiveId" clId="{B8CC6B97-FBEB-4E84-A973-1D8D00A51797}" dt="2020-12-07T12:11:57.600" v="2129" actId="2890"/>
-        <pc:sldMkLst>
-          <pc:docMk/>
-          <pc:sldMk cId="1012779811" sldId="389"/>
-        </pc:sldMkLst>
-      </pc:sldChg>
-      <pc:sldChg chg="modSp add mod">
-        <pc:chgData name="Andrew Ming Ho Wu" userId="620d876fccae6a25" providerId="LiveId" clId="{B8CC6B97-FBEB-4E84-A973-1D8D00A51797}" dt="2020-12-07T12:13:16.646" v="2234" actId="255"/>
-        <pc:sldMkLst>
-          <pc:docMk/>
-          <pc:sldMk cId="2782934202" sldId="390"/>
-        </pc:sldMkLst>
-        <pc:spChg chg="mod">
-          <ac:chgData name="Andrew Ming Ho Wu" userId="620d876fccae6a25" providerId="LiveId" clId="{B8CC6B97-FBEB-4E84-A973-1D8D00A51797}" dt="2020-12-07T12:12:22.476" v="2139" actId="20577"/>
-          <ac:spMkLst>
-            <pc:docMk/>
-            <pc:sldMk cId="2782934202" sldId="390"/>
-            <ac:spMk id="5" creationId="{00000000-0000-0000-0000-000000000000}"/>
-          </ac:spMkLst>
-        </pc:spChg>
-        <pc:spChg chg="mod">
-          <ac:chgData name="Andrew Ming Ho Wu" userId="620d876fccae6a25" providerId="LiveId" clId="{B8CC6B97-FBEB-4E84-A973-1D8D00A51797}" dt="2020-12-07T12:13:16.646" v="2234" actId="255"/>
-          <ac:spMkLst>
-            <pc:docMk/>
-            <pc:sldMk cId="2782934202" sldId="390"/>
-            <ac:spMk id="12" creationId="{11F2B6B6-0466-4FF3-9677-694F0F61AE7C}"/>
-          </ac:spMkLst>
-        </pc:spChg>
-      </pc:sldChg>
-      <pc:sldChg chg="modSp add mod">
-        <pc:chgData name="Andrew Ming Ho Wu" userId="620d876fccae6a25" providerId="LiveId" clId="{B8CC6B97-FBEB-4E84-A973-1D8D00A51797}" dt="2020-12-07T12:14:09.189" v="2268" actId="20577"/>
-        <pc:sldMkLst>
-          <pc:docMk/>
-          <pc:sldMk cId="2582986712" sldId="391"/>
-        </pc:sldMkLst>
-        <pc:spChg chg="mod">
-          <ac:chgData name="Andrew Ming Ho Wu" userId="620d876fccae6a25" providerId="LiveId" clId="{B8CC6B97-FBEB-4E84-A973-1D8D00A51797}" dt="2020-12-07T12:14:09.189" v="2268" actId="20577"/>
-          <ac:spMkLst>
-            <pc:docMk/>
-            <pc:sldMk cId="2582986712" sldId="391"/>
-            <ac:spMk id="12" creationId="{11F2B6B6-0466-4FF3-9677-694F0F61AE7C}"/>
-          </ac:spMkLst>
-        </pc:spChg>
-      </pc:sldChg>
-      <pc:sldChg chg="modSp add mod">
-        <pc:chgData name="Andrew Ming Ho Wu" userId="620d876fccae6a25" providerId="LiveId" clId="{B8CC6B97-FBEB-4E84-A973-1D8D00A51797}" dt="2020-12-07T12:15:51.208" v="2307" actId="255"/>
-        <pc:sldMkLst>
-          <pc:docMk/>
-          <pc:sldMk cId="161672857" sldId="392"/>
-        </pc:sldMkLst>
-        <pc:spChg chg="mod">
-          <ac:chgData name="Andrew Ming Ho Wu" userId="620d876fccae6a25" providerId="LiveId" clId="{B8CC6B97-FBEB-4E84-A973-1D8D00A51797}" dt="2020-12-07T12:15:14.773" v="2298" actId="20577"/>
-          <ac:spMkLst>
-            <pc:docMk/>
-            <pc:sldMk cId="161672857" sldId="392"/>
-            <ac:spMk id="5" creationId="{00000000-0000-0000-0000-000000000000}"/>
-          </ac:spMkLst>
-        </pc:spChg>
-        <pc:spChg chg="mod">
-          <ac:chgData name="Andrew Ming Ho Wu" userId="620d876fccae6a25" providerId="LiveId" clId="{B8CC6B97-FBEB-4E84-A973-1D8D00A51797}" dt="2020-12-07T12:15:51.208" v="2307" actId="255"/>
-          <ac:spMkLst>
-            <pc:docMk/>
-            <pc:sldMk cId="161672857" sldId="392"/>
-            <ac:spMk id="12" creationId="{11F2B6B6-0466-4FF3-9677-694F0F61AE7C}"/>
-          </ac:spMkLst>
-        </pc:spChg>
-      </pc:sldChg>
-      <pc:sldChg chg="modSp add mod">
-        <pc:chgData name="Andrew Ming Ho Wu" userId="620d876fccae6a25" providerId="LiveId" clId="{B8CC6B97-FBEB-4E84-A973-1D8D00A51797}" dt="2020-12-09T20:20:31.079" v="3296" actId="20577"/>
-        <pc:sldMkLst>
-          <pc:docMk/>
-          <pc:sldMk cId="226674003" sldId="393"/>
-        </pc:sldMkLst>
-        <pc:spChg chg="mod">
-          <ac:chgData name="Andrew Ming Ho Wu" userId="620d876fccae6a25" providerId="LiveId" clId="{B8CC6B97-FBEB-4E84-A973-1D8D00A51797}" dt="2020-12-09T20:20:31.079" v="3296" actId="20577"/>
-          <ac:spMkLst>
-            <pc:docMk/>
-            <pc:sldMk cId="226674003" sldId="393"/>
-            <ac:spMk id="12" creationId="{11F2B6B6-0466-4FF3-9677-694F0F61AE7C}"/>
-          </ac:spMkLst>
-        </pc:spChg>
-      </pc:sldChg>
-      <pc:sldChg chg="add del">
-        <pc:chgData name="Andrew Ming Ho Wu" userId="620d876fccae6a25" providerId="LiveId" clId="{B8CC6B97-FBEB-4E84-A973-1D8D00A51797}" dt="2020-12-08T20:51:41.486" v="2393"/>
-        <pc:sldMkLst>
-          <pc:docMk/>
-          <pc:sldMk cId="1879883029" sldId="393"/>
-        </pc:sldMkLst>
+            <ac:spMk id="11" creationId="{BA618F6F-1997-4079-B11E-BC24229FBCC5}"/>
+          </ac:spMkLst>
+        </pc:spChg>
       </pc:sldChg>
     </pc:docChg>
   </pc:docChgLst>
@@ -11680,8 +11680,8 @@
         </p:nvSpPr>
         <p:spPr>
           <a:xfrm>
-            <a:off x="8153400" y="2215746"/>
-            <a:ext cx="9163713" cy="8499122"/>
+            <a:off x="8153400" y="1104900"/>
+            <a:ext cx="9163713" cy="10248318"/>
           </a:xfrm>
           <a:prstGeom prst="rect">
             <a:avLst/>
@@ -11719,7 +11719,7 @@
                 <a:ea typeface="Roboto" panose="02000000000000000000" pitchFamily="2" charset="0"/>
                 <a:cs typeface="Roboto" panose="02000000000000000000" pitchFamily="2" charset="0"/>
               </a:rPr>
-              <a:t>Q2. Should we post the paper prototype in the dissertation or the appendix? Are you happy with the paper prototype and related software product section? (go to that part of the dissertation) </a:t>
+              <a:t>Q2. Should we post the paper prototype in the dissertation or the appendix? Could you give some opinions for the paper prototype and related software product sections? (go to that part of the dissertation) </a:t>
             </a:r>
           </a:p>
           <a:p>
@@ -11734,7 +11734,22 @@
                 <a:ea typeface="Roboto" panose="02000000000000000000" pitchFamily="2" charset="0"/>
                 <a:cs typeface="Roboto" panose="02000000000000000000" pitchFamily="2" charset="0"/>
               </a:rPr>
-              <a:t>Q3. Should I discuss about the code platform, e.g. why we have come up with the decisions to use React.JS, PostgreSQL and Django?</a:t>
+              <a:t>Q3. The web demo takes up quite a lot of space, probably 1 page for 3 web diagrams. If we decrease the image size, it makes it difficult to read the web text as well. Would you make it smaller or keep it like that?</a:t>
+            </a:r>
+          </a:p>
+          <a:p>
+            <a:pPr marL="12700" marR="5080">
+              <a:spcBef>
+                <a:spcPts val="235"/>
+              </a:spcBef>
+            </a:pPr>
+            <a:r>
+              <a:rPr lang="en-US" sz="2800" kern="0" dirty="0">
+                <a:latin typeface="Raleway" panose="020B0503030101060003" pitchFamily="34" charset="0"/>
+                <a:ea typeface="Roboto" panose="02000000000000000000" pitchFamily="2" charset="0"/>
+                <a:cs typeface="Roboto" panose="02000000000000000000" pitchFamily="2" charset="0"/>
+              </a:rPr>
+              <a:t>Q3. Should I discuss about the coding platform at all? E.g. why we have come up with the decisions to use React.JS, PostgreSQL and Django?</a:t>
             </a:r>
           </a:p>
           <a:p>

--- a/Documentations/Supervisor Meeting PowerPoints/13._Supervisor_Meeting_12Feb21.pptx
+++ b/Documentations/Supervisor Meeting PowerPoints/13._Supervisor_Meeting_12Feb21.pptx
@@ -5,15 +5,14 @@
     <p:sldMasterId id="2147483648" r:id="rId1"/>
   </p:sldMasterIdLst>
   <p:notesMasterIdLst>
-    <p:notesMasterId r:id="rId8"/>
+    <p:notesMasterId r:id="rId7"/>
   </p:notesMasterIdLst>
   <p:sldIdLst>
     <p:sldId id="256" r:id="rId2"/>
     <p:sldId id="257" r:id="rId3"/>
     <p:sldId id="343" r:id="rId4"/>
-    <p:sldId id="395" r:id="rId5"/>
-    <p:sldId id="394" r:id="rId6"/>
-    <p:sldId id="331" r:id="rId7"/>
+    <p:sldId id="394" r:id="rId5"/>
+    <p:sldId id="331" r:id="rId6"/>
   </p:sldIdLst>
   <p:sldSz cx="18288000" cy="10287000"/>
   <p:notesSz cx="18288000" cy="10287000"/>
@@ -3492,20 +3491,120 @@
     </pc:docChg>
   </pc:docChgLst>
   <pc:docChgLst>
-    <pc:chgData name="Andrew Ming Ho Wu" userId="620d876fccae6a25" providerId="LiveId" clId="{B8CC6B97-FBEB-4E84-A973-1D8D00A51797}"/>
-    <pc:docChg chg="undo redo custSel addSld delSld modSld">
-      <pc:chgData name="Andrew Ming Ho Wu" userId="620d876fccae6a25" providerId="LiveId" clId="{B8CC6B97-FBEB-4E84-A973-1D8D00A51797}" dt="2020-12-09T20:21:14.831" v="3322" actId="1076"/>
+    <pc:chgData name="Andrew Ming Ho Wu" userId="620d876fccae6a25" providerId="LiveId" clId="{301D553B-ED1B-4DD0-8B60-0326FA0FE40D}"/>
+    <pc:docChg chg="undo custSel modSld sldOrd">
+      <pc:chgData name="Andrew Ming Ho Wu" userId="620d876fccae6a25" providerId="LiveId" clId="{301D553B-ED1B-4DD0-8B60-0326FA0FE40D}" dt="2020-12-04T09:57:29.774" v="2192" actId="20577"/>
       <pc:docMkLst>
         <pc:docMk/>
       </pc:docMkLst>
       <pc:sldChg chg="modSp mod">
-        <pc:chgData name="Andrew Ming Ho Wu" userId="620d876fccae6a25" providerId="LiveId" clId="{B8CC6B97-FBEB-4E84-A973-1D8D00A51797}" dt="2020-12-07T23:20:20.434" v="2391" actId="20577"/>
+        <pc:chgData name="Andrew Ming Ho Wu" userId="620d876fccae6a25" providerId="LiveId" clId="{301D553B-ED1B-4DD0-8B60-0326FA0FE40D}" dt="2020-12-04T09:23:30.694" v="1648" actId="20577"/>
         <pc:sldMkLst>
           <pc:docMk/>
           <pc:sldMk cId="0" sldId="256"/>
         </pc:sldMkLst>
         <pc:spChg chg="mod">
-          <ac:chgData name="Andrew Ming Ho Wu" userId="620d876fccae6a25" providerId="LiveId" clId="{B8CC6B97-FBEB-4E84-A973-1D8D00A51797}" dt="2020-12-07T23:20:20.434" v="2391" actId="20577"/>
+          <ac:chgData name="Andrew Ming Ho Wu" userId="620d876fccae6a25" providerId="LiveId" clId="{301D553B-ED1B-4DD0-8B60-0326FA0FE40D}" dt="2020-12-04T09:23:30.694" v="1648" actId="20577"/>
+          <ac:spMkLst>
+            <pc:docMk/>
+            <pc:sldMk cId="0" sldId="256"/>
+            <ac:spMk id="12" creationId="{9A5C5996-C506-42D4-8B45-0190C0F5159A}"/>
+          </ac:spMkLst>
+        </pc:spChg>
+      </pc:sldChg>
+      <pc:sldChg chg="modSp mod ord">
+        <pc:chgData name="Andrew Ming Ho Wu" userId="620d876fccae6a25" providerId="LiveId" clId="{301D553B-ED1B-4DD0-8B60-0326FA0FE40D}" dt="2020-12-04T09:37:15.202" v="1818" actId="1076"/>
+        <pc:sldMkLst>
+          <pc:docMk/>
+          <pc:sldMk cId="3627176467" sldId="330"/>
+        </pc:sldMkLst>
+        <pc:spChg chg="mod">
+          <ac:chgData name="Andrew Ming Ho Wu" userId="620d876fccae6a25" providerId="LiveId" clId="{301D553B-ED1B-4DD0-8B60-0326FA0FE40D}" dt="2020-12-04T09:37:15.202" v="1818" actId="1076"/>
+          <ac:spMkLst>
+            <pc:docMk/>
+            <pc:sldMk cId="3627176467" sldId="330"/>
+            <ac:spMk id="11" creationId="{51D20990-98D9-4852-A91C-AEF4EC3755F8}"/>
+          </ac:spMkLst>
+        </pc:spChg>
+      </pc:sldChg>
+      <pc:sldChg chg="addSp delSp modSp mod">
+        <pc:chgData name="Andrew Ming Ho Wu" userId="620d876fccae6a25" providerId="LiveId" clId="{301D553B-ED1B-4DD0-8B60-0326FA0FE40D}" dt="2020-12-04T09:57:29.774" v="2192" actId="20577"/>
+        <pc:sldMkLst>
+          <pc:docMk/>
+          <pc:sldMk cId="2206058006" sldId="333"/>
+        </pc:sldMkLst>
+        <pc:spChg chg="mod">
+          <ac:chgData name="Andrew Ming Ho Wu" userId="620d876fccae6a25" providerId="LiveId" clId="{301D553B-ED1B-4DD0-8B60-0326FA0FE40D}" dt="2020-12-04T09:54:08.146" v="2088" actId="1076"/>
+          <ac:spMkLst>
+            <pc:docMk/>
+            <pc:sldMk cId="2206058006" sldId="333"/>
+            <ac:spMk id="5" creationId="{00000000-0000-0000-0000-000000000000}"/>
+          </ac:spMkLst>
+        </pc:spChg>
+        <pc:spChg chg="add del mod">
+          <ac:chgData name="Andrew Ming Ho Wu" userId="620d876fccae6a25" providerId="LiveId" clId="{301D553B-ED1B-4DD0-8B60-0326FA0FE40D}" dt="2020-12-04T09:57:29.774" v="2192" actId="20577"/>
+          <ac:spMkLst>
+            <pc:docMk/>
+            <pc:sldMk cId="2206058006" sldId="333"/>
+            <ac:spMk id="11" creationId="{3E2506E2-B67A-4B0D-BA61-6B13AC56BACF}"/>
+          </ac:spMkLst>
+        </pc:spChg>
+      </pc:sldChg>
+      <pc:sldChg chg="modSp mod">
+        <pc:chgData name="Andrew Ming Ho Wu" userId="620d876fccae6a25" providerId="LiveId" clId="{301D553B-ED1B-4DD0-8B60-0326FA0FE40D}" dt="2020-12-03T19:29:39.167" v="656" actId="20577"/>
+        <pc:sldMkLst>
+          <pc:docMk/>
+          <pc:sldMk cId="2818220858" sldId="343"/>
+        </pc:sldMkLst>
+        <pc:spChg chg="mod">
+          <ac:chgData name="Andrew Ming Ho Wu" userId="620d876fccae6a25" providerId="LiveId" clId="{301D553B-ED1B-4DD0-8B60-0326FA0FE40D}" dt="2020-12-03T19:29:34.248" v="655" actId="20577"/>
+          <ac:spMkLst>
+            <pc:docMk/>
+            <pc:sldMk cId="2818220858" sldId="343"/>
+            <ac:spMk id="8" creationId="{9D42ABF8-029E-4F29-B608-8C118D28ABA1}"/>
+          </ac:spMkLst>
+        </pc:spChg>
+        <pc:spChg chg="mod">
+          <ac:chgData name="Andrew Ming Ho Wu" userId="620d876fccae6a25" providerId="LiveId" clId="{301D553B-ED1B-4DD0-8B60-0326FA0FE40D}" dt="2020-12-03T19:29:39.167" v="656" actId="20577"/>
+          <ac:spMkLst>
+            <pc:docMk/>
+            <pc:sldMk cId="2818220858" sldId="343"/>
+            <ac:spMk id="15" creationId="{5FC8DCBF-4CCE-4C22-8B9F-CC50B4D8446D}"/>
+          </ac:spMkLst>
+        </pc:spChg>
+      </pc:sldChg>
+      <pc:sldChg chg="addSp delSp modSp mod">
+        <pc:chgData name="Andrew Ming Ho Wu" userId="620d876fccae6a25" providerId="LiveId" clId="{301D553B-ED1B-4DD0-8B60-0326FA0FE40D}" dt="2020-12-03T19:23:50.731" v="4"/>
+        <pc:sldMkLst>
+          <pc:docMk/>
+          <pc:sldMk cId="1002563172" sldId="387"/>
+        </pc:sldMkLst>
+        <pc:spChg chg="add del mod">
+          <ac:chgData name="Andrew Ming Ho Wu" userId="620d876fccae6a25" providerId="LiveId" clId="{301D553B-ED1B-4DD0-8B60-0326FA0FE40D}" dt="2020-12-03T19:23:50.731" v="4"/>
+          <ac:spMkLst>
+            <pc:docMk/>
+            <pc:sldMk cId="1002563172" sldId="387"/>
+            <ac:spMk id="11" creationId="{BA618F6F-1997-4079-B11E-BC24229FBCC5}"/>
+          </ac:spMkLst>
+        </pc:spChg>
+      </pc:sldChg>
+    </pc:docChg>
+  </pc:docChgLst>
+  <pc:docChgLst>
+    <pc:chgData name="Andrew Ming Ho Wu" userId="620d876fccae6a25" providerId="LiveId" clId="{70051DB0-1E4A-4F76-B9FF-8FCA6C4B0B08}"/>
+    <pc:docChg chg="undo custSel addSld delSld modSld">
+      <pc:chgData name="Andrew Ming Ho Wu" userId="620d876fccae6a25" providerId="LiveId" clId="{70051DB0-1E4A-4F76-B9FF-8FCA6C4B0B08}" dt="2020-10-16T08:50:56.802" v="1997" actId="5793"/>
+      <pc:docMkLst>
+        <pc:docMk/>
+      </pc:docMkLst>
+      <pc:sldChg chg="modSp mod">
+        <pc:chgData name="Andrew Ming Ho Wu" userId="620d876fccae6a25" providerId="LiveId" clId="{70051DB0-1E4A-4F76-B9FF-8FCA6C4B0B08}" dt="2020-10-16T08:13:04.374" v="1601" actId="255"/>
+        <pc:sldMkLst>
+          <pc:docMk/>
+          <pc:sldMk cId="0" sldId="256"/>
+        </pc:sldMkLst>
+        <pc:spChg chg="mod">
+          <ac:chgData name="Andrew Ming Ho Wu" userId="620d876fccae6a25" providerId="LiveId" clId="{70051DB0-1E4A-4F76-B9FF-8FCA6C4B0B08}" dt="2020-10-16T08:13:04.374" v="1601" actId="255"/>
           <ac:spMkLst>
             <pc:docMk/>
             <pc:sldMk cId="0" sldId="256"/>
@@ -3513,7 +3612,7 @@
           </ac:spMkLst>
         </pc:spChg>
         <pc:spChg chg="mod">
-          <ac:chgData name="Andrew Ming Ho Wu" userId="620d876fccae6a25" providerId="LiveId" clId="{B8CC6B97-FBEB-4E84-A973-1D8D00A51797}" dt="2020-12-07T11:47:32.514" v="4" actId="20577"/>
+          <ac:chgData name="Andrew Ming Ho Wu" userId="620d876fccae6a25" providerId="LiveId" clId="{70051DB0-1E4A-4F76-B9FF-8FCA6C4B0B08}" dt="2020-10-14T11:03:10.696" v="1511" actId="20577"/>
           <ac:spMkLst>
             <pc:docMk/>
             <pc:sldMk cId="0" sldId="256"/>
@@ -3521,116 +3620,263 @@
           </ac:spMkLst>
         </pc:spChg>
       </pc:sldChg>
+      <pc:sldChg chg="addSp delSp modSp mod">
+        <pc:chgData name="Andrew Ming Ho Wu" userId="620d876fccae6a25" providerId="LiveId" clId="{70051DB0-1E4A-4F76-B9FF-8FCA6C4B0B08}" dt="2020-10-16T08:14:10.986" v="1623" actId="1076"/>
+        <pc:sldMkLst>
+          <pc:docMk/>
+          <pc:sldMk cId="0" sldId="259"/>
+        </pc:sldMkLst>
+        <pc:spChg chg="mod">
+          <ac:chgData name="Andrew Ming Ho Wu" userId="620d876fccae6a25" providerId="LiveId" clId="{70051DB0-1E4A-4F76-B9FF-8FCA6C4B0B08}" dt="2020-10-16T08:14:10.986" v="1623" actId="1076"/>
+          <ac:spMkLst>
+            <pc:docMk/>
+            <pc:sldMk cId="0" sldId="259"/>
+            <ac:spMk id="5" creationId="{00000000-0000-0000-0000-000000000000}"/>
+          </ac:spMkLst>
+        </pc:spChg>
+        <pc:spChg chg="del mod">
+          <ac:chgData name="Andrew Ming Ho Wu" userId="620d876fccae6a25" providerId="LiveId" clId="{70051DB0-1E4A-4F76-B9FF-8FCA6C4B0B08}" dt="2020-10-14T10:56:16.263" v="803"/>
+          <ac:spMkLst>
+            <pc:docMk/>
+            <pc:sldMk cId="0" sldId="259"/>
+            <ac:spMk id="12" creationId="{7E70BACB-1CF0-4DEE-923B-205A7D88BC2B}"/>
+          </ac:spMkLst>
+        </pc:spChg>
+        <pc:graphicFrameChg chg="add del mod modGraphic">
+          <ac:chgData name="Andrew Ming Ho Wu" userId="620d876fccae6a25" providerId="LiveId" clId="{70051DB0-1E4A-4F76-B9FF-8FCA6C4B0B08}" dt="2020-10-16T08:13:58.412" v="1603" actId="478"/>
+          <ac:graphicFrameMkLst>
+            <pc:docMk/>
+            <pc:sldMk cId="0" sldId="259"/>
+            <ac:graphicFrameMk id="6" creationId="{F9FF6ED5-1599-4BAE-B1B8-E9E0AA0B54BA}"/>
+          </ac:graphicFrameMkLst>
+        </pc:graphicFrameChg>
+      </pc:sldChg>
       <pc:sldChg chg="modSp del mod">
-        <pc:chgData name="Andrew Ming Ho Wu" userId="620d876fccae6a25" providerId="LiveId" clId="{B8CC6B97-FBEB-4E84-A973-1D8D00A51797}" dt="2020-12-07T14:43:22.840" v="2386" actId="47"/>
+        <pc:chgData name="Andrew Ming Ho Wu" userId="620d876fccae6a25" providerId="LiveId" clId="{70051DB0-1E4A-4F76-B9FF-8FCA6C4B0B08}" dt="2020-10-16T08:14:23.170" v="1624" actId="2696"/>
+        <pc:sldMkLst>
+          <pc:docMk/>
+          <pc:sldMk cId="4141595128" sldId="301"/>
+        </pc:sldMkLst>
+        <pc:spChg chg="mod">
+          <ac:chgData name="Andrew Ming Ho Wu" userId="620d876fccae6a25" providerId="LiveId" clId="{70051DB0-1E4A-4F76-B9FF-8FCA6C4B0B08}" dt="2020-10-14T10:57:15.205" v="832" actId="20577"/>
+          <ac:spMkLst>
+            <pc:docMk/>
+            <pc:sldMk cId="4141595128" sldId="301"/>
+            <ac:spMk id="5" creationId="{00000000-0000-0000-0000-000000000000}"/>
+          </ac:spMkLst>
+        </pc:spChg>
+        <pc:spChg chg="mod">
+          <ac:chgData name="Andrew Ming Ho Wu" userId="620d876fccae6a25" providerId="LiveId" clId="{70051DB0-1E4A-4F76-B9FF-8FCA6C4B0B08}" dt="2020-10-14T10:57:56.133" v="1014" actId="1076"/>
+          <ac:spMkLst>
+            <pc:docMk/>
+            <pc:sldMk cId="4141595128" sldId="301"/>
+            <ac:spMk id="12" creationId="{7E70BACB-1CF0-4DEE-923B-205A7D88BC2B}"/>
+          </ac:spMkLst>
+        </pc:spChg>
+      </pc:sldChg>
+      <pc:sldChg chg="modSp mod">
+        <pc:chgData name="Andrew Ming Ho Wu" userId="620d876fccae6a25" providerId="LiveId" clId="{70051DB0-1E4A-4F76-B9FF-8FCA6C4B0B08}" dt="2020-10-16T08:50:56.802" v="1997" actId="5793"/>
+        <pc:sldMkLst>
+          <pc:docMk/>
+          <pc:sldMk cId="428898620" sldId="329"/>
+        </pc:sldMkLst>
+        <pc:spChg chg="mod">
+          <ac:chgData name="Andrew Ming Ho Wu" userId="620d876fccae6a25" providerId="LiveId" clId="{70051DB0-1E4A-4F76-B9FF-8FCA6C4B0B08}" dt="2020-10-14T10:58:08.788" v="1025" actId="20577"/>
+          <ac:spMkLst>
+            <pc:docMk/>
+            <pc:sldMk cId="428898620" sldId="329"/>
+            <ac:spMk id="5" creationId="{00000000-0000-0000-0000-000000000000}"/>
+          </ac:spMkLst>
+        </pc:spChg>
+        <pc:spChg chg="mod">
+          <ac:chgData name="Andrew Ming Ho Wu" userId="620d876fccae6a25" providerId="LiveId" clId="{70051DB0-1E4A-4F76-B9FF-8FCA6C4B0B08}" dt="2020-10-16T08:50:56.802" v="1997" actId="5793"/>
+          <ac:spMkLst>
+            <pc:docMk/>
+            <pc:sldMk cId="428898620" sldId="329"/>
+            <ac:spMk id="12" creationId="{7E70BACB-1CF0-4DEE-923B-205A7D88BC2B}"/>
+          </ac:spMkLst>
+        </pc:spChg>
+      </pc:sldChg>
+      <pc:sldChg chg="addSp delSp modSp mod">
+        <pc:chgData name="Andrew Ming Ho Wu" userId="620d876fccae6a25" providerId="LiveId" clId="{70051DB0-1E4A-4F76-B9FF-8FCA6C4B0B08}" dt="2020-10-14T11:04:43.468" v="1595" actId="1076"/>
         <pc:sldMkLst>
           <pc:docMk/>
           <pc:sldMk cId="3627176467" sldId="330"/>
         </pc:sldMkLst>
         <pc:spChg chg="mod">
-          <ac:chgData name="Andrew Ming Ho Wu" userId="620d876fccae6a25" providerId="LiveId" clId="{B8CC6B97-FBEB-4E84-A973-1D8D00A51797}" dt="2020-12-07T11:49:36.385" v="427" actId="115"/>
+          <ac:chgData name="Andrew Ming Ho Wu" userId="620d876fccae6a25" providerId="LiveId" clId="{70051DB0-1E4A-4F76-B9FF-8FCA6C4B0B08}" dt="2020-10-14T11:04:43.468" v="1595" actId="1076"/>
           <ac:spMkLst>
             <pc:docMk/>
             <pc:sldMk cId="3627176467" sldId="330"/>
-            <ac:spMk id="11" creationId="{51D20990-98D9-4852-A91C-AEF4EC3755F8}"/>
-          </ac:spMkLst>
-        </pc:spChg>
-      </pc:sldChg>
-      <pc:sldChg chg="addSp delSp modSp mod">
-        <pc:chgData name="Andrew Ming Ho Wu" userId="620d876fccae6a25" providerId="LiveId" clId="{B8CC6B97-FBEB-4E84-A973-1D8D00A51797}" dt="2020-12-09T20:19:32.434" v="3257" actId="20577"/>
-        <pc:sldMkLst>
-          <pc:docMk/>
-          <pc:sldMk cId="2206058006" sldId="333"/>
-        </pc:sldMkLst>
-        <pc:spChg chg="mod">
-          <ac:chgData name="Andrew Ming Ho Wu" userId="620d876fccae6a25" providerId="LiveId" clId="{B8CC6B97-FBEB-4E84-A973-1D8D00A51797}" dt="2020-12-08T20:51:48.995" v="2411" actId="20577"/>
-          <ac:spMkLst>
-            <pc:docMk/>
-            <pc:sldMk cId="2206058006" sldId="333"/>
             <ac:spMk id="5" creationId="{00000000-0000-0000-0000-000000000000}"/>
           </ac:spMkLst>
         </pc:spChg>
+        <pc:spChg chg="add del mod">
+          <ac:chgData name="Andrew Ming Ho Wu" userId="620d876fccae6a25" providerId="LiveId" clId="{70051DB0-1E4A-4F76-B9FF-8FCA6C4B0B08}" dt="2020-10-14T11:02:05.801" v="1498" actId="20577"/>
+          <ac:spMkLst>
+            <pc:docMk/>
+            <pc:sldMk cId="3627176467" sldId="330"/>
+            <ac:spMk id="12" creationId="{7E70BACB-1CF0-4DEE-923B-205A7D88BC2B}"/>
+          </ac:spMkLst>
+        </pc:spChg>
+      </pc:sldChg>
+      <pc:sldChg chg="delSp modSp mod">
+        <pc:chgData name="Andrew Ming Ho Wu" userId="620d876fccae6a25" providerId="LiveId" clId="{70051DB0-1E4A-4F76-B9FF-8FCA6C4B0B08}" dt="2020-10-14T11:02:51.398" v="1506" actId="1076"/>
+        <pc:sldMkLst>
+          <pc:docMk/>
+          <pc:sldMk cId="311588258" sldId="331"/>
+        </pc:sldMkLst>
+        <pc:spChg chg="mod">
+          <ac:chgData name="Andrew Ming Ho Wu" userId="620d876fccae6a25" providerId="LiveId" clId="{70051DB0-1E4A-4F76-B9FF-8FCA6C4B0B08}" dt="2020-10-14T11:02:51.398" v="1506" actId="1076"/>
+          <ac:spMkLst>
+            <pc:docMk/>
+            <pc:sldMk cId="311588258" sldId="331"/>
+            <ac:spMk id="5" creationId="{00000000-0000-0000-0000-000000000000}"/>
+          </ac:spMkLst>
+        </pc:spChg>
         <pc:spChg chg="del">
-          <ac:chgData name="Andrew Ming Ho Wu" userId="620d876fccae6a25" providerId="LiveId" clId="{B8CC6B97-FBEB-4E84-A973-1D8D00A51797}" dt="2020-12-07T11:49:40.438" v="428" actId="478"/>
-          <ac:spMkLst>
-            <pc:docMk/>
-            <pc:sldMk cId="2206058006" sldId="333"/>
-            <ac:spMk id="11" creationId="{3E2506E2-B67A-4B0D-BA61-6B13AC56BACF}"/>
-          </ac:spMkLst>
-        </pc:spChg>
-        <pc:spChg chg="add del mod">
-          <ac:chgData name="Andrew Ming Ho Wu" userId="620d876fccae6a25" providerId="LiveId" clId="{B8CC6B97-FBEB-4E84-A973-1D8D00A51797}" dt="2020-12-09T20:19:32.434" v="3257" actId="20577"/>
-          <ac:spMkLst>
-            <pc:docMk/>
-            <pc:sldMk cId="2206058006" sldId="333"/>
-            <ac:spMk id="12" creationId="{11F2B6B6-0466-4FF3-9677-694F0F61AE7C}"/>
+          <ac:chgData name="Andrew Ming Ho Wu" userId="620d876fccae6a25" providerId="LiveId" clId="{70051DB0-1E4A-4F76-B9FF-8FCA6C4B0B08}" dt="2020-10-14T11:02:34.036" v="1502" actId="478"/>
+          <ac:spMkLst>
+            <pc:docMk/>
+            <pc:sldMk cId="311588258" sldId="331"/>
+            <ac:spMk id="12" creationId="{7E70BACB-1CF0-4DEE-923B-205A7D88BC2B}"/>
           </ac:spMkLst>
         </pc:spChg>
         <pc:grpChg chg="mod">
-          <ac:chgData name="Andrew Ming Ho Wu" userId="620d876fccae6a25" providerId="LiveId" clId="{B8CC6B97-FBEB-4E84-A973-1D8D00A51797}" dt="2020-12-07T11:50:20.258" v="465" actId="1076"/>
+          <ac:chgData name="Andrew Ming Ho Wu" userId="620d876fccae6a25" providerId="LiveId" clId="{70051DB0-1E4A-4F76-B9FF-8FCA6C4B0B08}" dt="2020-10-14T11:02:46.399" v="1505" actId="1076"/>
           <ac:grpSpMkLst>
             <pc:docMk/>
-            <pc:sldMk cId="2206058006" sldId="333"/>
+            <pc:sldMk cId="311588258" sldId="331"/>
             <ac:grpSpMk id="2" creationId="{00000000-0000-0000-0000-000000000000}"/>
           </ac:grpSpMkLst>
         </pc:grpChg>
-        <pc:grpChg chg="mod">
-          <ac:chgData name="Andrew Ming Ho Wu" userId="620d876fccae6a25" providerId="LiveId" clId="{B8CC6B97-FBEB-4E84-A973-1D8D00A51797}" dt="2020-12-07T11:50:22.733" v="466" actId="1076"/>
-          <ac:grpSpMkLst>
+      </pc:sldChg>
+      <pc:sldChg chg="del">
+        <pc:chgData name="Andrew Ming Ho Wu" userId="620d876fccae6a25" providerId="LiveId" clId="{70051DB0-1E4A-4F76-B9FF-8FCA6C4B0B08}" dt="2020-10-14T11:02:58.709" v="1507" actId="2696"/>
+        <pc:sldMkLst>
+          <pc:docMk/>
+          <pc:sldMk cId="1678336179" sldId="332"/>
+        </pc:sldMkLst>
+      </pc:sldChg>
+      <pc:sldChg chg="modSp mod">
+        <pc:chgData name="Andrew Ming Ho Wu" userId="620d876fccae6a25" providerId="LiveId" clId="{70051DB0-1E4A-4F76-B9FF-8FCA6C4B0B08}" dt="2020-10-16T08:31:21.227" v="1924" actId="20577"/>
+        <pc:sldMkLst>
+          <pc:docMk/>
+          <pc:sldMk cId="2206058006" sldId="333"/>
+        </pc:sldMkLst>
+        <pc:spChg chg="mod">
+          <ac:chgData name="Andrew Ming Ho Wu" userId="620d876fccae6a25" providerId="LiveId" clId="{70051DB0-1E4A-4F76-B9FF-8FCA6C4B0B08}" dt="2020-10-16T08:17:59.360" v="1712" actId="20577"/>
+          <ac:spMkLst>
             <pc:docMk/>
             <pc:sldMk cId="2206058006" sldId="333"/>
-            <ac:grpSpMk id="8" creationId="{00000000-0000-0000-0000-000000000000}"/>
-          </ac:grpSpMkLst>
-        </pc:grpChg>
-      </pc:sldChg>
-      <pc:sldChg chg="addSp delSp modSp mod">
-        <pc:chgData name="Andrew Ming Ho Wu" userId="620d876fccae6a25" providerId="LiveId" clId="{B8CC6B97-FBEB-4E84-A973-1D8D00A51797}" dt="2020-12-07T12:17:11.563" v="2385" actId="20577"/>
+            <ac:spMk id="5" creationId="{00000000-0000-0000-0000-000000000000}"/>
+          </ac:spMkLst>
+        </pc:spChg>
+        <pc:spChg chg="mod">
+          <ac:chgData name="Andrew Ming Ho Wu" userId="620d876fccae6a25" providerId="LiveId" clId="{70051DB0-1E4A-4F76-B9FF-8FCA6C4B0B08}" dt="2020-10-16T08:31:21.227" v="1924" actId="20577"/>
+          <ac:spMkLst>
+            <pc:docMk/>
+            <pc:sldMk cId="2206058006" sldId="333"/>
+            <ac:spMk id="12" creationId="{7E70BACB-1CF0-4DEE-923B-205A7D88BC2B}"/>
+          </ac:spMkLst>
+        </pc:spChg>
+      </pc:sldChg>
+      <pc:sldChg chg="del">
+        <pc:chgData name="Andrew Ming Ho Wu" userId="620d876fccae6a25" providerId="LiveId" clId="{70051DB0-1E4A-4F76-B9FF-8FCA6C4B0B08}" dt="2020-10-14T10:49:02.566" v="132" actId="2696"/>
+        <pc:sldMkLst>
+          <pc:docMk/>
+          <pc:sldMk cId="1994449026" sldId="335"/>
+        </pc:sldMkLst>
+      </pc:sldChg>
+      <pc:sldChg chg="del">
+        <pc:chgData name="Andrew Ming Ho Wu" userId="620d876fccae6a25" providerId="LiveId" clId="{70051DB0-1E4A-4F76-B9FF-8FCA6C4B0B08}" dt="2020-10-14T11:02:58.709" v="1507" actId="2696"/>
+        <pc:sldMkLst>
+          <pc:docMk/>
+          <pc:sldMk cId="491446009" sldId="336"/>
+        </pc:sldMkLst>
+      </pc:sldChg>
+      <pc:sldChg chg="del">
+        <pc:chgData name="Andrew Ming Ho Wu" userId="620d876fccae6a25" providerId="LiveId" clId="{70051DB0-1E4A-4F76-B9FF-8FCA6C4B0B08}" dt="2020-10-14T11:02:58.709" v="1507" actId="2696"/>
+        <pc:sldMkLst>
+          <pc:docMk/>
+          <pc:sldMk cId="3153837584" sldId="337"/>
+        </pc:sldMkLst>
+      </pc:sldChg>
+      <pc:sldChg chg="del">
+        <pc:chgData name="Andrew Ming Ho Wu" userId="620d876fccae6a25" providerId="LiveId" clId="{70051DB0-1E4A-4F76-B9FF-8FCA6C4B0B08}" dt="2020-10-14T11:02:58.709" v="1507" actId="2696"/>
+        <pc:sldMkLst>
+          <pc:docMk/>
+          <pc:sldMk cId="1064973513" sldId="338"/>
+        </pc:sldMkLst>
+      </pc:sldChg>
+      <pc:sldChg chg="del">
+        <pc:chgData name="Andrew Ming Ho Wu" userId="620d876fccae6a25" providerId="LiveId" clId="{70051DB0-1E4A-4F76-B9FF-8FCA6C4B0B08}" dt="2020-10-14T11:02:58.709" v="1507" actId="2696"/>
+        <pc:sldMkLst>
+          <pc:docMk/>
+          <pc:sldMk cId="3865668538" sldId="339"/>
+        </pc:sldMkLst>
+      </pc:sldChg>
+      <pc:sldChg chg="del">
+        <pc:chgData name="Andrew Ming Ho Wu" userId="620d876fccae6a25" providerId="LiveId" clId="{70051DB0-1E4A-4F76-B9FF-8FCA6C4B0B08}" dt="2020-10-14T11:02:58.709" v="1507" actId="2696"/>
+        <pc:sldMkLst>
+          <pc:docMk/>
+          <pc:sldMk cId="1140042678" sldId="340"/>
+        </pc:sldMkLst>
+      </pc:sldChg>
+      <pc:sldChg chg="del">
+        <pc:chgData name="Andrew Ming Ho Wu" userId="620d876fccae6a25" providerId="LiveId" clId="{70051DB0-1E4A-4F76-B9FF-8FCA6C4B0B08}" dt="2020-10-14T11:02:58.709" v="1507" actId="2696"/>
+        <pc:sldMkLst>
+          <pc:docMk/>
+          <pc:sldMk cId="2792681432" sldId="341"/>
+        </pc:sldMkLst>
+      </pc:sldChg>
+      <pc:sldChg chg="del">
+        <pc:chgData name="Andrew Ming Ho Wu" userId="620d876fccae6a25" providerId="LiveId" clId="{70051DB0-1E4A-4F76-B9FF-8FCA6C4B0B08}" dt="2020-10-14T11:02:58.709" v="1507" actId="2696"/>
+        <pc:sldMkLst>
+          <pc:docMk/>
+          <pc:sldMk cId="3458398597" sldId="342"/>
+        </pc:sldMkLst>
+      </pc:sldChg>
+      <pc:sldChg chg="delSp modSp mod">
+        <pc:chgData name="Andrew Ming Ho Wu" userId="620d876fccae6a25" providerId="LiveId" clId="{70051DB0-1E4A-4F76-B9FF-8FCA6C4B0B08}" dt="2020-10-16T08:17:39.434" v="1697" actId="20577"/>
         <pc:sldMkLst>
           <pc:docMk/>
           <pc:sldMk cId="2818220858" sldId="343"/>
         </pc:sldMkLst>
         <pc:spChg chg="mod">
-          <ac:chgData name="Andrew Ming Ho Wu" userId="620d876fccae6a25" providerId="LiveId" clId="{B8CC6B97-FBEB-4E84-A973-1D8D00A51797}" dt="2020-12-07T12:16:53.205" v="2364" actId="1076"/>
+          <ac:chgData name="Andrew Ming Ho Wu" userId="620d876fccae6a25" providerId="LiveId" clId="{70051DB0-1E4A-4F76-B9FF-8FCA6C4B0B08}" dt="2020-10-16T08:17:39.434" v="1697" actId="20577"/>
           <ac:spMkLst>
             <pc:docMk/>
             <pc:sldMk cId="2818220858" sldId="343"/>
             <ac:spMk id="5" creationId="{81D7F47C-B22C-46A9-BD87-E2FA064EC20F}"/>
           </ac:spMkLst>
         </pc:spChg>
-        <pc:spChg chg="mod">
-          <ac:chgData name="Andrew Ming Ho Wu" userId="620d876fccae6a25" providerId="LiveId" clId="{B8CC6B97-FBEB-4E84-A973-1D8D00A51797}" dt="2020-12-07T12:16:25.853" v="2338" actId="20577"/>
+        <pc:spChg chg="del">
+          <ac:chgData name="Andrew Ming Ho Wu" userId="620d876fccae6a25" providerId="LiveId" clId="{70051DB0-1E4A-4F76-B9FF-8FCA6C4B0B08}" dt="2020-10-14T10:48:34.682" v="129" actId="478"/>
           <ac:spMkLst>
             <pc:docMk/>
             <pc:sldMk cId="2818220858" sldId="343"/>
-            <ac:spMk id="8" creationId="{9D42ABF8-029E-4F29-B608-8C118D28ABA1}"/>
-          </ac:spMkLst>
-        </pc:spChg>
-        <pc:spChg chg="add del mod">
-          <ac:chgData name="Andrew Ming Ho Wu" userId="620d876fccae6a25" providerId="LiveId" clId="{B8CC6B97-FBEB-4E84-A973-1D8D00A51797}" dt="2020-12-07T12:17:00.094" v="2366"/>
-          <ac:spMkLst>
-            <pc:docMk/>
-            <pc:sldMk cId="2818220858" sldId="343"/>
-            <ac:spMk id="14" creationId="{4008C9F8-7034-4640-926C-69C20356432C}"/>
-          </ac:spMkLst>
-        </pc:spChg>
-        <pc:spChg chg="mod">
-          <ac:chgData name="Andrew Ming Ho Wu" userId="620d876fccae6a25" providerId="LiveId" clId="{B8CC6B97-FBEB-4E84-A973-1D8D00A51797}" dt="2020-12-07T11:47:46.566" v="35" actId="20577"/>
+            <ac:spMk id="7" creationId="{8F1A7018-DAB3-4DD6-9851-CCE349574926}"/>
+          </ac:spMkLst>
+        </pc:spChg>
+        <pc:spChg chg="mod">
+          <ac:chgData name="Andrew Ming Ho Wu" userId="620d876fccae6a25" providerId="LiveId" clId="{70051DB0-1E4A-4F76-B9FF-8FCA6C4B0B08}" dt="2020-10-16T08:17:36.046" v="1691" actId="20577"/>
           <ac:spMkLst>
             <pc:docMk/>
             <pc:sldMk cId="2818220858" sldId="343"/>
             <ac:spMk id="15" creationId="{5FC8DCBF-4CCE-4C22-8B9F-CC50B4D8446D}"/>
           </ac:spMkLst>
         </pc:spChg>
-        <pc:spChg chg="add mod">
-          <ac:chgData name="Andrew Ming Ho Wu" userId="620d876fccae6a25" providerId="LiveId" clId="{B8CC6B97-FBEB-4E84-A973-1D8D00A51797}" dt="2020-12-07T12:17:11.563" v="2385" actId="20577"/>
+        <pc:spChg chg="del">
+          <ac:chgData name="Andrew Ming Ho Wu" userId="620d876fccae6a25" providerId="LiveId" clId="{70051DB0-1E4A-4F76-B9FF-8FCA6C4B0B08}" dt="2020-10-14T10:48:41.238" v="130" actId="478"/>
           <ac:spMkLst>
             <pc:docMk/>
             <pc:sldMk cId="2818220858" sldId="343"/>
-            <ac:spMk id="16" creationId="{9776CE46-BCD9-4FBA-A83A-BE5C5D29A965}"/>
+            <ac:spMk id="20" creationId="{A6F76399-04DE-46A8-BF2C-99ED8D141BD3}"/>
           </ac:spMkLst>
         </pc:spChg>
         <pc:grpChg chg="mod">
-          <ac:chgData name="Andrew Ming Ho Wu" userId="620d876fccae6a25" providerId="LiveId" clId="{B8CC6B97-FBEB-4E84-A973-1D8D00A51797}" dt="2020-12-07T12:16:48.563" v="2363" actId="1076"/>
+          <ac:chgData name="Andrew Ming Ho Wu" userId="620d876fccae6a25" providerId="LiveId" clId="{70051DB0-1E4A-4F76-B9FF-8FCA6C4B0B08}" dt="2020-10-14T11:03:31.434" v="1538" actId="1076"/>
           <ac:grpSpMkLst>
             <pc:docMk/>
             <pc:sldMk cId="2818220858" sldId="343"/>
@@ -3638,124 +3884,18 @@
           </ac:grpSpMkLst>
         </pc:grpChg>
       </pc:sldChg>
-      <pc:sldChg chg="modSp mod">
-        <pc:chgData name="Andrew Ming Ho Wu" userId="620d876fccae6a25" providerId="LiveId" clId="{B8CC6B97-FBEB-4E84-A973-1D8D00A51797}" dt="2020-12-07T12:12:01.475" v="2130" actId="20577"/>
-        <pc:sldMkLst>
-          <pc:docMk/>
-          <pc:sldMk cId="1002563172" sldId="387"/>
-        </pc:sldMkLst>
-        <pc:spChg chg="mod">
-          <ac:chgData name="Andrew Ming Ho Wu" userId="620d876fccae6a25" providerId="LiveId" clId="{B8CC6B97-FBEB-4E84-A973-1D8D00A51797}" dt="2020-12-07T12:12:01.475" v="2130" actId="20577"/>
-          <ac:spMkLst>
-            <pc:docMk/>
-            <pc:sldMk cId="1002563172" sldId="387"/>
-            <ac:spMk id="5" creationId="{00000000-0000-0000-0000-000000000000}"/>
-          </ac:spMkLst>
-        </pc:spChg>
-      </pc:sldChg>
-      <pc:sldChg chg="modSp add mod">
-        <pc:chgData name="Andrew Ming Ho Wu" userId="620d876fccae6a25" providerId="LiveId" clId="{B8CC6B97-FBEB-4E84-A973-1D8D00A51797}" dt="2020-12-09T20:21:14.831" v="3322" actId="1076"/>
-        <pc:sldMkLst>
-          <pc:docMk/>
-          <pc:sldMk cId="2049264590" sldId="388"/>
-        </pc:sldMkLst>
-        <pc:spChg chg="mod">
-          <ac:chgData name="Andrew Ming Ho Wu" userId="620d876fccae6a25" providerId="LiveId" clId="{B8CC6B97-FBEB-4E84-A973-1D8D00A51797}" dt="2020-12-09T20:21:14.831" v="3322" actId="1076"/>
-          <ac:spMkLst>
-            <pc:docMk/>
-            <pc:sldMk cId="2049264590" sldId="388"/>
-            <ac:spMk id="12" creationId="{11F2B6B6-0466-4FF3-9677-694F0F61AE7C}"/>
-          </ac:spMkLst>
-        </pc:spChg>
+      <pc:sldChg chg="add del">
+        <pc:chgData name="Andrew Ming Ho Wu" userId="620d876fccae6a25" providerId="LiveId" clId="{70051DB0-1E4A-4F76-B9FF-8FCA6C4B0B08}" dt="2020-10-16T08:17:51.506" v="1699" actId="2890"/>
+        <pc:sldMkLst>
+          <pc:docMk/>
+          <pc:sldMk cId="882795893" sldId="344"/>
+        </pc:sldMkLst>
       </pc:sldChg>
       <pc:sldChg chg="add">
-        <pc:chgData name="Andrew Ming Ho Wu" userId="620d876fccae6a25" providerId="LiveId" clId="{B8CC6B97-FBEB-4E84-A973-1D8D00A51797}" dt="2020-12-07T12:11:57.600" v="2129" actId="2890"/>
-        <pc:sldMkLst>
-          <pc:docMk/>
-          <pc:sldMk cId="1012779811" sldId="389"/>
-        </pc:sldMkLst>
-      </pc:sldChg>
-      <pc:sldChg chg="modSp add mod">
-        <pc:chgData name="Andrew Ming Ho Wu" userId="620d876fccae6a25" providerId="LiveId" clId="{B8CC6B97-FBEB-4E84-A973-1D8D00A51797}" dt="2020-12-07T12:13:16.646" v="2234" actId="255"/>
-        <pc:sldMkLst>
-          <pc:docMk/>
-          <pc:sldMk cId="2782934202" sldId="390"/>
-        </pc:sldMkLst>
-        <pc:spChg chg="mod">
-          <ac:chgData name="Andrew Ming Ho Wu" userId="620d876fccae6a25" providerId="LiveId" clId="{B8CC6B97-FBEB-4E84-A973-1D8D00A51797}" dt="2020-12-07T12:12:22.476" v="2139" actId="20577"/>
-          <ac:spMkLst>
-            <pc:docMk/>
-            <pc:sldMk cId="2782934202" sldId="390"/>
-            <ac:spMk id="5" creationId="{00000000-0000-0000-0000-000000000000}"/>
-          </ac:spMkLst>
-        </pc:spChg>
-        <pc:spChg chg="mod">
-          <ac:chgData name="Andrew Ming Ho Wu" userId="620d876fccae6a25" providerId="LiveId" clId="{B8CC6B97-FBEB-4E84-A973-1D8D00A51797}" dt="2020-12-07T12:13:16.646" v="2234" actId="255"/>
-          <ac:spMkLst>
-            <pc:docMk/>
-            <pc:sldMk cId="2782934202" sldId="390"/>
-            <ac:spMk id="12" creationId="{11F2B6B6-0466-4FF3-9677-694F0F61AE7C}"/>
-          </ac:spMkLst>
-        </pc:spChg>
-      </pc:sldChg>
-      <pc:sldChg chg="modSp add mod">
-        <pc:chgData name="Andrew Ming Ho Wu" userId="620d876fccae6a25" providerId="LiveId" clId="{B8CC6B97-FBEB-4E84-A973-1D8D00A51797}" dt="2020-12-07T12:14:09.189" v="2268" actId="20577"/>
-        <pc:sldMkLst>
-          <pc:docMk/>
-          <pc:sldMk cId="2582986712" sldId="391"/>
-        </pc:sldMkLst>
-        <pc:spChg chg="mod">
-          <ac:chgData name="Andrew Ming Ho Wu" userId="620d876fccae6a25" providerId="LiveId" clId="{B8CC6B97-FBEB-4E84-A973-1D8D00A51797}" dt="2020-12-07T12:14:09.189" v="2268" actId="20577"/>
-          <ac:spMkLst>
-            <pc:docMk/>
-            <pc:sldMk cId="2582986712" sldId="391"/>
-            <ac:spMk id="12" creationId="{11F2B6B6-0466-4FF3-9677-694F0F61AE7C}"/>
-          </ac:spMkLst>
-        </pc:spChg>
-      </pc:sldChg>
-      <pc:sldChg chg="modSp add mod">
-        <pc:chgData name="Andrew Ming Ho Wu" userId="620d876fccae6a25" providerId="LiveId" clId="{B8CC6B97-FBEB-4E84-A973-1D8D00A51797}" dt="2020-12-07T12:15:51.208" v="2307" actId="255"/>
-        <pc:sldMkLst>
-          <pc:docMk/>
-          <pc:sldMk cId="161672857" sldId="392"/>
-        </pc:sldMkLst>
-        <pc:spChg chg="mod">
-          <ac:chgData name="Andrew Ming Ho Wu" userId="620d876fccae6a25" providerId="LiveId" clId="{B8CC6B97-FBEB-4E84-A973-1D8D00A51797}" dt="2020-12-07T12:15:14.773" v="2298" actId="20577"/>
-          <ac:spMkLst>
-            <pc:docMk/>
-            <pc:sldMk cId="161672857" sldId="392"/>
-            <ac:spMk id="5" creationId="{00000000-0000-0000-0000-000000000000}"/>
-          </ac:spMkLst>
-        </pc:spChg>
-        <pc:spChg chg="mod">
-          <ac:chgData name="Andrew Ming Ho Wu" userId="620d876fccae6a25" providerId="LiveId" clId="{B8CC6B97-FBEB-4E84-A973-1D8D00A51797}" dt="2020-12-07T12:15:51.208" v="2307" actId="255"/>
-          <ac:spMkLst>
-            <pc:docMk/>
-            <pc:sldMk cId="161672857" sldId="392"/>
-            <ac:spMk id="12" creationId="{11F2B6B6-0466-4FF3-9677-694F0F61AE7C}"/>
-          </ac:spMkLst>
-        </pc:spChg>
-      </pc:sldChg>
-      <pc:sldChg chg="modSp add mod">
-        <pc:chgData name="Andrew Ming Ho Wu" userId="620d876fccae6a25" providerId="LiveId" clId="{B8CC6B97-FBEB-4E84-A973-1D8D00A51797}" dt="2020-12-09T20:20:31.079" v="3296" actId="20577"/>
-        <pc:sldMkLst>
-          <pc:docMk/>
-          <pc:sldMk cId="226674003" sldId="393"/>
-        </pc:sldMkLst>
-        <pc:spChg chg="mod">
-          <ac:chgData name="Andrew Ming Ho Wu" userId="620d876fccae6a25" providerId="LiveId" clId="{B8CC6B97-FBEB-4E84-A973-1D8D00A51797}" dt="2020-12-09T20:20:31.079" v="3296" actId="20577"/>
-          <ac:spMkLst>
-            <pc:docMk/>
-            <pc:sldMk cId="226674003" sldId="393"/>
-            <ac:spMk id="12" creationId="{11F2B6B6-0466-4FF3-9677-694F0F61AE7C}"/>
-          </ac:spMkLst>
-        </pc:spChg>
-      </pc:sldChg>
-      <pc:sldChg chg="add del">
-        <pc:chgData name="Andrew Ming Ho Wu" userId="620d876fccae6a25" providerId="LiveId" clId="{B8CC6B97-FBEB-4E84-A973-1D8D00A51797}" dt="2020-12-08T20:51:41.486" v="2393"/>
-        <pc:sldMkLst>
-          <pc:docMk/>
-          <pc:sldMk cId="1879883029" sldId="393"/>
+        <pc:chgData name="Andrew Ming Ho Wu" userId="620d876fccae6a25" providerId="LiveId" clId="{70051DB0-1E4A-4F76-B9FF-8FCA6C4B0B08}" dt="2020-10-16T08:17:54.089" v="1700" actId="2890"/>
+        <pc:sldMkLst>
+          <pc:docMk/>
+          <pc:sldMk cId="3427335621" sldId="344"/>
         </pc:sldMkLst>
       </pc:sldChg>
     </pc:docChg>
@@ -4747,20 +4887,20 @@
     </pc:docChg>
   </pc:docChgLst>
   <pc:docChgLst>
-    <pc:chgData name="Andrew Ming Ho Wu" userId="620d876fccae6a25" providerId="LiveId" clId="{70051DB0-1E4A-4F76-B9FF-8FCA6C4B0B08}"/>
-    <pc:docChg chg="undo custSel addSld delSld modSld">
-      <pc:chgData name="Andrew Ming Ho Wu" userId="620d876fccae6a25" providerId="LiveId" clId="{70051DB0-1E4A-4F76-B9FF-8FCA6C4B0B08}" dt="2020-10-16T08:50:56.802" v="1997" actId="5793"/>
+    <pc:chgData name="Andrew Ming Ho Wu" userId="620d876fccae6a25" providerId="LiveId" clId="{B8CC6B97-FBEB-4E84-A973-1D8D00A51797}"/>
+    <pc:docChg chg="undo redo custSel addSld delSld modSld">
+      <pc:chgData name="Andrew Ming Ho Wu" userId="620d876fccae6a25" providerId="LiveId" clId="{B8CC6B97-FBEB-4E84-A973-1D8D00A51797}" dt="2020-12-09T20:21:14.831" v="3322" actId="1076"/>
       <pc:docMkLst>
         <pc:docMk/>
       </pc:docMkLst>
       <pc:sldChg chg="modSp mod">
-        <pc:chgData name="Andrew Ming Ho Wu" userId="620d876fccae6a25" providerId="LiveId" clId="{70051DB0-1E4A-4F76-B9FF-8FCA6C4B0B08}" dt="2020-10-16T08:13:04.374" v="1601" actId="255"/>
+        <pc:chgData name="Andrew Ming Ho Wu" userId="620d876fccae6a25" providerId="LiveId" clId="{B8CC6B97-FBEB-4E84-A973-1D8D00A51797}" dt="2020-12-07T23:20:20.434" v="2391" actId="20577"/>
         <pc:sldMkLst>
           <pc:docMk/>
           <pc:sldMk cId="0" sldId="256"/>
         </pc:sldMkLst>
         <pc:spChg chg="mod">
-          <ac:chgData name="Andrew Ming Ho Wu" userId="620d876fccae6a25" providerId="LiveId" clId="{70051DB0-1E4A-4F76-B9FF-8FCA6C4B0B08}" dt="2020-10-16T08:13:04.374" v="1601" actId="255"/>
+          <ac:chgData name="Andrew Ming Ho Wu" userId="620d876fccae6a25" providerId="LiveId" clId="{B8CC6B97-FBEB-4E84-A973-1D8D00A51797}" dt="2020-12-07T23:20:20.434" v="2391" actId="20577"/>
           <ac:spMkLst>
             <pc:docMk/>
             <pc:sldMk cId="0" sldId="256"/>
@@ -4768,7 +4908,7 @@
           </ac:spMkLst>
         </pc:spChg>
         <pc:spChg chg="mod">
-          <ac:chgData name="Andrew Ming Ho Wu" userId="620d876fccae6a25" providerId="LiveId" clId="{70051DB0-1E4A-4F76-B9FF-8FCA6C4B0B08}" dt="2020-10-14T11:03:10.696" v="1511" actId="20577"/>
+          <ac:chgData name="Andrew Ming Ho Wu" userId="620d876fccae6a25" providerId="LiveId" clId="{B8CC6B97-FBEB-4E84-A973-1D8D00A51797}" dt="2020-12-07T11:47:32.514" v="4" actId="20577"/>
           <ac:spMkLst>
             <pc:docMk/>
             <pc:sldMk cId="0" sldId="256"/>
@@ -4776,263 +4916,116 @@
           </ac:spMkLst>
         </pc:spChg>
       </pc:sldChg>
+      <pc:sldChg chg="modSp del mod">
+        <pc:chgData name="Andrew Ming Ho Wu" userId="620d876fccae6a25" providerId="LiveId" clId="{B8CC6B97-FBEB-4E84-A973-1D8D00A51797}" dt="2020-12-07T14:43:22.840" v="2386" actId="47"/>
+        <pc:sldMkLst>
+          <pc:docMk/>
+          <pc:sldMk cId="3627176467" sldId="330"/>
+        </pc:sldMkLst>
+        <pc:spChg chg="mod">
+          <ac:chgData name="Andrew Ming Ho Wu" userId="620d876fccae6a25" providerId="LiveId" clId="{B8CC6B97-FBEB-4E84-A973-1D8D00A51797}" dt="2020-12-07T11:49:36.385" v="427" actId="115"/>
+          <ac:spMkLst>
+            <pc:docMk/>
+            <pc:sldMk cId="3627176467" sldId="330"/>
+            <ac:spMk id="11" creationId="{51D20990-98D9-4852-A91C-AEF4EC3755F8}"/>
+          </ac:spMkLst>
+        </pc:spChg>
+      </pc:sldChg>
       <pc:sldChg chg="addSp delSp modSp mod">
-        <pc:chgData name="Andrew Ming Ho Wu" userId="620d876fccae6a25" providerId="LiveId" clId="{70051DB0-1E4A-4F76-B9FF-8FCA6C4B0B08}" dt="2020-10-16T08:14:10.986" v="1623" actId="1076"/>
-        <pc:sldMkLst>
-          <pc:docMk/>
-          <pc:sldMk cId="0" sldId="259"/>
-        </pc:sldMkLst>
-        <pc:spChg chg="mod">
-          <ac:chgData name="Andrew Ming Ho Wu" userId="620d876fccae6a25" providerId="LiveId" clId="{70051DB0-1E4A-4F76-B9FF-8FCA6C4B0B08}" dt="2020-10-16T08:14:10.986" v="1623" actId="1076"/>
-          <ac:spMkLst>
-            <pc:docMk/>
-            <pc:sldMk cId="0" sldId="259"/>
+        <pc:chgData name="Andrew Ming Ho Wu" userId="620d876fccae6a25" providerId="LiveId" clId="{B8CC6B97-FBEB-4E84-A973-1D8D00A51797}" dt="2020-12-09T20:19:32.434" v="3257" actId="20577"/>
+        <pc:sldMkLst>
+          <pc:docMk/>
+          <pc:sldMk cId="2206058006" sldId="333"/>
+        </pc:sldMkLst>
+        <pc:spChg chg="mod">
+          <ac:chgData name="Andrew Ming Ho Wu" userId="620d876fccae6a25" providerId="LiveId" clId="{B8CC6B97-FBEB-4E84-A973-1D8D00A51797}" dt="2020-12-08T20:51:48.995" v="2411" actId="20577"/>
+          <ac:spMkLst>
+            <pc:docMk/>
+            <pc:sldMk cId="2206058006" sldId="333"/>
             <ac:spMk id="5" creationId="{00000000-0000-0000-0000-000000000000}"/>
           </ac:spMkLst>
         </pc:spChg>
-        <pc:spChg chg="del mod">
-          <ac:chgData name="Andrew Ming Ho Wu" userId="620d876fccae6a25" providerId="LiveId" clId="{70051DB0-1E4A-4F76-B9FF-8FCA6C4B0B08}" dt="2020-10-14T10:56:16.263" v="803"/>
-          <ac:spMkLst>
-            <pc:docMk/>
-            <pc:sldMk cId="0" sldId="259"/>
-            <ac:spMk id="12" creationId="{7E70BACB-1CF0-4DEE-923B-205A7D88BC2B}"/>
-          </ac:spMkLst>
-        </pc:spChg>
-        <pc:graphicFrameChg chg="add del mod modGraphic">
-          <ac:chgData name="Andrew Ming Ho Wu" userId="620d876fccae6a25" providerId="LiveId" clId="{70051DB0-1E4A-4F76-B9FF-8FCA6C4B0B08}" dt="2020-10-16T08:13:58.412" v="1603" actId="478"/>
-          <ac:graphicFrameMkLst>
-            <pc:docMk/>
-            <pc:sldMk cId="0" sldId="259"/>
-            <ac:graphicFrameMk id="6" creationId="{F9FF6ED5-1599-4BAE-B1B8-E9E0AA0B54BA}"/>
-          </ac:graphicFrameMkLst>
-        </pc:graphicFrameChg>
-      </pc:sldChg>
-      <pc:sldChg chg="modSp del mod">
-        <pc:chgData name="Andrew Ming Ho Wu" userId="620d876fccae6a25" providerId="LiveId" clId="{70051DB0-1E4A-4F76-B9FF-8FCA6C4B0B08}" dt="2020-10-16T08:14:23.170" v="1624" actId="2696"/>
-        <pc:sldMkLst>
-          <pc:docMk/>
-          <pc:sldMk cId="4141595128" sldId="301"/>
-        </pc:sldMkLst>
-        <pc:spChg chg="mod">
-          <ac:chgData name="Andrew Ming Ho Wu" userId="620d876fccae6a25" providerId="LiveId" clId="{70051DB0-1E4A-4F76-B9FF-8FCA6C4B0B08}" dt="2020-10-14T10:57:15.205" v="832" actId="20577"/>
-          <ac:spMkLst>
-            <pc:docMk/>
-            <pc:sldMk cId="4141595128" sldId="301"/>
-            <ac:spMk id="5" creationId="{00000000-0000-0000-0000-000000000000}"/>
-          </ac:spMkLst>
-        </pc:spChg>
-        <pc:spChg chg="mod">
-          <ac:chgData name="Andrew Ming Ho Wu" userId="620d876fccae6a25" providerId="LiveId" clId="{70051DB0-1E4A-4F76-B9FF-8FCA6C4B0B08}" dt="2020-10-14T10:57:56.133" v="1014" actId="1076"/>
-          <ac:spMkLst>
-            <pc:docMk/>
-            <pc:sldMk cId="4141595128" sldId="301"/>
-            <ac:spMk id="12" creationId="{7E70BACB-1CF0-4DEE-923B-205A7D88BC2B}"/>
-          </ac:spMkLst>
-        </pc:spChg>
-      </pc:sldChg>
-      <pc:sldChg chg="modSp mod">
-        <pc:chgData name="Andrew Ming Ho Wu" userId="620d876fccae6a25" providerId="LiveId" clId="{70051DB0-1E4A-4F76-B9FF-8FCA6C4B0B08}" dt="2020-10-16T08:50:56.802" v="1997" actId="5793"/>
-        <pc:sldMkLst>
-          <pc:docMk/>
-          <pc:sldMk cId="428898620" sldId="329"/>
-        </pc:sldMkLst>
-        <pc:spChg chg="mod">
-          <ac:chgData name="Andrew Ming Ho Wu" userId="620d876fccae6a25" providerId="LiveId" clId="{70051DB0-1E4A-4F76-B9FF-8FCA6C4B0B08}" dt="2020-10-14T10:58:08.788" v="1025" actId="20577"/>
-          <ac:spMkLst>
-            <pc:docMk/>
-            <pc:sldMk cId="428898620" sldId="329"/>
-            <ac:spMk id="5" creationId="{00000000-0000-0000-0000-000000000000}"/>
-          </ac:spMkLst>
-        </pc:spChg>
-        <pc:spChg chg="mod">
-          <ac:chgData name="Andrew Ming Ho Wu" userId="620d876fccae6a25" providerId="LiveId" clId="{70051DB0-1E4A-4F76-B9FF-8FCA6C4B0B08}" dt="2020-10-16T08:50:56.802" v="1997" actId="5793"/>
-          <ac:spMkLst>
-            <pc:docMk/>
-            <pc:sldMk cId="428898620" sldId="329"/>
-            <ac:spMk id="12" creationId="{7E70BACB-1CF0-4DEE-923B-205A7D88BC2B}"/>
-          </ac:spMkLst>
-        </pc:spChg>
-      </pc:sldChg>
-      <pc:sldChg chg="addSp delSp modSp mod">
-        <pc:chgData name="Andrew Ming Ho Wu" userId="620d876fccae6a25" providerId="LiveId" clId="{70051DB0-1E4A-4F76-B9FF-8FCA6C4B0B08}" dt="2020-10-14T11:04:43.468" v="1595" actId="1076"/>
-        <pc:sldMkLst>
-          <pc:docMk/>
-          <pc:sldMk cId="3627176467" sldId="330"/>
-        </pc:sldMkLst>
-        <pc:spChg chg="mod">
-          <ac:chgData name="Andrew Ming Ho Wu" userId="620d876fccae6a25" providerId="LiveId" clId="{70051DB0-1E4A-4F76-B9FF-8FCA6C4B0B08}" dt="2020-10-14T11:04:43.468" v="1595" actId="1076"/>
-          <ac:spMkLst>
-            <pc:docMk/>
-            <pc:sldMk cId="3627176467" sldId="330"/>
-            <ac:spMk id="5" creationId="{00000000-0000-0000-0000-000000000000}"/>
+        <pc:spChg chg="del">
+          <ac:chgData name="Andrew Ming Ho Wu" userId="620d876fccae6a25" providerId="LiveId" clId="{B8CC6B97-FBEB-4E84-A973-1D8D00A51797}" dt="2020-12-07T11:49:40.438" v="428" actId="478"/>
+          <ac:spMkLst>
+            <pc:docMk/>
+            <pc:sldMk cId="2206058006" sldId="333"/>
+            <ac:spMk id="11" creationId="{3E2506E2-B67A-4B0D-BA61-6B13AC56BACF}"/>
           </ac:spMkLst>
         </pc:spChg>
         <pc:spChg chg="add del mod">
-          <ac:chgData name="Andrew Ming Ho Wu" userId="620d876fccae6a25" providerId="LiveId" clId="{70051DB0-1E4A-4F76-B9FF-8FCA6C4B0B08}" dt="2020-10-14T11:02:05.801" v="1498" actId="20577"/>
-          <ac:spMkLst>
-            <pc:docMk/>
-            <pc:sldMk cId="3627176467" sldId="330"/>
-            <ac:spMk id="12" creationId="{7E70BACB-1CF0-4DEE-923B-205A7D88BC2B}"/>
-          </ac:spMkLst>
-        </pc:spChg>
-      </pc:sldChg>
-      <pc:sldChg chg="delSp modSp mod">
-        <pc:chgData name="Andrew Ming Ho Wu" userId="620d876fccae6a25" providerId="LiveId" clId="{70051DB0-1E4A-4F76-B9FF-8FCA6C4B0B08}" dt="2020-10-14T11:02:51.398" v="1506" actId="1076"/>
-        <pc:sldMkLst>
-          <pc:docMk/>
-          <pc:sldMk cId="311588258" sldId="331"/>
-        </pc:sldMkLst>
-        <pc:spChg chg="mod">
-          <ac:chgData name="Andrew Ming Ho Wu" userId="620d876fccae6a25" providerId="LiveId" clId="{70051DB0-1E4A-4F76-B9FF-8FCA6C4B0B08}" dt="2020-10-14T11:02:51.398" v="1506" actId="1076"/>
-          <ac:spMkLst>
-            <pc:docMk/>
-            <pc:sldMk cId="311588258" sldId="331"/>
-            <ac:spMk id="5" creationId="{00000000-0000-0000-0000-000000000000}"/>
-          </ac:spMkLst>
-        </pc:spChg>
-        <pc:spChg chg="del">
-          <ac:chgData name="Andrew Ming Ho Wu" userId="620d876fccae6a25" providerId="LiveId" clId="{70051DB0-1E4A-4F76-B9FF-8FCA6C4B0B08}" dt="2020-10-14T11:02:34.036" v="1502" actId="478"/>
-          <ac:spMkLst>
-            <pc:docMk/>
-            <pc:sldMk cId="311588258" sldId="331"/>
-            <ac:spMk id="12" creationId="{7E70BACB-1CF0-4DEE-923B-205A7D88BC2B}"/>
+          <ac:chgData name="Andrew Ming Ho Wu" userId="620d876fccae6a25" providerId="LiveId" clId="{B8CC6B97-FBEB-4E84-A973-1D8D00A51797}" dt="2020-12-09T20:19:32.434" v="3257" actId="20577"/>
+          <ac:spMkLst>
+            <pc:docMk/>
+            <pc:sldMk cId="2206058006" sldId="333"/>
+            <ac:spMk id="12" creationId="{11F2B6B6-0466-4FF3-9677-694F0F61AE7C}"/>
           </ac:spMkLst>
         </pc:spChg>
         <pc:grpChg chg="mod">
-          <ac:chgData name="Andrew Ming Ho Wu" userId="620d876fccae6a25" providerId="LiveId" clId="{70051DB0-1E4A-4F76-B9FF-8FCA6C4B0B08}" dt="2020-10-14T11:02:46.399" v="1505" actId="1076"/>
+          <ac:chgData name="Andrew Ming Ho Wu" userId="620d876fccae6a25" providerId="LiveId" clId="{B8CC6B97-FBEB-4E84-A973-1D8D00A51797}" dt="2020-12-07T11:50:20.258" v="465" actId="1076"/>
           <ac:grpSpMkLst>
             <pc:docMk/>
-            <pc:sldMk cId="311588258" sldId="331"/>
+            <pc:sldMk cId="2206058006" sldId="333"/>
             <ac:grpSpMk id="2" creationId="{00000000-0000-0000-0000-000000000000}"/>
           </ac:grpSpMkLst>
         </pc:grpChg>
-      </pc:sldChg>
-      <pc:sldChg chg="del">
-        <pc:chgData name="Andrew Ming Ho Wu" userId="620d876fccae6a25" providerId="LiveId" clId="{70051DB0-1E4A-4F76-B9FF-8FCA6C4B0B08}" dt="2020-10-14T11:02:58.709" v="1507" actId="2696"/>
-        <pc:sldMkLst>
-          <pc:docMk/>
-          <pc:sldMk cId="1678336179" sldId="332"/>
-        </pc:sldMkLst>
-      </pc:sldChg>
-      <pc:sldChg chg="modSp mod">
-        <pc:chgData name="Andrew Ming Ho Wu" userId="620d876fccae6a25" providerId="LiveId" clId="{70051DB0-1E4A-4F76-B9FF-8FCA6C4B0B08}" dt="2020-10-16T08:31:21.227" v="1924" actId="20577"/>
-        <pc:sldMkLst>
-          <pc:docMk/>
-          <pc:sldMk cId="2206058006" sldId="333"/>
-        </pc:sldMkLst>
-        <pc:spChg chg="mod">
-          <ac:chgData name="Andrew Ming Ho Wu" userId="620d876fccae6a25" providerId="LiveId" clId="{70051DB0-1E4A-4F76-B9FF-8FCA6C4B0B08}" dt="2020-10-16T08:17:59.360" v="1712" actId="20577"/>
-          <ac:spMkLst>
+        <pc:grpChg chg="mod">
+          <ac:chgData name="Andrew Ming Ho Wu" userId="620d876fccae6a25" providerId="LiveId" clId="{B8CC6B97-FBEB-4E84-A973-1D8D00A51797}" dt="2020-12-07T11:50:22.733" v="466" actId="1076"/>
+          <ac:grpSpMkLst>
             <pc:docMk/>
             <pc:sldMk cId="2206058006" sldId="333"/>
-            <ac:spMk id="5" creationId="{00000000-0000-0000-0000-000000000000}"/>
-          </ac:spMkLst>
-        </pc:spChg>
-        <pc:spChg chg="mod">
-          <ac:chgData name="Andrew Ming Ho Wu" userId="620d876fccae6a25" providerId="LiveId" clId="{70051DB0-1E4A-4F76-B9FF-8FCA6C4B0B08}" dt="2020-10-16T08:31:21.227" v="1924" actId="20577"/>
-          <ac:spMkLst>
-            <pc:docMk/>
-            <pc:sldMk cId="2206058006" sldId="333"/>
-            <ac:spMk id="12" creationId="{7E70BACB-1CF0-4DEE-923B-205A7D88BC2B}"/>
-          </ac:spMkLst>
-        </pc:spChg>
-      </pc:sldChg>
-      <pc:sldChg chg="del">
-        <pc:chgData name="Andrew Ming Ho Wu" userId="620d876fccae6a25" providerId="LiveId" clId="{70051DB0-1E4A-4F76-B9FF-8FCA6C4B0B08}" dt="2020-10-14T10:49:02.566" v="132" actId="2696"/>
-        <pc:sldMkLst>
-          <pc:docMk/>
-          <pc:sldMk cId="1994449026" sldId="335"/>
-        </pc:sldMkLst>
-      </pc:sldChg>
-      <pc:sldChg chg="del">
-        <pc:chgData name="Andrew Ming Ho Wu" userId="620d876fccae6a25" providerId="LiveId" clId="{70051DB0-1E4A-4F76-B9FF-8FCA6C4B0B08}" dt="2020-10-14T11:02:58.709" v="1507" actId="2696"/>
-        <pc:sldMkLst>
-          <pc:docMk/>
-          <pc:sldMk cId="491446009" sldId="336"/>
-        </pc:sldMkLst>
-      </pc:sldChg>
-      <pc:sldChg chg="del">
-        <pc:chgData name="Andrew Ming Ho Wu" userId="620d876fccae6a25" providerId="LiveId" clId="{70051DB0-1E4A-4F76-B9FF-8FCA6C4B0B08}" dt="2020-10-14T11:02:58.709" v="1507" actId="2696"/>
-        <pc:sldMkLst>
-          <pc:docMk/>
-          <pc:sldMk cId="3153837584" sldId="337"/>
-        </pc:sldMkLst>
-      </pc:sldChg>
-      <pc:sldChg chg="del">
-        <pc:chgData name="Andrew Ming Ho Wu" userId="620d876fccae6a25" providerId="LiveId" clId="{70051DB0-1E4A-4F76-B9FF-8FCA6C4B0B08}" dt="2020-10-14T11:02:58.709" v="1507" actId="2696"/>
-        <pc:sldMkLst>
-          <pc:docMk/>
-          <pc:sldMk cId="1064973513" sldId="338"/>
-        </pc:sldMkLst>
-      </pc:sldChg>
-      <pc:sldChg chg="del">
-        <pc:chgData name="Andrew Ming Ho Wu" userId="620d876fccae6a25" providerId="LiveId" clId="{70051DB0-1E4A-4F76-B9FF-8FCA6C4B0B08}" dt="2020-10-14T11:02:58.709" v="1507" actId="2696"/>
-        <pc:sldMkLst>
-          <pc:docMk/>
-          <pc:sldMk cId="3865668538" sldId="339"/>
-        </pc:sldMkLst>
-      </pc:sldChg>
-      <pc:sldChg chg="del">
-        <pc:chgData name="Andrew Ming Ho Wu" userId="620d876fccae6a25" providerId="LiveId" clId="{70051DB0-1E4A-4F76-B9FF-8FCA6C4B0B08}" dt="2020-10-14T11:02:58.709" v="1507" actId="2696"/>
-        <pc:sldMkLst>
-          <pc:docMk/>
-          <pc:sldMk cId="1140042678" sldId="340"/>
-        </pc:sldMkLst>
-      </pc:sldChg>
-      <pc:sldChg chg="del">
-        <pc:chgData name="Andrew Ming Ho Wu" userId="620d876fccae6a25" providerId="LiveId" clId="{70051DB0-1E4A-4F76-B9FF-8FCA6C4B0B08}" dt="2020-10-14T11:02:58.709" v="1507" actId="2696"/>
-        <pc:sldMkLst>
-          <pc:docMk/>
-          <pc:sldMk cId="2792681432" sldId="341"/>
-        </pc:sldMkLst>
-      </pc:sldChg>
-      <pc:sldChg chg="del">
-        <pc:chgData name="Andrew Ming Ho Wu" userId="620d876fccae6a25" providerId="LiveId" clId="{70051DB0-1E4A-4F76-B9FF-8FCA6C4B0B08}" dt="2020-10-14T11:02:58.709" v="1507" actId="2696"/>
-        <pc:sldMkLst>
-          <pc:docMk/>
-          <pc:sldMk cId="3458398597" sldId="342"/>
-        </pc:sldMkLst>
-      </pc:sldChg>
-      <pc:sldChg chg="delSp modSp mod">
-        <pc:chgData name="Andrew Ming Ho Wu" userId="620d876fccae6a25" providerId="LiveId" clId="{70051DB0-1E4A-4F76-B9FF-8FCA6C4B0B08}" dt="2020-10-16T08:17:39.434" v="1697" actId="20577"/>
+            <ac:grpSpMk id="8" creationId="{00000000-0000-0000-0000-000000000000}"/>
+          </ac:grpSpMkLst>
+        </pc:grpChg>
+      </pc:sldChg>
+      <pc:sldChg chg="addSp delSp modSp mod">
+        <pc:chgData name="Andrew Ming Ho Wu" userId="620d876fccae6a25" providerId="LiveId" clId="{B8CC6B97-FBEB-4E84-A973-1D8D00A51797}" dt="2020-12-07T12:17:11.563" v="2385" actId="20577"/>
         <pc:sldMkLst>
           <pc:docMk/>
           <pc:sldMk cId="2818220858" sldId="343"/>
         </pc:sldMkLst>
         <pc:spChg chg="mod">
-          <ac:chgData name="Andrew Ming Ho Wu" userId="620d876fccae6a25" providerId="LiveId" clId="{70051DB0-1E4A-4F76-B9FF-8FCA6C4B0B08}" dt="2020-10-16T08:17:39.434" v="1697" actId="20577"/>
+          <ac:chgData name="Andrew Ming Ho Wu" userId="620d876fccae6a25" providerId="LiveId" clId="{B8CC6B97-FBEB-4E84-A973-1D8D00A51797}" dt="2020-12-07T12:16:53.205" v="2364" actId="1076"/>
           <ac:spMkLst>
             <pc:docMk/>
             <pc:sldMk cId="2818220858" sldId="343"/>
             <ac:spMk id="5" creationId="{81D7F47C-B22C-46A9-BD87-E2FA064EC20F}"/>
           </ac:spMkLst>
         </pc:spChg>
-        <pc:spChg chg="del">
-          <ac:chgData name="Andrew Ming Ho Wu" userId="620d876fccae6a25" providerId="LiveId" clId="{70051DB0-1E4A-4F76-B9FF-8FCA6C4B0B08}" dt="2020-10-14T10:48:34.682" v="129" actId="478"/>
+        <pc:spChg chg="mod">
+          <ac:chgData name="Andrew Ming Ho Wu" userId="620d876fccae6a25" providerId="LiveId" clId="{B8CC6B97-FBEB-4E84-A973-1D8D00A51797}" dt="2020-12-07T12:16:25.853" v="2338" actId="20577"/>
           <ac:spMkLst>
             <pc:docMk/>
             <pc:sldMk cId="2818220858" sldId="343"/>
-            <ac:spMk id="7" creationId="{8F1A7018-DAB3-4DD6-9851-CCE349574926}"/>
-          </ac:spMkLst>
-        </pc:spChg>
-        <pc:spChg chg="mod">
-          <ac:chgData name="Andrew Ming Ho Wu" userId="620d876fccae6a25" providerId="LiveId" clId="{70051DB0-1E4A-4F76-B9FF-8FCA6C4B0B08}" dt="2020-10-16T08:17:36.046" v="1691" actId="20577"/>
+            <ac:spMk id="8" creationId="{9D42ABF8-029E-4F29-B608-8C118D28ABA1}"/>
+          </ac:spMkLst>
+        </pc:spChg>
+        <pc:spChg chg="add del mod">
+          <ac:chgData name="Andrew Ming Ho Wu" userId="620d876fccae6a25" providerId="LiveId" clId="{B8CC6B97-FBEB-4E84-A973-1D8D00A51797}" dt="2020-12-07T12:17:00.094" v="2366"/>
+          <ac:spMkLst>
+            <pc:docMk/>
+            <pc:sldMk cId="2818220858" sldId="343"/>
+            <ac:spMk id="14" creationId="{4008C9F8-7034-4640-926C-69C20356432C}"/>
+          </ac:spMkLst>
+        </pc:spChg>
+        <pc:spChg chg="mod">
+          <ac:chgData name="Andrew Ming Ho Wu" userId="620d876fccae6a25" providerId="LiveId" clId="{B8CC6B97-FBEB-4E84-A973-1D8D00A51797}" dt="2020-12-07T11:47:46.566" v="35" actId="20577"/>
           <ac:spMkLst>
             <pc:docMk/>
             <pc:sldMk cId="2818220858" sldId="343"/>
             <ac:spMk id="15" creationId="{5FC8DCBF-4CCE-4C22-8B9F-CC50B4D8446D}"/>
           </ac:spMkLst>
         </pc:spChg>
-        <pc:spChg chg="del">
-          <ac:chgData name="Andrew Ming Ho Wu" userId="620d876fccae6a25" providerId="LiveId" clId="{70051DB0-1E4A-4F76-B9FF-8FCA6C4B0B08}" dt="2020-10-14T10:48:41.238" v="130" actId="478"/>
+        <pc:spChg chg="add mod">
+          <ac:chgData name="Andrew Ming Ho Wu" userId="620d876fccae6a25" providerId="LiveId" clId="{B8CC6B97-FBEB-4E84-A973-1D8D00A51797}" dt="2020-12-07T12:17:11.563" v="2385" actId="20577"/>
           <ac:spMkLst>
             <pc:docMk/>
             <pc:sldMk cId="2818220858" sldId="343"/>
-            <ac:spMk id="20" creationId="{A6F76399-04DE-46A8-BF2C-99ED8D141BD3}"/>
+            <ac:spMk id="16" creationId="{9776CE46-BCD9-4FBA-A83A-BE5C5D29A965}"/>
           </ac:spMkLst>
         </pc:spChg>
         <pc:grpChg chg="mod">
-          <ac:chgData name="Andrew Ming Ho Wu" userId="620d876fccae6a25" providerId="LiveId" clId="{70051DB0-1E4A-4F76-B9FF-8FCA6C4B0B08}" dt="2020-10-14T11:03:31.434" v="1538" actId="1076"/>
+          <ac:chgData name="Andrew Ming Ho Wu" userId="620d876fccae6a25" providerId="LiveId" clId="{B8CC6B97-FBEB-4E84-A973-1D8D00A51797}" dt="2020-12-07T12:16:48.563" v="2363" actId="1076"/>
           <ac:grpSpMkLst>
             <pc:docMk/>
             <pc:sldMk cId="2818220858" sldId="343"/>
@@ -5040,119 +5033,125 @@
           </ac:grpSpMkLst>
         </pc:grpChg>
       </pc:sldChg>
+      <pc:sldChg chg="modSp mod">
+        <pc:chgData name="Andrew Ming Ho Wu" userId="620d876fccae6a25" providerId="LiveId" clId="{B8CC6B97-FBEB-4E84-A973-1D8D00A51797}" dt="2020-12-07T12:12:01.475" v="2130" actId="20577"/>
+        <pc:sldMkLst>
+          <pc:docMk/>
+          <pc:sldMk cId="1002563172" sldId="387"/>
+        </pc:sldMkLst>
+        <pc:spChg chg="mod">
+          <ac:chgData name="Andrew Ming Ho Wu" userId="620d876fccae6a25" providerId="LiveId" clId="{B8CC6B97-FBEB-4E84-A973-1D8D00A51797}" dt="2020-12-07T12:12:01.475" v="2130" actId="20577"/>
+          <ac:spMkLst>
+            <pc:docMk/>
+            <pc:sldMk cId="1002563172" sldId="387"/>
+            <ac:spMk id="5" creationId="{00000000-0000-0000-0000-000000000000}"/>
+          </ac:spMkLst>
+        </pc:spChg>
+      </pc:sldChg>
+      <pc:sldChg chg="modSp add mod">
+        <pc:chgData name="Andrew Ming Ho Wu" userId="620d876fccae6a25" providerId="LiveId" clId="{B8CC6B97-FBEB-4E84-A973-1D8D00A51797}" dt="2020-12-09T20:21:14.831" v="3322" actId="1076"/>
+        <pc:sldMkLst>
+          <pc:docMk/>
+          <pc:sldMk cId="2049264590" sldId="388"/>
+        </pc:sldMkLst>
+        <pc:spChg chg="mod">
+          <ac:chgData name="Andrew Ming Ho Wu" userId="620d876fccae6a25" providerId="LiveId" clId="{B8CC6B97-FBEB-4E84-A973-1D8D00A51797}" dt="2020-12-09T20:21:14.831" v="3322" actId="1076"/>
+          <ac:spMkLst>
+            <pc:docMk/>
+            <pc:sldMk cId="2049264590" sldId="388"/>
+            <ac:spMk id="12" creationId="{11F2B6B6-0466-4FF3-9677-694F0F61AE7C}"/>
+          </ac:spMkLst>
+        </pc:spChg>
+      </pc:sldChg>
+      <pc:sldChg chg="add">
+        <pc:chgData name="Andrew Ming Ho Wu" userId="620d876fccae6a25" providerId="LiveId" clId="{B8CC6B97-FBEB-4E84-A973-1D8D00A51797}" dt="2020-12-07T12:11:57.600" v="2129" actId="2890"/>
+        <pc:sldMkLst>
+          <pc:docMk/>
+          <pc:sldMk cId="1012779811" sldId="389"/>
+        </pc:sldMkLst>
+      </pc:sldChg>
+      <pc:sldChg chg="modSp add mod">
+        <pc:chgData name="Andrew Ming Ho Wu" userId="620d876fccae6a25" providerId="LiveId" clId="{B8CC6B97-FBEB-4E84-A973-1D8D00A51797}" dt="2020-12-07T12:13:16.646" v="2234" actId="255"/>
+        <pc:sldMkLst>
+          <pc:docMk/>
+          <pc:sldMk cId="2782934202" sldId="390"/>
+        </pc:sldMkLst>
+        <pc:spChg chg="mod">
+          <ac:chgData name="Andrew Ming Ho Wu" userId="620d876fccae6a25" providerId="LiveId" clId="{B8CC6B97-FBEB-4E84-A973-1D8D00A51797}" dt="2020-12-07T12:12:22.476" v="2139" actId="20577"/>
+          <ac:spMkLst>
+            <pc:docMk/>
+            <pc:sldMk cId="2782934202" sldId="390"/>
+            <ac:spMk id="5" creationId="{00000000-0000-0000-0000-000000000000}"/>
+          </ac:spMkLst>
+        </pc:spChg>
+        <pc:spChg chg="mod">
+          <ac:chgData name="Andrew Ming Ho Wu" userId="620d876fccae6a25" providerId="LiveId" clId="{B8CC6B97-FBEB-4E84-A973-1D8D00A51797}" dt="2020-12-07T12:13:16.646" v="2234" actId="255"/>
+          <ac:spMkLst>
+            <pc:docMk/>
+            <pc:sldMk cId="2782934202" sldId="390"/>
+            <ac:spMk id="12" creationId="{11F2B6B6-0466-4FF3-9677-694F0F61AE7C}"/>
+          </ac:spMkLst>
+        </pc:spChg>
+      </pc:sldChg>
+      <pc:sldChg chg="modSp add mod">
+        <pc:chgData name="Andrew Ming Ho Wu" userId="620d876fccae6a25" providerId="LiveId" clId="{B8CC6B97-FBEB-4E84-A973-1D8D00A51797}" dt="2020-12-07T12:14:09.189" v="2268" actId="20577"/>
+        <pc:sldMkLst>
+          <pc:docMk/>
+          <pc:sldMk cId="2582986712" sldId="391"/>
+        </pc:sldMkLst>
+        <pc:spChg chg="mod">
+          <ac:chgData name="Andrew Ming Ho Wu" userId="620d876fccae6a25" providerId="LiveId" clId="{B8CC6B97-FBEB-4E84-A973-1D8D00A51797}" dt="2020-12-07T12:14:09.189" v="2268" actId="20577"/>
+          <ac:spMkLst>
+            <pc:docMk/>
+            <pc:sldMk cId="2582986712" sldId="391"/>
+            <ac:spMk id="12" creationId="{11F2B6B6-0466-4FF3-9677-694F0F61AE7C}"/>
+          </ac:spMkLst>
+        </pc:spChg>
+      </pc:sldChg>
+      <pc:sldChg chg="modSp add mod">
+        <pc:chgData name="Andrew Ming Ho Wu" userId="620d876fccae6a25" providerId="LiveId" clId="{B8CC6B97-FBEB-4E84-A973-1D8D00A51797}" dt="2020-12-07T12:15:51.208" v="2307" actId="255"/>
+        <pc:sldMkLst>
+          <pc:docMk/>
+          <pc:sldMk cId="161672857" sldId="392"/>
+        </pc:sldMkLst>
+        <pc:spChg chg="mod">
+          <ac:chgData name="Andrew Ming Ho Wu" userId="620d876fccae6a25" providerId="LiveId" clId="{B8CC6B97-FBEB-4E84-A973-1D8D00A51797}" dt="2020-12-07T12:15:14.773" v="2298" actId="20577"/>
+          <ac:spMkLst>
+            <pc:docMk/>
+            <pc:sldMk cId="161672857" sldId="392"/>
+            <ac:spMk id="5" creationId="{00000000-0000-0000-0000-000000000000}"/>
+          </ac:spMkLst>
+        </pc:spChg>
+        <pc:spChg chg="mod">
+          <ac:chgData name="Andrew Ming Ho Wu" userId="620d876fccae6a25" providerId="LiveId" clId="{B8CC6B97-FBEB-4E84-A973-1D8D00A51797}" dt="2020-12-07T12:15:51.208" v="2307" actId="255"/>
+          <ac:spMkLst>
+            <pc:docMk/>
+            <pc:sldMk cId="161672857" sldId="392"/>
+            <ac:spMk id="12" creationId="{11F2B6B6-0466-4FF3-9677-694F0F61AE7C}"/>
+          </ac:spMkLst>
+        </pc:spChg>
+      </pc:sldChg>
+      <pc:sldChg chg="modSp add mod">
+        <pc:chgData name="Andrew Ming Ho Wu" userId="620d876fccae6a25" providerId="LiveId" clId="{B8CC6B97-FBEB-4E84-A973-1D8D00A51797}" dt="2020-12-09T20:20:31.079" v="3296" actId="20577"/>
+        <pc:sldMkLst>
+          <pc:docMk/>
+          <pc:sldMk cId="226674003" sldId="393"/>
+        </pc:sldMkLst>
+        <pc:spChg chg="mod">
+          <ac:chgData name="Andrew Ming Ho Wu" userId="620d876fccae6a25" providerId="LiveId" clId="{B8CC6B97-FBEB-4E84-A973-1D8D00A51797}" dt="2020-12-09T20:20:31.079" v="3296" actId="20577"/>
+          <ac:spMkLst>
+            <pc:docMk/>
+            <pc:sldMk cId="226674003" sldId="393"/>
+            <ac:spMk id="12" creationId="{11F2B6B6-0466-4FF3-9677-694F0F61AE7C}"/>
+          </ac:spMkLst>
+        </pc:spChg>
+      </pc:sldChg>
       <pc:sldChg chg="add del">
-        <pc:chgData name="Andrew Ming Ho Wu" userId="620d876fccae6a25" providerId="LiveId" clId="{70051DB0-1E4A-4F76-B9FF-8FCA6C4B0B08}" dt="2020-10-16T08:17:51.506" v="1699" actId="2890"/>
-        <pc:sldMkLst>
-          <pc:docMk/>
-          <pc:sldMk cId="882795893" sldId="344"/>
-        </pc:sldMkLst>
-      </pc:sldChg>
-      <pc:sldChg chg="add">
-        <pc:chgData name="Andrew Ming Ho Wu" userId="620d876fccae6a25" providerId="LiveId" clId="{70051DB0-1E4A-4F76-B9FF-8FCA6C4B0B08}" dt="2020-10-16T08:17:54.089" v="1700" actId="2890"/>
-        <pc:sldMkLst>
-          <pc:docMk/>
-          <pc:sldMk cId="3427335621" sldId="344"/>
-        </pc:sldMkLst>
-      </pc:sldChg>
-    </pc:docChg>
-  </pc:docChgLst>
-  <pc:docChgLst>
-    <pc:chgData name="Andrew Ming Ho Wu" userId="620d876fccae6a25" providerId="LiveId" clId="{301D553B-ED1B-4DD0-8B60-0326FA0FE40D}"/>
-    <pc:docChg chg="undo custSel modSld sldOrd">
-      <pc:chgData name="Andrew Ming Ho Wu" userId="620d876fccae6a25" providerId="LiveId" clId="{301D553B-ED1B-4DD0-8B60-0326FA0FE40D}" dt="2020-12-04T09:57:29.774" v="2192" actId="20577"/>
-      <pc:docMkLst>
-        <pc:docMk/>
-      </pc:docMkLst>
-      <pc:sldChg chg="modSp mod">
-        <pc:chgData name="Andrew Ming Ho Wu" userId="620d876fccae6a25" providerId="LiveId" clId="{301D553B-ED1B-4DD0-8B60-0326FA0FE40D}" dt="2020-12-04T09:23:30.694" v="1648" actId="20577"/>
-        <pc:sldMkLst>
-          <pc:docMk/>
-          <pc:sldMk cId="0" sldId="256"/>
-        </pc:sldMkLst>
-        <pc:spChg chg="mod">
-          <ac:chgData name="Andrew Ming Ho Wu" userId="620d876fccae6a25" providerId="LiveId" clId="{301D553B-ED1B-4DD0-8B60-0326FA0FE40D}" dt="2020-12-04T09:23:30.694" v="1648" actId="20577"/>
-          <ac:spMkLst>
-            <pc:docMk/>
-            <pc:sldMk cId="0" sldId="256"/>
-            <ac:spMk id="12" creationId="{9A5C5996-C506-42D4-8B45-0190C0F5159A}"/>
-          </ac:spMkLst>
-        </pc:spChg>
-      </pc:sldChg>
-      <pc:sldChg chg="modSp mod ord">
-        <pc:chgData name="Andrew Ming Ho Wu" userId="620d876fccae6a25" providerId="LiveId" clId="{301D553B-ED1B-4DD0-8B60-0326FA0FE40D}" dt="2020-12-04T09:37:15.202" v="1818" actId="1076"/>
-        <pc:sldMkLst>
-          <pc:docMk/>
-          <pc:sldMk cId="3627176467" sldId="330"/>
-        </pc:sldMkLst>
-        <pc:spChg chg="mod">
-          <ac:chgData name="Andrew Ming Ho Wu" userId="620d876fccae6a25" providerId="LiveId" clId="{301D553B-ED1B-4DD0-8B60-0326FA0FE40D}" dt="2020-12-04T09:37:15.202" v="1818" actId="1076"/>
-          <ac:spMkLst>
-            <pc:docMk/>
-            <pc:sldMk cId="3627176467" sldId="330"/>
-            <ac:spMk id="11" creationId="{51D20990-98D9-4852-A91C-AEF4EC3755F8}"/>
-          </ac:spMkLst>
-        </pc:spChg>
-      </pc:sldChg>
-      <pc:sldChg chg="addSp delSp modSp mod">
-        <pc:chgData name="Andrew Ming Ho Wu" userId="620d876fccae6a25" providerId="LiveId" clId="{301D553B-ED1B-4DD0-8B60-0326FA0FE40D}" dt="2020-12-04T09:57:29.774" v="2192" actId="20577"/>
-        <pc:sldMkLst>
-          <pc:docMk/>
-          <pc:sldMk cId="2206058006" sldId="333"/>
-        </pc:sldMkLst>
-        <pc:spChg chg="mod">
-          <ac:chgData name="Andrew Ming Ho Wu" userId="620d876fccae6a25" providerId="LiveId" clId="{301D553B-ED1B-4DD0-8B60-0326FA0FE40D}" dt="2020-12-04T09:54:08.146" v="2088" actId="1076"/>
-          <ac:spMkLst>
-            <pc:docMk/>
-            <pc:sldMk cId="2206058006" sldId="333"/>
-            <ac:spMk id="5" creationId="{00000000-0000-0000-0000-000000000000}"/>
-          </ac:spMkLst>
-        </pc:spChg>
-        <pc:spChg chg="add del mod">
-          <ac:chgData name="Andrew Ming Ho Wu" userId="620d876fccae6a25" providerId="LiveId" clId="{301D553B-ED1B-4DD0-8B60-0326FA0FE40D}" dt="2020-12-04T09:57:29.774" v="2192" actId="20577"/>
-          <ac:spMkLst>
-            <pc:docMk/>
-            <pc:sldMk cId="2206058006" sldId="333"/>
-            <ac:spMk id="11" creationId="{3E2506E2-B67A-4B0D-BA61-6B13AC56BACF}"/>
-          </ac:spMkLst>
-        </pc:spChg>
-      </pc:sldChg>
-      <pc:sldChg chg="modSp mod">
-        <pc:chgData name="Andrew Ming Ho Wu" userId="620d876fccae6a25" providerId="LiveId" clId="{301D553B-ED1B-4DD0-8B60-0326FA0FE40D}" dt="2020-12-03T19:29:39.167" v="656" actId="20577"/>
-        <pc:sldMkLst>
-          <pc:docMk/>
-          <pc:sldMk cId="2818220858" sldId="343"/>
-        </pc:sldMkLst>
-        <pc:spChg chg="mod">
-          <ac:chgData name="Andrew Ming Ho Wu" userId="620d876fccae6a25" providerId="LiveId" clId="{301D553B-ED1B-4DD0-8B60-0326FA0FE40D}" dt="2020-12-03T19:29:34.248" v="655" actId="20577"/>
-          <ac:spMkLst>
-            <pc:docMk/>
-            <pc:sldMk cId="2818220858" sldId="343"/>
-            <ac:spMk id="8" creationId="{9D42ABF8-029E-4F29-B608-8C118D28ABA1}"/>
-          </ac:spMkLst>
-        </pc:spChg>
-        <pc:spChg chg="mod">
-          <ac:chgData name="Andrew Ming Ho Wu" userId="620d876fccae6a25" providerId="LiveId" clId="{301D553B-ED1B-4DD0-8B60-0326FA0FE40D}" dt="2020-12-03T19:29:39.167" v="656" actId="20577"/>
-          <ac:spMkLst>
-            <pc:docMk/>
-            <pc:sldMk cId="2818220858" sldId="343"/>
-            <ac:spMk id="15" creationId="{5FC8DCBF-4CCE-4C22-8B9F-CC50B4D8446D}"/>
-          </ac:spMkLst>
-        </pc:spChg>
-      </pc:sldChg>
-      <pc:sldChg chg="addSp delSp modSp mod">
-        <pc:chgData name="Andrew Ming Ho Wu" userId="620d876fccae6a25" providerId="LiveId" clId="{301D553B-ED1B-4DD0-8B60-0326FA0FE40D}" dt="2020-12-03T19:23:50.731" v="4"/>
-        <pc:sldMkLst>
-          <pc:docMk/>
-          <pc:sldMk cId="1002563172" sldId="387"/>
-        </pc:sldMkLst>
-        <pc:spChg chg="add del mod">
-          <ac:chgData name="Andrew Ming Ho Wu" userId="620d876fccae6a25" providerId="LiveId" clId="{301D553B-ED1B-4DD0-8B60-0326FA0FE40D}" dt="2020-12-03T19:23:50.731" v="4"/>
-          <ac:spMkLst>
-            <pc:docMk/>
-            <pc:sldMk cId="1002563172" sldId="387"/>
-            <ac:spMk id="11" creationId="{BA618F6F-1997-4079-B11E-BC24229FBCC5}"/>
-          </ac:spMkLst>
-        </pc:spChg>
+        <pc:chgData name="Andrew Ming Ho Wu" userId="620d876fccae6a25" providerId="LiveId" clId="{B8CC6B97-FBEB-4E84-A973-1D8D00A51797}" dt="2020-12-08T20:51:41.486" v="2393"/>
+        <pc:sldMkLst>
+          <pc:docMk/>
+          <pc:sldMk cId="1879883029" sldId="393"/>
+        </pc:sldMkLst>
       </pc:sldChg>
     </pc:docChg>
   </pc:docChgLst>
@@ -5552,7 +5551,7 @@
           <a:p>
             <a:fld id="{F3B73EDB-C001-4FA3-A8F8-70B0B97F7CFF}" type="datetimeFigureOut">
               <a:rPr lang="en-GB" smtClean="0"/>
-              <a:t>10/02/2021</a:t>
+              <a:t>12/02/2021</a:t>
             </a:fld>
             <a:endParaRPr lang="en-GB"/>
           </a:p>
@@ -6146,7 +6145,7 @@
     </p:spTree>
     <p:extLst>
       <p:ext uri="{BB962C8B-B14F-4D97-AF65-F5344CB8AC3E}">
-        <p14:creationId xmlns:p14="http://schemas.microsoft.com/office/powerpoint/2010/main" val="836856900"/>
+        <p14:creationId xmlns:p14="http://schemas.microsoft.com/office/powerpoint/2010/main" val="1697174334"/>
       </p:ext>
     </p:extLst>
   </p:cSld>
@@ -6222,90 +6221,6 @@
             <a:fld id="{42012BB9-F1C6-4F87-A02A-58E570AE5C98}" type="slidenum">
               <a:rPr lang="en-GB" smtClean="0"/>
               <a:t>5</a:t>
-            </a:fld>
-            <a:endParaRPr lang="en-GB"/>
-          </a:p>
-        </p:txBody>
-      </p:sp>
-    </p:spTree>
-    <p:extLst>
-      <p:ext uri="{BB962C8B-B14F-4D97-AF65-F5344CB8AC3E}">
-        <p14:creationId xmlns:p14="http://schemas.microsoft.com/office/powerpoint/2010/main" val="1697174334"/>
-      </p:ext>
-    </p:extLst>
-  </p:cSld>
-  <p:clrMapOvr>
-    <a:masterClrMapping/>
-  </p:clrMapOvr>
-</p:notes>
-</file>
-
-<file path=ppt/notesSlides/notesSlide6.xml><?xml version="1.0" encoding="utf-8"?>
-<p:notes xmlns:a="http://schemas.openxmlformats.org/drawingml/2006/main" xmlns:r="http://schemas.openxmlformats.org/officeDocument/2006/relationships" xmlns:p="http://schemas.openxmlformats.org/presentationml/2006/main">
-  <p:cSld>
-    <p:spTree>
-      <p:nvGrpSpPr>
-        <p:cNvPr id="1" name=""/>
-        <p:cNvGrpSpPr/>
-        <p:nvPr/>
-      </p:nvGrpSpPr>
-      <p:grpSpPr>
-        <a:xfrm>
-          <a:off x="0" y="0"/>
-          <a:ext cx="0" cy="0"/>
-          <a:chOff x="0" y="0"/>
-          <a:chExt cx="0" cy="0"/>
-        </a:xfrm>
-      </p:grpSpPr>
-      <p:sp>
-        <p:nvSpPr>
-          <p:cNvPr id="2" name="Slide Image Placeholder 1"/>
-          <p:cNvSpPr>
-            <a:spLocks noGrp="1" noRot="1" noChangeAspect="1"/>
-          </p:cNvSpPr>
-          <p:nvPr>
-            <p:ph type="sldImg"/>
-          </p:nvPr>
-        </p:nvSpPr>
-        <p:spPr/>
-      </p:sp>
-      <p:sp>
-        <p:nvSpPr>
-          <p:cNvPr id="3" name="Notes Placeholder 2"/>
-          <p:cNvSpPr>
-            <a:spLocks noGrp="1"/>
-          </p:cNvSpPr>
-          <p:nvPr>
-            <p:ph type="body" idx="1"/>
-          </p:nvPr>
-        </p:nvSpPr>
-        <p:spPr/>
-        <p:txBody>
-          <a:bodyPr/>
-          <a:lstStyle/>
-          <a:p>
-            <a:endParaRPr lang="en-GB" dirty="0"/>
-          </a:p>
-        </p:txBody>
-      </p:sp>
-      <p:sp>
-        <p:nvSpPr>
-          <p:cNvPr id="4" name="Slide Number Placeholder 3"/>
-          <p:cNvSpPr>
-            <a:spLocks noGrp="1"/>
-          </p:cNvSpPr>
-          <p:nvPr>
-            <p:ph type="sldNum" sz="quarter" idx="5"/>
-          </p:nvPr>
-        </p:nvSpPr>
-        <p:spPr/>
-        <p:txBody>
-          <a:bodyPr/>
-          <a:lstStyle/>
-          <a:p>
-            <a:fld id="{42012BB9-F1C6-4F87-A02A-58E570AE5C98}" type="slidenum">
-              <a:rPr lang="en-GB" smtClean="0"/>
-              <a:t>6</a:t>
             </a:fld>
             <a:endParaRPr lang="en-GB"/>
           </a:p>
@@ -6463,7 +6378,7 @@
           <a:p>
             <a:fld id="{1D8BD707-D9CF-40AE-B4C6-C98DA3205C09}" type="datetimeFigureOut">
               <a:rPr lang="en-US"/>
-              <a:t>2/10/2021</a:t>
+              <a:t>2/12/2021</a:t>
             </a:fld>
             <a:endParaRPr lang="en-US"/>
           </a:p>
@@ -6638,7 +6553,7 @@
           <a:p>
             <a:fld id="{1D8BD707-D9CF-40AE-B4C6-C98DA3205C09}" type="datetimeFigureOut">
               <a:rPr lang="en-US"/>
-              <a:t>2/10/2021</a:t>
+              <a:t>2/12/2021</a:t>
             </a:fld>
             <a:endParaRPr lang="en-US"/>
           </a:p>
@@ -6852,7 +6767,7 @@
           <a:p>
             <a:fld id="{1D8BD707-D9CF-40AE-B4C6-C98DA3205C09}" type="datetimeFigureOut">
               <a:rPr lang="en-US"/>
-              <a:t>2/10/2021</a:t>
+              <a:t>2/12/2021</a:t>
             </a:fld>
             <a:endParaRPr lang="en-US"/>
           </a:p>
@@ -7000,7 +6915,7 @@
           <a:p>
             <a:fld id="{1D8BD707-D9CF-40AE-B4C6-C98DA3205C09}" type="datetimeFigureOut">
               <a:rPr lang="en-US"/>
-              <a:t>2/10/2021</a:t>
+              <a:t>2/12/2021</a:t>
             </a:fld>
             <a:endParaRPr lang="en-US"/>
           </a:p>
@@ -7119,7 +7034,7 @@
           <a:p>
             <a:fld id="{1D8BD707-D9CF-40AE-B4C6-C98DA3205C09}" type="datetimeFigureOut">
               <a:rPr lang="en-US"/>
-              <a:t>2/10/2021</a:t>
+              <a:t>2/12/2021</a:t>
             </a:fld>
             <a:endParaRPr lang="en-US"/>
           </a:p>
@@ -7342,7 +7257,7 @@
           <a:p>
             <a:fld id="{1D8BD707-D9CF-40AE-B4C6-C98DA3205C09}" type="datetimeFigureOut">
               <a:rPr lang="en-US"/>
-              <a:t>2/10/2021</a:t>
+              <a:t>2/12/2021</a:t>
             </a:fld>
             <a:endParaRPr lang="en-US"/>
           </a:p>
@@ -10030,7 +9945,7 @@
         <p:spPr>
           <a:xfrm>
             <a:off x="6871813" y="4000500"/>
-            <a:ext cx="6996587" cy="1102866"/>
+            <a:ext cx="6996587" cy="551433"/>
           </a:xfrm>
           <a:prstGeom prst="rect">
             <a:avLst/>
@@ -10053,27 +9968,14 @@
             </a:lvl1pPr>
           </a:lstStyle>
           <a:p>
-            <a:pPr marL="527050" indent="-514350">
+            <a:pPr marL="12700">
               <a:spcBef>
                 <a:spcPts val="100"/>
               </a:spcBef>
-              <a:buAutoNum type="arabicPeriod"/>
             </a:pPr>
             <a:r>
               <a:rPr lang="en-US" sz="3500" b="0" kern="0" dirty="0"/>
-              <a:t>Evaluate dissertation</a:t>
-            </a:r>
-          </a:p>
-          <a:p>
-            <a:pPr marL="527050" indent="-514350">
-              <a:spcBef>
-                <a:spcPts val="100"/>
-              </a:spcBef>
-              <a:buAutoNum type="arabicPeriod"/>
-            </a:pPr>
-            <a:r>
-              <a:rPr lang="en-US" sz="3500" b="0" kern="0" dirty="0"/>
-              <a:t>Rank what to do first </a:t>
+              <a:t>1. Evaluate dissertation</a:t>
             </a:r>
           </a:p>
         </p:txBody>
@@ -10176,7 +10078,7 @@
         <p:spPr>
           <a:xfrm>
             <a:off x="685479" y="2914109"/>
-            <a:ext cx="6857143" cy="645690"/>
+            <a:ext cx="6857143" cy="7506542"/>
           </a:xfrm>
           <a:prstGeom prst="rect">
             <a:avLst/>
@@ -10195,9 +10097,93 @@
             </a:pPr>
             <a:r>
               <a:rPr lang="en-US" sz="4000" kern="0" dirty="0"/>
-              <a:t>1. Rank Project Parts</a:t>
+              <a:t>1. Evaluate Dissertation </a:t>
             </a:r>
-            <a:endParaRPr lang="en-US" sz="4000" b="0" kern="0" dirty="0"/>
+          </a:p>
+          <a:p>
+            <a:pPr marL="12700">
+              <a:spcBef>
+                <a:spcPts val="100"/>
+              </a:spcBef>
+            </a:pPr>
+            <a:r>
+              <a:rPr lang="en-US" sz="4000" b="0" kern="0" dirty="0"/>
+              <a:t>    Parts</a:t>
+            </a:r>
+          </a:p>
+          <a:p>
+            <a:pPr marL="12700">
+              <a:spcBef>
+                <a:spcPts val="100"/>
+              </a:spcBef>
+            </a:pPr>
+            <a:r>
+              <a:rPr lang="en-US" sz="4000" b="0" kern="0" dirty="0"/>
+              <a:t>At least 5 per user groups – limitation</a:t>
+            </a:r>
+          </a:p>
+          <a:p>
+            <a:pPr marL="12700">
+              <a:spcBef>
+                <a:spcPts val="100"/>
+              </a:spcBef>
+            </a:pPr>
+            <a:r>
+              <a:rPr lang="en-US" sz="4000" b="0" kern="0" dirty="0"/>
+              <a:t>HC</a:t>
+            </a:r>
+            <a:r>
+              <a:rPr lang="en-US" sz="4000" kern="0" dirty="0"/>
+              <a:t>I student they are expert</a:t>
+            </a:r>
+          </a:p>
+          <a:p>
+            <a:pPr marL="12700">
+              <a:spcBef>
+                <a:spcPts val="100"/>
+              </a:spcBef>
+            </a:pPr>
+            <a:r>
+              <a:rPr lang="en-US" sz="4000" kern="0" dirty="0" err="1"/>
+              <a:t>Walkthoguh</a:t>
+            </a:r>
+            <a:r>
+              <a:rPr lang="en-US" sz="4000" kern="0" dirty="0"/>
+              <a:t> – ask particular problems in the sheet – online standard</a:t>
+            </a:r>
+          </a:p>
+          <a:p>
+            <a:pPr marL="12700">
+              <a:spcBef>
+                <a:spcPts val="100"/>
+              </a:spcBef>
+            </a:pPr>
+            <a:r>
+              <a:rPr lang="en-US" sz="4000" kern="0" dirty="0"/>
+              <a:t>Think aloud- talk as they look at the app  - change </a:t>
+            </a:r>
+          </a:p>
+          <a:p>
+            <a:pPr marL="12700">
+              <a:spcBef>
+                <a:spcPts val="100"/>
+              </a:spcBef>
+            </a:pPr>
+            <a:r>
+              <a:rPr lang="en-US" sz="4000" b="0" kern="0" dirty="0"/>
+              <a:t>Jakob – with other HCI friends </a:t>
+            </a:r>
+          </a:p>
+          <a:p>
+            <a:pPr marL="12700">
+              <a:spcBef>
+                <a:spcPts val="100"/>
+              </a:spcBef>
+            </a:pPr>
+            <a:r>
+              <a:rPr lang="en-US" sz="4000" b="0" kern="0" dirty="0"/>
+              <a:t> </a:t>
+            </a:r>
           </a:p>
         </p:txBody>
       </p:sp>
@@ -10825,863 +10811,8 @@
         </p:nvSpPr>
         <p:spPr>
           <a:xfrm>
-            <a:off x="8458200" y="3771650"/>
-            <a:ext cx="9163713" cy="2743700"/>
-          </a:xfrm>
-          <a:prstGeom prst="rect">
-            <a:avLst/>
-          </a:prstGeom>
-        </p:spPr>
-        <p:txBody>
-          <a:bodyPr vert="horz" wrap="square" lIns="0" tIns="29845" rIns="0" bIns="0" rtlCol="0">
-            <a:spAutoFit/>
-          </a:bodyPr>
-          <a:lstStyle/>
-          <a:p>
-            <a:pPr marL="527050" marR="5080" indent="-514350">
-              <a:spcBef>
-                <a:spcPts val="235"/>
-              </a:spcBef>
-              <a:buAutoNum type="arabicPeriod"/>
-            </a:pPr>
-            <a:r>
-              <a:rPr lang="en-US" sz="2800" kern="0" dirty="0">
-                <a:latin typeface="Raleway" panose="020B0503030101060003" pitchFamily="34" charset="0"/>
-                <a:ea typeface="Roboto" panose="02000000000000000000" pitchFamily="2" charset="0"/>
-                <a:cs typeface="Roboto" panose="02000000000000000000" pitchFamily="2" charset="0"/>
-              </a:rPr>
-              <a:t>Writing Dissertation   - xx </a:t>
-            </a:r>
-          </a:p>
-          <a:p>
-            <a:pPr marL="527050" marR="5080" indent="-514350">
-              <a:spcBef>
-                <a:spcPts val="235"/>
-              </a:spcBef>
-              <a:buAutoNum type="arabicPeriod"/>
-            </a:pPr>
-            <a:r>
-              <a:rPr lang="en-US" sz="2800" kern="0" dirty="0">
-                <a:latin typeface="Raleway" panose="020B0503030101060003" pitchFamily="34" charset="0"/>
-                <a:ea typeface="Roboto" panose="02000000000000000000" pitchFamily="2" charset="0"/>
-                <a:cs typeface="Roboto" panose="02000000000000000000" pitchFamily="2" charset="0"/>
-              </a:rPr>
-              <a:t>Software Coding        -xx</a:t>
-            </a:r>
-          </a:p>
-          <a:p>
-            <a:pPr marL="527050" marR="5080" indent="-514350">
-              <a:spcBef>
-                <a:spcPts val="235"/>
-              </a:spcBef>
-              <a:buAutoNum type="arabicPeriod"/>
-            </a:pPr>
-            <a:r>
-              <a:rPr lang="en-US" sz="2800" kern="0" dirty="0">
-                <a:latin typeface="Raleway" panose="020B0503030101060003" pitchFamily="34" charset="0"/>
-                <a:ea typeface="Roboto" panose="02000000000000000000" pitchFamily="2" charset="0"/>
-                <a:cs typeface="Roboto" panose="02000000000000000000" pitchFamily="2" charset="0"/>
-              </a:rPr>
-              <a:t>Evaluation                    -xx</a:t>
-            </a:r>
-          </a:p>
-          <a:p>
-            <a:pPr marL="12700" marR="5080">
-              <a:spcBef>
-                <a:spcPts val="235"/>
-              </a:spcBef>
-            </a:pPr>
-            <a:endParaRPr lang="en-US" sz="2800" kern="0" dirty="0">
-              <a:latin typeface="Raleway" panose="020B0503030101060003" pitchFamily="34" charset="0"/>
-              <a:ea typeface="Roboto" panose="02000000000000000000" pitchFamily="2" charset="0"/>
-              <a:cs typeface="Roboto" panose="02000000000000000000" pitchFamily="2" charset="0"/>
-            </a:endParaRPr>
-          </a:p>
-          <a:p>
-            <a:pPr marL="12700" marR="5080">
-              <a:spcBef>
-                <a:spcPts val="235"/>
-              </a:spcBef>
-            </a:pPr>
-            <a:endParaRPr lang="en-US" sz="2800" kern="0" dirty="0">
-              <a:latin typeface="Raleway" panose="020B0503030101060003" pitchFamily="34" charset="0"/>
-              <a:ea typeface="Roboto" panose="02000000000000000000" pitchFamily="2" charset="0"/>
-              <a:cs typeface="Roboto" panose="02000000000000000000" pitchFamily="2" charset="0"/>
-            </a:endParaRPr>
-          </a:p>
-          <a:p>
-            <a:pPr marL="12700" marR="5080">
-              <a:spcBef>
-                <a:spcPts val="235"/>
-              </a:spcBef>
-            </a:pPr>
-            <a:endParaRPr lang="en-US" sz="2800" kern="0" dirty="0">
-              <a:latin typeface="Raleway" panose="020B0503030101060003" pitchFamily="34" charset="0"/>
-              <a:ea typeface="Roboto" panose="02000000000000000000" pitchFamily="2" charset="0"/>
-              <a:cs typeface="Roboto" panose="02000000000000000000" pitchFamily="2" charset="0"/>
-            </a:endParaRPr>
-          </a:p>
-        </p:txBody>
-      </p:sp>
-    </p:spTree>
-    <p:extLst>
-      <p:ext uri="{BB962C8B-B14F-4D97-AF65-F5344CB8AC3E}">
-        <p14:creationId xmlns:p14="http://schemas.microsoft.com/office/powerpoint/2010/main" val="2721049811"/>
-      </p:ext>
-    </p:extLst>
-  </p:cSld>
-  <p:clrMapOvr>
-    <a:masterClrMapping/>
-  </p:clrMapOvr>
-</p:sld>
-</file>
-
-<file path=ppt/slides/slide5.xml><?xml version="1.0" encoding="utf-8"?>
-<p:sld xmlns:a="http://schemas.openxmlformats.org/drawingml/2006/main" xmlns:r="http://schemas.openxmlformats.org/officeDocument/2006/relationships" xmlns:p="http://schemas.openxmlformats.org/presentationml/2006/main">
-  <p:cSld>
-    <p:spTree>
-      <p:nvGrpSpPr>
-        <p:cNvPr id="1" name=""/>
-        <p:cNvGrpSpPr/>
-        <p:nvPr/>
-      </p:nvGrpSpPr>
-      <p:grpSpPr>
-        <a:xfrm>
-          <a:off x="0" y="0"/>
-          <a:ext cx="0" cy="0"/>
-          <a:chOff x="0" y="0"/>
-          <a:chExt cx="0" cy="0"/>
-        </a:xfrm>
-      </p:grpSpPr>
-      <p:grpSp>
-        <p:nvGrpSpPr>
-          <p:cNvPr id="2" name="object 2"/>
-          <p:cNvGrpSpPr/>
-          <p:nvPr/>
-        </p:nvGrpSpPr>
-        <p:grpSpPr>
-          <a:xfrm>
-            <a:off x="228600" y="-190500"/>
-            <a:ext cx="7314343" cy="10287000"/>
-            <a:chOff x="0" y="0"/>
-            <a:chExt cx="8759190" cy="10287000"/>
-          </a:xfrm>
-        </p:grpSpPr>
-        <p:pic>
-          <p:nvPicPr>
-            <p:cNvPr id="3" name="object 3"/>
-            <p:cNvPicPr/>
-            <p:nvPr/>
-          </p:nvPicPr>
-          <p:blipFill>
-            <a:blip r:embed="rId3" cstate="print"/>
-            <a:stretch>
-              <a:fillRect/>
-            </a:stretch>
-          </p:blipFill>
-          <p:spPr>
-            <a:xfrm>
-              <a:off x="0" y="0"/>
-              <a:ext cx="7490455" cy="8250979"/>
-            </a:xfrm>
-            <a:prstGeom prst="rect">
-              <a:avLst/>
-            </a:prstGeom>
-          </p:spPr>
-        </p:pic>
-        <p:pic>
-          <p:nvPicPr>
-            <p:cNvPr id="4" name="object 4"/>
-            <p:cNvPicPr/>
-            <p:nvPr/>
-          </p:nvPicPr>
-          <p:blipFill>
-            <a:blip r:embed="rId4" cstate="print"/>
-            <a:stretch>
-              <a:fillRect/>
-            </a:stretch>
-          </p:blipFill>
-          <p:spPr>
-            <a:xfrm>
-              <a:off x="0" y="1670110"/>
-              <a:ext cx="8758806" cy="8616889"/>
-            </a:xfrm>
-            <a:prstGeom prst="rect">
-              <a:avLst/>
-            </a:prstGeom>
-          </p:spPr>
-        </p:pic>
-      </p:grpSp>
-      <p:sp>
-        <p:nvSpPr>
-          <p:cNvPr id="5" name="object 5"/>
-          <p:cNvSpPr txBox="1"/>
-          <p:nvPr/>
-        </p:nvSpPr>
-        <p:spPr>
-          <a:xfrm>
-            <a:off x="685479" y="2914109"/>
-            <a:ext cx="6857143" cy="1274067"/>
-          </a:xfrm>
-          <a:prstGeom prst="rect">
-            <a:avLst/>
-          </a:prstGeom>
-        </p:spPr>
-        <p:txBody>
-          <a:bodyPr vert="horz" wrap="square" lIns="0" tIns="29845" rIns="0" bIns="0" rtlCol="0">
-            <a:spAutoFit/>
-          </a:bodyPr>
-          <a:lstStyle/>
-          <a:p>
-            <a:pPr marL="12700">
-              <a:spcBef>
-                <a:spcPts val="100"/>
-              </a:spcBef>
-            </a:pPr>
-            <a:r>
-              <a:rPr lang="en-US" sz="4000" kern="0" dirty="0"/>
-              <a:t>2. Evaluate Dissertation </a:t>
-            </a:r>
-          </a:p>
-          <a:p>
-            <a:pPr marL="12700">
-              <a:spcBef>
-                <a:spcPts val="100"/>
-              </a:spcBef>
-            </a:pPr>
-            <a:r>
-              <a:rPr lang="en-US" sz="4000" b="0" kern="0" dirty="0"/>
-              <a:t>    Parts</a:t>
-            </a:r>
-          </a:p>
-        </p:txBody>
-      </p:sp>
-      <p:grpSp>
-        <p:nvGrpSpPr>
-          <p:cNvPr id="8" name="object 8"/>
-          <p:cNvGrpSpPr/>
-          <p:nvPr/>
-        </p:nvGrpSpPr>
-        <p:grpSpPr>
-          <a:xfrm>
-            <a:off x="0" y="-419100"/>
-            <a:ext cx="7065924" cy="10314669"/>
-            <a:chOff x="0" y="0"/>
-            <a:chExt cx="7413808" cy="10314669"/>
-          </a:xfrm>
-        </p:grpSpPr>
-        <p:pic>
-          <p:nvPicPr>
-            <p:cNvPr id="9" name="object 9"/>
-            <p:cNvPicPr/>
-            <p:nvPr/>
-          </p:nvPicPr>
-          <p:blipFill>
-            <a:blip r:embed="rId5" cstate="print"/>
-            <a:stretch>
-              <a:fillRect/>
-            </a:stretch>
-          </p:blipFill>
-          <p:spPr>
-            <a:xfrm>
-              <a:off x="0" y="0"/>
-              <a:ext cx="2975600" cy="3863365"/>
-            </a:xfrm>
-            <a:prstGeom prst="rect">
-              <a:avLst/>
-            </a:prstGeom>
-          </p:spPr>
-        </p:pic>
-        <p:sp>
-          <p:nvSpPr>
-            <p:cNvPr id="10" name="object 10"/>
-            <p:cNvSpPr/>
-            <p:nvPr/>
-          </p:nvSpPr>
-          <p:spPr>
-            <a:xfrm>
-              <a:off x="5289733" y="9906364"/>
-              <a:ext cx="2124075" cy="408305"/>
-            </a:xfrm>
-            <a:custGeom>
-              <a:avLst/>
-              <a:gdLst/>
-              <a:ahLst/>
-              <a:cxnLst/>
-              <a:rect l="l" t="t" r="r" b="b"/>
-              <a:pathLst>
-                <a:path w="2124075" h="408304">
-                  <a:moveTo>
-                    <a:pt x="692905" y="407848"/>
-                  </a:moveTo>
-                  <a:lnTo>
-                    <a:pt x="576622" y="407848"/>
-                  </a:lnTo>
-                  <a:lnTo>
-                    <a:pt x="589898" y="384507"/>
-                  </a:lnTo>
-                  <a:lnTo>
-                    <a:pt x="615531" y="339895"/>
-                  </a:lnTo>
-                  <a:lnTo>
-                    <a:pt x="641286" y="295407"/>
-                  </a:lnTo>
-                  <a:lnTo>
-                    <a:pt x="680927" y="227336"/>
-                  </a:lnTo>
-                  <a:lnTo>
-                    <a:pt x="707424" y="188522"/>
-                  </a:lnTo>
-                  <a:lnTo>
-                    <a:pt x="765103" y="139707"/>
-                  </a:lnTo>
-                  <a:lnTo>
-                    <a:pt x="804934" y="125738"/>
-                  </a:lnTo>
-                  <a:lnTo>
-                    <a:pt x="843771" y="130150"/>
-                  </a:lnTo>
-                  <a:lnTo>
-                    <a:pt x="881827" y="152376"/>
-                  </a:lnTo>
-                  <a:lnTo>
-                    <a:pt x="919315" y="191849"/>
-                  </a:lnTo>
-                  <a:lnTo>
-                    <a:pt x="938960" y="224009"/>
-                  </a:lnTo>
-                  <a:lnTo>
-                    <a:pt x="940412" y="227336"/>
-                  </a:lnTo>
-                  <a:lnTo>
-                    <a:pt x="854231" y="227336"/>
-                  </a:lnTo>
-                  <a:lnTo>
-                    <a:pt x="817784" y="245957"/>
-                  </a:lnTo>
-                  <a:lnTo>
-                    <a:pt x="765412" y="297616"/>
-                  </a:lnTo>
-                  <a:lnTo>
-                    <a:pt x="726214" y="355397"/>
-                  </a:lnTo>
-                  <a:lnTo>
-                    <a:pt x="708348" y="382775"/>
-                  </a:lnTo>
-                  <a:lnTo>
-                    <a:pt x="692905" y="407848"/>
-                  </a:lnTo>
-                  <a:close/>
-                </a:path>
-                <a:path w="2124075" h="408304">
-                  <a:moveTo>
-                    <a:pt x="996758" y="407848"/>
-                  </a:moveTo>
-                  <a:lnTo>
-                    <a:pt x="900108" y="407848"/>
-                  </a:lnTo>
-                  <a:lnTo>
-                    <a:pt x="891672" y="374475"/>
-                  </a:lnTo>
-                  <a:lnTo>
-                    <a:pt x="879377" y="326403"/>
-                  </a:lnTo>
-                  <a:lnTo>
-                    <a:pt x="873576" y="301982"/>
-                  </a:lnTo>
-                  <a:lnTo>
-                    <a:pt x="867358" y="277424"/>
-                  </a:lnTo>
-                  <a:lnTo>
-                    <a:pt x="860864" y="252588"/>
-                  </a:lnTo>
-                  <a:lnTo>
-                    <a:pt x="854231" y="227336"/>
-                  </a:lnTo>
-                  <a:lnTo>
-                    <a:pt x="940412" y="227336"/>
-                  </a:lnTo>
-                  <a:lnTo>
-                    <a:pt x="954445" y="259496"/>
-                  </a:lnTo>
-                  <a:lnTo>
-                    <a:pt x="967157" y="296646"/>
-                  </a:lnTo>
-                  <a:lnTo>
-                    <a:pt x="978481" y="333796"/>
-                  </a:lnTo>
-                  <a:lnTo>
-                    <a:pt x="990338" y="378385"/>
-                  </a:lnTo>
-                  <a:lnTo>
-                    <a:pt x="996758" y="407848"/>
-                  </a:lnTo>
-                  <a:close/>
-                </a:path>
-                <a:path w="2124075" h="408304">
-                  <a:moveTo>
-                    <a:pt x="115737" y="407848"/>
-                  </a:moveTo>
-                  <a:lnTo>
-                    <a:pt x="0" y="407848"/>
-                  </a:lnTo>
-                  <a:lnTo>
-                    <a:pt x="15167" y="371238"/>
-                  </a:lnTo>
-                  <a:lnTo>
-                    <a:pt x="37730" y="324924"/>
-                  </a:lnTo>
-                  <a:lnTo>
-                    <a:pt x="60462" y="283393"/>
-                  </a:lnTo>
-                  <a:lnTo>
-                    <a:pt x="85040" y="242855"/>
-                  </a:lnTo>
-                  <a:lnTo>
-                    <a:pt x="112600" y="204305"/>
-                  </a:lnTo>
-                  <a:lnTo>
-                    <a:pt x="144278" y="168736"/>
-                  </a:lnTo>
-                  <a:lnTo>
-                    <a:pt x="181210" y="137141"/>
-                  </a:lnTo>
-                  <a:lnTo>
-                    <a:pt x="221517" y="121061"/>
-                  </a:lnTo>
-                  <a:lnTo>
-                    <a:pt x="242364" y="121962"/>
-                  </a:lnTo>
-                  <a:lnTo>
-                    <a:pt x="264043" y="128269"/>
-                  </a:lnTo>
-                  <a:lnTo>
-                    <a:pt x="308696" y="153174"/>
-                  </a:lnTo>
-                  <a:lnTo>
-                    <a:pt x="343918" y="186674"/>
-                  </a:lnTo>
-                  <a:lnTo>
-                    <a:pt x="363634" y="215507"/>
-                  </a:lnTo>
-                  <a:lnTo>
-                    <a:pt x="269960" y="215507"/>
-                  </a:lnTo>
-                  <a:lnTo>
-                    <a:pt x="230508" y="249192"/>
-                  </a:lnTo>
-                  <a:lnTo>
-                    <a:pt x="196186" y="284262"/>
-                  </a:lnTo>
-                  <a:lnTo>
-                    <a:pt x="166580" y="321551"/>
-                  </a:lnTo>
-                  <a:lnTo>
-                    <a:pt x="141272" y="361889"/>
-                  </a:lnTo>
-                  <a:lnTo>
-                    <a:pt x="115737" y="407848"/>
-                  </a:lnTo>
-                  <a:close/>
-                </a:path>
-                <a:path w="2124075" h="408304">
-                  <a:moveTo>
-                    <a:pt x="432814" y="407848"/>
-                  </a:moveTo>
-                  <a:lnTo>
-                    <a:pt x="333919" y="407848"/>
-                  </a:lnTo>
-                  <a:lnTo>
-                    <a:pt x="324065" y="368913"/>
-                  </a:lnTo>
-                  <a:lnTo>
-                    <a:pt x="309897" y="314574"/>
-                  </a:lnTo>
-                  <a:lnTo>
-                    <a:pt x="301993" y="290570"/>
-                  </a:lnTo>
-                  <a:lnTo>
-                    <a:pt x="292147" y="266704"/>
-                  </a:lnTo>
-                  <a:lnTo>
-                    <a:pt x="281192" y="242006"/>
-                  </a:lnTo>
-                  <a:lnTo>
-                    <a:pt x="269960" y="215507"/>
-                  </a:lnTo>
-                  <a:lnTo>
-                    <a:pt x="363634" y="215507"/>
-                  </a:lnTo>
-                  <a:lnTo>
-                    <a:pt x="371375" y="226828"/>
-                  </a:lnTo>
-                  <a:lnTo>
-                    <a:pt x="392731" y="271694"/>
-                  </a:lnTo>
-                  <a:lnTo>
-                    <a:pt x="406552" y="310138"/>
-                  </a:lnTo>
-                  <a:lnTo>
-                    <a:pt x="417877" y="349691"/>
-                  </a:lnTo>
-                  <a:lnTo>
-                    <a:pt x="428092" y="389798"/>
-                  </a:lnTo>
-                  <a:lnTo>
-                    <a:pt x="432814" y="407848"/>
-                  </a:lnTo>
-                  <a:close/>
-                </a:path>
-                <a:path w="2124075" h="408304">
-                  <a:moveTo>
-                    <a:pt x="1217971" y="407848"/>
-                  </a:moveTo>
-                  <a:lnTo>
-                    <a:pt x="1093662" y="407848"/>
-                  </a:lnTo>
-                  <a:lnTo>
-                    <a:pt x="1118124" y="365932"/>
-                  </a:lnTo>
-                  <a:lnTo>
-                    <a:pt x="1147107" y="316607"/>
-                  </a:lnTo>
-                  <a:lnTo>
-                    <a:pt x="1177199" y="268113"/>
-                  </a:lnTo>
-                  <a:lnTo>
-                    <a:pt x="1209232" y="221421"/>
-                  </a:lnTo>
-                  <a:lnTo>
-                    <a:pt x="1259708" y="165234"/>
-                  </a:lnTo>
-                  <a:lnTo>
-                    <a:pt x="1287651" y="139081"/>
-                  </a:lnTo>
-                  <a:lnTo>
-                    <a:pt x="1342565" y="97565"/>
-                  </a:lnTo>
-                  <a:lnTo>
-                    <a:pt x="1369537" y="93706"/>
-                  </a:lnTo>
-                  <a:lnTo>
-                    <a:pt x="1396231" y="101215"/>
-                  </a:lnTo>
-                  <a:lnTo>
-                    <a:pt x="1422232" y="119397"/>
-                  </a:lnTo>
-                  <a:lnTo>
-                    <a:pt x="1448973" y="147445"/>
-                  </a:lnTo>
-                  <a:lnTo>
-                    <a:pt x="1470860" y="178542"/>
-                  </a:lnTo>
-                  <a:lnTo>
-                    <a:pt x="1479829" y="197764"/>
-                  </a:lnTo>
-                  <a:lnTo>
-                    <a:pt x="1385252" y="197764"/>
-                  </a:lnTo>
-                  <a:lnTo>
-                    <a:pt x="1360453" y="221768"/>
-                  </a:lnTo>
-                  <a:lnTo>
-                    <a:pt x="1311410" y="270331"/>
-                  </a:lnTo>
-                  <a:lnTo>
-                    <a:pt x="1261126" y="337246"/>
-                  </a:lnTo>
-                  <a:lnTo>
-                    <a:pt x="1234870" y="378647"/>
-                  </a:lnTo>
-                  <a:lnTo>
-                    <a:pt x="1217971" y="407848"/>
-                  </a:lnTo>
-                  <a:close/>
-                </a:path>
-                <a:path w="2124075" h="408304">
-                  <a:moveTo>
-                    <a:pt x="1518842" y="407848"/>
-                  </a:moveTo>
-                  <a:lnTo>
-                    <a:pt x="1424115" y="407848"/>
-                  </a:lnTo>
-                  <a:lnTo>
-                    <a:pt x="1422833" y="396128"/>
-                  </a:lnTo>
-                  <a:lnTo>
-                    <a:pt x="1412756" y="299557"/>
-                  </a:lnTo>
-                  <a:lnTo>
-                    <a:pt x="1407440" y="250994"/>
-                  </a:lnTo>
-                  <a:lnTo>
-                    <a:pt x="1397086" y="203678"/>
-                  </a:lnTo>
-                  <a:lnTo>
-                    <a:pt x="1392648" y="202199"/>
-                  </a:lnTo>
-                  <a:lnTo>
-                    <a:pt x="1389690" y="199242"/>
-                  </a:lnTo>
-                  <a:lnTo>
-                    <a:pt x="1385252" y="197764"/>
-                  </a:lnTo>
-                  <a:lnTo>
-                    <a:pt x="1479829" y="197764"/>
-                  </a:lnTo>
-                  <a:lnTo>
-                    <a:pt x="1486923" y="212966"/>
-                  </a:lnTo>
-                  <a:lnTo>
-                    <a:pt x="1496190" y="250994"/>
-                  </a:lnTo>
-                  <a:lnTo>
-                    <a:pt x="1503302" y="300829"/>
-                  </a:lnTo>
-                  <a:lnTo>
-                    <a:pt x="1510485" y="350877"/>
-                  </a:lnTo>
-                  <a:lnTo>
-                    <a:pt x="1517810" y="400996"/>
-                  </a:lnTo>
-                  <a:lnTo>
-                    <a:pt x="1518842" y="407848"/>
-                  </a:lnTo>
-                  <a:close/>
-                </a:path>
-                <a:path w="2124075" h="408304">
-                  <a:moveTo>
-                    <a:pt x="1728593" y="407848"/>
-                  </a:moveTo>
-                  <a:lnTo>
-                    <a:pt x="1614219" y="407848"/>
-                  </a:lnTo>
-                  <a:lnTo>
-                    <a:pt x="1636945" y="369282"/>
-                  </a:lnTo>
-                  <a:lnTo>
-                    <a:pt x="1661208" y="328047"/>
-                  </a:lnTo>
-                  <a:lnTo>
-                    <a:pt x="1685550" y="286980"/>
-                  </a:lnTo>
-                  <a:lnTo>
-                    <a:pt x="1710221" y="246027"/>
-                  </a:lnTo>
-                  <a:lnTo>
-                    <a:pt x="1735307" y="205411"/>
-                  </a:lnTo>
-                  <a:lnTo>
-                    <a:pt x="1760962" y="165234"/>
-                  </a:lnTo>
-                  <a:lnTo>
-                    <a:pt x="1786817" y="128529"/>
-                  </a:lnTo>
-                  <a:lnTo>
-                    <a:pt x="1815158" y="93740"/>
-                  </a:lnTo>
-                  <a:lnTo>
-                    <a:pt x="1846694" y="62075"/>
-                  </a:lnTo>
-                  <a:lnTo>
-                    <a:pt x="1882135" y="34738"/>
-                  </a:lnTo>
-                  <a:lnTo>
-                    <a:pt x="1922191" y="12937"/>
-                  </a:lnTo>
-                  <a:lnTo>
-                    <a:pt x="1968068" y="0"/>
-                  </a:lnTo>
-                  <a:lnTo>
-                    <a:pt x="2006319" y="3696"/>
-                  </a:lnTo>
-                  <a:lnTo>
-                    <a:pt x="2037635" y="24581"/>
-                  </a:lnTo>
-                  <a:lnTo>
-                    <a:pt x="2062712" y="63210"/>
-                  </a:lnTo>
-                  <a:lnTo>
-                    <a:pt x="2082010" y="114476"/>
-                  </a:lnTo>
-                  <a:lnTo>
-                    <a:pt x="1982166" y="114476"/>
-                  </a:lnTo>
-                  <a:lnTo>
-                    <a:pt x="1953253" y="126790"/>
-                  </a:lnTo>
-                  <a:lnTo>
-                    <a:pt x="1936474" y="137972"/>
-                  </a:lnTo>
-                  <a:lnTo>
-                    <a:pt x="1921081" y="150818"/>
-                  </a:lnTo>
-                  <a:lnTo>
-                    <a:pt x="1906243" y="164218"/>
-                  </a:lnTo>
-                  <a:lnTo>
-                    <a:pt x="1891128" y="177063"/>
-                  </a:lnTo>
-                  <a:lnTo>
-                    <a:pt x="1856812" y="209663"/>
-                  </a:lnTo>
-                  <a:lnTo>
-                    <a:pt x="1829595" y="247303"/>
-                  </a:lnTo>
-                  <a:lnTo>
-                    <a:pt x="1782261" y="328047"/>
-                  </a:lnTo>
-                  <a:lnTo>
-                    <a:pt x="1755045" y="366325"/>
-                  </a:lnTo>
-                  <a:lnTo>
-                    <a:pt x="1731124" y="402459"/>
-                  </a:lnTo>
-                  <a:lnTo>
-                    <a:pt x="1728593" y="407848"/>
-                  </a:lnTo>
-                  <a:close/>
-                </a:path>
-                <a:path w="2124075" h="408304">
-                  <a:moveTo>
-                    <a:pt x="2123898" y="407848"/>
-                  </a:moveTo>
-                  <a:lnTo>
-                    <a:pt x="2042951" y="407848"/>
-                  </a:lnTo>
-                  <a:lnTo>
-                    <a:pt x="2037751" y="369282"/>
-                  </a:lnTo>
-                  <a:lnTo>
-                    <a:pt x="2032686" y="320644"/>
-                  </a:lnTo>
-                  <a:lnTo>
-                    <a:pt x="2028437" y="271833"/>
-                  </a:lnTo>
-                  <a:lnTo>
-                    <a:pt x="2024360" y="222952"/>
-                  </a:lnTo>
-                  <a:lnTo>
-                    <a:pt x="2019816" y="174106"/>
-                  </a:lnTo>
-                  <a:lnTo>
-                    <a:pt x="2019816" y="163756"/>
-                  </a:lnTo>
-                  <a:lnTo>
-                    <a:pt x="2013368" y="131989"/>
-                  </a:lnTo>
-                  <a:lnTo>
-                    <a:pt x="2001511" y="115886"/>
-                  </a:lnTo>
-                  <a:lnTo>
-                    <a:pt x="1982166" y="114476"/>
-                  </a:lnTo>
-                  <a:lnTo>
-                    <a:pt x="2082010" y="114476"/>
-                  </a:lnTo>
-                  <a:lnTo>
-                    <a:pt x="2096733" y="168376"/>
-                  </a:lnTo>
-                  <a:lnTo>
-                    <a:pt x="2106810" y="223108"/>
-                  </a:lnTo>
-                  <a:lnTo>
-                    <a:pt x="2113004" y="279087"/>
-                  </a:lnTo>
-                  <a:lnTo>
-                    <a:pt x="2116799" y="328502"/>
-                  </a:lnTo>
-                  <a:lnTo>
-                    <a:pt x="2120904" y="377839"/>
-                  </a:lnTo>
-                  <a:lnTo>
-                    <a:pt x="2123898" y="407848"/>
-                  </a:lnTo>
-                  <a:close/>
-                </a:path>
-              </a:pathLst>
-            </a:custGeom>
-            <a:solidFill>
-              <a:srgbClr val="040707"/>
-            </a:solidFill>
-          </p:spPr>
-          <p:txBody>
-            <a:bodyPr wrap="square" lIns="0" tIns="0" rIns="0" bIns="0" rtlCol="0"/>
-            <a:lstStyle/>
-            <a:p>
-              <a:endParaRPr dirty="0"/>
-            </a:p>
-          </p:txBody>
-        </p:sp>
-      </p:grpSp>
-      <p:sp>
-        <p:nvSpPr>
-          <p:cNvPr id="12" name="object 5">
-            <a:extLst>
-              <a:ext uri="{FF2B5EF4-FFF2-40B4-BE49-F238E27FC236}">
-                <a16:creationId xmlns:a16="http://schemas.microsoft.com/office/drawing/2014/main" id="{11F2B6B6-0466-4FF3-9677-694F0F61AE7C}"/>
-              </a:ext>
-            </a:extLst>
-          </p:cNvPr>
-          <p:cNvSpPr txBox="1"/>
-          <p:nvPr/>
-        </p:nvSpPr>
-        <p:spPr>
-          <a:xfrm>
-            <a:off x="11506200" y="4686300"/>
-            <a:ext cx="9448800" cy="979114"/>
-          </a:xfrm>
-          <a:prstGeom prst="rect">
-            <a:avLst/>
-          </a:prstGeom>
-        </p:spPr>
-        <p:txBody>
-          <a:bodyPr vert="horz" wrap="square" lIns="0" tIns="29845" rIns="0" bIns="0" rtlCol="0">
-            <a:spAutoFit/>
-          </a:bodyPr>
-          <a:lstStyle/>
-          <a:p>
-            <a:pPr marL="12700" marR="5080">
-              <a:spcBef>
-                <a:spcPts val="235"/>
-              </a:spcBef>
-            </a:pPr>
-            <a:endParaRPr lang="en-US" sz="3000" kern="0" dirty="0">
-              <a:latin typeface="Raleway" panose="020B0503030101060003" pitchFamily="34" charset="0"/>
-              <a:ea typeface="Roboto" panose="02000000000000000000" pitchFamily="2" charset="0"/>
-              <a:cs typeface="Roboto" panose="02000000000000000000" pitchFamily="2" charset="0"/>
-            </a:endParaRPr>
-          </a:p>
-          <a:p>
-            <a:pPr marL="12700" marR="5080">
-              <a:spcBef>
-                <a:spcPts val="235"/>
-              </a:spcBef>
-            </a:pPr>
-            <a:endParaRPr lang="en-US" sz="3000" kern="0" dirty="0">
-              <a:latin typeface="Raleway" panose="020B0503030101060003" pitchFamily="34" charset="0"/>
-              <a:ea typeface="Roboto" panose="02000000000000000000" pitchFamily="2" charset="0"/>
-              <a:cs typeface="Roboto" panose="02000000000000000000" pitchFamily="2" charset="0"/>
-            </a:endParaRPr>
-          </a:p>
-        </p:txBody>
-      </p:sp>
-      <p:sp>
-        <p:nvSpPr>
-          <p:cNvPr id="11" name="object 5">
-            <a:extLst>
-              <a:ext uri="{FF2B5EF4-FFF2-40B4-BE49-F238E27FC236}">
-                <a16:creationId xmlns:a16="http://schemas.microsoft.com/office/drawing/2014/main" id="{F7645084-9C48-4A62-8E6A-A331ADE60D77}"/>
-              </a:ext>
-            </a:extLst>
-          </p:cNvPr>
-          <p:cNvSpPr txBox="1"/>
-          <p:nvPr/>
-        </p:nvSpPr>
-        <p:spPr>
-          <a:xfrm>
-            <a:off x="8153400" y="1104900"/>
-            <a:ext cx="9163713" cy="10248318"/>
+            <a:off x="8229600" y="1512582"/>
+            <a:ext cx="9163713" cy="8016938"/>
           </a:xfrm>
           <a:prstGeom prst="rect">
             <a:avLst/>
@@ -11704,7 +10835,7 @@
                 <a:ea typeface="Roboto" panose="02000000000000000000" pitchFamily="2" charset="0"/>
                 <a:cs typeface="Roboto" panose="02000000000000000000" pitchFamily="2" charset="0"/>
               </a:rPr>
-              <a:t>Q1. What is an acceptable number of participants for digital prototype evaluation? </a:t>
+              <a:t>Q1. What is an acceptable number of participants for digital prototype evaluation? 5 per user group </a:t>
             </a:r>
           </a:p>
           <a:p>
@@ -11719,50 +10850,8 @@
                 <a:ea typeface="Roboto" panose="02000000000000000000" pitchFamily="2" charset="0"/>
                 <a:cs typeface="Roboto" panose="02000000000000000000" pitchFamily="2" charset="0"/>
               </a:rPr>
-              <a:t>Q2. Should we post the paper prototype in the dissertation or the appendix? Could you give some opinions for the paper prototype and related software product sections? (go to that part of the dissertation) </a:t>
+              <a:t>Could you have a look at my evaluation section (paper prototype + digital prototype)? Describe how you will quantitatively conduct the digital prototype.</a:t>
             </a:r>
-          </a:p>
-          <a:p>
-            <a:pPr marL="12700" marR="5080">
-              <a:spcBef>
-                <a:spcPts val="235"/>
-              </a:spcBef>
-            </a:pPr>
-            <a:r>
-              <a:rPr lang="en-US" sz="2800" kern="0" dirty="0">
-                <a:latin typeface="Raleway" panose="020B0503030101060003" pitchFamily="34" charset="0"/>
-                <a:ea typeface="Roboto" panose="02000000000000000000" pitchFamily="2" charset="0"/>
-                <a:cs typeface="Roboto" panose="02000000000000000000" pitchFamily="2" charset="0"/>
-              </a:rPr>
-              <a:t>Q3. The web demo takes up quite a lot of space, probably 1 page for 3 web diagrams. If we decrease the image size, it makes it difficult to read the web text as well. Would you make it smaller or keep it like that?</a:t>
-            </a:r>
-          </a:p>
-          <a:p>
-            <a:pPr marL="12700" marR="5080">
-              <a:spcBef>
-                <a:spcPts val="235"/>
-              </a:spcBef>
-            </a:pPr>
-            <a:r>
-              <a:rPr lang="en-US" sz="2800" kern="0" dirty="0">
-                <a:latin typeface="Raleway" panose="020B0503030101060003" pitchFamily="34" charset="0"/>
-                <a:ea typeface="Roboto" panose="02000000000000000000" pitchFamily="2" charset="0"/>
-                <a:cs typeface="Roboto" panose="02000000000000000000" pitchFamily="2" charset="0"/>
-              </a:rPr>
-              <a:t>Q3. Should I discuss about the coding platform at all? E.g. why we have come up with the decisions to use React.JS, PostgreSQL and Django?</a:t>
-            </a:r>
-          </a:p>
-          <a:p>
-            <a:pPr marL="12700" marR="5080">
-              <a:spcBef>
-                <a:spcPts val="235"/>
-              </a:spcBef>
-            </a:pPr>
-            <a:endParaRPr lang="en-US" sz="2800" kern="0" dirty="0">
-              <a:latin typeface="Raleway" panose="020B0503030101060003" pitchFamily="34" charset="0"/>
-              <a:ea typeface="Roboto" panose="02000000000000000000" pitchFamily="2" charset="0"/>
-              <a:cs typeface="Roboto" panose="02000000000000000000" pitchFamily="2" charset="0"/>
-            </a:endParaRPr>
           </a:p>
           <a:p>
             <a:pPr marL="12700" marR="5080">
@@ -11788,38 +10877,7 @@
                 <a:ea typeface="Roboto" panose="02000000000000000000" pitchFamily="2" charset="0"/>
                 <a:cs typeface="Roboto" panose="02000000000000000000" pitchFamily="2" charset="0"/>
               </a:rPr>
-              <a:t>Ask Stephen to read the whole dissertation in the order he wants for refinement and evaluation </a:t>
-            </a:r>
-          </a:p>
-          <a:p>
-            <a:pPr marL="12700" marR="5080">
-              <a:spcBef>
-                <a:spcPts val="235"/>
-              </a:spcBef>
-            </a:pPr>
-            <a:r>
-              <a:rPr lang="en-US" sz="2800" kern="0" dirty="0">
-                <a:latin typeface="Raleway" panose="020B0503030101060003" pitchFamily="34" charset="0"/>
-                <a:ea typeface="Roboto" panose="02000000000000000000" pitchFamily="2" charset="0"/>
-                <a:cs typeface="Roboto" panose="02000000000000000000" pitchFamily="2" charset="0"/>
-              </a:rPr>
-              <a:t>Or</a:t>
-            </a:r>
-          </a:p>
-          <a:p>
-            <a:pPr marL="527050" marR="5080" indent="-514350">
-              <a:spcBef>
-                <a:spcPts val="235"/>
-              </a:spcBef>
-              <a:buAutoNum type="arabicPeriod"/>
-            </a:pPr>
-            <a:r>
-              <a:rPr lang="en-US" sz="2800" kern="0" dirty="0">
-                <a:latin typeface="Raleway" panose="020B0503030101060003" pitchFamily="34" charset="0"/>
-                <a:ea typeface="Roboto" panose="02000000000000000000" pitchFamily="2" charset="0"/>
-                <a:cs typeface="Roboto" panose="02000000000000000000" pitchFamily="2" charset="0"/>
-              </a:rPr>
-              <a:t>Final Software Product</a:t>
+              <a:t>Q2. What is your comment in the final software product section? (check first two paragraphs)</a:t>
             </a:r>
           </a:p>
           <a:p>
@@ -11840,11 +10898,14 @@
                 <a:spcPts val="235"/>
               </a:spcBef>
             </a:pPr>
-            <a:endParaRPr lang="en-US" sz="2800" kern="0" dirty="0">
-              <a:latin typeface="Raleway" panose="020B0503030101060003" pitchFamily="34" charset="0"/>
-              <a:ea typeface="Roboto" panose="02000000000000000000" pitchFamily="2" charset="0"/>
-              <a:cs typeface="Roboto" panose="02000000000000000000" pitchFamily="2" charset="0"/>
-            </a:endParaRPr>
+            <a:r>
+              <a:rPr lang="en-US" sz="2800" kern="0" dirty="0">
+                <a:latin typeface="Raleway" panose="020B0503030101060003" pitchFamily="34" charset="0"/>
+                <a:ea typeface="Roboto" panose="02000000000000000000" pitchFamily="2" charset="0"/>
+                <a:cs typeface="Roboto" panose="02000000000000000000" pitchFamily="2" charset="0"/>
+              </a:rPr>
+              <a:t>Q3. What is your thought on the software design section?</a:t>
+            </a:r>
           </a:p>
           <a:p>
             <a:pPr marL="12700" marR="5080">
@@ -11864,11 +10925,124 @@
                 <a:spcPts val="235"/>
               </a:spcBef>
             </a:pPr>
-            <a:endParaRPr lang="en-US" sz="2800" kern="0" dirty="0">
-              <a:latin typeface="Raleway" panose="020B0503030101060003" pitchFamily="34" charset="0"/>
-              <a:ea typeface="Roboto" panose="02000000000000000000" pitchFamily="2" charset="0"/>
-              <a:cs typeface="Roboto" panose="02000000000000000000" pitchFamily="2" charset="0"/>
-            </a:endParaRPr>
+            <a:r>
+              <a:rPr lang="en-US" sz="2800" kern="0" dirty="0">
+                <a:latin typeface="Raleway" panose="020B0503030101060003" pitchFamily="34" charset="0"/>
+                <a:ea typeface="Roboto" panose="02000000000000000000" pitchFamily="2" charset="0"/>
+                <a:cs typeface="Roboto" panose="02000000000000000000" pitchFamily="2" charset="0"/>
+              </a:rPr>
+              <a:t>Don’t need to educate the reader how you do the experiment, but </a:t>
+            </a:r>
+            <a:r>
+              <a:rPr lang="en-US" sz="2800" kern="0" dirty="0" err="1">
+                <a:latin typeface="Raleway" panose="020B0503030101060003" pitchFamily="34" charset="0"/>
+                <a:ea typeface="Roboto" panose="02000000000000000000" pitchFamily="2" charset="0"/>
+                <a:cs typeface="Roboto" panose="02000000000000000000" pitchFamily="2" charset="0"/>
+              </a:rPr>
+              <a:t>cnvice</a:t>
+            </a:r>
+            <a:r>
+              <a:rPr lang="en-US" sz="2800" kern="0" dirty="0">
+                <a:latin typeface="Raleway" panose="020B0503030101060003" pitchFamily="34" charset="0"/>
+                <a:ea typeface="Roboto" panose="02000000000000000000" pitchFamily="2" charset="0"/>
+                <a:cs typeface="Roboto" panose="02000000000000000000" pitchFamily="2" charset="0"/>
+              </a:rPr>
+              <a:t> the </a:t>
+            </a:r>
+            <a:r>
+              <a:rPr lang="en-US" sz="2800" kern="0" dirty="0" err="1">
+                <a:latin typeface="Raleway" panose="020B0503030101060003" pitchFamily="34" charset="0"/>
+                <a:ea typeface="Roboto" panose="02000000000000000000" pitchFamily="2" charset="0"/>
+                <a:cs typeface="Roboto" panose="02000000000000000000" pitchFamily="2" charset="0"/>
+              </a:rPr>
+              <a:t>lectuer</a:t>
+            </a:r>
+            <a:r>
+              <a:rPr lang="en-US" sz="2800" kern="0" dirty="0">
+                <a:latin typeface="Raleway" panose="020B0503030101060003" pitchFamily="34" charset="0"/>
+                <a:ea typeface="Roboto" panose="02000000000000000000" pitchFamily="2" charset="0"/>
+                <a:cs typeface="Roboto" panose="02000000000000000000" pitchFamily="2" charset="0"/>
+              </a:rPr>
+              <a:t> it is a good design and what you have done don’t have a usability guide </a:t>
+            </a:r>
+          </a:p>
+          <a:p>
+            <a:pPr marL="12700" marR="5080">
+              <a:spcBef>
+                <a:spcPts val="235"/>
+              </a:spcBef>
+            </a:pPr>
+            <a:r>
+              <a:rPr lang="en-US" sz="2800" kern="0" dirty="0">
+                <a:latin typeface="Raleway" panose="020B0503030101060003" pitchFamily="34" charset="0"/>
+                <a:ea typeface="Roboto" panose="02000000000000000000" pitchFamily="2" charset="0"/>
+                <a:cs typeface="Roboto" panose="02000000000000000000" pitchFamily="2" charset="0"/>
+              </a:rPr>
+              <a:t>Talk about </a:t>
+            </a:r>
+            <a:r>
+              <a:rPr lang="en-US" sz="2800" kern="0" dirty="0" err="1">
+                <a:latin typeface="Raleway" panose="020B0503030101060003" pitchFamily="34" charset="0"/>
+                <a:ea typeface="Roboto" panose="02000000000000000000" pitchFamily="2" charset="0"/>
+                <a:cs typeface="Roboto" panose="02000000000000000000" pitchFamily="2" charset="0"/>
+              </a:rPr>
+              <a:t>Limitated</a:t>
+            </a:r>
+            <a:r>
+              <a:rPr lang="en-US" sz="2800" kern="0" dirty="0">
+                <a:latin typeface="Raleway" panose="020B0503030101060003" pitchFamily="34" charset="0"/>
+                <a:ea typeface="Roboto" panose="02000000000000000000" pitchFamily="2" charset="0"/>
+                <a:cs typeface="Roboto" panose="02000000000000000000" pitchFamily="2" charset="0"/>
+              </a:rPr>
+              <a:t> participant </a:t>
+            </a:r>
+            <a:r>
+              <a:rPr lang="en-US" sz="2800" kern="0" dirty="0" err="1">
+                <a:latin typeface="Raleway" panose="020B0503030101060003" pitchFamily="34" charset="0"/>
+                <a:ea typeface="Roboto" panose="02000000000000000000" pitchFamily="2" charset="0"/>
+                <a:cs typeface="Roboto" panose="02000000000000000000" pitchFamily="2" charset="0"/>
+              </a:rPr>
+              <a:t>diue</a:t>
+            </a:r>
+            <a:r>
+              <a:rPr lang="en-US" sz="2800" kern="0" dirty="0">
+                <a:latin typeface="Raleway" panose="020B0503030101060003" pitchFamily="34" charset="0"/>
+                <a:ea typeface="Roboto" panose="02000000000000000000" pitchFamily="2" charset="0"/>
+                <a:cs typeface="Roboto" panose="02000000000000000000" pitchFamily="2" charset="0"/>
+              </a:rPr>
+              <a:t> to </a:t>
+            </a:r>
+            <a:r>
+              <a:rPr lang="en-US" sz="2800" kern="0" dirty="0" err="1">
+                <a:latin typeface="Raleway" panose="020B0503030101060003" pitchFamily="34" charset="0"/>
+                <a:ea typeface="Roboto" panose="02000000000000000000" pitchFamily="2" charset="0"/>
+                <a:cs typeface="Roboto" panose="02000000000000000000" pitchFamily="2" charset="0"/>
+              </a:rPr>
+              <a:t>covid</a:t>
+            </a:r>
+            <a:r>
+              <a:rPr lang="en-US" sz="2800" kern="0" dirty="0">
+                <a:latin typeface="Raleway" panose="020B0503030101060003" pitchFamily="34" charset="0"/>
+                <a:ea typeface="Roboto" panose="02000000000000000000" pitchFamily="2" charset="0"/>
+                <a:cs typeface="Roboto" panose="02000000000000000000" pitchFamily="2" charset="0"/>
+              </a:rPr>
+              <a:t> </a:t>
+            </a:r>
+          </a:p>
+          <a:p>
+            <a:pPr marL="12700" marR="5080">
+              <a:spcBef>
+                <a:spcPts val="235"/>
+              </a:spcBef>
+            </a:pPr>
+            <a:r>
+              <a:rPr lang="en-US" sz="2800" kern="0" dirty="0">
+                <a:latin typeface="Raleway" panose="020B0503030101060003" pitchFamily="34" charset="0"/>
+                <a:ea typeface="Roboto" panose="02000000000000000000" pitchFamily="2" charset="0"/>
+                <a:cs typeface="Roboto" panose="02000000000000000000" pitchFamily="2" charset="0"/>
+              </a:rPr>
+              <a:t>Paper prototype – what you take in and out, study design and result </a:t>
+            </a:r>
           </a:p>
         </p:txBody>
       </p:sp>
@@ -11885,7 +11059,7 @@
 </p:sld>
 </file>
 
-<file path=ppt/slides/slide6.xml><?xml version="1.0" encoding="utf-8"?>
+<file path=ppt/slides/slide5.xml><?xml version="1.0" encoding="utf-8"?>
 <p:sld xmlns:a="http://schemas.openxmlformats.org/drawingml/2006/main" xmlns:r="http://schemas.openxmlformats.org/officeDocument/2006/relationships" xmlns:p="http://schemas.openxmlformats.org/presentationml/2006/main">
   <p:cSld>
     <p:spTree>
